--- a/Papers/Novel/Sumarry of Max Plus.pptx
+++ b/Papers/Novel/Sumarry of Max Plus.pptx
@@ -11,6 +11,12 @@
     <p:sldId id="260" r:id="rId5"/>
     <p:sldId id="257" r:id="rId6"/>
     <p:sldId id="261" r:id="rId7"/>
+    <p:sldId id="267" r:id="rId8"/>
+    <p:sldId id="262" r:id="rId9"/>
+    <p:sldId id="263" r:id="rId10"/>
+    <p:sldId id="264" r:id="rId11"/>
+    <p:sldId id="265" r:id="rId12"/>
+    <p:sldId id="266" r:id="rId13"/>
   </p:sldIdLst>
   <p:sldSz cx="12192000" cy="6858000"/>
   <p:notesSz cx="6858000" cy="9144000"/>
@@ -280,7 +286,7 @@
           <a:p>
             <a:fld id="{1160EA64-D806-43AC-9DF2-F8C432F32B4C}" type="datetimeFigureOut">
               <a:rPr lang="en-US" dirty="0"/>
-              <a:t>8/26/21</a:t>
+              <a:t>12/6/21</a:t>
             </a:fld>
             <a:endParaRPr lang="en-US" dirty="0"/>
           </a:p>
@@ -446,7 +452,7 @@
           <a:p>
             <a:fld id="{E9F9C37B-1D36-470B-8223-D6C91242EC14}" type="datetimeFigureOut">
               <a:rPr lang="en-US" dirty="0"/>
-              <a:t>8/26/21</a:t>
+              <a:t>12/6/21</a:t>
             </a:fld>
             <a:endParaRPr lang="en-US" dirty="0"/>
           </a:p>
@@ -621,7 +627,7 @@
           <a:p>
             <a:fld id="{67C6F52A-A82B-47A2-A83A-8C4C91F2D59F}" type="datetimeFigureOut">
               <a:rPr lang="en-US" dirty="0"/>
-              <a:t>8/26/21</a:t>
+              <a:t>12/6/21</a:t>
             </a:fld>
             <a:endParaRPr lang="en-US" dirty="0"/>
           </a:p>
@@ -786,7 +792,7 @@
           <a:p>
             <a:fld id="{F070A7B3-6521-4DCA-87E5-044747A908C1}" type="datetimeFigureOut">
               <a:rPr lang="en-US" dirty="0"/>
-              <a:t>8/26/21</a:t>
+              <a:t>12/6/21</a:t>
             </a:fld>
             <a:endParaRPr lang="en-US" dirty="0"/>
           </a:p>
@@ -1050,7 +1056,7 @@
           <a:p>
             <a:fld id="{1160EA64-D806-43AC-9DF2-F8C432F32B4C}" type="datetimeFigureOut">
               <a:rPr lang="en-US" dirty="0"/>
-              <a:t>8/26/21</a:t>
+              <a:t>12/6/21</a:t>
             </a:fld>
             <a:endParaRPr lang="en-US" dirty="0"/>
           </a:p>
@@ -1278,7 +1284,7 @@
           <a:p>
             <a:fld id="{AB134690-1557-4C89-A502-4959FE7FAD70}" type="datetimeFigureOut">
               <a:rPr lang="en-US" dirty="0"/>
-              <a:t>8/26/21</a:t>
+              <a:t>12/6/21</a:t>
             </a:fld>
             <a:endParaRPr lang="en-US" dirty="0"/>
           </a:p>
@@ -1632,7 +1638,7 @@
           <a:p>
             <a:fld id="{4F7D4976-E339-4826-83B7-FBD03F55ECF8}" type="datetimeFigureOut">
               <a:rPr lang="en-US" dirty="0"/>
-              <a:t>8/26/21</a:t>
+              <a:t>12/6/21</a:t>
             </a:fld>
             <a:endParaRPr lang="en-US" dirty="0"/>
           </a:p>
@@ -1768,7 +1774,7 @@
           <a:p>
             <a:fld id="{E1037C31-9E7A-4F99-8774-A0E530DE1A42}" type="datetimeFigureOut">
               <a:rPr lang="en-US" dirty="0"/>
-              <a:t>8/26/21</a:t>
+              <a:t>12/6/21</a:t>
             </a:fld>
             <a:endParaRPr lang="en-US" dirty="0"/>
           </a:p>
@@ -1858,7 +1864,7 @@
           <a:p>
             <a:fld id="{C278504F-A551-4DE0-9316-4DCD1D8CC752}" type="datetimeFigureOut">
               <a:rPr lang="en-US" dirty="0"/>
-              <a:t>8/26/21</a:t>
+              <a:t>12/6/21</a:t>
             </a:fld>
             <a:endParaRPr lang="en-US" dirty="0"/>
           </a:p>
@@ -2210,7 +2216,7 @@
           <a:p>
             <a:fld id="{D1BE4249-C0D0-4B06-8692-E8BB871AF643}" type="datetimeFigureOut">
               <a:rPr lang="en-US" dirty="0"/>
-              <a:t>8/26/21</a:t>
+              <a:t>12/6/21</a:t>
             </a:fld>
             <a:endParaRPr lang="en-US" dirty="0"/>
           </a:p>
@@ -2562,7 +2568,7 @@
           <a:p>
             <a:fld id="{042B0DB6-F5C7-45FB-8CF3-31B45F9C2DAC}" type="datetimeFigureOut">
               <a:rPr lang="en-US" dirty="0"/>
-              <a:t>8/26/21</a:t>
+              <a:t>12/6/21</a:t>
             </a:fld>
             <a:endParaRPr lang="en-US" dirty="0"/>
           </a:p>
@@ -2799,7 +2805,7 @@
           <a:p>
             <a:fld id="{1160EA64-D806-43AC-9DF2-F8C432F32B4C}" type="datetimeFigureOut">
               <a:rPr lang="en-US" dirty="0"/>
-              <a:t>8/26/21</a:t>
+              <a:t>12/6/21</a:t>
             </a:fld>
             <a:endParaRPr lang="en-US" dirty="0"/>
           </a:p>
@@ -3317,6 +3323,3869 @@
 </p:sld>
 </file>
 
+<file path=ppt/slides/slide10.xml><?xml version="1.0" encoding="utf-8"?>
+<p:sld xmlns:a="http://schemas.openxmlformats.org/drawingml/2006/main" xmlns:r="http://schemas.openxmlformats.org/officeDocument/2006/relationships" xmlns:p="http://schemas.openxmlformats.org/presentationml/2006/main">
+  <p:cSld>
+    <p:spTree>
+      <p:nvGrpSpPr>
+        <p:cNvPr id="1" name=""/>
+        <p:cNvGrpSpPr/>
+        <p:nvPr/>
+      </p:nvGrpSpPr>
+      <p:grpSpPr>
+        <a:xfrm>
+          <a:off x="0" y="0"/>
+          <a:ext cx="0" cy="0"/>
+          <a:chOff x="0" y="0"/>
+          <a:chExt cx="0" cy="0"/>
+        </a:xfrm>
+      </p:grpSpPr>
+      <p:sp>
+        <p:nvSpPr>
+          <p:cNvPr id="2" name="Title 1">
+            <a:extLst>
+              <a:ext uri="{FF2B5EF4-FFF2-40B4-BE49-F238E27FC236}">
+                <a16:creationId xmlns:a16="http://schemas.microsoft.com/office/drawing/2014/main" id="{54F66592-D256-A649-B483-9AE20F93E902}"/>
+              </a:ext>
+            </a:extLst>
+          </p:cNvPr>
+          <p:cNvSpPr>
+            <a:spLocks noGrp="1"/>
+          </p:cNvSpPr>
+          <p:nvPr>
+            <p:ph type="title"/>
+          </p:nvPr>
+        </p:nvSpPr>
+        <p:spPr/>
+        <p:txBody>
+          <a:bodyPr/>
+          <a:lstStyle/>
+          <a:p>
+            <a:r>
+              <a:rPr lang="en-US" dirty="0"/>
+              <a:t>Making Max Plus Matrices</a:t>
+            </a:r>
+          </a:p>
+        </p:txBody>
+      </p:sp>
+      <mc:AlternateContent xmlns:mc="http://schemas.openxmlformats.org/markup-compatibility/2006" xmlns:a14="http://schemas.microsoft.com/office/drawing/2010/main">
+        <mc:Choice Requires="a14">
+          <p:sp>
+            <p:nvSpPr>
+              <p:cNvPr id="3" name="Content Placeholder 2">
+                <a:extLst>
+                  <a:ext uri="{FF2B5EF4-FFF2-40B4-BE49-F238E27FC236}">
+                    <a16:creationId xmlns:a16="http://schemas.microsoft.com/office/drawing/2014/main" id="{2B5007ED-0B27-F14F-B0F0-D1FD499DD283}"/>
+                  </a:ext>
+                </a:extLst>
+              </p:cNvPr>
+              <p:cNvSpPr>
+                <a:spLocks noGrp="1"/>
+              </p:cNvSpPr>
+              <p:nvPr>
+                <p:ph idx="1"/>
+              </p:nvPr>
+            </p:nvSpPr>
+            <p:spPr>
+              <a:xfrm>
+                <a:off x="2231136" y="2638044"/>
+                <a:ext cx="7729728" cy="4060930"/>
+              </a:xfrm>
+            </p:spPr>
+            <p:txBody>
+              <a:bodyPr/>
+              <a:lstStyle/>
+              <a:p>
+                <a:r>
+                  <a:rPr lang="en-US" dirty="0"/>
+                  <a:t>Reminder:    The route of the ACK is </a:t>
+                </a:r>
+              </a:p>
+              <a:p>
+                <a:pPr lvl="1"/>
+                <a14:m>
+                  <m:oMath xmlns:m="http://schemas.openxmlformats.org/officeDocument/2006/math">
+                    <m:r>
+                      <a:rPr lang="en-US" i="1">
+                        <a:latin typeface="Cambria Math" panose="02040503050406030204" pitchFamily="18" charset="0"/>
+                      </a:rPr>
+                      <m:t>𝑌</m:t>
+                    </m:r>
+                    <m:d>
+                      <m:dPr>
+                        <m:ctrlPr>
+                          <a:rPr lang="en-US" i="1">
+                            <a:latin typeface="Cambria Math" panose="02040503050406030204" pitchFamily="18" charset="0"/>
+                          </a:rPr>
+                        </m:ctrlPr>
+                      </m:dPr>
+                      <m:e>
+                        <m:r>
+                          <a:rPr lang="en-US" i="1">
+                            <a:latin typeface="Cambria Math" panose="02040503050406030204" pitchFamily="18" charset="0"/>
+                          </a:rPr>
+                          <m:t>𝑛</m:t>
+                        </m:r>
+                      </m:e>
+                    </m:d>
+                    <m:r>
+                      <a:rPr lang="en-US" i="1">
+                        <a:latin typeface="Cambria Math" panose="02040503050406030204" pitchFamily="18" charset="0"/>
+                      </a:rPr>
+                      <m:t>=(</m:t>
+                    </m:r>
+                    <m:sSub>
+                      <m:sSubPr>
+                        <m:ctrlPr>
+                          <a:rPr lang="en-US" i="1">
+                            <a:latin typeface="Cambria Math" panose="02040503050406030204" pitchFamily="18" charset="0"/>
+                          </a:rPr>
+                        </m:ctrlPr>
+                      </m:sSubPr>
+                      <m:e>
+                        <m:r>
+                          <a:rPr lang="en-US" i="1">
+                            <a:latin typeface="Cambria Math" panose="02040503050406030204" pitchFamily="18" charset="0"/>
+                          </a:rPr>
+                          <m:t>𝑦</m:t>
+                        </m:r>
+                      </m:e>
+                      <m:sub>
+                        <m:r>
+                          <a:rPr lang="en-US" i="1">
+                            <a:latin typeface="Cambria Math" panose="02040503050406030204" pitchFamily="18" charset="0"/>
+                          </a:rPr>
+                          <m:t>1</m:t>
+                        </m:r>
+                      </m:sub>
+                    </m:sSub>
+                    <m:d>
+                      <m:dPr>
+                        <m:ctrlPr>
+                          <a:rPr lang="en-US" i="1">
+                            <a:latin typeface="Cambria Math" panose="02040503050406030204" pitchFamily="18" charset="0"/>
+                          </a:rPr>
+                        </m:ctrlPr>
+                      </m:dPr>
+                      <m:e>
+                        <m:r>
+                          <a:rPr lang="en-US" i="1">
+                            <a:latin typeface="Cambria Math" panose="02040503050406030204" pitchFamily="18" charset="0"/>
+                          </a:rPr>
+                          <m:t>𝑛</m:t>
+                        </m:r>
+                      </m:e>
+                    </m:d>
+                    <m:r>
+                      <a:rPr lang="en-US" i="1">
+                        <a:latin typeface="Cambria Math" panose="02040503050406030204" pitchFamily="18" charset="0"/>
+                      </a:rPr>
+                      <m:t>,</m:t>
+                    </m:r>
+                    <m:sSub>
+                      <m:sSubPr>
+                        <m:ctrlPr>
+                          <a:rPr lang="en-US" i="1">
+                            <a:latin typeface="Cambria Math" panose="02040503050406030204" pitchFamily="18" charset="0"/>
+                          </a:rPr>
+                        </m:ctrlPr>
+                      </m:sSubPr>
+                      <m:e>
+                        <m:r>
+                          <a:rPr lang="en-US" i="1">
+                            <a:latin typeface="Cambria Math" panose="02040503050406030204" pitchFamily="18" charset="0"/>
+                          </a:rPr>
+                          <m:t>𝑦</m:t>
+                        </m:r>
+                      </m:e>
+                      <m:sub>
+                        <m:r>
+                          <a:rPr lang="en-US" i="1">
+                            <a:latin typeface="Cambria Math" panose="02040503050406030204" pitchFamily="18" charset="0"/>
+                          </a:rPr>
+                          <m:t>2</m:t>
+                        </m:r>
+                      </m:sub>
+                    </m:sSub>
+                    <m:d>
+                      <m:dPr>
+                        <m:ctrlPr>
+                          <a:rPr lang="en-US" i="1">
+                            <a:latin typeface="Cambria Math" panose="02040503050406030204" pitchFamily="18" charset="0"/>
+                          </a:rPr>
+                        </m:ctrlPr>
+                      </m:dPr>
+                      <m:e>
+                        <m:r>
+                          <a:rPr lang="en-US" i="1">
+                            <a:latin typeface="Cambria Math" panose="02040503050406030204" pitchFamily="18" charset="0"/>
+                          </a:rPr>
+                          <m:t>𝑛</m:t>
+                        </m:r>
+                      </m:e>
+                    </m:d>
+                    <m:r>
+                      <a:rPr lang="en-US" i="1">
+                        <a:latin typeface="Cambria Math" panose="02040503050406030204" pitchFamily="18" charset="0"/>
+                      </a:rPr>
+                      <m:t>,…,</m:t>
+                    </m:r>
+                    <m:sSub>
+                      <m:sSubPr>
+                        <m:ctrlPr>
+                          <a:rPr lang="en-US" i="1">
+                            <a:latin typeface="Cambria Math" panose="02040503050406030204" pitchFamily="18" charset="0"/>
+                          </a:rPr>
+                        </m:ctrlPr>
+                      </m:sSubPr>
+                      <m:e>
+                        <m:r>
+                          <a:rPr lang="en-US" i="1">
+                            <a:latin typeface="Cambria Math" panose="02040503050406030204" pitchFamily="18" charset="0"/>
+                          </a:rPr>
+                          <m:t>𝑦</m:t>
+                        </m:r>
+                      </m:e>
+                      <m:sub>
+                        <m:r>
+                          <a:rPr lang="en-US" i="1">
+                            <a:latin typeface="Cambria Math" panose="02040503050406030204" pitchFamily="18" charset="0"/>
+                          </a:rPr>
+                          <m:t>𝐾</m:t>
+                        </m:r>
+                      </m:sub>
+                    </m:sSub>
+                    <m:d>
+                      <m:dPr>
+                        <m:ctrlPr>
+                          <a:rPr lang="en-US" i="1">
+                            <a:latin typeface="Cambria Math" panose="02040503050406030204" pitchFamily="18" charset="0"/>
+                          </a:rPr>
+                        </m:ctrlPr>
+                      </m:dPr>
+                      <m:e>
+                        <m:r>
+                          <a:rPr lang="en-US" i="1">
+                            <a:latin typeface="Cambria Math" panose="02040503050406030204" pitchFamily="18" charset="0"/>
+                          </a:rPr>
+                          <m:t>𝑛</m:t>
+                        </m:r>
+                      </m:e>
+                    </m:d>
+                    <m:r>
+                      <a:rPr lang="en-US" i="1">
+                        <a:latin typeface="Cambria Math" panose="02040503050406030204" pitchFamily="18" charset="0"/>
+                      </a:rPr>
+                      <m:t>)</m:t>
+                    </m:r>
+                    <m:r>
+                      <a:rPr lang="en-US" i="1">
+                        <a:latin typeface="Cambria Math" panose="02040503050406030204" pitchFamily="18" charset="0"/>
+                        <a:ea typeface="Cambria Math" panose="02040503050406030204" pitchFamily="18" charset="0"/>
+                      </a:rPr>
+                      <m:t>𝜖</m:t>
+                    </m:r>
+                    <m:sSubSup>
+                      <m:sSubSupPr>
+                        <m:ctrlPr>
+                          <a:rPr lang="en-US" i="1">
+                            <a:latin typeface="Cambria Math" panose="02040503050406030204" pitchFamily="18" charset="0"/>
+                            <a:ea typeface="Cambria Math" panose="02040503050406030204" pitchFamily="18" charset="0"/>
+                          </a:rPr>
+                        </m:ctrlPr>
+                      </m:sSubSupPr>
+                      <m:e>
+                        <m:r>
+                          <a:rPr lang="en-US" i="1">
+                            <a:latin typeface="Cambria Math" panose="02040503050406030204" pitchFamily="18" charset="0"/>
+                            <a:ea typeface="Cambria Math" panose="02040503050406030204" pitchFamily="18" charset="0"/>
+                          </a:rPr>
+                          <m:t>ℝ</m:t>
+                        </m:r>
+                      </m:e>
+                      <m:sub>
+                        <m:r>
+                          <a:rPr lang="en-US" i="1">
+                            <a:latin typeface="Cambria Math" panose="02040503050406030204" pitchFamily="18" charset="0"/>
+                            <a:ea typeface="Cambria Math" panose="02040503050406030204" pitchFamily="18" charset="0"/>
+                          </a:rPr>
+                          <m:t>𝑚𝑎𝑥</m:t>
+                        </m:r>
+                      </m:sub>
+                      <m:sup>
+                        <m:r>
+                          <a:rPr lang="en-US" i="1">
+                            <a:latin typeface="Cambria Math" panose="02040503050406030204" pitchFamily="18" charset="0"/>
+                            <a:ea typeface="Cambria Math" panose="02040503050406030204" pitchFamily="18" charset="0"/>
+                          </a:rPr>
+                          <m:t>1,</m:t>
+                        </m:r>
+                        <m:r>
+                          <a:rPr lang="en-US" i="1">
+                            <a:latin typeface="Cambria Math" panose="02040503050406030204" pitchFamily="18" charset="0"/>
+                            <a:ea typeface="Cambria Math" panose="02040503050406030204" pitchFamily="18" charset="0"/>
+                          </a:rPr>
+                          <m:t>𝐾</m:t>
+                        </m:r>
+                      </m:sup>
+                    </m:sSubSup>
+                  </m:oMath>
+                </a14:m>
+                <a:r>
+                  <a:rPr lang="en-US" dirty="0"/>
+                  <a:t> &lt;&lt; vector of times packet n leaves routers</a:t>
+                </a:r>
+              </a:p>
+              <a:p>
+                <a:pPr lvl="1"/>
+                <a:r>
+                  <a:rPr lang="en-US" dirty="0"/>
+                  <a:t>Z</a:t>
+                </a:r>
+                <a14:m>
+                  <m:oMath xmlns:m="http://schemas.openxmlformats.org/officeDocument/2006/math">
+                    <m:d>
+                      <m:dPr>
+                        <m:ctrlPr>
+                          <a:rPr lang="en-US" i="1">
+                            <a:latin typeface="Cambria Math" panose="02040503050406030204" pitchFamily="18" charset="0"/>
+                          </a:rPr>
+                        </m:ctrlPr>
+                      </m:dPr>
+                      <m:e>
+                        <m:r>
+                          <a:rPr lang="en-US" i="1">
+                            <a:latin typeface="Cambria Math" panose="02040503050406030204" pitchFamily="18" charset="0"/>
+                          </a:rPr>
+                          <m:t>𝑛</m:t>
+                        </m:r>
+                      </m:e>
+                    </m:d>
+                    <m:r>
+                      <a:rPr lang="en-US" i="1">
+                        <a:latin typeface="Cambria Math" panose="02040503050406030204" pitchFamily="18" charset="0"/>
+                      </a:rPr>
+                      <m:t>=</m:t>
+                    </m:r>
+                    <m:sSup>
+                      <m:sSupPr>
+                        <m:ctrlPr>
+                          <a:rPr lang="en-US" b="0" i="1" smtClean="0">
+                            <a:latin typeface="Cambria Math" panose="02040503050406030204" pitchFamily="18" charset="0"/>
+                          </a:rPr>
+                        </m:ctrlPr>
+                      </m:sSupPr>
+                      <m:e>
+                        <m:r>
+                          <a:rPr lang="en-US" i="1">
+                            <a:latin typeface="Cambria Math" panose="02040503050406030204" pitchFamily="18" charset="0"/>
+                          </a:rPr>
+                          <m:t>(</m:t>
+                        </m:r>
+                        <m:r>
+                          <a:rPr lang="en-US" i="1">
+                            <a:latin typeface="Cambria Math" panose="02040503050406030204" pitchFamily="18" charset="0"/>
+                          </a:rPr>
+                          <m:t>𝑌</m:t>
+                        </m:r>
+                        <m:d>
+                          <m:dPr>
+                            <m:ctrlPr>
+                              <a:rPr lang="en-US" i="1">
+                                <a:latin typeface="Cambria Math" panose="02040503050406030204" pitchFamily="18" charset="0"/>
+                              </a:rPr>
+                            </m:ctrlPr>
+                          </m:dPr>
+                          <m:e>
+                            <m:r>
+                              <a:rPr lang="en-US" i="1">
+                                <a:latin typeface="Cambria Math" panose="02040503050406030204" pitchFamily="18" charset="0"/>
+                              </a:rPr>
+                              <m:t>𝑛</m:t>
+                            </m:r>
+                          </m:e>
+                        </m:d>
+                        <m:r>
+                          <a:rPr lang="en-US" i="1">
+                            <a:latin typeface="Cambria Math" panose="02040503050406030204" pitchFamily="18" charset="0"/>
+                          </a:rPr>
+                          <m:t>,</m:t>
+                        </m:r>
+                        <m:r>
+                          <a:rPr lang="en-US" i="1">
+                            <a:latin typeface="Cambria Math" panose="02040503050406030204" pitchFamily="18" charset="0"/>
+                          </a:rPr>
+                          <m:t>𝑌</m:t>
+                        </m:r>
+                        <m:r>
+                          <a:rPr lang="en-US" i="1">
+                            <a:latin typeface="Cambria Math" panose="02040503050406030204" pitchFamily="18" charset="0"/>
+                          </a:rPr>
+                          <m:t> </m:t>
+                        </m:r>
+                        <m:d>
+                          <m:dPr>
+                            <m:ctrlPr>
+                              <a:rPr lang="en-US" i="1">
+                                <a:latin typeface="Cambria Math" panose="02040503050406030204" pitchFamily="18" charset="0"/>
+                              </a:rPr>
+                            </m:ctrlPr>
+                          </m:dPr>
+                          <m:e>
+                            <m:r>
+                              <a:rPr lang="en-US" i="1">
+                                <a:latin typeface="Cambria Math" panose="02040503050406030204" pitchFamily="18" charset="0"/>
+                              </a:rPr>
+                              <m:t>𝑛</m:t>
+                            </m:r>
+                            <m:r>
+                              <a:rPr lang="en-US" i="1">
+                                <a:latin typeface="Cambria Math" panose="02040503050406030204" pitchFamily="18" charset="0"/>
+                              </a:rPr>
+                              <m:t>−1</m:t>
+                            </m:r>
+                          </m:e>
+                        </m:d>
+                        <m:r>
+                          <a:rPr lang="en-US" i="1">
+                            <a:latin typeface="Cambria Math" panose="02040503050406030204" pitchFamily="18" charset="0"/>
+                          </a:rPr>
+                          <m:t>,…,</m:t>
+                        </m:r>
+                        <m:r>
+                          <a:rPr lang="en-US" i="1">
+                            <a:latin typeface="Cambria Math" panose="02040503050406030204" pitchFamily="18" charset="0"/>
+                          </a:rPr>
+                          <m:t>𝑌</m:t>
+                        </m:r>
+                        <m:d>
+                          <m:dPr>
+                            <m:ctrlPr>
+                              <a:rPr lang="en-US" i="1">
+                                <a:latin typeface="Cambria Math" panose="02040503050406030204" pitchFamily="18" charset="0"/>
+                              </a:rPr>
+                            </m:ctrlPr>
+                          </m:dPr>
+                          <m:e>
+                            <m:r>
+                              <a:rPr lang="en-US" i="1">
+                                <a:latin typeface="Cambria Math" panose="02040503050406030204" pitchFamily="18" charset="0"/>
+                              </a:rPr>
+                              <m:t>𝑛</m:t>
+                            </m:r>
+                            <m:r>
+                              <a:rPr lang="en-US" i="1">
+                                <a:latin typeface="Cambria Math" panose="02040503050406030204" pitchFamily="18" charset="0"/>
+                              </a:rPr>
+                              <m:t>−</m:t>
+                            </m:r>
+                            <m:sSup>
+                              <m:sSupPr>
+                                <m:ctrlPr>
+                                  <a:rPr lang="en-US" i="1">
+                                    <a:latin typeface="Cambria Math" panose="02040503050406030204" pitchFamily="18" charset="0"/>
+                                  </a:rPr>
+                                </m:ctrlPr>
+                              </m:sSupPr>
+                              <m:e>
+                                <m:r>
+                                  <a:rPr lang="en-US" i="1">
+                                    <a:latin typeface="Cambria Math" panose="02040503050406030204" pitchFamily="18" charset="0"/>
+                                  </a:rPr>
+                                  <m:t>𝑤</m:t>
+                                </m:r>
+                              </m:e>
+                              <m:sup>
+                                <m:r>
+                                  <a:rPr lang="en-US" i="1">
+                                    <a:latin typeface="Cambria Math" panose="02040503050406030204" pitchFamily="18" charset="0"/>
+                                  </a:rPr>
+                                  <m:t>∗</m:t>
+                                </m:r>
+                              </m:sup>
+                            </m:sSup>
+                            <m:r>
+                              <a:rPr lang="en-US" i="1">
+                                <a:latin typeface="Cambria Math" panose="02040503050406030204" pitchFamily="18" charset="0"/>
+                              </a:rPr>
+                              <m:t>+1</m:t>
+                            </m:r>
+                          </m:e>
+                        </m:d>
+                        <m:r>
+                          <a:rPr lang="en-US" i="1">
+                            <a:latin typeface="Cambria Math" panose="02040503050406030204" pitchFamily="18" charset="0"/>
+                          </a:rPr>
+                          <m:t>)</m:t>
+                        </m:r>
+                      </m:e>
+                      <m:sup>
+                        <m:r>
+                          <a:rPr lang="en-US" b="0" i="1" smtClean="0">
+                            <a:latin typeface="Cambria Math" panose="02040503050406030204" pitchFamily="18" charset="0"/>
+                          </a:rPr>
+                          <m:t>𝑡</m:t>
+                        </m:r>
+                      </m:sup>
+                    </m:sSup>
+                    <m:r>
+                      <a:rPr lang="en-US" i="1">
+                        <a:latin typeface="Cambria Math" panose="02040503050406030204" pitchFamily="18" charset="0"/>
+                        <a:ea typeface="Cambria Math" panose="02040503050406030204" pitchFamily="18" charset="0"/>
+                      </a:rPr>
+                      <m:t>𝜖</m:t>
+                    </m:r>
+                    <m:sSubSup>
+                      <m:sSubSupPr>
+                        <m:ctrlPr>
+                          <a:rPr lang="en-US" i="1">
+                            <a:latin typeface="Cambria Math" panose="02040503050406030204" pitchFamily="18" charset="0"/>
+                            <a:ea typeface="Cambria Math" panose="02040503050406030204" pitchFamily="18" charset="0"/>
+                          </a:rPr>
+                        </m:ctrlPr>
+                      </m:sSubSupPr>
+                      <m:e>
+                        <m:r>
+                          <a:rPr lang="en-US" i="1">
+                            <a:latin typeface="Cambria Math" panose="02040503050406030204" pitchFamily="18" charset="0"/>
+                            <a:ea typeface="Cambria Math" panose="02040503050406030204" pitchFamily="18" charset="0"/>
+                          </a:rPr>
+                          <m:t>ℝ</m:t>
+                        </m:r>
+                      </m:e>
+                      <m:sub>
+                        <m:r>
+                          <a:rPr lang="en-US" i="1">
+                            <a:latin typeface="Cambria Math" panose="02040503050406030204" pitchFamily="18" charset="0"/>
+                            <a:ea typeface="Cambria Math" panose="02040503050406030204" pitchFamily="18" charset="0"/>
+                          </a:rPr>
+                          <m:t>𝑚𝑎𝑥</m:t>
+                        </m:r>
+                      </m:sub>
+                      <m:sup>
+                        <m:r>
+                          <a:rPr lang="en-US" b="0" i="1" smtClean="0">
+                            <a:latin typeface="Cambria Math" panose="02040503050406030204" pitchFamily="18" charset="0"/>
+                            <a:ea typeface="Cambria Math" panose="02040503050406030204" pitchFamily="18" charset="0"/>
+                          </a:rPr>
+                          <m:t>𝐾</m:t>
+                        </m:r>
+                        <m:r>
+                          <a:rPr lang="en-US" b="0" i="1" smtClean="0">
+                            <a:latin typeface="Cambria Math" panose="02040503050406030204" pitchFamily="18" charset="0"/>
+                            <a:ea typeface="Cambria Math" panose="02040503050406030204" pitchFamily="18" charset="0"/>
+                          </a:rPr>
+                          <m:t>.</m:t>
+                        </m:r>
+                        <m:sSup>
+                          <m:sSupPr>
+                            <m:ctrlPr>
+                              <a:rPr lang="en-US" i="1">
+                                <a:latin typeface="Cambria Math" panose="02040503050406030204" pitchFamily="18" charset="0"/>
+                              </a:rPr>
+                            </m:ctrlPr>
+                          </m:sSupPr>
+                          <m:e>
+                            <m:r>
+                              <a:rPr lang="en-US" i="1">
+                                <a:latin typeface="Cambria Math" panose="02040503050406030204" pitchFamily="18" charset="0"/>
+                              </a:rPr>
+                              <m:t>𝑤</m:t>
+                            </m:r>
+                          </m:e>
+                          <m:sup>
+                            <m:r>
+                              <a:rPr lang="en-US" i="1">
+                                <a:latin typeface="Cambria Math" panose="02040503050406030204" pitchFamily="18" charset="0"/>
+                              </a:rPr>
+                              <m:t>∗</m:t>
+                            </m:r>
+                          </m:sup>
+                        </m:sSup>
+                        <m:r>
+                          <a:rPr lang="en-US" i="1">
+                            <a:latin typeface="Cambria Math" panose="02040503050406030204" pitchFamily="18" charset="0"/>
+                            <a:ea typeface="Cambria Math" panose="02040503050406030204" pitchFamily="18" charset="0"/>
+                          </a:rPr>
+                          <m:t>,</m:t>
+                        </m:r>
+                        <m:r>
+                          <a:rPr lang="en-US" b="0" i="1" smtClean="0">
+                            <a:latin typeface="Cambria Math" panose="02040503050406030204" pitchFamily="18" charset="0"/>
+                            <a:ea typeface="Cambria Math" panose="02040503050406030204" pitchFamily="18" charset="0"/>
+                          </a:rPr>
+                          <m:t>1</m:t>
+                        </m:r>
+                      </m:sup>
+                    </m:sSubSup>
+                  </m:oMath>
+                </a14:m>
+                <a:r>
+                  <a:rPr lang="en-US" dirty="0">
+                    <a:ea typeface="Cambria Math" panose="02040503050406030204" pitchFamily="18" charset="0"/>
+                  </a:rPr>
+                  <a:t> &lt; this is referred to as the dater vectors &lt;&lt;  vector of vectors representing all packet paths and times</a:t>
+                </a:r>
+              </a:p>
+              <a:p>
+                <a:pPr lvl="1"/>
+                <a14:m>
+                  <m:oMath xmlns:m="http://schemas.openxmlformats.org/officeDocument/2006/math">
+                    <m:sSup>
+                      <m:sSupPr>
+                        <m:ctrlPr>
+                          <a:rPr lang="en-US" i="1">
+                            <a:latin typeface="Cambria Math" panose="02040503050406030204" pitchFamily="18" charset="0"/>
+                          </a:rPr>
+                        </m:ctrlPr>
+                      </m:sSupPr>
+                      <m:e>
+                        <m:r>
+                          <a:rPr lang="en-US" i="1">
+                            <a:latin typeface="Cambria Math" panose="02040503050406030204" pitchFamily="18" charset="0"/>
+                          </a:rPr>
+                          <m:t>𝑤</m:t>
+                        </m:r>
+                      </m:e>
+                      <m:sup>
+                        <m:r>
+                          <a:rPr lang="en-US" i="1">
+                            <a:latin typeface="Cambria Math" panose="02040503050406030204" pitchFamily="18" charset="0"/>
+                          </a:rPr>
+                          <m:t>∗</m:t>
+                        </m:r>
+                      </m:sup>
+                    </m:sSup>
+                  </m:oMath>
+                </a14:m>
+                <a:r>
+                  <a:rPr lang="en-US" dirty="0"/>
+                  <a:t> </a:t>
+                </a:r>
+                <a:r>
+                  <a:rPr lang="en-US" i="1" dirty="0">
+                    <a:latin typeface="Cambria Math" panose="02040503050406030204" pitchFamily="18" charset="0"/>
+                  </a:rPr>
+                  <a:t>the maximum window size element of the finite set {W(n)}</a:t>
+                </a:r>
+              </a:p>
+              <a:p>
+                <a:r>
+                  <a:rPr lang="en-US" dirty="0"/>
+                  <a:t>Lemma 1[Max plus representation] if the system is initially empty and the sequence </a:t>
+                </a:r>
+                <a14:m>
+                  <m:oMath xmlns:m="http://schemas.openxmlformats.org/officeDocument/2006/math">
+                    <m:sSub>
+                      <m:sSubPr>
+                        <m:ctrlPr>
+                          <a:rPr lang="en-US" i="1" dirty="0" smtClean="0">
+                            <a:latin typeface="Cambria Math" panose="02040503050406030204" pitchFamily="18" charset="0"/>
+                          </a:rPr>
+                        </m:ctrlPr>
+                      </m:sSubPr>
+                      <m:e>
+                        <m:sSub>
+                          <m:sSubPr>
+                            <m:ctrlPr>
+                              <a:rPr lang="en-US" i="1">
+                                <a:latin typeface="Cambria Math" panose="02040503050406030204" pitchFamily="18" charset="0"/>
+                              </a:rPr>
+                            </m:ctrlPr>
+                          </m:sSubPr>
+                          <m:e>
+                            <m:r>
+                              <a:rPr lang="en-US" i="1">
+                                <a:latin typeface="Cambria Math" panose="02040503050406030204" pitchFamily="18" charset="0"/>
+                              </a:rPr>
+                              <m:t>{</m:t>
+                            </m:r>
+                            <m:r>
+                              <a:rPr lang="en-US" i="1">
+                                <a:latin typeface="Cambria Math" panose="02040503050406030204" pitchFamily="18" charset="0"/>
+                              </a:rPr>
+                              <m:t>𝑣</m:t>
+                            </m:r>
+                          </m:e>
+                          <m:sub>
+                            <m:r>
+                              <a:rPr lang="en-US" i="1">
+                                <a:latin typeface="Cambria Math" panose="02040503050406030204" pitchFamily="18" charset="0"/>
+                              </a:rPr>
+                              <m:t>𝑛</m:t>
+                            </m:r>
+                          </m:sub>
+                        </m:sSub>
+                        <m:r>
+                          <a:rPr lang="en-US" i="1">
+                            <a:latin typeface="Cambria Math" panose="02040503050406030204" pitchFamily="18" charset="0"/>
+                          </a:rPr>
+                          <m:t>}</m:t>
+                        </m:r>
+                      </m:e>
+                      <m:sub>
+                        <m:r>
+                          <a:rPr lang="en-US" b="0" i="1" dirty="0" smtClean="0">
+                            <a:latin typeface="Cambria Math" panose="02040503050406030204" pitchFamily="18" charset="0"/>
+                          </a:rPr>
+                          <m:t>𝑛</m:t>
+                        </m:r>
+                        <m:r>
+                          <a:rPr lang="en-US" b="0" i="1" dirty="0" smtClean="0">
+                            <a:latin typeface="Cambria Math" panose="02040503050406030204" pitchFamily="18" charset="0"/>
+                            <a:ea typeface="Cambria Math" panose="02040503050406030204" pitchFamily="18" charset="0"/>
+                          </a:rPr>
+                          <m:t>𝜖</m:t>
+                        </m:r>
+                        <m:r>
+                          <a:rPr lang="en-US" b="0" i="1" dirty="0" smtClean="0">
+                            <a:latin typeface="Cambria Math" panose="02040503050406030204" pitchFamily="18" charset="0"/>
+                            <a:ea typeface="Cambria Math" panose="02040503050406030204" pitchFamily="18" charset="0"/>
+                          </a:rPr>
+                          <m:t>ℕ</m:t>
+                        </m:r>
+                      </m:sub>
+                    </m:sSub>
+                  </m:oMath>
+                </a14:m>
+                <a:r>
+                  <a:rPr lang="en-US" dirty="0"/>
+                  <a:t>, then the dater vectors Z</a:t>
+                </a:r>
+                <a14:m>
+                  <m:oMath xmlns:m="http://schemas.openxmlformats.org/officeDocument/2006/math">
+                    <m:d>
+                      <m:dPr>
+                        <m:ctrlPr>
+                          <a:rPr lang="en-US" i="1">
+                            <a:latin typeface="Cambria Math" panose="02040503050406030204" pitchFamily="18" charset="0"/>
+                          </a:rPr>
+                        </m:ctrlPr>
+                      </m:dPr>
+                      <m:e>
+                        <m:r>
+                          <a:rPr lang="en-US" i="1">
+                            <a:latin typeface="Cambria Math" panose="02040503050406030204" pitchFamily="18" charset="0"/>
+                          </a:rPr>
+                          <m:t>𝑛</m:t>
+                        </m:r>
+                      </m:e>
+                    </m:d>
+                  </m:oMath>
+                </a14:m>
+                <a:r>
+                  <a:rPr lang="en-US" dirty="0"/>
+                  <a:t> satisfy </a:t>
+                </a:r>
+              </a:p>
+              <a:p>
+                <a:pPr lvl="1"/>
+                <a:r>
+                  <a:rPr lang="en-US" dirty="0"/>
+                  <a:t>Z</a:t>
+                </a:r>
+                <a14:m>
+                  <m:oMath xmlns:m="http://schemas.openxmlformats.org/officeDocument/2006/math">
+                    <m:d>
+                      <m:dPr>
+                        <m:ctrlPr>
+                          <a:rPr lang="en-US" i="1">
+                            <a:latin typeface="Cambria Math" panose="02040503050406030204" pitchFamily="18" charset="0"/>
+                          </a:rPr>
+                        </m:ctrlPr>
+                      </m:dPr>
+                      <m:e>
+                        <m:r>
+                          <a:rPr lang="en-US" i="1">
+                            <a:latin typeface="Cambria Math" panose="02040503050406030204" pitchFamily="18" charset="0"/>
+                          </a:rPr>
+                          <m:t>𝑛</m:t>
+                        </m:r>
+                      </m:e>
+                    </m:d>
+                  </m:oMath>
+                </a14:m>
+                <a:r>
+                  <a:rPr lang="en-US" dirty="0"/>
+                  <a:t> = </a:t>
+                </a:r>
+                <a14:m>
+                  <m:oMath xmlns:m="http://schemas.openxmlformats.org/officeDocument/2006/math">
+                    <m:sSub>
+                      <m:sSubPr>
+                        <m:ctrlPr>
+                          <a:rPr lang="en-US" i="1" smtClean="0">
+                            <a:latin typeface="Cambria Math" panose="02040503050406030204" pitchFamily="18" charset="0"/>
+                          </a:rPr>
+                        </m:ctrlPr>
+                      </m:sSubPr>
+                      <m:e>
+                        <m:r>
+                          <a:rPr lang="en-US" b="0" i="1" smtClean="0">
+                            <a:latin typeface="Cambria Math" panose="02040503050406030204" pitchFamily="18" charset="0"/>
+                          </a:rPr>
+                          <m:t>𝐴</m:t>
+                        </m:r>
+                      </m:e>
+                      <m:sub>
+                        <m:sSub>
+                          <m:sSubPr>
+                            <m:ctrlPr>
+                              <a:rPr lang="en-US" i="1" smtClean="0">
+                                <a:latin typeface="Cambria Math" panose="02040503050406030204" pitchFamily="18" charset="0"/>
+                              </a:rPr>
+                            </m:ctrlPr>
+                          </m:sSubPr>
+                          <m:e>
+                            <m:r>
+                              <a:rPr lang="en-US" b="0" i="1" smtClean="0">
+                                <a:latin typeface="Cambria Math" panose="02040503050406030204" pitchFamily="18" charset="0"/>
+                              </a:rPr>
+                              <m:t>𝑣</m:t>
+                            </m:r>
+                          </m:e>
+                          <m:sub>
+                            <m:r>
+                              <a:rPr lang="en-US" b="0" i="1" smtClean="0">
+                                <a:latin typeface="Cambria Math" panose="02040503050406030204" pitchFamily="18" charset="0"/>
+                              </a:rPr>
+                              <m:t>𝑛</m:t>
+                            </m:r>
+                            <m:r>
+                              <a:rPr lang="en-US" b="0" i="1" smtClean="0">
+                                <a:latin typeface="Cambria Math" panose="02040503050406030204" pitchFamily="18" charset="0"/>
+                              </a:rPr>
+                              <m:t>−1</m:t>
+                            </m:r>
+                          </m:sub>
+                        </m:sSub>
+                      </m:sub>
+                    </m:sSub>
+                    <m:r>
+                      <a:rPr lang="en-US" b="0" i="1" smtClean="0">
+                        <a:latin typeface="Cambria Math" panose="02040503050406030204" pitchFamily="18" charset="0"/>
+                      </a:rPr>
+                      <m:t>(</m:t>
+                    </m:r>
+                    <m:r>
+                      <a:rPr lang="en-US" b="0" i="1" smtClean="0">
+                        <a:latin typeface="Cambria Math" panose="02040503050406030204" pitchFamily="18" charset="0"/>
+                      </a:rPr>
+                      <m:t>𝑛</m:t>
+                    </m:r>
+                    <m:r>
+                      <a:rPr lang="en-US" b="0" i="1" smtClean="0">
+                        <a:latin typeface="Cambria Math" panose="02040503050406030204" pitchFamily="18" charset="0"/>
+                      </a:rPr>
+                      <m:t>)</m:t>
+                    </m:r>
+                  </m:oMath>
+                </a14:m>
+                <a:r>
+                  <a:rPr lang="en-US" dirty="0">
+                    <a:ea typeface="Cambria Math" panose="02040503050406030204" pitchFamily="18" charset="0"/>
+                  </a:rPr>
+                  <a:t> </a:t>
+                </a:r>
+                <a14:m>
+                  <m:oMath xmlns:m="http://schemas.openxmlformats.org/officeDocument/2006/math">
+                    <m:r>
+                      <a:rPr lang="en-US" i="1">
+                        <a:latin typeface="Cambria Math" panose="02040503050406030204" pitchFamily="18" charset="0"/>
+                        <a:ea typeface="Cambria Math" panose="02040503050406030204" pitchFamily="18" charset="0"/>
+                      </a:rPr>
+                      <m:t>⊗</m:t>
+                    </m:r>
+                  </m:oMath>
+                </a14:m>
+                <a:r>
+                  <a:rPr lang="en-US" dirty="0"/>
+                  <a:t> Z</a:t>
+                </a:r>
+                <a14:m>
+                  <m:oMath xmlns:m="http://schemas.openxmlformats.org/officeDocument/2006/math">
+                    <m:d>
+                      <m:dPr>
+                        <m:ctrlPr>
+                          <a:rPr lang="en-US" i="1">
+                            <a:latin typeface="Cambria Math" panose="02040503050406030204" pitchFamily="18" charset="0"/>
+                          </a:rPr>
+                        </m:ctrlPr>
+                      </m:dPr>
+                      <m:e>
+                        <m:r>
+                          <a:rPr lang="en-US" i="1">
+                            <a:latin typeface="Cambria Math" panose="02040503050406030204" pitchFamily="18" charset="0"/>
+                          </a:rPr>
+                          <m:t>𝑛</m:t>
+                        </m:r>
+                        <m:r>
+                          <a:rPr lang="en-US" b="0" i="1" smtClean="0">
+                            <a:latin typeface="Cambria Math" panose="02040503050406030204" pitchFamily="18" charset="0"/>
+                          </a:rPr>
+                          <m:t>−1</m:t>
+                        </m:r>
+                      </m:e>
+                    </m:d>
+                    <m:r>
+                      <a:rPr lang="en-US" b="0" i="1" smtClean="0">
+                        <a:latin typeface="Cambria Math" panose="02040503050406030204" pitchFamily="18" charset="0"/>
+                      </a:rPr>
+                      <m:t>, </m:t>
+                    </m:r>
+                    <m:r>
+                      <a:rPr lang="en-US" b="0" i="1" smtClean="0">
+                        <a:latin typeface="Cambria Math" panose="02040503050406030204" pitchFamily="18" charset="0"/>
+                      </a:rPr>
+                      <m:t>𝑛</m:t>
+                    </m:r>
+                    <m:r>
+                      <a:rPr lang="en-US" b="0" i="1" smtClean="0">
+                        <a:latin typeface="Cambria Math" panose="02040503050406030204" pitchFamily="18" charset="0"/>
+                        <a:ea typeface="Cambria Math" panose="02040503050406030204" pitchFamily="18" charset="0"/>
+                      </a:rPr>
+                      <m:t>≥1</m:t>
+                    </m:r>
+                    <m:r>
+                      <a:rPr lang="en-US" b="0" i="0" smtClean="0">
+                        <a:latin typeface="Cambria Math" panose="02040503050406030204" pitchFamily="18" charset="0"/>
+                        <a:ea typeface="Cambria Math" panose="02040503050406030204" pitchFamily="18" charset="0"/>
+                      </a:rPr>
+                      <m:t>, </m:t>
+                    </m:r>
+                    <m:r>
+                      <m:rPr>
+                        <m:sty m:val="p"/>
+                      </m:rPr>
+                      <a:rPr lang="en-US" b="0" i="0" smtClean="0">
+                        <a:latin typeface="Cambria Math" panose="02040503050406030204" pitchFamily="18" charset="0"/>
+                        <a:ea typeface="Cambria Math" panose="02040503050406030204" pitchFamily="18" charset="0"/>
+                      </a:rPr>
+                      <m:t>where</m:t>
+                    </m:r>
+                    <m:r>
+                      <m:rPr>
+                        <m:nor/>
+                      </m:rPr>
+                      <a:rPr lang="en-US" b="0" i="0" smtClean="0">
+                        <a:latin typeface="Cambria Math" panose="02040503050406030204" pitchFamily="18" charset="0"/>
+                        <a:ea typeface="Cambria Math" panose="02040503050406030204" pitchFamily="18" charset="0"/>
+                      </a:rPr>
+                      <m:t> </m:t>
+                    </m:r>
+                    <m:r>
+                      <m:rPr>
+                        <m:nor/>
+                      </m:rPr>
+                      <a:rPr lang="en-US" dirty="0"/>
+                      <m:t>Z</m:t>
+                    </m:r>
+                    <m:d>
+                      <m:dPr>
+                        <m:ctrlPr>
+                          <a:rPr lang="en-US" i="1">
+                            <a:latin typeface="Cambria Math" panose="02040503050406030204" pitchFamily="18" charset="0"/>
+                          </a:rPr>
+                        </m:ctrlPr>
+                      </m:dPr>
+                      <m:e>
+                        <m:r>
+                          <a:rPr lang="en-US" b="0" i="1" smtClean="0">
+                            <a:latin typeface="Cambria Math" panose="02040503050406030204" pitchFamily="18" charset="0"/>
+                          </a:rPr>
+                          <m:t>0</m:t>
+                        </m:r>
+                      </m:e>
+                    </m:d>
+                    <m:r>
+                      <a:rPr lang="en-US" b="0" i="1" smtClean="0">
+                        <a:latin typeface="Cambria Math" panose="02040503050406030204" pitchFamily="18" charset="0"/>
+                      </a:rPr>
+                      <m:t>=</m:t>
+                    </m:r>
+                    <m:sSup>
+                      <m:sSupPr>
+                        <m:ctrlPr>
+                          <a:rPr lang="en-US" b="0" i="1" smtClean="0">
+                            <a:latin typeface="Cambria Math" panose="02040503050406030204" pitchFamily="18" charset="0"/>
+                          </a:rPr>
+                        </m:ctrlPr>
+                      </m:sSupPr>
+                      <m:e>
+                        <m:r>
+                          <a:rPr lang="en-US" i="1">
+                            <a:latin typeface="Cambria Math" panose="02040503050406030204" pitchFamily="18" charset="0"/>
+                          </a:rPr>
+                          <m:t>{0,…,0}</m:t>
+                        </m:r>
+                      </m:e>
+                      <m:sup>
+                        <m:r>
+                          <a:rPr lang="en-US" b="0" i="1" smtClean="0">
+                            <a:latin typeface="Cambria Math" panose="02040503050406030204" pitchFamily="18" charset="0"/>
+                          </a:rPr>
+                          <m:t>𝑡</m:t>
+                        </m:r>
+                      </m:sup>
+                    </m:sSup>
+                  </m:oMath>
+                </a14:m>
+                <a:r>
+                  <a:rPr lang="en-US" dirty="0"/>
+                  <a:t>, </a:t>
+                </a:r>
+              </a:p>
+              <a:p>
+                <a:pPr lvl="1"/>
+                <a14:m>
+                  <m:oMath xmlns:m="http://schemas.openxmlformats.org/officeDocument/2006/math">
+                    <m:sSub>
+                      <m:sSubPr>
+                        <m:ctrlPr>
+                          <a:rPr lang="en-US" i="1" smtClean="0">
+                            <a:latin typeface="Cambria Math" panose="02040503050406030204" pitchFamily="18" charset="0"/>
+                          </a:rPr>
+                        </m:ctrlPr>
+                      </m:sSubPr>
+                      <m:e>
+                        <m:r>
+                          <a:rPr lang="en-US" b="0" i="1" smtClean="0">
+                            <a:latin typeface="Cambria Math" panose="02040503050406030204" pitchFamily="18" charset="0"/>
+                          </a:rPr>
+                          <m:t>𝐴</m:t>
+                        </m:r>
+                      </m:e>
+                      <m:sub>
+                        <m:r>
+                          <a:rPr lang="en-US" b="0" i="1" smtClean="0">
+                            <a:latin typeface="Cambria Math" panose="02040503050406030204" pitchFamily="18" charset="0"/>
+                          </a:rPr>
+                          <m:t>1</m:t>
+                        </m:r>
+                      </m:sub>
+                    </m:sSub>
+                    <m:d>
+                      <m:dPr>
+                        <m:ctrlPr>
+                          <a:rPr lang="en-US" b="0" i="1" smtClean="0">
+                            <a:latin typeface="Cambria Math" panose="02040503050406030204" pitchFamily="18" charset="0"/>
+                          </a:rPr>
+                        </m:ctrlPr>
+                      </m:dPr>
+                      <m:e>
+                        <m:r>
+                          <a:rPr lang="en-US" b="0" i="1" smtClean="0">
+                            <a:latin typeface="Cambria Math" panose="02040503050406030204" pitchFamily="18" charset="0"/>
+                          </a:rPr>
+                          <m:t>𝑛</m:t>
+                        </m:r>
+                      </m:e>
+                    </m:d>
+                    <m:r>
+                      <a:rPr lang="en-US" b="0" i="1" smtClean="0">
+                        <a:latin typeface="Cambria Math" panose="02040503050406030204" pitchFamily="18" charset="0"/>
+                      </a:rPr>
+                      <m:t>=(</m:t>
+                    </m:r>
+                    <m:r>
+                      <a:rPr lang="en-US" b="0" i="1" smtClean="0">
+                        <a:latin typeface="Cambria Math" panose="02040503050406030204" pitchFamily="18" charset="0"/>
+                      </a:rPr>
+                      <m:t>𝑀</m:t>
+                    </m:r>
+                    <m:r>
+                      <a:rPr lang="en-US" b="0" i="1" smtClean="0">
+                        <a:latin typeface="Cambria Math" panose="02040503050406030204" pitchFamily="18" charset="0"/>
+                      </a:rPr>
+                      <m:t>(</m:t>
+                    </m:r>
+                    <m:r>
+                      <a:rPr lang="en-US" b="0" i="1" smtClean="0">
+                        <a:latin typeface="Cambria Math" panose="02040503050406030204" pitchFamily="18" charset="0"/>
+                      </a:rPr>
+                      <m:t>𝑛</m:t>
+                    </m:r>
+                    <m:r>
+                      <a:rPr lang="en-US" b="0" i="1" smtClean="0">
+                        <a:latin typeface="Cambria Math" panose="02040503050406030204" pitchFamily="18" charset="0"/>
+                      </a:rPr>
+                      <m:t>)</m:t>
+                    </m:r>
+                  </m:oMath>
+                </a14:m>
+                <a:r>
+                  <a:rPr lang="en-US" dirty="0">
+                    <a:ea typeface="Cambria Math" panose="02040503050406030204" pitchFamily="18" charset="0"/>
+                  </a:rPr>
+                  <a:t> </a:t>
+                </a:r>
+                <a14:m>
+                  <m:oMath xmlns:m="http://schemas.openxmlformats.org/officeDocument/2006/math">
+                    <m:r>
+                      <a:rPr lang="en-US" i="1" dirty="0">
+                        <a:latin typeface="Cambria Math" panose="02040503050406030204" pitchFamily="18" charset="0"/>
+                        <a:ea typeface="Cambria Math" panose="02040503050406030204" pitchFamily="18" charset="0"/>
+                      </a:rPr>
+                      <m:t>⊕</m:t>
+                    </m:r>
+                  </m:oMath>
+                </a14:m>
+                <a:r>
+                  <a:rPr lang="en-US" dirty="0"/>
+                  <a:t> </a:t>
+                </a:r>
+                <a14:m>
+                  <m:oMath xmlns:m="http://schemas.openxmlformats.org/officeDocument/2006/math">
+                    <m:sSup>
+                      <m:sSupPr>
+                        <m:ctrlPr>
+                          <a:rPr lang="en-US" b="0" i="1" smtClean="0">
+                            <a:latin typeface="Cambria Math" panose="02040503050406030204" pitchFamily="18" charset="0"/>
+                          </a:rPr>
+                        </m:ctrlPr>
+                      </m:sSupPr>
+                      <m:e>
+                        <m:r>
+                          <a:rPr lang="en-US" i="1">
+                            <a:latin typeface="Cambria Math" panose="02040503050406030204" pitchFamily="18" charset="0"/>
+                          </a:rPr>
+                          <m:t>𝑀</m:t>
+                        </m:r>
+                      </m:e>
+                      <m:sup>
+                        <m:r>
+                          <a:rPr lang="en-US" b="0" i="1" smtClean="0">
+                            <a:latin typeface="Cambria Math" panose="02040503050406030204" pitchFamily="18" charset="0"/>
+                          </a:rPr>
+                          <m:t>′</m:t>
+                        </m:r>
+                      </m:sup>
+                    </m:sSup>
+                    <m:d>
+                      <m:dPr>
+                        <m:ctrlPr>
+                          <a:rPr lang="en-US" b="0" i="1" smtClean="0">
+                            <a:latin typeface="Cambria Math" panose="02040503050406030204" pitchFamily="18" charset="0"/>
+                          </a:rPr>
+                        </m:ctrlPr>
+                      </m:dPr>
+                      <m:e>
+                        <m:r>
+                          <a:rPr lang="en-US" i="1">
+                            <a:latin typeface="Cambria Math" panose="02040503050406030204" pitchFamily="18" charset="0"/>
+                          </a:rPr>
+                          <m:t>𝑛</m:t>
+                        </m:r>
+                      </m:e>
+                    </m:d>
+                    <m:d>
+                      <m:dPr>
+                        <m:begChr m:val="|"/>
+                        <m:endChr m:val="|"/>
+                        <m:ctrlPr>
+                          <a:rPr lang="en-US" b="0" i="1" smtClean="0">
+                            <a:latin typeface="Cambria Math" panose="02040503050406030204" pitchFamily="18" charset="0"/>
+                            <a:ea typeface="Cambria Math" panose="02040503050406030204" pitchFamily="18" charset="0"/>
+                          </a:rPr>
+                        </m:ctrlPr>
+                      </m:dPr>
+                      <m:e>
+                        <m:r>
+                          <a:rPr lang="en-US" b="0" i="1" smtClean="0">
+                            <a:latin typeface="Cambria Math" panose="02040503050406030204" pitchFamily="18" charset="0"/>
+                            <a:ea typeface="Cambria Math" panose="02040503050406030204" pitchFamily="18" charset="0"/>
+                          </a:rPr>
+                          <m:t>𝜀</m:t>
+                        </m:r>
+                      </m:e>
+                    </m:d>
+                    <m:r>
+                      <a:rPr lang="en-US" b="0" i="1" smtClean="0">
+                        <a:latin typeface="Cambria Math" panose="02040503050406030204" pitchFamily="18" charset="0"/>
+                        <a:ea typeface="Cambria Math" panose="02040503050406030204" pitchFamily="18" charset="0"/>
+                      </a:rPr>
+                      <m:t>…|</m:t>
+                    </m:r>
+                    <m:r>
+                      <a:rPr lang="en-US" b="0" i="1" smtClean="0">
+                        <a:latin typeface="Cambria Math" panose="02040503050406030204" pitchFamily="18" charset="0"/>
+                        <a:ea typeface="Cambria Math" panose="02040503050406030204" pitchFamily="18" charset="0"/>
+                      </a:rPr>
+                      <m:t>𝜀</m:t>
+                    </m:r>
+                    <m:r>
+                      <a:rPr lang="en-US" b="0" i="1" smtClean="0">
+                        <a:latin typeface="Cambria Math" panose="02040503050406030204" pitchFamily="18" charset="0"/>
+                        <a:ea typeface="Cambria Math" panose="02040503050406030204" pitchFamily="18" charset="0"/>
+                      </a:rPr>
+                      <m:t>)</m:t>
+                    </m:r>
+                  </m:oMath>
+                </a14:m>
+                <a:r>
+                  <a:rPr lang="en-US" dirty="0">
+                    <a:ea typeface="Cambria Math" panose="02040503050406030204" pitchFamily="18" charset="0"/>
+                  </a:rPr>
+                  <a:t> </a:t>
+                </a:r>
+                <a14:m>
+                  <m:oMath xmlns:m="http://schemas.openxmlformats.org/officeDocument/2006/math">
+                    <m:r>
+                      <a:rPr lang="en-US" i="1" dirty="0">
+                        <a:latin typeface="Cambria Math" panose="02040503050406030204" pitchFamily="18" charset="0"/>
+                        <a:ea typeface="Cambria Math" panose="02040503050406030204" pitchFamily="18" charset="0"/>
+                      </a:rPr>
+                      <m:t>⊕</m:t>
+                    </m:r>
+                  </m:oMath>
+                </a14:m>
+                <a:r>
+                  <a:rPr lang="en-US" dirty="0"/>
+                  <a:t> D</a:t>
+                </a:r>
+              </a:p>
+              <a:p>
+                <a:pPr lvl="1"/>
+                <a14:m>
+                  <m:oMath xmlns:m="http://schemas.openxmlformats.org/officeDocument/2006/math">
+                    <m:sSub>
+                      <m:sSubPr>
+                        <m:ctrlPr>
+                          <a:rPr lang="en-US" i="1">
+                            <a:latin typeface="Cambria Math" panose="02040503050406030204" pitchFamily="18" charset="0"/>
+                          </a:rPr>
+                        </m:ctrlPr>
+                      </m:sSubPr>
+                      <m:e>
+                        <m:r>
+                          <a:rPr lang="en-US" i="1">
+                            <a:latin typeface="Cambria Math" panose="02040503050406030204" pitchFamily="18" charset="0"/>
+                          </a:rPr>
+                          <m:t>𝐴</m:t>
+                        </m:r>
+                      </m:e>
+                      <m:sub>
+                        <m:r>
+                          <a:rPr lang="en-US" b="0" i="1" smtClean="0">
+                            <a:latin typeface="Cambria Math" panose="02040503050406030204" pitchFamily="18" charset="0"/>
+                          </a:rPr>
+                          <m:t>2</m:t>
+                        </m:r>
+                      </m:sub>
+                    </m:sSub>
+                    <m:d>
+                      <m:dPr>
+                        <m:ctrlPr>
+                          <a:rPr lang="en-US" i="1">
+                            <a:latin typeface="Cambria Math" panose="02040503050406030204" pitchFamily="18" charset="0"/>
+                          </a:rPr>
+                        </m:ctrlPr>
+                      </m:dPr>
+                      <m:e>
+                        <m:r>
+                          <a:rPr lang="en-US" i="1">
+                            <a:latin typeface="Cambria Math" panose="02040503050406030204" pitchFamily="18" charset="0"/>
+                          </a:rPr>
+                          <m:t>𝑛</m:t>
+                        </m:r>
+                      </m:e>
+                    </m:d>
+                    <m:r>
+                      <a:rPr lang="en-US" i="1">
+                        <a:latin typeface="Cambria Math" panose="02040503050406030204" pitchFamily="18" charset="0"/>
+                      </a:rPr>
+                      <m:t>=(</m:t>
+                    </m:r>
+                    <m:r>
+                      <a:rPr lang="en-US" i="1">
+                        <a:latin typeface="Cambria Math" panose="02040503050406030204" pitchFamily="18" charset="0"/>
+                      </a:rPr>
+                      <m:t>𝑀</m:t>
+                    </m:r>
+                    <m:r>
+                      <a:rPr lang="en-US" i="1">
+                        <a:latin typeface="Cambria Math" panose="02040503050406030204" pitchFamily="18" charset="0"/>
+                      </a:rPr>
+                      <m:t>(</m:t>
+                    </m:r>
+                    <m:r>
+                      <a:rPr lang="en-US" i="1">
+                        <a:latin typeface="Cambria Math" panose="02040503050406030204" pitchFamily="18" charset="0"/>
+                      </a:rPr>
+                      <m:t>𝑛</m:t>
+                    </m:r>
+                    <m:r>
+                      <a:rPr lang="en-US" i="1">
+                        <a:latin typeface="Cambria Math" panose="02040503050406030204" pitchFamily="18" charset="0"/>
+                      </a:rPr>
+                      <m:t>)</m:t>
+                    </m:r>
+                  </m:oMath>
+                </a14:m>
+                <a:r>
+                  <a:rPr lang="en-US" dirty="0">
+                    <a:ea typeface="Cambria Math" panose="02040503050406030204" pitchFamily="18" charset="0"/>
+                  </a:rPr>
+                  <a:t> |</a:t>
+                </a:r>
+                <a14:m>
+                  <m:oMath xmlns:m="http://schemas.openxmlformats.org/officeDocument/2006/math">
+                    <m:sSup>
+                      <m:sSupPr>
+                        <m:ctrlPr>
+                          <a:rPr lang="en-US" i="1">
+                            <a:latin typeface="Cambria Math" panose="02040503050406030204" pitchFamily="18" charset="0"/>
+                          </a:rPr>
+                        </m:ctrlPr>
+                      </m:sSupPr>
+                      <m:e>
+                        <m:r>
+                          <a:rPr lang="en-US" i="1">
+                            <a:latin typeface="Cambria Math" panose="02040503050406030204" pitchFamily="18" charset="0"/>
+                          </a:rPr>
+                          <m:t>𝑀</m:t>
+                        </m:r>
+                      </m:e>
+                      <m:sup>
+                        <m:r>
+                          <a:rPr lang="en-US" i="1">
+                            <a:latin typeface="Cambria Math" panose="02040503050406030204" pitchFamily="18" charset="0"/>
+                          </a:rPr>
+                          <m:t>′</m:t>
+                        </m:r>
+                      </m:sup>
+                    </m:sSup>
+                    <m:d>
+                      <m:dPr>
+                        <m:ctrlPr>
+                          <a:rPr lang="en-US" i="1">
+                            <a:latin typeface="Cambria Math" panose="02040503050406030204" pitchFamily="18" charset="0"/>
+                          </a:rPr>
+                        </m:ctrlPr>
+                      </m:dPr>
+                      <m:e>
+                        <m:r>
+                          <a:rPr lang="en-US" i="1">
+                            <a:latin typeface="Cambria Math" panose="02040503050406030204" pitchFamily="18" charset="0"/>
+                          </a:rPr>
+                          <m:t>𝑛</m:t>
+                        </m:r>
+                      </m:e>
+                    </m:d>
+                    <m:d>
+                      <m:dPr>
+                        <m:begChr m:val="|"/>
+                        <m:endChr m:val="|"/>
+                        <m:ctrlPr>
+                          <a:rPr lang="en-US" i="1">
+                            <a:latin typeface="Cambria Math" panose="02040503050406030204" pitchFamily="18" charset="0"/>
+                            <a:ea typeface="Cambria Math" panose="02040503050406030204" pitchFamily="18" charset="0"/>
+                          </a:rPr>
+                        </m:ctrlPr>
+                      </m:dPr>
+                      <m:e>
+                        <m:r>
+                          <a:rPr lang="en-US" i="1">
+                            <a:latin typeface="Cambria Math" panose="02040503050406030204" pitchFamily="18" charset="0"/>
+                            <a:ea typeface="Cambria Math" panose="02040503050406030204" pitchFamily="18" charset="0"/>
+                          </a:rPr>
+                          <m:t>𝜀</m:t>
+                        </m:r>
+                      </m:e>
+                    </m:d>
+                    <m:r>
+                      <a:rPr lang="en-US" i="1">
+                        <a:latin typeface="Cambria Math" panose="02040503050406030204" pitchFamily="18" charset="0"/>
+                        <a:ea typeface="Cambria Math" panose="02040503050406030204" pitchFamily="18" charset="0"/>
+                      </a:rPr>
+                      <m:t>…|</m:t>
+                    </m:r>
+                    <m:r>
+                      <a:rPr lang="en-US" i="1">
+                        <a:latin typeface="Cambria Math" panose="02040503050406030204" pitchFamily="18" charset="0"/>
+                        <a:ea typeface="Cambria Math" panose="02040503050406030204" pitchFamily="18" charset="0"/>
+                      </a:rPr>
+                      <m:t>𝜀</m:t>
+                    </m:r>
+                    <m:r>
+                      <a:rPr lang="en-US" i="1">
+                        <a:latin typeface="Cambria Math" panose="02040503050406030204" pitchFamily="18" charset="0"/>
+                        <a:ea typeface="Cambria Math" panose="02040503050406030204" pitchFamily="18" charset="0"/>
+                      </a:rPr>
+                      <m:t>)</m:t>
+                    </m:r>
+                  </m:oMath>
+                </a14:m>
+                <a:r>
+                  <a:rPr lang="en-US" dirty="0">
+                    <a:ea typeface="Cambria Math" panose="02040503050406030204" pitchFamily="18" charset="0"/>
+                  </a:rPr>
+                  <a:t> </a:t>
+                </a:r>
+                <a14:m>
+                  <m:oMath xmlns:m="http://schemas.openxmlformats.org/officeDocument/2006/math">
+                    <m:r>
+                      <a:rPr lang="en-US" i="1" dirty="0">
+                        <a:latin typeface="Cambria Math" panose="02040503050406030204" pitchFamily="18" charset="0"/>
+                        <a:ea typeface="Cambria Math" panose="02040503050406030204" pitchFamily="18" charset="0"/>
+                      </a:rPr>
+                      <m:t>⊕</m:t>
+                    </m:r>
+                  </m:oMath>
+                </a14:m>
+                <a:r>
+                  <a:rPr lang="en-US" dirty="0"/>
+                  <a:t> D</a:t>
+                </a:r>
+              </a:p>
+              <a:p>
+                <a:pPr lvl="1"/>
+                <a14:m>
+                  <m:oMath xmlns:m="http://schemas.openxmlformats.org/officeDocument/2006/math">
+                    <m:sSub>
+                      <m:sSubPr>
+                        <m:ctrlPr>
+                          <a:rPr lang="en-US" i="1">
+                            <a:latin typeface="Cambria Math" panose="02040503050406030204" pitchFamily="18" charset="0"/>
+                          </a:rPr>
+                        </m:ctrlPr>
+                      </m:sSubPr>
+                      <m:e>
+                        <m:r>
+                          <a:rPr lang="en-US" i="1">
+                            <a:latin typeface="Cambria Math" panose="02040503050406030204" pitchFamily="18" charset="0"/>
+                          </a:rPr>
+                          <m:t>𝐴</m:t>
+                        </m:r>
+                      </m:e>
+                      <m:sub>
+                        <m:sSup>
+                          <m:sSupPr>
+                            <m:ctrlPr>
+                              <a:rPr lang="en-US" i="1">
+                                <a:latin typeface="Cambria Math" panose="02040503050406030204" pitchFamily="18" charset="0"/>
+                              </a:rPr>
+                            </m:ctrlPr>
+                          </m:sSupPr>
+                          <m:e>
+                            <m:r>
+                              <a:rPr lang="en-US" i="1">
+                                <a:latin typeface="Cambria Math" panose="02040503050406030204" pitchFamily="18" charset="0"/>
+                              </a:rPr>
+                              <m:t>𝑤</m:t>
+                            </m:r>
+                          </m:e>
+                          <m:sup>
+                            <m:r>
+                              <a:rPr lang="en-US" i="1">
+                                <a:latin typeface="Cambria Math" panose="02040503050406030204" pitchFamily="18" charset="0"/>
+                              </a:rPr>
+                              <m:t>∗</m:t>
+                            </m:r>
+                          </m:sup>
+                        </m:sSup>
+                      </m:sub>
+                    </m:sSub>
+                    <m:d>
+                      <m:dPr>
+                        <m:ctrlPr>
+                          <a:rPr lang="en-US" i="1">
+                            <a:latin typeface="Cambria Math" panose="02040503050406030204" pitchFamily="18" charset="0"/>
+                          </a:rPr>
+                        </m:ctrlPr>
+                      </m:dPr>
+                      <m:e>
+                        <m:r>
+                          <a:rPr lang="en-US" i="1">
+                            <a:latin typeface="Cambria Math" panose="02040503050406030204" pitchFamily="18" charset="0"/>
+                          </a:rPr>
+                          <m:t>𝑛</m:t>
+                        </m:r>
+                      </m:e>
+                    </m:d>
+                    <m:r>
+                      <a:rPr lang="en-US" i="1">
+                        <a:latin typeface="Cambria Math" panose="02040503050406030204" pitchFamily="18" charset="0"/>
+                      </a:rPr>
+                      <m:t>=(</m:t>
+                    </m:r>
+                    <m:r>
+                      <a:rPr lang="en-US" i="1">
+                        <a:latin typeface="Cambria Math" panose="02040503050406030204" pitchFamily="18" charset="0"/>
+                      </a:rPr>
+                      <m:t>𝑀</m:t>
+                    </m:r>
+                    <m:r>
+                      <a:rPr lang="en-US" i="1">
+                        <a:latin typeface="Cambria Math" panose="02040503050406030204" pitchFamily="18" charset="0"/>
+                      </a:rPr>
+                      <m:t>(</m:t>
+                    </m:r>
+                    <m:r>
+                      <a:rPr lang="en-US" i="1">
+                        <a:latin typeface="Cambria Math" panose="02040503050406030204" pitchFamily="18" charset="0"/>
+                      </a:rPr>
+                      <m:t>𝑛</m:t>
+                    </m:r>
+                    <m:r>
+                      <a:rPr lang="en-US" i="1" smtClean="0">
+                        <a:latin typeface="Cambria Math" panose="02040503050406030204" pitchFamily="18" charset="0"/>
+                      </a:rPr>
+                      <m:t>)</m:t>
+                    </m:r>
+                  </m:oMath>
+                </a14:m>
+                <a:r>
+                  <a:rPr lang="en-US" dirty="0">
+                    <a:ea typeface="Cambria Math" panose="02040503050406030204" pitchFamily="18" charset="0"/>
+                  </a:rPr>
+                  <a:t> </a:t>
+                </a:r>
+                <a14:m>
+                  <m:oMath xmlns:m="http://schemas.openxmlformats.org/officeDocument/2006/math">
+                    <m:d>
+                      <m:dPr>
+                        <m:begChr m:val="|"/>
+                        <m:endChr m:val="|"/>
+                        <m:ctrlPr>
+                          <a:rPr lang="en-US" i="1">
+                            <a:latin typeface="Cambria Math" panose="02040503050406030204" pitchFamily="18" charset="0"/>
+                            <a:ea typeface="Cambria Math" panose="02040503050406030204" pitchFamily="18" charset="0"/>
+                          </a:rPr>
+                        </m:ctrlPr>
+                      </m:dPr>
+                      <m:e>
+                        <m:r>
+                          <a:rPr lang="en-US" i="1">
+                            <a:latin typeface="Cambria Math" panose="02040503050406030204" pitchFamily="18" charset="0"/>
+                            <a:ea typeface="Cambria Math" panose="02040503050406030204" pitchFamily="18" charset="0"/>
+                          </a:rPr>
+                          <m:t>𝜀</m:t>
+                        </m:r>
+                      </m:e>
+                    </m:d>
+                    <m:r>
+                      <a:rPr lang="en-US" i="1">
+                        <a:latin typeface="Cambria Math" panose="02040503050406030204" pitchFamily="18" charset="0"/>
+                        <a:ea typeface="Cambria Math" panose="02040503050406030204" pitchFamily="18" charset="0"/>
+                      </a:rPr>
+                      <m:t>…|</m:t>
+                    </m:r>
+                    <m:r>
+                      <a:rPr lang="en-US" i="1">
+                        <a:latin typeface="Cambria Math" panose="02040503050406030204" pitchFamily="18" charset="0"/>
+                        <a:ea typeface="Cambria Math" panose="02040503050406030204" pitchFamily="18" charset="0"/>
+                      </a:rPr>
+                      <m:t>𝜀</m:t>
+                    </m:r>
+                    <m:r>
+                      <a:rPr lang="en-US" b="0" i="1" smtClean="0">
+                        <a:latin typeface="Cambria Math" panose="02040503050406030204" pitchFamily="18" charset="0"/>
+                        <a:ea typeface="Cambria Math" panose="02040503050406030204" pitchFamily="18" charset="0"/>
+                      </a:rPr>
+                      <m:t>|</m:t>
+                    </m:r>
+                    <m:sSup>
+                      <m:sSupPr>
+                        <m:ctrlPr>
+                          <a:rPr lang="en-US" i="1">
+                            <a:latin typeface="Cambria Math" panose="02040503050406030204" pitchFamily="18" charset="0"/>
+                          </a:rPr>
+                        </m:ctrlPr>
+                      </m:sSupPr>
+                      <m:e>
+                        <m:r>
+                          <a:rPr lang="en-US" i="1">
+                            <a:latin typeface="Cambria Math" panose="02040503050406030204" pitchFamily="18" charset="0"/>
+                          </a:rPr>
+                          <m:t>𝑀</m:t>
+                        </m:r>
+                      </m:e>
+                      <m:sup>
+                        <m:r>
+                          <a:rPr lang="en-US" i="1">
+                            <a:latin typeface="Cambria Math" panose="02040503050406030204" pitchFamily="18" charset="0"/>
+                          </a:rPr>
+                          <m:t>′</m:t>
+                        </m:r>
+                      </m:sup>
+                    </m:sSup>
+                    <m:d>
+                      <m:dPr>
+                        <m:ctrlPr>
+                          <a:rPr lang="en-US" i="1">
+                            <a:latin typeface="Cambria Math" panose="02040503050406030204" pitchFamily="18" charset="0"/>
+                          </a:rPr>
+                        </m:ctrlPr>
+                      </m:dPr>
+                      <m:e>
+                        <m:r>
+                          <a:rPr lang="en-US" i="1">
+                            <a:latin typeface="Cambria Math" panose="02040503050406030204" pitchFamily="18" charset="0"/>
+                          </a:rPr>
+                          <m:t>𝑛</m:t>
+                        </m:r>
+                      </m:e>
+                    </m:d>
+                    <m:r>
+                      <a:rPr lang="en-US" i="1">
+                        <a:latin typeface="Cambria Math" panose="02040503050406030204" pitchFamily="18" charset="0"/>
+                        <a:ea typeface="Cambria Math" panose="02040503050406030204" pitchFamily="18" charset="0"/>
+                      </a:rPr>
+                      <m:t>)</m:t>
+                    </m:r>
+                  </m:oMath>
+                </a14:m>
+                <a:r>
+                  <a:rPr lang="en-US" dirty="0">
+                    <a:ea typeface="Cambria Math" panose="02040503050406030204" pitchFamily="18" charset="0"/>
+                  </a:rPr>
+                  <a:t> </a:t>
+                </a:r>
+                <a14:m>
+                  <m:oMath xmlns:m="http://schemas.openxmlformats.org/officeDocument/2006/math">
+                    <m:r>
+                      <a:rPr lang="en-US" i="1" dirty="0">
+                        <a:latin typeface="Cambria Math" panose="02040503050406030204" pitchFamily="18" charset="0"/>
+                        <a:ea typeface="Cambria Math" panose="02040503050406030204" pitchFamily="18" charset="0"/>
+                      </a:rPr>
+                      <m:t>⊕</m:t>
+                    </m:r>
+                  </m:oMath>
+                </a14:m>
+                <a:r>
+                  <a:rPr lang="en-US" dirty="0"/>
+                  <a:t> D</a:t>
+                </a:r>
+              </a:p>
+              <a:p>
+                <a:pPr lvl="1"/>
+                <a:endParaRPr lang="en-US" dirty="0"/>
+              </a:p>
+              <a:p>
+                <a:pPr lvl="1"/>
+                <a:endParaRPr lang="en-US" dirty="0"/>
+              </a:p>
+              <a:p>
+                <a:endParaRPr lang="en-US" dirty="0"/>
+              </a:p>
+              <a:p>
+                <a:pPr lvl="1"/>
+                <a:endParaRPr lang="en-US" dirty="0"/>
+              </a:p>
+              <a:p>
+                <a:pPr lvl="1"/>
+                <a:endParaRPr lang="en-US" dirty="0"/>
+              </a:p>
+            </p:txBody>
+          </p:sp>
+        </mc:Choice>
+        <mc:Fallback xmlns="">
+          <p:sp>
+            <p:nvSpPr>
+              <p:cNvPr id="3" name="Content Placeholder 2">
+                <a:extLst>
+                  <a:ext uri="{FF2B5EF4-FFF2-40B4-BE49-F238E27FC236}">
+                    <a16:creationId xmlns:a16="http://schemas.microsoft.com/office/drawing/2014/main" id="{2B5007ED-0B27-F14F-B0F0-D1FD499DD283}"/>
+                  </a:ext>
+                </a:extLst>
+              </p:cNvPr>
+              <p:cNvSpPr>
+                <a:spLocks noGrp="1" noRot="1" noChangeAspect="1" noMove="1" noResize="1" noEditPoints="1" noAdjustHandles="1" noChangeArrowheads="1" noChangeShapeType="1" noTextEdit="1"/>
+              </p:cNvSpPr>
+              <p:nvPr>
+                <p:ph idx="1"/>
+              </p:nvPr>
+            </p:nvSpPr>
+            <p:spPr>
+              <a:xfrm>
+                <a:off x="2231136" y="2638044"/>
+                <a:ext cx="7729728" cy="4060930"/>
+              </a:xfrm>
+              <a:blipFill>
+                <a:blip r:embed="rId2"/>
+                <a:stretch>
+                  <a:fillRect l="-492" t="-623"/>
+                </a:stretch>
+              </a:blipFill>
+            </p:spPr>
+            <p:txBody>
+              <a:bodyPr/>
+              <a:lstStyle/>
+              <a:p>
+                <a:r>
+                  <a:rPr lang="en-US">
+                    <a:noFill/>
+                  </a:rPr>
+                  <a:t> </a:t>
+                </a:r>
+              </a:p>
+            </p:txBody>
+          </p:sp>
+        </mc:Fallback>
+      </mc:AlternateContent>
+    </p:spTree>
+    <p:extLst>
+      <p:ext uri="{BB962C8B-B14F-4D97-AF65-F5344CB8AC3E}">
+        <p14:creationId xmlns:p14="http://schemas.microsoft.com/office/powerpoint/2010/main" val="2731713075"/>
+      </p:ext>
+    </p:extLst>
+  </p:cSld>
+  <p:clrMapOvr>
+    <a:masterClrMapping/>
+  </p:clrMapOvr>
+</p:sld>
+</file>
+
+<file path=ppt/slides/slide11.xml><?xml version="1.0" encoding="utf-8"?>
+<p:sld xmlns:a="http://schemas.openxmlformats.org/drawingml/2006/main" xmlns:r="http://schemas.openxmlformats.org/officeDocument/2006/relationships" xmlns:p="http://schemas.openxmlformats.org/presentationml/2006/main">
+  <p:cSld>
+    <p:spTree>
+      <p:nvGrpSpPr>
+        <p:cNvPr id="1" name=""/>
+        <p:cNvGrpSpPr/>
+        <p:nvPr/>
+      </p:nvGrpSpPr>
+      <p:grpSpPr>
+        <a:xfrm>
+          <a:off x="0" y="0"/>
+          <a:ext cx="0" cy="0"/>
+          <a:chOff x="0" y="0"/>
+          <a:chExt cx="0" cy="0"/>
+        </a:xfrm>
+      </p:grpSpPr>
+      <p:sp>
+        <p:nvSpPr>
+          <p:cNvPr id="2" name="Title 1">
+            <a:extLst>
+              <a:ext uri="{FF2B5EF4-FFF2-40B4-BE49-F238E27FC236}">
+                <a16:creationId xmlns:a16="http://schemas.microsoft.com/office/drawing/2014/main" id="{05970F59-3070-DB4E-B1A5-D99DCCCB863B}"/>
+              </a:ext>
+            </a:extLst>
+          </p:cNvPr>
+          <p:cNvSpPr>
+            <a:spLocks noGrp="1"/>
+          </p:cNvSpPr>
+          <p:nvPr>
+            <p:ph type="title"/>
+          </p:nvPr>
+        </p:nvSpPr>
+        <p:spPr/>
+        <p:txBody>
+          <a:bodyPr/>
+          <a:lstStyle/>
+          <a:p>
+            <a:r>
+              <a:rPr lang="en-US" dirty="0"/>
+              <a:t>M and M’</a:t>
+            </a:r>
+          </a:p>
+        </p:txBody>
+      </p:sp>
+      <mc:AlternateContent xmlns:mc="http://schemas.openxmlformats.org/markup-compatibility/2006" xmlns:a14="http://schemas.microsoft.com/office/drawing/2010/main">
+        <mc:Choice Requires="a14">
+          <p:sp>
+            <p:nvSpPr>
+              <p:cNvPr id="3" name="Content Placeholder 2">
+                <a:extLst>
+                  <a:ext uri="{FF2B5EF4-FFF2-40B4-BE49-F238E27FC236}">
+                    <a16:creationId xmlns:a16="http://schemas.microsoft.com/office/drawing/2014/main" id="{908122B8-C88B-494D-8301-C5E02BADA080}"/>
+                  </a:ext>
+                </a:extLst>
+              </p:cNvPr>
+              <p:cNvSpPr>
+                <a:spLocks noGrp="1"/>
+              </p:cNvSpPr>
+              <p:nvPr>
+                <p:ph idx="1"/>
+              </p:nvPr>
+            </p:nvSpPr>
+            <p:spPr/>
+            <p:txBody>
+              <a:bodyPr/>
+              <a:lstStyle/>
+              <a:p>
+                <a14:m>
+                  <m:oMath xmlns:m="http://schemas.openxmlformats.org/officeDocument/2006/math">
+                    <m:sSub>
+                      <m:sSubPr>
+                        <m:ctrlPr>
+                          <a:rPr lang="en-US" b="0" i="1" smtClean="0">
+                            <a:latin typeface="Cambria Math" panose="02040503050406030204" pitchFamily="18" charset="0"/>
+                          </a:rPr>
+                        </m:ctrlPr>
+                      </m:sSubPr>
+                      <m:e>
+                        <m:r>
+                          <a:rPr lang="en-US" i="1">
+                            <a:latin typeface="Cambria Math" panose="02040503050406030204" pitchFamily="18" charset="0"/>
+                          </a:rPr>
+                          <m:t>(</m:t>
+                        </m:r>
+                        <m:r>
+                          <a:rPr lang="en-US" i="1">
+                            <a:latin typeface="Cambria Math" panose="02040503050406030204" pitchFamily="18" charset="0"/>
+                          </a:rPr>
+                          <m:t>𝑀</m:t>
+                        </m:r>
+                        <m:d>
+                          <m:dPr>
+                            <m:ctrlPr>
+                              <a:rPr lang="en-US" i="1">
+                                <a:latin typeface="Cambria Math" panose="02040503050406030204" pitchFamily="18" charset="0"/>
+                              </a:rPr>
+                            </m:ctrlPr>
+                          </m:dPr>
+                          <m:e>
+                            <m:r>
+                              <a:rPr lang="en-US" i="1">
+                                <a:latin typeface="Cambria Math" panose="02040503050406030204" pitchFamily="18" charset="0"/>
+                              </a:rPr>
+                              <m:t>𝑛</m:t>
+                            </m:r>
+                          </m:e>
+                        </m:d>
+                        <m:r>
+                          <a:rPr lang="en-US" i="1">
+                            <a:latin typeface="Cambria Math" panose="02040503050406030204" pitchFamily="18" charset="0"/>
+                          </a:rPr>
+                          <m:t>)</m:t>
+                        </m:r>
+                      </m:e>
+                      <m:sub>
+                        <m:r>
+                          <a:rPr lang="en-US" b="0" i="1" smtClean="0">
+                            <a:latin typeface="Cambria Math" panose="02040503050406030204" pitchFamily="18" charset="0"/>
+                          </a:rPr>
+                          <m:t>𝑖</m:t>
+                        </m:r>
+                        <m:r>
+                          <a:rPr lang="en-US" b="0" i="1" smtClean="0">
+                            <a:latin typeface="Cambria Math" panose="02040503050406030204" pitchFamily="18" charset="0"/>
+                          </a:rPr>
+                          <m:t>,</m:t>
+                        </m:r>
+                        <m:r>
+                          <a:rPr lang="en-US" b="0" i="1" smtClean="0">
+                            <a:latin typeface="Cambria Math" panose="02040503050406030204" pitchFamily="18" charset="0"/>
+                          </a:rPr>
+                          <m:t>𝑗</m:t>
+                        </m:r>
+                      </m:sub>
+                    </m:sSub>
+                    <m:r>
+                      <a:rPr lang="en-US" b="0" i="1" smtClean="0">
+                        <a:latin typeface="Cambria Math" panose="02040503050406030204" pitchFamily="18" charset="0"/>
+                      </a:rPr>
+                      <m:t> = </m:t>
+                    </m:r>
+                    <m:d>
+                      <m:dPr>
+                        <m:begChr m:val="{"/>
+                        <m:endChr m:val=""/>
+                        <m:ctrlPr>
+                          <a:rPr lang="en-US" b="0" i="1" smtClean="0">
+                            <a:latin typeface="Cambria Math" panose="02040503050406030204" pitchFamily="18" charset="0"/>
+                          </a:rPr>
+                        </m:ctrlPr>
+                      </m:dPr>
+                      <m:e>
+                        <m:eqArr>
+                          <m:eqArrPr>
+                            <m:ctrlPr>
+                              <a:rPr lang="en-US" b="0" i="1" smtClean="0">
+                                <a:latin typeface="Cambria Math" panose="02040503050406030204" pitchFamily="18" charset="0"/>
+                              </a:rPr>
+                            </m:ctrlPr>
+                          </m:eqArrPr>
+                          <m:e>
+                            <m:nary>
+                              <m:naryPr>
+                                <m:chr m:val="∑"/>
+                                <m:limLoc m:val="subSup"/>
+                                <m:ctrlPr>
+                                  <a:rPr lang="en-US" b="0" i="1" smtClean="0">
+                                    <a:latin typeface="Cambria Math" panose="02040503050406030204" pitchFamily="18" charset="0"/>
+                                  </a:rPr>
+                                </m:ctrlPr>
+                              </m:naryPr>
+                              <m:sub>
+                                <m:r>
+                                  <m:rPr>
+                                    <m:brk m:alnAt="25"/>
+                                  </m:rPr>
+                                  <a:rPr lang="en-US" b="0" i="1" smtClean="0">
+                                    <a:latin typeface="Cambria Math" panose="02040503050406030204" pitchFamily="18" charset="0"/>
+                                  </a:rPr>
+                                  <m:t>𝑘</m:t>
+                                </m:r>
+                                <m:r>
+                                  <a:rPr lang="en-US" b="0" i="1" smtClean="0">
+                                    <a:latin typeface="Cambria Math" panose="02040503050406030204" pitchFamily="18" charset="0"/>
+                                  </a:rPr>
+                                  <m:t>=</m:t>
+                                </m:r>
+                                <m:r>
+                                  <a:rPr lang="en-US" b="0" i="1" smtClean="0">
+                                    <a:latin typeface="Cambria Math" panose="02040503050406030204" pitchFamily="18" charset="0"/>
+                                  </a:rPr>
+                                  <m:t>𝑗</m:t>
+                                </m:r>
+                              </m:sub>
+                              <m:sup>
+                                <m:r>
+                                  <a:rPr lang="en-US" b="0" i="1" smtClean="0">
+                                    <a:latin typeface="Cambria Math" panose="02040503050406030204" pitchFamily="18" charset="0"/>
+                                  </a:rPr>
+                                  <m:t>𝑖</m:t>
+                                </m:r>
+                              </m:sup>
+                              <m:e>
+                                <m:sSub>
+                                  <m:sSubPr>
+                                    <m:ctrlPr>
+                                      <a:rPr lang="en-US" b="0" i="1" smtClean="0">
+                                        <a:latin typeface="Cambria Math" panose="02040503050406030204" pitchFamily="18" charset="0"/>
+                                      </a:rPr>
+                                    </m:ctrlPr>
+                                  </m:sSubPr>
+                                  <m:e>
+                                    <m:r>
+                                      <a:rPr lang="en-US" b="0" i="1" smtClean="0">
+                                        <a:latin typeface="Cambria Math" panose="02040503050406030204" pitchFamily="18" charset="0"/>
+                                        <a:ea typeface="Cambria Math" panose="02040503050406030204" pitchFamily="18" charset="0"/>
+                                      </a:rPr>
+                                      <m:t>𝜎</m:t>
+                                    </m:r>
+                                  </m:e>
+                                  <m:sub>
+                                    <m:r>
+                                      <a:rPr lang="en-US" b="0" i="1" smtClean="0">
+                                        <a:latin typeface="Cambria Math" panose="02040503050406030204" pitchFamily="18" charset="0"/>
+                                      </a:rPr>
+                                      <m:t>𝑘</m:t>
+                                    </m:r>
+                                  </m:sub>
+                                </m:sSub>
+                                <m:r>
+                                  <a:rPr lang="en-US" b="0" i="1" smtClean="0">
+                                    <a:latin typeface="Cambria Math" panose="02040503050406030204" pitchFamily="18" charset="0"/>
+                                  </a:rPr>
+                                  <m:t>(</m:t>
+                                </m:r>
+                                <m:r>
+                                  <a:rPr lang="en-US" b="0" i="1" smtClean="0">
+                                    <a:latin typeface="Cambria Math" panose="02040503050406030204" pitchFamily="18" charset="0"/>
+                                  </a:rPr>
+                                  <m:t>𝑛</m:t>
+                                </m:r>
+                                <m:r>
+                                  <a:rPr lang="en-US" b="0" i="1" smtClean="0">
+                                    <a:latin typeface="Cambria Math" panose="02040503050406030204" pitchFamily="18" charset="0"/>
+                                  </a:rPr>
+                                  <m:t>)</m:t>
+                                </m:r>
+                              </m:e>
+                            </m:nary>
+                            <m:r>
+                              <a:rPr lang="en-US" b="0" i="1" smtClean="0">
+                                <a:latin typeface="Cambria Math" panose="02040503050406030204" pitchFamily="18" charset="0"/>
+                              </a:rPr>
+                              <m:t>+</m:t>
+                            </m:r>
+                            <m:nary>
+                              <m:naryPr>
+                                <m:chr m:val="∑"/>
+                                <m:limLoc m:val="subSup"/>
+                                <m:ctrlPr>
+                                  <a:rPr lang="en-US" i="1">
+                                    <a:latin typeface="Cambria Math" panose="02040503050406030204" pitchFamily="18" charset="0"/>
+                                  </a:rPr>
+                                </m:ctrlPr>
+                              </m:naryPr>
+                              <m:sub>
+                                <m:r>
+                                  <m:rPr>
+                                    <m:brk m:alnAt="25"/>
+                                  </m:rPr>
+                                  <a:rPr lang="en-US" i="1">
+                                    <a:latin typeface="Cambria Math" panose="02040503050406030204" pitchFamily="18" charset="0"/>
+                                  </a:rPr>
+                                  <m:t>𝑘</m:t>
+                                </m:r>
+                                <m:r>
+                                  <a:rPr lang="en-US" i="1">
+                                    <a:latin typeface="Cambria Math" panose="02040503050406030204" pitchFamily="18" charset="0"/>
+                                  </a:rPr>
+                                  <m:t>=</m:t>
+                                </m:r>
+                                <m:r>
+                                  <a:rPr lang="en-US" i="1">
+                                    <a:latin typeface="Cambria Math" panose="02040503050406030204" pitchFamily="18" charset="0"/>
+                                  </a:rPr>
+                                  <m:t>𝑗</m:t>
+                                </m:r>
+                              </m:sub>
+                              <m:sup>
+                                <m:r>
+                                  <a:rPr lang="en-US" i="1">
+                                    <a:latin typeface="Cambria Math" panose="02040503050406030204" pitchFamily="18" charset="0"/>
+                                  </a:rPr>
+                                  <m:t>𝑖</m:t>
+                                </m:r>
+                                <m:r>
+                                  <a:rPr lang="en-US" b="0" i="1" smtClean="0">
+                                    <a:latin typeface="Cambria Math" panose="02040503050406030204" pitchFamily="18" charset="0"/>
+                                  </a:rPr>
+                                  <m:t>−1</m:t>
+                                </m:r>
+                              </m:sup>
+                              <m:e>
+                                <m:sSub>
+                                  <m:sSubPr>
+                                    <m:ctrlPr>
+                                      <a:rPr lang="en-US" i="1">
+                                        <a:latin typeface="Cambria Math" panose="02040503050406030204" pitchFamily="18" charset="0"/>
+                                      </a:rPr>
+                                    </m:ctrlPr>
+                                  </m:sSubPr>
+                                  <m:e>
+                                    <m:r>
+                                      <a:rPr lang="en-US" b="0" i="1" smtClean="0">
+                                        <a:latin typeface="Cambria Math" panose="02040503050406030204" pitchFamily="18" charset="0"/>
+                                      </a:rPr>
+                                      <m:t>𝑑</m:t>
+                                    </m:r>
+                                  </m:e>
+                                  <m:sub>
+                                    <m:r>
+                                      <a:rPr lang="en-US" i="1">
+                                        <a:latin typeface="Cambria Math" panose="02040503050406030204" pitchFamily="18" charset="0"/>
+                                      </a:rPr>
+                                      <m:t>𝑘</m:t>
+                                    </m:r>
+                                    <m:r>
+                                      <a:rPr lang="en-US" b="0" i="1" smtClean="0">
+                                        <a:latin typeface="Cambria Math" panose="02040503050406030204" pitchFamily="18" charset="0"/>
+                                      </a:rPr>
+                                      <m:t>,</m:t>
+                                    </m:r>
+                                    <m:r>
+                                      <a:rPr lang="en-US" b="0" i="1" smtClean="0">
+                                        <a:latin typeface="Cambria Math" panose="02040503050406030204" pitchFamily="18" charset="0"/>
+                                      </a:rPr>
+                                      <m:t>𝑘</m:t>
+                                    </m:r>
+                                    <m:r>
+                                      <a:rPr lang="en-US" b="0" i="1" smtClean="0">
+                                        <a:latin typeface="Cambria Math" panose="02040503050406030204" pitchFamily="18" charset="0"/>
+                                      </a:rPr>
+                                      <m:t>−1</m:t>
+                                    </m:r>
+                                  </m:sub>
+                                </m:sSub>
+                              </m:e>
+                            </m:nary>
+                            <m:r>
+                              <a:rPr lang="en-US" b="0" i="1" smtClean="0">
+                                <a:latin typeface="Cambria Math" panose="02040503050406030204" pitchFamily="18" charset="0"/>
+                              </a:rPr>
+                              <m:t>,   </m:t>
+                            </m:r>
+                            <m:r>
+                              <a:rPr lang="en-US" b="0" i="1" smtClean="0">
+                                <a:latin typeface="Cambria Math" panose="02040503050406030204" pitchFamily="18" charset="0"/>
+                              </a:rPr>
+                              <m:t>𝑖𝑓</m:t>
+                            </m:r>
+                            <m:r>
+                              <a:rPr lang="en-US" b="0" i="1" smtClean="0">
+                                <a:latin typeface="Cambria Math" panose="02040503050406030204" pitchFamily="18" charset="0"/>
+                              </a:rPr>
+                              <m:t> </m:t>
+                            </m:r>
+                            <m:r>
+                              <a:rPr lang="en-US" b="0" i="1" smtClean="0">
+                                <a:latin typeface="Cambria Math" panose="02040503050406030204" pitchFamily="18" charset="0"/>
+                              </a:rPr>
+                              <m:t>𝑖</m:t>
+                            </m:r>
+                            <m:r>
+                              <a:rPr lang="en-US" b="0" i="1" smtClean="0">
+                                <a:latin typeface="Cambria Math" panose="02040503050406030204" pitchFamily="18" charset="0"/>
+                              </a:rPr>
+                              <m:t> ≥</m:t>
+                            </m:r>
+                            <m:r>
+                              <a:rPr lang="en-US" b="0" i="1" smtClean="0">
+                                <a:latin typeface="Cambria Math" panose="02040503050406030204" pitchFamily="18" charset="0"/>
+                                <a:ea typeface="Cambria Math" panose="02040503050406030204" pitchFamily="18" charset="0"/>
+                              </a:rPr>
+                              <m:t>𝑗</m:t>
+                            </m:r>
+                          </m:e>
+                          <m:e>
+                            <m:r>
+                              <a:rPr lang="en-US" b="0" i="1" smtClean="0">
+                                <a:latin typeface="Cambria Math" panose="02040503050406030204" pitchFamily="18" charset="0"/>
+                              </a:rPr>
+                              <m:t>−</m:t>
+                            </m:r>
+                            <m:r>
+                              <a:rPr lang="en-US" b="0" i="1" smtClean="0">
+                                <a:latin typeface="Cambria Math" panose="02040503050406030204" pitchFamily="18" charset="0"/>
+                                <a:ea typeface="Cambria Math" panose="02040503050406030204" pitchFamily="18" charset="0"/>
+                              </a:rPr>
+                              <m:t>∞,                                           </m:t>
+                            </m:r>
+                            <m:r>
+                              <a:rPr lang="en-US" b="0" i="1" smtClean="0">
+                                <a:latin typeface="Cambria Math" panose="02040503050406030204" pitchFamily="18" charset="0"/>
+                                <a:ea typeface="Cambria Math" panose="02040503050406030204" pitchFamily="18" charset="0"/>
+                              </a:rPr>
+                              <m:t>𝑖𝑓</m:t>
+                            </m:r>
+                            <m:r>
+                              <a:rPr lang="en-US" b="0" i="1" smtClean="0">
+                                <a:latin typeface="Cambria Math" panose="02040503050406030204" pitchFamily="18" charset="0"/>
+                                <a:ea typeface="Cambria Math" panose="02040503050406030204" pitchFamily="18" charset="0"/>
+                              </a:rPr>
+                              <m:t> </m:t>
+                            </m:r>
+                            <m:r>
+                              <a:rPr lang="en-US" b="0" i="1" smtClean="0">
+                                <a:latin typeface="Cambria Math" panose="02040503050406030204" pitchFamily="18" charset="0"/>
+                                <a:ea typeface="Cambria Math" panose="02040503050406030204" pitchFamily="18" charset="0"/>
+                              </a:rPr>
+                              <m:t>𝑖</m:t>
+                            </m:r>
+                            <m:r>
+                              <a:rPr lang="en-US" b="0" i="1" smtClean="0">
+                                <a:latin typeface="Cambria Math" panose="02040503050406030204" pitchFamily="18" charset="0"/>
+                                <a:ea typeface="Cambria Math" panose="02040503050406030204" pitchFamily="18" charset="0"/>
+                              </a:rPr>
+                              <m:t>&lt;</m:t>
+                            </m:r>
+                            <m:r>
+                              <a:rPr lang="en-US" b="0" i="1" smtClean="0">
+                                <a:latin typeface="Cambria Math" panose="02040503050406030204" pitchFamily="18" charset="0"/>
+                                <a:ea typeface="Cambria Math" panose="02040503050406030204" pitchFamily="18" charset="0"/>
+                              </a:rPr>
+                              <m:t>𝑗</m:t>
+                            </m:r>
+                          </m:e>
+                        </m:eqArr>
+                      </m:e>
+                    </m:d>
+                  </m:oMath>
+                </a14:m>
+                <a:endParaRPr lang="en-US" dirty="0"/>
+              </a:p>
+              <a:p>
+                <a14:m>
+                  <m:oMath xmlns:m="http://schemas.openxmlformats.org/officeDocument/2006/math">
+                    <m:sSub>
+                      <m:sSubPr>
+                        <m:ctrlPr>
+                          <a:rPr lang="en-US" i="1">
+                            <a:latin typeface="Cambria Math" panose="02040503050406030204" pitchFamily="18" charset="0"/>
+                          </a:rPr>
+                        </m:ctrlPr>
+                      </m:sSubPr>
+                      <m:e>
+                        <m:r>
+                          <a:rPr lang="en-US" i="1">
+                            <a:latin typeface="Cambria Math" panose="02040503050406030204" pitchFamily="18" charset="0"/>
+                          </a:rPr>
+                          <m:t>(</m:t>
+                        </m:r>
+                        <m:r>
+                          <a:rPr lang="en-US" i="1">
+                            <a:latin typeface="Cambria Math" panose="02040503050406030204" pitchFamily="18" charset="0"/>
+                          </a:rPr>
+                          <m:t>𝑀</m:t>
+                        </m:r>
+                        <m:r>
+                          <a:rPr lang="en-US" b="0" i="1" smtClean="0">
+                            <a:latin typeface="Cambria Math" panose="02040503050406030204" pitchFamily="18" charset="0"/>
+                          </a:rPr>
+                          <m:t>′</m:t>
+                        </m:r>
+                        <m:d>
+                          <m:dPr>
+                            <m:ctrlPr>
+                              <a:rPr lang="en-US" i="1">
+                                <a:latin typeface="Cambria Math" panose="02040503050406030204" pitchFamily="18" charset="0"/>
+                              </a:rPr>
+                            </m:ctrlPr>
+                          </m:dPr>
+                          <m:e>
+                            <m:r>
+                              <a:rPr lang="en-US" i="1">
+                                <a:latin typeface="Cambria Math" panose="02040503050406030204" pitchFamily="18" charset="0"/>
+                              </a:rPr>
+                              <m:t>𝑛</m:t>
+                            </m:r>
+                          </m:e>
+                        </m:d>
+                        <m:r>
+                          <a:rPr lang="en-US" i="1">
+                            <a:latin typeface="Cambria Math" panose="02040503050406030204" pitchFamily="18" charset="0"/>
+                          </a:rPr>
+                          <m:t>)</m:t>
+                        </m:r>
+                      </m:e>
+                      <m:sub>
+                        <m:r>
+                          <a:rPr lang="en-US" i="1">
+                            <a:latin typeface="Cambria Math" panose="02040503050406030204" pitchFamily="18" charset="0"/>
+                          </a:rPr>
+                          <m:t>𝑖</m:t>
+                        </m:r>
+                        <m:r>
+                          <a:rPr lang="en-US" i="1">
+                            <a:latin typeface="Cambria Math" panose="02040503050406030204" pitchFamily="18" charset="0"/>
+                          </a:rPr>
+                          <m:t>,</m:t>
+                        </m:r>
+                        <m:r>
+                          <a:rPr lang="en-US" i="1">
+                            <a:latin typeface="Cambria Math" panose="02040503050406030204" pitchFamily="18" charset="0"/>
+                          </a:rPr>
+                          <m:t>𝑗</m:t>
+                        </m:r>
+                      </m:sub>
+                    </m:sSub>
+                    <m:r>
+                      <a:rPr lang="en-US" i="1">
+                        <a:latin typeface="Cambria Math" panose="02040503050406030204" pitchFamily="18" charset="0"/>
+                      </a:rPr>
+                      <m:t> = </m:t>
+                    </m:r>
+                    <m:d>
+                      <m:dPr>
+                        <m:begChr m:val="{"/>
+                        <m:endChr m:val=""/>
+                        <m:ctrlPr>
+                          <a:rPr lang="en-US" i="1">
+                            <a:latin typeface="Cambria Math" panose="02040503050406030204" pitchFamily="18" charset="0"/>
+                          </a:rPr>
+                        </m:ctrlPr>
+                      </m:dPr>
+                      <m:e>
+                        <m:eqArr>
+                          <m:eqArrPr>
+                            <m:ctrlPr>
+                              <a:rPr lang="en-US" i="1">
+                                <a:latin typeface="Cambria Math" panose="02040503050406030204" pitchFamily="18" charset="0"/>
+                              </a:rPr>
+                            </m:ctrlPr>
+                          </m:eqArrPr>
+                          <m:e>
+                            <m:nary>
+                              <m:naryPr>
+                                <m:chr m:val="∑"/>
+                                <m:limLoc m:val="subSup"/>
+                                <m:ctrlPr>
+                                  <a:rPr lang="en-US" i="1">
+                                    <a:latin typeface="Cambria Math" panose="02040503050406030204" pitchFamily="18" charset="0"/>
+                                  </a:rPr>
+                                </m:ctrlPr>
+                              </m:naryPr>
+                              <m:sub>
+                                <m:r>
+                                  <m:rPr>
+                                    <m:brk m:alnAt="25"/>
+                                  </m:rPr>
+                                  <a:rPr lang="en-US" i="1">
+                                    <a:latin typeface="Cambria Math" panose="02040503050406030204" pitchFamily="18" charset="0"/>
+                                  </a:rPr>
+                                  <m:t>𝑘</m:t>
+                                </m:r>
+                                <m:r>
+                                  <a:rPr lang="en-US" i="1">
+                                    <a:latin typeface="Cambria Math" panose="02040503050406030204" pitchFamily="18" charset="0"/>
+                                  </a:rPr>
+                                  <m:t>=</m:t>
+                                </m:r>
+                                <m:r>
+                                  <a:rPr lang="en-US" b="0" i="1" smtClean="0">
+                                    <a:latin typeface="Cambria Math" panose="02040503050406030204" pitchFamily="18" charset="0"/>
+                                  </a:rPr>
+                                  <m:t>1</m:t>
+                                </m:r>
+                              </m:sub>
+                              <m:sup>
+                                <m:r>
+                                  <a:rPr lang="en-US" i="1">
+                                    <a:latin typeface="Cambria Math" panose="02040503050406030204" pitchFamily="18" charset="0"/>
+                                  </a:rPr>
+                                  <m:t>𝑖</m:t>
+                                </m:r>
+                              </m:sup>
+                              <m:e>
+                                <m:r>
+                                  <a:rPr lang="en-US" b="0" i="1" smtClean="0">
+                                    <a:latin typeface="Cambria Math" panose="02040503050406030204" pitchFamily="18" charset="0"/>
+                                  </a:rPr>
+                                  <m:t>(</m:t>
+                                </m:r>
+                                <m:sSub>
+                                  <m:sSubPr>
+                                    <m:ctrlPr>
+                                      <a:rPr lang="en-US" i="1">
+                                        <a:latin typeface="Cambria Math" panose="02040503050406030204" pitchFamily="18" charset="0"/>
+                                      </a:rPr>
+                                    </m:ctrlPr>
+                                  </m:sSubPr>
+                                  <m:e>
+                                    <m:r>
+                                      <a:rPr lang="en-US" i="1">
+                                        <a:latin typeface="Cambria Math" panose="02040503050406030204" pitchFamily="18" charset="0"/>
+                                      </a:rPr>
+                                      <m:t>𝑑</m:t>
+                                    </m:r>
+                                  </m:e>
+                                  <m:sub>
+                                    <m:r>
+                                      <a:rPr lang="en-US" i="1">
+                                        <a:latin typeface="Cambria Math" panose="02040503050406030204" pitchFamily="18" charset="0"/>
+                                      </a:rPr>
+                                      <m:t>𝑘</m:t>
+                                    </m:r>
+                                    <m:r>
+                                      <a:rPr lang="en-US" b="0" i="1" smtClean="0">
+                                        <a:latin typeface="Cambria Math" panose="02040503050406030204" pitchFamily="18" charset="0"/>
+                                      </a:rPr>
+                                      <m:t>−1</m:t>
+                                    </m:r>
+                                    <m:r>
+                                      <a:rPr lang="en-US" i="1">
+                                        <a:latin typeface="Cambria Math" panose="02040503050406030204" pitchFamily="18" charset="0"/>
+                                      </a:rPr>
+                                      <m:t>,</m:t>
+                                    </m:r>
+                                    <m:r>
+                                      <a:rPr lang="en-US" i="1">
+                                        <a:latin typeface="Cambria Math" panose="02040503050406030204" pitchFamily="18" charset="0"/>
+                                      </a:rPr>
+                                      <m:t>𝑘</m:t>
+                                    </m:r>
+                                  </m:sub>
+                                </m:sSub>
+                              </m:e>
+                            </m:nary>
+                            <m:r>
+                              <a:rPr lang="en-US" b="0" i="1" smtClean="0">
+                                <a:latin typeface="Cambria Math" panose="02040503050406030204" pitchFamily="18" charset="0"/>
+                              </a:rPr>
+                              <m:t>+</m:t>
+                            </m:r>
+                            <m:sSub>
+                              <m:sSubPr>
+                                <m:ctrlPr>
+                                  <a:rPr lang="en-US" i="1">
+                                    <a:latin typeface="Cambria Math" panose="02040503050406030204" pitchFamily="18" charset="0"/>
+                                  </a:rPr>
+                                </m:ctrlPr>
+                              </m:sSubPr>
+                              <m:e>
+                                <m:r>
+                                  <a:rPr lang="en-US" i="1">
+                                    <a:latin typeface="Cambria Math" panose="02040503050406030204" pitchFamily="18" charset="0"/>
+                                    <a:ea typeface="Cambria Math" panose="02040503050406030204" pitchFamily="18" charset="0"/>
+                                  </a:rPr>
+                                  <m:t>𝜎</m:t>
+                                </m:r>
+                              </m:e>
+                              <m:sub>
+                                <m:r>
+                                  <a:rPr lang="en-US" i="1">
+                                    <a:latin typeface="Cambria Math" panose="02040503050406030204" pitchFamily="18" charset="0"/>
+                                  </a:rPr>
+                                  <m:t>𝑘</m:t>
+                                </m:r>
+                              </m:sub>
+                            </m:sSub>
+                            <m:r>
+                              <a:rPr lang="en-US" b="0" i="1" smtClean="0">
+                                <a:latin typeface="Cambria Math" panose="02040503050406030204" pitchFamily="18" charset="0"/>
+                              </a:rPr>
+                              <m:t>(</m:t>
+                            </m:r>
+                            <m:r>
+                              <a:rPr lang="en-US" b="0" i="1" smtClean="0">
+                                <a:latin typeface="Cambria Math" panose="02040503050406030204" pitchFamily="18" charset="0"/>
+                              </a:rPr>
+                              <m:t>𝑛</m:t>
+                            </m:r>
+                            <m:r>
+                              <a:rPr lang="en-US" b="0" i="1" smtClean="0">
+                                <a:latin typeface="Cambria Math" panose="02040503050406030204" pitchFamily="18" charset="0"/>
+                              </a:rPr>
+                              <m:t>))+</m:t>
+                            </m:r>
+                            <m:sSub>
+                              <m:sSubPr>
+                                <m:ctrlPr>
+                                  <a:rPr lang="en-US" i="1">
+                                    <a:latin typeface="Cambria Math" panose="02040503050406030204" pitchFamily="18" charset="0"/>
+                                  </a:rPr>
+                                </m:ctrlPr>
+                              </m:sSubPr>
+                              <m:e>
+                                <m:r>
+                                  <a:rPr lang="en-US" i="1">
+                                    <a:latin typeface="Cambria Math" panose="02040503050406030204" pitchFamily="18" charset="0"/>
+                                  </a:rPr>
+                                  <m:t>𝑑</m:t>
+                                </m:r>
+                              </m:e>
+                              <m:sub>
+                                <m:r>
+                                  <a:rPr lang="en-US" b="0" i="1" smtClean="0">
+                                    <a:latin typeface="Cambria Math" panose="02040503050406030204" pitchFamily="18" charset="0"/>
+                                  </a:rPr>
+                                  <m:t>𝐾</m:t>
+                                </m:r>
+                                <m:r>
+                                  <a:rPr lang="en-US" i="1">
+                                    <a:latin typeface="Cambria Math" panose="02040503050406030204" pitchFamily="18" charset="0"/>
+                                  </a:rPr>
+                                  <m:t>,</m:t>
+                                </m:r>
+                                <m:r>
+                                  <a:rPr lang="en-US" b="0" i="1" smtClean="0">
+                                    <a:latin typeface="Cambria Math" panose="02040503050406030204" pitchFamily="18" charset="0"/>
+                                  </a:rPr>
+                                  <m:t>0</m:t>
+                                </m:r>
+                              </m:sub>
+                            </m:sSub>
+                            <m:r>
+                              <a:rPr lang="en-US" i="1">
+                                <a:latin typeface="Cambria Math" panose="02040503050406030204" pitchFamily="18" charset="0"/>
+                              </a:rPr>
+                              <m:t>, </m:t>
+                            </m:r>
+                            <m:r>
+                              <a:rPr lang="en-US" b="0" i="1" smtClean="0">
+                                <a:latin typeface="Cambria Math" panose="02040503050406030204" pitchFamily="18" charset="0"/>
+                              </a:rPr>
+                              <m:t> </m:t>
+                            </m:r>
+                            <m:r>
+                              <a:rPr lang="en-US" i="1">
+                                <a:latin typeface="Cambria Math" panose="02040503050406030204" pitchFamily="18" charset="0"/>
+                              </a:rPr>
+                              <m:t>𝑖𝑓</m:t>
+                            </m:r>
+                            <m:r>
+                              <a:rPr lang="en-US" i="1">
+                                <a:latin typeface="Cambria Math" panose="02040503050406030204" pitchFamily="18" charset="0"/>
+                              </a:rPr>
+                              <m:t> </m:t>
+                            </m:r>
+                            <m:r>
+                              <a:rPr lang="en-US" b="0" i="1" smtClean="0">
+                                <a:latin typeface="Cambria Math" panose="02040503050406030204" pitchFamily="18" charset="0"/>
+                              </a:rPr>
+                              <m:t>𝑗</m:t>
+                            </m:r>
+                            <m:r>
+                              <a:rPr lang="en-US" b="0" i="1" smtClean="0">
+                                <a:latin typeface="Cambria Math" panose="02040503050406030204" pitchFamily="18" charset="0"/>
+                              </a:rPr>
+                              <m:t>=</m:t>
+                            </m:r>
+                            <m:r>
+                              <a:rPr lang="en-US" b="0" i="1" smtClean="0">
+                                <a:latin typeface="Cambria Math" panose="02040503050406030204" pitchFamily="18" charset="0"/>
+                              </a:rPr>
+                              <m:t>𝐾</m:t>
+                            </m:r>
+                          </m:e>
+                          <m:e>
+                            <m:r>
+                              <a:rPr lang="en-US" i="1">
+                                <a:latin typeface="Cambria Math" panose="02040503050406030204" pitchFamily="18" charset="0"/>
+                              </a:rPr>
+                              <m:t>−</m:t>
+                            </m:r>
+                            <m:r>
+                              <a:rPr lang="en-US" i="1">
+                                <a:latin typeface="Cambria Math" panose="02040503050406030204" pitchFamily="18" charset="0"/>
+                                <a:ea typeface="Cambria Math" panose="02040503050406030204" pitchFamily="18" charset="0"/>
+                              </a:rPr>
+                              <m:t>∞, </m:t>
+                            </m:r>
+                            <m:r>
+                              <a:rPr lang="en-US" b="0" i="1" smtClean="0">
+                                <a:latin typeface="Cambria Math" panose="02040503050406030204" pitchFamily="18" charset="0"/>
+                                <a:ea typeface="Cambria Math" panose="02040503050406030204" pitchFamily="18" charset="0"/>
+                              </a:rPr>
+                              <m:t>                                                </m:t>
+                            </m:r>
+                            <m:r>
+                              <a:rPr lang="en-US" i="1">
+                                <a:latin typeface="Cambria Math" panose="02040503050406030204" pitchFamily="18" charset="0"/>
+                                <a:ea typeface="Cambria Math" panose="02040503050406030204" pitchFamily="18" charset="0"/>
+                              </a:rPr>
+                              <m:t>𝑖𝑓</m:t>
+                            </m:r>
+                            <m:r>
+                              <a:rPr lang="en-US" i="1">
+                                <a:latin typeface="Cambria Math" panose="02040503050406030204" pitchFamily="18" charset="0"/>
+                                <a:ea typeface="Cambria Math" panose="02040503050406030204" pitchFamily="18" charset="0"/>
+                              </a:rPr>
+                              <m:t> </m:t>
+                            </m:r>
+                            <m:r>
+                              <a:rPr lang="en-US" b="0" i="1" smtClean="0">
+                                <a:latin typeface="Cambria Math" panose="02040503050406030204" pitchFamily="18" charset="0"/>
+                                <a:ea typeface="Cambria Math" panose="02040503050406030204" pitchFamily="18" charset="0"/>
+                              </a:rPr>
+                              <m:t>𝑗</m:t>
+                            </m:r>
+                            <m:r>
+                              <a:rPr lang="en-US" i="1">
+                                <a:latin typeface="Cambria Math" panose="02040503050406030204" pitchFamily="18" charset="0"/>
+                                <a:ea typeface="Cambria Math" panose="02040503050406030204" pitchFamily="18" charset="0"/>
+                              </a:rPr>
+                              <m:t>&lt;</m:t>
+                            </m:r>
+                            <m:r>
+                              <a:rPr lang="en-US" b="0" i="1" smtClean="0">
+                                <a:latin typeface="Cambria Math" panose="02040503050406030204" pitchFamily="18" charset="0"/>
+                                <a:ea typeface="Cambria Math" panose="02040503050406030204" pitchFamily="18" charset="0"/>
+                              </a:rPr>
+                              <m:t>𝐾</m:t>
+                            </m:r>
+                          </m:e>
+                        </m:eqArr>
+                      </m:e>
+                    </m:d>
+                  </m:oMath>
+                </a14:m>
+                <a:endParaRPr lang="en-US" dirty="0"/>
+              </a:p>
+              <a:p>
+                <a:r>
+                  <a:rPr lang="en-US" dirty="0"/>
+                  <a:t>D is the square matrix of dimension K</a:t>
+                </a:r>
+                <a:r>
+                  <a:rPr lang="en-US" i="1" dirty="0">
+                    <a:latin typeface="Cambria Math" panose="02040503050406030204" pitchFamily="18" charset="0"/>
+                  </a:rPr>
+                  <a:t>w*  </a:t>
+                </a:r>
+                <a:r>
+                  <a:rPr lang="en-US" dirty="0"/>
+                  <a:t>with all its entries equal to </a:t>
+                </a:r>
+                <a14:m>
+                  <m:oMath xmlns:m="http://schemas.openxmlformats.org/officeDocument/2006/math">
+                    <m:r>
+                      <a:rPr lang="en-US" i="1">
+                        <a:latin typeface="Cambria Math" panose="02040503050406030204" pitchFamily="18" charset="0"/>
+                      </a:rPr>
+                      <m:t>−</m:t>
+                    </m:r>
+                    <m:r>
+                      <a:rPr lang="en-US" i="1">
+                        <a:latin typeface="Cambria Math" panose="02040503050406030204" pitchFamily="18" charset="0"/>
+                        <a:ea typeface="Cambria Math" panose="02040503050406030204" pitchFamily="18" charset="0"/>
+                      </a:rPr>
+                      <m:t>∞</m:t>
+                    </m:r>
+                  </m:oMath>
+                </a14:m>
+                <a:r>
+                  <a:rPr lang="en-US" dirty="0"/>
+                  <a:t> except </a:t>
+                </a:r>
+                <a14:m>
+                  <m:oMath xmlns:m="http://schemas.openxmlformats.org/officeDocument/2006/math">
+                    <m:sSub>
+                      <m:sSubPr>
+                        <m:ctrlPr>
+                          <a:rPr lang="en-US" i="1" smtClean="0">
+                            <a:latin typeface="Cambria Math" panose="02040503050406030204" pitchFamily="18" charset="0"/>
+                          </a:rPr>
+                        </m:ctrlPr>
+                      </m:sSubPr>
+                      <m:e>
+                        <m:r>
+                          <a:rPr lang="en-US" b="0" i="1" smtClean="0">
+                            <a:latin typeface="Cambria Math" panose="02040503050406030204" pitchFamily="18" charset="0"/>
+                          </a:rPr>
+                          <m:t>𝐷</m:t>
+                        </m:r>
+                      </m:e>
+                      <m:sub>
+                        <m:r>
+                          <a:rPr lang="en-US" b="0" i="1" smtClean="0">
+                            <a:latin typeface="Cambria Math" panose="02040503050406030204" pitchFamily="18" charset="0"/>
+                          </a:rPr>
+                          <m:t>𝐾</m:t>
+                        </m:r>
+                        <m:r>
+                          <a:rPr lang="en-US" b="0" i="1" smtClean="0">
+                            <a:latin typeface="Cambria Math" panose="02040503050406030204" pitchFamily="18" charset="0"/>
+                          </a:rPr>
+                          <m:t>+1,</m:t>
+                        </m:r>
+                        <m:r>
+                          <a:rPr lang="en-US" b="0" i="1" smtClean="0">
+                            <a:latin typeface="Cambria Math" panose="02040503050406030204" pitchFamily="18" charset="0"/>
+                          </a:rPr>
+                          <m:t>𝑖</m:t>
+                        </m:r>
+                      </m:sub>
+                    </m:sSub>
+                  </m:oMath>
+                </a14:m>
+                <a:r>
+                  <a:rPr lang="en-US" dirty="0"/>
+                  <a:t>, with </a:t>
+                </a:r>
+                <a14:m>
+                  <m:oMath xmlns:m="http://schemas.openxmlformats.org/officeDocument/2006/math">
+                    <m:r>
+                      <a:rPr lang="en-US" i="1">
+                        <a:latin typeface="Cambria Math" panose="02040503050406030204" pitchFamily="18" charset="0"/>
+                        <a:ea typeface="Cambria Math" panose="02040503050406030204" pitchFamily="18" charset="0"/>
+                      </a:rPr>
+                      <m:t>𝑖</m:t>
+                    </m:r>
+                    <m:r>
+                      <a:rPr lang="en-US" i="1">
+                        <a:latin typeface="Cambria Math" panose="02040503050406030204" pitchFamily="18" charset="0"/>
+                        <a:ea typeface="Cambria Math" panose="02040503050406030204" pitchFamily="18" charset="0"/>
+                      </a:rPr>
+                      <m:t>=1 ,…, </m:t>
+                    </m:r>
+                    <m:r>
+                      <a:rPr lang="en-US" i="1">
+                        <a:latin typeface="Cambria Math" panose="02040503050406030204" pitchFamily="18" charset="0"/>
+                        <a:ea typeface="Cambria Math" panose="02040503050406030204" pitchFamily="18" charset="0"/>
+                      </a:rPr>
+                      <m:t>𝐾</m:t>
+                    </m:r>
+                    <m:r>
+                      <a:rPr lang="en-US" i="1">
+                        <a:latin typeface="Cambria Math" panose="02040503050406030204" pitchFamily="18" charset="0"/>
+                        <a:ea typeface="Cambria Math" panose="02040503050406030204" pitchFamily="18" charset="0"/>
+                      </a:rPr>
+                      <m:t>(</m:t>
+                    </m:r>
+                  </m:oMath>
+                </a14:m>
+                <a:r>
+                  <a:rPr lang="en-US" i="1" dirty="0">
+                    <a:latin typeface="Cambria Math" panose="02040503050406030204" pitchFamily="18" charset="0"/>
+                    <a:ea typeface="Cambria Math" panose="02040503050406030204" pitchFamily="18" charset="0"/>
+                  </a:rPr>
+                  <a:t>w*  - 1), </a:t>
+                </a:r>
+                <a:r>
+                  <a:rPr lang="en-US" dirty="0"/>
+                  <a:t>which are all equal to 0</a:t>
+                </a:r>
+              </a:p>
+              <a:p>
+                <a14:m>
+                  <m:oMath xmlns:m="http://schemas.openxmlformats.org/officeDocument/2006/math">
+                    <m:r>
+                      <a:rPr lang="en-US" i="1">
+                        <a:latin typeface="Cambria Math" panose="02040503050406030204" pitchFamily="18" charset="0"/>
+                        <a:ea typeface="Cambria Math" panose="02040503050406030204" pitchFamily="18" charset="0"/>
+                      </a:rPr>
+                      <m:t>𝜀</m:t>
+                    </m:r>
+                  </m:oMath>
+                </a14:m>
+                <a:r>
+                  <a:rPr lang="en-US" dirty="0"/>
+                  <a:t> is the K x K matrix with all entries equal to </a:t>
+                </a:r>
+                <a14:m>
+                  <m:oMath xmlns:m="http://schemas.openxmlformats.org/officeDocument/2006/math">
+                    <m:r>
+                      <a:rPr lang="en-US" i="1">
+                        <a:latin typeface="Cambria Math" panose="02040503050406030204" pitchFamily="18" charset="0"/>
+                      </a:rPr>
+                      <m:t>−</m:t>
+                    </m:r>
+                    <m:r>
+                      <a:rPr lang="en-US" i="1">
+                        <a:latin typeface="Cambria Math" panose="02040503050406030204" pitchFamily="18" charset="0"/>
+                        <a:ea typeface="Cambria Math" panose="02040503050406030204" pitchFamily="18" charset="0"/>
+                      </a:rPr>
+                      <m:t>∞</m:t>
+                    </m:r>
+                  </m:oMath>
+                </a14:m>
+                <a:endParaRPr lang="en-US" dirty="0"/>
+              </a:p>
+              <a:p>
+                <a:endParaRPr lang="en-US" dirty="0"/>
+              </a:p>
+            </p:txBody>
+          </p:sp>
+        </mc:Choice>
+        <mc:Fallback xmlns="">
+          <p:sp>
+            <p:nvSpPr>
+              <p:cNvPr id="3" name="Content Placeholder 2">
+                <a:extLst>
+                  <a:ext uri="{FF2B5EF4-FFF2-40B4-BE49-F238E27FC236}">
+                    <a16:creationId xmlns:a16="http://schemas.microsoft.com/office/drawing/2014/main" id="{908122B8-C88B-494D-8301-C5E02BADA080}"/>
+                  </a:ext>
+                </a:extLst>
+              </p:cNvPr>
+              <p:cNvSpPr>
+                <a:spLocks noGrp="1" noRot="1" noChangeAspect="1" noMove="1" noResize="1" noEditPoints="1" noAdjustHandles="1" noChangeArrowheads="1" noChangeShapeType="1" noTextEdit="1"/>
+              </p:cNvSpPr>
+              <p:nvPr>
+                <p:ph idx="1"/>
+              </p:nvPr>
+            </p:nvSpPr>
+            <p:spPr>
+              <a:blipFill>
+                <a:blip r:embed="rId2"/>
+                <a:stretch>
+                  <a:fillRect l="-492" t="-50813" b="-27236"/>
+                </a:stretch>
+              </a:blipFill>
+            </p:spPr>
+            <p:txBody>
+              <a:bodyPr/>
+              <a:lstStyle/>
+              <a:p>
+                <a:r>
+                  <a:rPr lang="en-US">
+                    <a:noFill/>
+                  </a:rPr>
+                  <a:t> </a:t>
+                </a:r>
+              </a:p>
+            </p:txBody>
+          </p:sp>
+        </mc:Fallback>
+      </mc:AlternateContent>
+    </p:spTree>
+    <p:extLst>
+      <p:ext uri="{BB962C8B-B14F-4D97-AF65-F5344CB8AC3E}">
+        <p14:creationId xmlns:p14="http://schemas.microsoft.com/office/powerpoint/2010/main" val="2124286130"/>
+      </p:ext>
+    </p:extLst>
+  </p:cSld>
+  <p:clrMapOvr>
+    <a:masterClrMapping/>
+  </p:clrMapOvr>
+</p:sld>
+</file>
+
+<file path=ppt/slides/slide12.xml><?xml version="1.0" encoding="utf-8"?>
+<p:sld xmlns:a="http://schemas.openxmlformats.org/drawingml/2006/main" xmlns:r="http://schemas.openxmlformats.org/officeDocument/2006/relationships" xmlns:p="http://schemas.openxmlformats.org/presentationml/2006/main">
+  <p:cSld>
+    <p:spTree>
+      <p:nvGrpSpPr>
+        <p:cNvPr id="1" name=""/>
+        <p:cNvGrpSpPr/>
+        <p:nvPr/>
+      </p:nvGrpSpPr>
+      <p:grpSpPr>
+        <a:xfrm>
+          <a:off x="0" y="0"/>
+          <a:ext cx="0" cy="0"/>
+          <a:chOff x="0" y="0"/>
+          <a:chExt cx="0" cy="0"/>
+        </a:xfrm>
+      </p:grpSpPr>
+      <p:sp>
+        <p:nvSpPr>
+          <p:cNvPr id="2" name="Title 1">
+            <a:extLst>
+              <a:ext uri="{FF2B5EF4-FFF2-40B4-BE49-F238E27FC236}">
+                <a16:creationId xmlns:a16="http://schemas.microsoft.com/office/drawing/2014/main" id="{ED9790FC-3B98-054F-9957-CC127C8F116C}"/>
+              </a:ext>
+            </a:extLst>
+          </p:cNvPr>
+          <p:cNvSpPr>
+            <a:spLocks noGrp="1"/>
+          </p:cNvSpPr>
+          <p:nvPr>
+            <p:ph type="title"/>
+          </p:nvPr>
+        </p:nvSpPr>
+        <p:spPr/>
+        <p:txBody>
+          <a:bodyPr/>
+          <a:lstStyle/>
+          <a:p>
+            <a:r>
+              <a:rPr lang="en-US" dirty="0"/>
+              <a:t>Dimensionalities</a:t>
+            </a:r>
+          </a:p>
+        </p:txBody>
+      </p:sp>
+      <mc:AlternateContent xmlns:mc="http://schemas.openxmlformats.org/markup-compatibility/2006" xmlns:a14="http://schemas.microsoft.com/office/drawing/2010/main">
+        <mc:Choice Requires="a14">
+          <p:sp>
+            <p:nvSpPr>
+              <p:cNvPr id="3" name="Content Placeholder 2">
+                <a:extLst>
+                  <a:ext uri="{FF2B5EF4-FFF2-40B4-BE49-F238E27FC236}">
+                    <a16:creationId xmlns:a16="http://schemas.microsoft.com/office/drawing/2014/main" id="{E49207BA-479A-F543-9DEF-D722BC856672}"/>
+                  </a:ext>
+                </a:extLst>
+              </p:cNvPr>
+              <p:cNvSpPr>
+                <a:spLocks noGrp="1"/>
+              </p:cNvSpPr>
+              <p:nvPr>
+                <p:ph idx="1"/>
+              </p:nvPr>
+            </p:nvSpPr>
+            <p:spPr>
+              <a:xfrm>
+                <a:off x="2231136" y="2638044"/>
+                <a:ext cx="7729728" cy="4219956"/>
+              </a:xfrm>
+            </p:spPr>
+            <p:txBody>
+              <a:bodyPr/>
+              <a:lstStyle/>
+              <a:p>
+                <a:pPr lvl="1"/>
+                <a:r>
+                  <a:rPr lang="en-US" dirty="0"/>
+                  <a:t>Z</a:t>
+                </a:r>
+                <a14:m>
+                  <m:oMath xmlns:m="http://schemas.openxmlformats.org/officeDocument/2006/math">
+                    <m:d>
+                      <m:dPr>
+                        <m:ctrlPr>
+                          <a:rPr lang="en-US" i="1">
+                            <a:latin typeface="Cambria Math" panose="02040503050406030204" pitchFamily="18" charset="0"/>
+                          </a:rPr>
+                        </m:ctrlPr>
+                      </m:dPr>
+                      <m:e>
+                        <m:r>
+                          <a:rPr lang="en-US" i="1">
+                            <a:latin typeface="Cambria Math" panose="02040503050406030204" pitchFamily="18" charset="0"/>
+                          </a:rPr>
+                          <m:t>𝑛</m:t>
+                        </m:r>
+                      </m:e>
+                    </m:d>
+                  </m:oMath>
+                </a14:m>
+                <a:r>
+                  <a:rPr lang="en-US" dirty="0"/>
+                  <a:t> = </a:t>
+                </a:r>
+                <a14:m>
+                  <m:oMath xmlns:m="http://schemas.openxmlformats.org/officeDocument/2006/math">
+                    <m:sSub>
+                      <m:sSubPr>
+                        <m:ctrlPr>
+                          <a:rPr lang="en-US" i="1">
+                            <a:latin typeface="Cambria Math" panose="02040503050406030204" pitchFamily="18" charset="0"/>
+                          </a:rPr>
+                        </m:ctrlPr>
+                      </m:sSubPr>
+                      <m:e>
+                        <m:r>
+                          <a:rPr lang="en-US" i="1">
+                            <a:latin typeface="Cambria Math" panose="02040503050406030204" pitchFamily="18" charset="0"/>
+                          </a:rPr>
+                          <m:t>𝐴</m:t>
+                        </m:r>
+                      </m:e>
+                      <m:sub>
+                        <m:sSub>
+                          <m:sSubPr>
+                            <m:ctrlPr>
+                              <a:rPr lang="en-US" i="1">
+                                <a:latin typeface="Cambria Math" panose="02040503050406030204" pitchFamily="18" charset="0"/>
+                              </a:rPr>
+                            </m:ctrlPr>
+                          </m:sSubPr>
+                          <m:e>
+                            <m:r>
+                              <a:rPr lang="en-US" i="1">
+                                <a:latin typeface="Cambria Math" panose="02040503050406030204" pitchFamily="18" charset="0"/>
+                              </a:rPr>
+                              <m:t>𝑣</m:t>
+                            </m:r>
+                          </m:e>
+                          <m:sub>
+                            <m:r>
+                              <a:rPr lang="en-US" i="1">
+                                <a:latin typeface="Cambria Math" panose="02040503050406030204" pitchFamily="18" charset="0"/>
+                              </a:rPr>
+                              <m:t>𝑛</m:t>
+                            </m:r>
+                            <m:r>
+                              <a:rPr lang="en-US" i="1">
+                                <a:latin typeface="Cambria Math" panose="02040503050406030204" pitchFamily="18" charset="0"/>
+                              </a:rPr>
+                              <m:t>−1</m:t>
+                            </m:r>
+                          </m:sub>
+                        </m:sSub>
+                      </m:sub>
+                    </m:sSub>
+                    <m:r>
+                      <a:rPr lang="en-US" i="1">
+                        <a:latin typeface="Cambria Math" panose="02040503050406030204" pitchFamily="18" charset="0"/>
+                      </a:rPr>
+                      <m:t>(</m:t>
+                    </m:r>
+                    <m:r>
+                      <a:rPr lang="en-US" i="1">
+                        <a:latin typeface="Cambria Math" panose="02040503050406030204" pitchFamily="18" charset="0"/>
+                      </a:rPr>
+                      <m:t>𝑛</m:t>
+                    </m:r>
+                    <m:r>
+                      <a:rPr lang="en-US" i="1">
+                        <a:latin typeface="Cambria Math" panose="02040503050406030204" pitchFamily="18" charset="0"/>
+                      </a:rPr>
+                      <m:t>)</m:t>
+                    </m:r>
+                  </m:oMath>
+                </a14:m>
+                <a:r>
+                  <a:rPr lang="en-US" dirty="0">
+                    <a:ea typeface="Cambria Math" panose="02040503050406030204" pitchFamily="18" charset="0"/>
+                  </a:rPr>
+                  <a:t> </a:t>
+                </a:r>
+                <a14:m>
+                  <m:oMath xmlns:m="http://schemas.openxmlformats.org/officeDocument/2006/math">
+                    <m:r>
+                      <a:rPr lang="en-US" i="1">
+                        <a:latin typeface="Cambria Math" panose="02040503050406030204" pitchFamily="18" charset="0"/>
+                        <a:ea typeface="Cambria Math" panose="02040503050406030204" pitchFamily="18" charset="0"/>
+                      </a:rPr>
+                      <m:t>⊗</m:t>
+                    </m:r>
+                  </m:oMath>
+                </a14:m>
+                <a:r>
+                  <a:rPr lang="en-US" dirty="0"/>
+                  <a:t> Z</a:t>
+                </a:r>
+                <a14:m>
+                  <m:oMath xmlns:m="http://schemas.openxmlformats.org/officeDocument/2006/math">
+                    <m:d>
+                      <m:dPr>
+                        <m:ctrlPr>
+                          <a:rPr lang="en-US" i="1">
+                            <a:latin typeface="Cambria Math" panose="02040503050406030204" pitchFamily="18" charset="0"/>
+                          </a:rPr>
+                        </m:ctrlPr>
+                      </m:dPr>
+                      <m:e>
+                        <m:r>
+                          <a:rPr lang="en-US" i="1">
+                            <a:latin typeface="Cambria Math" panose="02040503050406030204" pitchFamily="18" charset="0"/>
+                          </a:rPr>
+                          <m:t>𝑛</m:t>
+                        </m:r>
+                        <m:r>
+                          <a:rPr lang="en-US" i="1">
+                            <a:latin typeface="Cambria Math" panose="02040503050406030204" pitchFamily="18" charset="0"/>
+                          </a:rPr>
+                          <m:t>−1</m:t>
+                        </m:r>
+                      </m:e>
+                    </m:d>
+                    <m:r>
+                      <a:rPr lang="en-US" i="1">
+                        <a:latin typeface="Cambria Math" panose="02040503050406030204" pitchFamily="18" charset="0"/>
+                      </a:rPr>
+                      <m:t>, </m:t>
+                    </m:r>
+                    <m:r>
+                      <a:rPr lang="en-US" i="1">
+                        <a:latin typeface="Cambria Math" panose="02040503050406030204" pitchFamily="18" charset="0"/>
+                      </a:rPr>
+                      <m:t>𝑛</m:t>
+                    </m:r>
+                    <m:r>
+                      <a:rPr lang="en-US" i="1">
+                        <a:latin typeface="Cambria Math" panose="02040503050406030204" pitchFamily="18" charset="0"/>
+                        <a:ea typeface="Cambria Math" panose="02040503050406030204" pitchFamily="18" charset="0"/>
+                      </a:rPr>
+                      <m:t>≥1</m:t>
+                    </m:r>
+                    <m:r>
+                      <a:rPr lang="en-US">
+                        <a:latin typeface="Cambria Math" panose="02040503050406030204" pitchFamily="18" charset="0"/>
+                        <a:ea typeface="Cambria Math" panose="02040503050406030204" pitchFamily="18" charset="0"/>
+                      </a:rPr>
+                      <m:t>, </m:t>
+                    </m:r>
+                    <m:r>
+                      <m:rPr>
+                        <m:sty m:val="p"/>
+                      </m:rPr>
+                      <a:rPr lang="en-US">
+                        <a:latin typeface="Cambria Math" panose="02040503050406030204" pitchFamily="18" charset="0"/>
+                        <a:ea typeface="Cambria Math" panose="02040503050406030204" pitchFamily="18" charset="0"/>
+                      </a:rPr>
+                      <m:t>where</m:t>
+                    </m:r>
+                    <m:r>
+                      <m:rPr>
+                        <m:nor/>
+                      </m:rPr>
+                      <a:rPr lang="en-US">
+                        <a:latin typeface="Cambria Math" panose="02040503050406030204" pitchFamily="18" charset="0"/>
+                        <a:ea typeface="Cambria Math" panose="02040503050406030204" pitchFamily="18" charset="0"/>
+                      </a:rPr>
+                      <m:t> </m:t>
+                    </m:r>
+                    <m:r>
+                      <m:rPr>
+                        <m:nor/>
+                      </m:rPr>
+                      <a:rPr lang="en-US" dirty="0"/>
+                      <m:t>Z</m:t>
+                    </m:r>
+                    <m:d>
+                      <m:dPr>
+                        <m:ctrlPr>
+                          <a:rPr lang="en-US" i="1">
+                            <a:latin typeface="Cambria Math" panose="02040503050406030204" pitchFamily="18" charset="0"/>
+                          </a:rPr>
+                        </m:ctrlPr>
+                      </m:dPr>
+                      <m:e>
+                        <m:r>
+                          <a:rPr lang="en-US" i="1">
+                            <a:latin typeface="Cambria Math" panose="02040503050406030204" pitchFamily="18" charset="0"/>
+                          </a:rPr>
+                          <m:t>0</m:t>
+                        </m:r>
+                      </m:e>
+                    </m:d>
+                    <m:r>
+                      <a:rPr lang="en-US" i="1">
+                        <a:latin typeface="Cambria Math" panose="02040503050406030204" pitchFamily="18" charset="0"/>
+                      </a:rPr>
+                      <m:t>=</m:t>
+                    </m:r>
+                    <m:sSup>
+                      <m:sSupPr>
+                        <m:ctrlPr>
+                          <a:rPr lang="en-US" i="1">
+                            <a:latin typeface="Cambria Math" panose="02040503050406030204" pitchFamily="18" charset="0"/>
+                          </a:rPr>
+                        </m:ctrlPr>
+                      </m:sSupPr>
+                      <m:e>
+                        <m:r>
+                          <a:rPr lang="en-US" i="1">
+                            <a:latin typeface="Cambria Math" panose="02040503050406030204" pitchFamily="18" charset="0"/>
+                          </a:rPr>
+                          <m:t>{0,…,0}</m:t>
+                        </m:r>
+                      </m:e>
+                      <m:sup>
+                        <m:r>
+                          <a:rPr lang="en-US" i="1">
+                            <a:latin typeface="Cambria Math" panose="02040503050406030204" pitchFamily="18" charset="0"/>
+                          </a:rPr>
+                          <m:t>𝑡</m:t>
+                        </m:r>
+                      </m:sup>
+                    </m:sSup>
+                  </m:oMath>
+                </a14:m>
+                <a:r>
+                  <a:rPr lang="en-US" dirty="0"/>
+                  <a:t>, </a:t>
+                </a:r>
+              </a:p>
+              <a:p>
+                <a:pPr lvl="1"/>
+                <a14:m>
+                  <m:oMath xmlns:m="http://schemas.openxmlformats.org/officeDocument/2006/math">
+                    <m:sSub>
+                      <m:sSubPr>
+                        <m:ctrlPr>
+                          <a:rPr lang="en-US" i="1">
+                            <a:latin typeface="Cambria Math" panose="02040503050406030204" pitchFamily="18" charset="0"/>
+                          </a:rPr>
+                        </m:ctrlPr>
+                      </m:sSubPr>
+                      <m:e>
+                        <m:r>
+                          <a:rPr lang="en-US" i="1">
+                            <a:latin typeface="Cambria Math" panose="02040503050406030204" pitchFamily="18" charset="0"/>
+                          </a:rPr>
+                          <m:t>𝐴</m:t>
+                        </m:r>
+                      </m:e>
+                      <m:sub>
+                        <m:r>
+                          <a:rPr lang="en-US" i="1">
+                            <a:latin typeface="Cambria Math" panose="02040503050406030204" pitchFamily="18" charset="0"/>
+                          </a:rPr>
+                          <m:t>1</m:t>
+                        </m:r>
+                      </m:sub>
+                    </m:sSub>
+                    <m:d>
+                      <m:dPr>
+                        <m:ctrlPr>
+                          <a:rPr lang="en-US" i="1">
+                            <a:latin typeface="Cambria Math" panose="02040503050406030204" pitchFamily="18" charset="0"/>
+                          </a:rPr>
+                        </m:ctrlPr>
+                      </m:dPr>
+                      <m:e>
+                        <m:r>
+                          <a:rPr lang="en-US" i="1">
+                            <a:latin typeface="Cambria Math" panose="02040503050406030204" pitchFamily="18" charset="0"/>
+                          </a:rPr>
+                          <m:t>𝑛</m:t>
+                        </m:r>
+                      </m:e>
+                    </m:d>
+                    <m:r>
+                      <a:rPr lang="en-US" i="1">
+                        <a:latin typeface="Cambria Math" panose="02040503050406030204" pitchFamily="18" charset="0"/>
+                      </a:rPr>
+                      <m:t>=(</m:t>
+                    </m:r>
+                    <m:r>
+                      <a:rPr lang="en-US" i="1">
+                        <a:latin typeface="Cambria Math" panose="02040503050406030204" pitchFamily="18" charset="0"/>
+                      </a:rPr>
+                      <m:t>𝑀</m:t>
+                    </m:r>
+                    <m:r>
+                      <a:rPr lang="en-US" i="1">
+                        <a:latin typeface="Cambria Math" panose="02040503050406030204" pitchFamily="18" charset="0"/>
+                      </a:rPr>
+                      <m:t>(</m:t>
+                    </m:r>
+                    <m:r>
+                      <a:rPr lang="en-US" i="1">
+                        <a:latin typeface="Cambria Math" panose="02040503050406030204" pitchFamily="18" charset="0"/>
+                      </a:rPr>
+                      <m:t>𝑛</m:t>
+                    </m:r>
+                    <m:r>
+                      <a:rPr lang="en-US" i="1">
+                        <a:latin typeface="Cambria Math" panose="02040503050406030204" pitchFamily="18" charset="0"/>
+                      </a:rPr>
+                      <m:t>)</m:t>
+                    </m:r>
+                  </m:oMath>
+                </a14:m>
+                <a:r>
+                  <a:rPr lang="en-US" dirty="0">
+                    <a:ea typeface="Cambria Math" panose="02040503050406030204" pitchFamily="18" charset="0"/>
+                  </a:rPr>
+                  <a:t> </a:t>
+                </a:r>
+                <a14:m>
+                  <m:oMath xmlns:m="http://schemas.openxmlformats.org/officeDocument/2006/math">
+                    <m:r>
+                      <a:rPr lang="en-US" i="1" dirty="0">
+                        <a:latin typeface="Cambria Math" panose="02040503050406030204" pitchFamily="18" charset="0"/>
+                        <a:ea typeface="Cambria Math" panose="02040503050406030204" pitchFamily="18" charset="0"/>
+                      </a:rPr>
+                      <m:t>⊕</m:t>
+                    </m:r>
+                  </m:oMath>
+                </a14:m>
+                <a:r>
+                  <a:rPr lang="en-US" dirty="0"/>
+                  <a:t> </a:t>
+                </a:r>
+                <a14:m>
+                  <m:oMath xmlns:m="http://schemas.openxmlformats.org/officeDocument/2006/math">
+                    <m:sSup>
+                      <m:sSupPr>
+                        <m:ctrlPr>
+                          <a:rPr lang="en-US" i="1">
+                            <a:latin typeface="Cambria Math" panose="02040503050406030204" pitchFamily="18" charset="0"/>
+                          </a:rPr>
+                        </m:ctrlPr>
+                      </m:sSupPr>
+                      <m:e>
+                        <m:r>
+                          <a:rPr lang="en-US" i="1">
+                            <a:latin typeface="Cambria Math" panose="02040503050406030204" pitchFamily="18" charset="0"/>
+                          </a:rPr>
+                          <m:t>𝑀</m:t>
+                        </m:r>
+                      </m:e>
+                      <m:sup>
+                        <m:r>
+                          <a:rPr lang="en-US" i="1">
+                            <a:latin typeface="Cambria Math" panose="02040503050406030204" pitchFamily="18" charset="0"/>
+                          </a:rPr>
+                          <m:t>′</m:t>
+                        </m:r>
+                      </m:sup>
+                    </m:sSup>
+                    <m:d>
+                      <m:dPr>
+                        <m:ctrlPr>
+                          <a:rPr lang="en-US" i="1">
+                            <a:latin typeface="Cambria Math" panose="02040503050406030204" pitchFamily="18" charset="0"/>
+                          </a:rPr>
+                        </m:ctrlPr>
+                      </m:dPr>
+                      <m:e>
+                        <m:r>
+                          <a:rPr lang="en-US" i="1">
+                            <a:latin typeface="Cambria Math" panose="02040503050406030204" pitchFamily="18" charset="0"/>
+                          </a:rPr>
+                          <m:t>𝑛</m:t>
+                        </m:r>
+                      </m:e>
+                    </m:d>
+                    <m:d>
+                      <m:dPr>
+                        <m:begChr m:val="|"/>
+                        <m:endChr m:val="|"/>
+                        <m:ctrlPr>
+                          <a:rPr lang="en-US" i="1">
+                            <a:latin typeface="Cambria Math" panose="02040503050406030204" pitchFamily="18" charset="0"/>
+                            <a:ea typeface="Cambria Math" panose="02040503050406030204" pitchFamily="18" charset="0"/>
+                          </a:rPr>
+                        </m:ctrlPr>
+                      </m:dPr>
+                      <m:e>
+                        <m:r>
+                          <a:rPr lang="en-US" i="1">
+                            <a:latin typeface="Cambria Math" panose="02040503050406030204" pitchFamily="18" charset="0"/>
+                            <a:ea typeface="Cambria Math" panose="02040503050406030204" pitchFamily="18" charset="0"/>
+                          </a:rPr>
+                          <m:t>𝜀</m:t>
+                        </m:r>
+                      </m:e>
+                    </m:d>
+                    <m:r>
+                      <a:rPr lang="en-US" i="1">
+                        <a:latin typeface="Cambria Math" panose="02040503050406030204" pitchFamily="18" charset="0"/>
+                        <a:ea typeface="Cambria Math" panose="02040503050406030204" pitchFamily="18" charset="0"/>
+                      </a:rPr>
+                      <m:t>…|</m:t>
+                    </m:r>
+                    <m:r>
+                      <a:rPr lang="en-US" i="1">
+                        <a:latin typeface="Cambria Math" panose="02040503050406030204" pitchFamily="18" charset="0"/>
+                        <a:ea typeface="Cambria Math" panose="02040503050406030204" pitchFamily="18" charset="0"/>
+                      </a:rPr>
+                      <m:t>𝜀</m:t>
+                    </m:r>
+                    <m:r>
+                      <a:rPr lang="en-US" i="1">
+                        <a:latin typeface="Cambria Math" panose="02040503050406030204" pitchFamily="18" charset="0"/>
+                        <a:ea typeface="Cambria Math" panose="02040503050406030204" pitchFamily="18" charset="0"/>
+                      </a:rPr>
+                      <m:t>)</m:t>
+                    </m:r>
+                  </m:oMath>
+                </a14:m>
+                <a:r>
+                  <a:rPr lang="en-US" dirty="0">
+                    <a:ea typeface="Cambria Math" panose="02040503050406030204" pitchFamily="18" charset="0"/>
+                  </a:rPr>
+                  <a:t> </a:t>
+                </a:r>
+                <a14:m>
+                  <m:oMath xmlns:m="http://schemas.openxmlformats.org/officeDocument/2006/math">
+                    <m:r>
+                      <a:rPr lang="en-US" i="1" dirty="0">
+                        <a:latin typeface="Cambria Math" panose="02040503050406030204" pitchFamily="18" charset="0"/>
+                        <a:ea typeface="Cambria Math" panose="02040503050406030204" pitchFamily="18" charset="0"/>
+                      </a:rPr>
+                      <m:t>⊕</m:t>
+                    </m:r>
+                  </m:oMath>
+                </a14:m>
+                <a:r>
+                  <a:rPr lang="en-US" dirty="0"/>
+                  <a:t> D</a:t>
+                </a:r>
+              </a:p>
+              <a:p>
+                <a:pPr lvl="1"/>
+                <a14:m>
+                  <m:oMath xmlns:m="http://schemas.openxmlformats.org/officeDocument/2006/math">
+                    <m:sSub>
+                      <m:sSubPr>
+                        <m:ctrlPr>
+                          <a:rPr lang="en-US" i="1">
+                            <a:latin typeface="Cambria Math" panose="02040503050406030204" pitchFamily="18" charset="0"/>
+                          </a:rPr>
+                        </m:ctrlPr>
+                      </m:sSubPr>
+                      <m:e>
+                        <m:r>
+                          <a:rPr lang="en-US" i="1">
+                            <a:latin typeface="Cambria Math" panose="02040503050406030204" pitchFamily="18" charset="0"/>
+                          </a:rPr>
+                          <m:t>𝐴</m:t>
+                        </m:r>
+                      </m:e>
+                      <m:sub>
+                        <m:r>
+                          <a:rPr lang="en-US" i="1">
+                            <a:latin typeface="Cambria Math" panose="02040503050406030204" pitchFamily="18" charset="0"/>
+                          </a:rPr>
+                          <m:t>2</m:t>
+                        </m:r>
+                      </m:sub>
+                    </m:sSub>
+                    <m:d>
+                      <m:dPr>
+                        <m:ctrlPr>
+                          <a:rPr lang="en-US" i="1">
+                            <a:latin typeface="Cambria Math" panose="02040503050406030204" pitchFamily="18" charset="0"/>
+                          </a:rPr>
+                        </m:ctrlPr>
+                      </m:dPr>
+                      <m:e>
+                        <m:r>
+                          <a:rPr lang="en-US" i="1">
+                            <a:latin typeface="Cambria Math" panose="02040503050406030204" pitchFamily="18" charset="0"/>
+                          </a:rPr>
+                          <m:t>𝑛</m:t>
+                        </m:r>
+                      </m:e>
+                    </m:d>
+                    <m:r>
+                      <a:rPr lang="en-US" i="1">
+                        <a:latin typeface="Cambria Math" panose="02040503050406030204" pitchFamily="18" charset="0"/>
+                      </a:rPr>
+                      <m:t>=(</m:t>
+                    </m:r>
+                    <m:r>
+                      <a:rPr lang="en-US" i="1">
+                        <a:latin typeface="Cambria Math" panose="02040503050406030204" pitchFamily="18" charset="0"/>
+                      </a:rPr>
+                      <m:t>𝑀</m:t>
+                    </m:r>
+                    <m:r>
+                      <a:rPr lang="en-US" i="1">
+                        <a:latin typeface="Cambria Math" panose="02040503050406030204" pitchFamily="18" charset="0"/>
+                      </a:rPr>
+                      <m:t>(</m:t>
+                    </m:r>
+                    <m:r>
+                      <a:rPr lang="en-US" i="1">
+                        <a:latin typeface="Cambria Math" panose="02040503050406030204" pitchFamily="18" charset="0"/>
+                      </a:rPr>
+                      <m:t>𝑛</m:t>
+                    </m:r>
+                    <m:r>
+                      <a:rPr lang="en-US" i="1">
+                        <a:latin typeface="Cambria Math" panose="02040503050406030204" pitchFamily="18" charset="0"/>
+                      </a:rPr>
+                      <m:t>)</m:t>
+                    </m:r>
+                  </m:oMath>
+                </a14:m>
+                <a:r>
+                  <a:rPr lang="en-US" dirty="0">
+                    <a:ea typeface="Cambria Math" panose="02040503050406030204" pitchFamily="18" charset="0"/>
+                  </a:rPr>
+                  <a:t> |</a:t>
+                </a:r>
+                <a14:m>
+                  <m:oMath xmlns:m="http://schemas.openxmlformats.org/officeDocument/2006/math">
+                    <m:sSup>
+                      <m:sSupPr>
+                        <m:ctrlPr>
+                          <a:rPr lang="en-US" i="1">
+                            <a:latin typeface="Cambria Math" panose="02040503050406030204" pitchFamily="18" charset="0"/>
+                          </a:rPr>
+                        </m:ctrlPr>
+                      </m:sSupPr>
+                      <m:e>
+                        <m:r>
+                          <a:rPr lang="en-US" i="1">
+                            <a:latin typeface="Cambria Math" panose="02040503050406030204" pitchFamily="18" charset="0"/>
+                          </a:rPr>
+                          <m:t>𝑀</m:t>
+                        </m:r>
+                      </m:e>
+                      <m:sup>
+                        <m:r>
+                          <a:rPr lang="en-US" i="1">
+                            <a:latin typeface="Cambria Math" panose="02040503050406030204" pitchFamily="18" charset="0"/>
+                          </a:rPr>
+                          <m:t>′</m:t>
+                        </m:r>
+                      </m:sup>
+                    </m:sSup>
+                    <m:d>
+                      <m:dPr>
+                        <m:ctrlPr>
+                          <a:rPr lang="en-US" i="1">
+                            <a:latin typeface="Cambria Math" panose="02040503050406030204" pitchFamily="18" charset="0"/>
+                          </a:rPr>
+                        </m:ctrlPr>
+                      </m:dPr>
+                      <m:e>
+                        <m:r>
+                          <a:rPr lang="en-US" i="1">
+                            <a:latin typeface="Cambria Math" panose="02040503050406030204" pitchFamily="18" charset="0"/>
+                          </a:rPr>
+                          <m:t>𝑛</m:t>
+                        </m:r>
+                      </m:e>
+                    </m:d>
+                    <m:d>
+                      <m:dPr>
+                        <m:begChr m:val="|"/>
+                        <m:endChr m:val="|"/>
+                        <m:ctrlPr>
+                          <a:rPr lang="en-US" i="1">
+                            <a:latin typeface="Cambria Math" panose="02040503050406030204" pitchFamily="18" charset="0"/>
+                            <a:ea typeface="Cambria Math" panose="02040503050406030204" pitchFamily="18" charset="0"/>
+                          </a:rPr>
+                        </m:ctrlPr>
+                      </m:dPr>
+                      <m:e>
+                        <m:r>
+                          <a:rPr lang="en-US" i="1">
+                            <a:latin typeface="Cambria Math" panose="02040503050406030204" pitchFamily="18" charset="0"/>
+                            <a:ea typeface="Cambria Math" panose="02040503050406030204" pitchFamily="18" charset="0"/>
+                          </a:rPr>
+                          <m:t>𝜀</m:t>
+                        </m:r>
+                      </m:e>
+                    </m:d>
+                    <m:r>
+                      <a:rPr lang="en-US" i="1">
+                        <a:latin typeface="Cambria Math" panose="02040503050406030204" pitchFamily="18" charset="0"/>
+                        <a:ea typeface="Cambria Math" panose="02040503050406030204" pitchFamily="18" charset="0"/>
+                      </a:rPr>
+                      <m:t>…|</m:t>
+                    </m:r>
+                    <m:r>
+                      <a:rPr lang="en-US" i="1">
+                        <a:latin typeface="Cambria Math" panose="02040503050406030204" pitchFamily="18" charset="0"/>
+                        <a:ea typeface="Cambria Math" panose="02040503050406030204" pitchFamily="18" charset="0"/>
+                      </a:rPr>
+                      <m:t>𝜀</m:t>
+                    </m:r>
+                    <m:r>
+                      <a:rPr lang="en-US" i="1">
+                        <a:latin typeface="Cambria Math" panose="02040503050406030204" pitchFamily="18" charset="0"/>
+                        <a:ea typeface="Cambria Math" panose="02040503050406030204" pitchFamily="18" charset="0"/>
+                      </a:rPr>
+                      <m:t>)</m:t>
+                    </m:r>
+                  </m:oMath>
+                </a14:m>
+                <a:r>
+                  <a:rPr lang="en-US" dirty="0">
+                    <a:ea typeface="Cambria Math" panose="02040503050406030204" pitchFamily="18" charset="0"/>
+                  </a:rPr>
+                  <a:t> </a:t>
+                </a:r>
+                <a14:m>
+                  <m:oMath xmlns:m="http://schemas.openxmlformats.org/officeDocument/2006/math">
+                    <m:r>
+                      <a:rPr lang="en-US" i="1" dirty="0">
+                        <a:latin typeface="Cambria Math" panose="02040503050406030204" pitchFamily="18" charset="0"/>
+                        <a:ea typeface="Cambria Math" panose="02040503050406030204" pitchFamily="18" charset="0"/>
+                      </a:rPr>
+                      <m:t>⊕</m:t>
+                    </m:r>
+                  </m:oMath>
+                </a14:m>
+                <a:r>
+                  <a:rPr lang="en-US" dirty="0"/>
+                  <a:t> D</a:t>
+                </a:r>
+              </a:p>
+              <a:p>
+                <a:pPr lvl="1"/>
+                <a14:m>
+                  <m:oMath xmlns:m="http://schemas.openxmlformats.org/officeDocument/2006/math">
+                    <m:sSub>
+                      <m:sSubPr>
+                        <m:ctrlPr>
+                          <a:rPr lang="en-US" i="1">
+                            <a:latin typeface="Cambria Math" panose="02040503050406030204" pitchFamily="18" charset="0"/>
+                          </a:rPr>
+                        </m:ctrlPr>
+                      </m:sSubPr>
+                      <m:e>
+                        <m:r>
+                          <a:rPr lang="en-US" i="1">
+                            <a:latin typeface="Cambria Math" panose="02040503050406030204" pitchFamily="18" charset="0"/>
+                          </a:rPr>
+                          <m:t>𝐴</m:t>
+                        </m:r>
+                      </m:e>
+                      <m:sub>
+                        <m:sSup>
+                          <m:sSupPr>
+                            <m:ctrlPr>
+                              <a:rPr lang="en-US" i="1">
+                                <a:latin typeface="Cambria Math" panose="02040503050406030204" pitchFamily="18" charset="0"/>
+                              </a:rPr>
+                            </m:ctrlPr>
+                          </m:sSupPr>
+                          <m:e>
+                            <m:r>
+                              <a:rPr lang="en-US" i="1">
+                                <a:latin typeface="Cambria Math" panose="02040503050406030204" pitchFamily="18" charset="0"/>
+                              </a:rPr>
+                              <m:t>𝑤</m:t>
+                            </m:r>
+                          </m:e>
+                          <m:sup>
+                            <m:r>
+                              <a:rPr lang="en-US" i="1">
+                                <a:latin typeface="Cambria Math" panose="02040503050406030204" pitchFamily="18" charset="0"/>
+                              </a:rPr>
+                              <m:t>∗</m:t>
+                            </m:r>
+                          </m:sup>
+                        </m:sSup>
+                      </m:sub>
+                    </m:sSub>
+                    <m:d>
+                      <m:dPr>
+                        <m:ctrlPr>
+                          <a:rPr lang="en-US" i="1">
+                            <a:latin typeface="Cambria Math" panose="02040503050406030204" pitchFamily="18" charset="0"/>
+                          </a:rPr>
+                        </m:ctrlPr>
+                      </m:dPr>
+                      <m:e>
+                        <m:r>
+                          <a:rPr lang="en-US" i="1">
+                            <a:latin typeface="Cambria Math" panose="02040503050406030204" pitchFamily="18" charset="0"/>
+                          </a:rPr>
+                          <m:t>𝑛</m:t>
+                        </m:r>
+                      </m:e>
+                    </m:d>
+                    <m:r>
+                      <a:rPr lang="en-US" i="1">
+                        <a:latin typeface="Cambria Math" panose="02040503050406030204" pitchFamily="18" charset="0"/>
+                      </a:rPr>
+                      <m:t>=(</m:t>
+                    </m:r>
+                    <m:r>
+                      <a:rPr lang="en-US" i="1">
+                        <a:latin typeface="Cambria Math" panose="02040503050406030204" pitchFamily="18" charset="0"/>
+                      </a:rPr>
+                      <m:t>𝑀</m:t>
+                    </m:r>
+                    <m:r>
+                      <a:rPr lang="en-US" i="1">
+                        <a:latin typeface="Cambria Math" panose="02040503050406030204" pitchFamily="18" charset="0"/>
+                      </a:rPr>
+                      <m:t>(</m:t>
+                    </m:r>
+                    <m:r>
+                      <a:rPr lang="en-US" i="1">
+                        <a:latin typeface="Cambria Math" panose="02040503050406030204" pitchFamily="18" charset="0"/>
+                      </a:rPr>
+                      <m:t>𝑛</m:t>
+                    </m:r>
+                    <m:r>
+                      <a:rPr lang="en-US" i="1">
+                        <a:latin typeface="Cambria Math" panose="02040503050406030204" pitchFamily="18" charset="0"/>
+                      </a:rPr>
+                      <m:t>)</m:t>
+                    </m:r>
+                  </m:oMath>
+                </a14:m>
+                <a:r>
+                  <a:rPr lang="en-US" dirty="0">
+                    <a:ea typeface="Cambria Math" panose="02040503050406030204" pitchFamily="18" charset="0"/>
+                  </a:rPr>
+                  <a:t> </a:t>
+                </a:r>
+                <a14:m>
+                  <m:oMath xmlns:m="http://schemas.openxmlformats.org/officeDocument/2006/math">
+                    <m:d>
+                      <m:dPr>
+                        <m:begChr m:val="|"/>
+                        <m:endChr m:val="|"/>
+                        <m:ctrlPr>
+                          <a:rPr lang="en-US" i="1">
+                            <a:latin typeface="Cambria Math" panose="02040503050406030204" pitchFamily="18" charset="0"/>
+                            <a:ea typeface="Cambria Math" panose="02040503050406030204" pitchFamily="18" charset="0"/>
+                          </a:rPr>
+                        </m:ctrlPr>
+                      </m:dPr>
+                      <m:e>
+                        <m:r>
+                          <a:rPr lang="en-US" i="1">
+                            <a:latin typeface="Cambria Math" panose="02040503050406030204" pitchFamily="18" charset="0"/>
+                            <a:ea typeface="Cambria Math" panose="02040503050406030204" pitchFamily="18" charset="0"/>
+                          </a:rPr>
+                          <m:t>𝜀</m:t>
+                        </m:r>
+                      </m:e>
+                    </m:d>
+                    <m:r>
+                      <a:rPr lang="en-US" i="1">
+                        <a:latin typeface="Cambria Math" panose="02040503050406030204" pitchFamily="18" charset="0"/>
+                        <a:ea typeface="Cambria Math" panose="02040503050406030204" pitchFamily="18" charset="0"/>
+                      </a:rPr>
+                      <m:t>…|</m:t>
+                    </m:r>
+                    <m:r>
+                      <a:rPr lang="en-US" i="1">
+                        <a:latin typeface="Cambria Math" panose="02040503050406030204" pitchFamily="18" charset="0"/>
+                        <a:ea typeface="Cambria Math" panose="02040503050406030204" pitchFamily="18" charset="0"/>
+                      </a:rPr>
+                      <m:t>𝜀</m:t>
+                    </m:r>
+                    <m:r>
+                      <a:rPr lang="en-US" i="1">
+                        <a:latin typeface="Cambria Math" panose="02040503050406030204" pitchFamily="18" charset="0"/>
+                        <a:ea typeface="Cambria Math" panose="02040503050406030204" pitchFamily="18" charset="0"/>
+                      </a:rPr>
+                      <m:t>|</m:t>
+                    </m:r>
+                    <m:sSup>
+                      <m:sSupPr>
+                        <m:ctrlPr>
+                          <a:rPr lang="en-US" i="1">
+                            <a:latin typeface="Cambria Math" panose="02040503050406030204" pitchFamily="18" charset="0"/>
+                          </a:rPr>
+                        </m:ctrlPr>
+                      </m:sSupPr>
+                      <m:e>
+                        <m:r>
+                          <a:rPr lang="en-US" i="1">
+                            <a:latin typeface="Cambria Math" panose="02040503050406030204" pitchFamily="18" charset="0"/>
+                          </a:rPr>
+                          <m:t>𝑀</m:t>
+                        </m:r>
+                      </m:e>
+                      <m:sup>
+                        <m:r>
+                          <a:rPr lang="en-US" i="1">
+                            <a:latin typeface="Cambria Math" panose="02040503050406030204" pitchFamily="18" charset="0"/>
+                          </a:rPr>
+                          <m:t>′</m:t>
+                        </m:r>
+                      </m:sup>
+                    </m:sSup>
+                    <m:d>
+                      <m:dPr>
+                        <m:ctrlPr>
+                          <a:rPr lang="en-US" i="1">
+                            <a:latin typeface="Cambria Math" panose="02040503050406030204" pitchFamily="18" charset="0"/>
+                          </a:rPr>
+                        </m:ctrlPr>
+                      </m:dPr>
+                      <m:e>
+                        <m:r>
+                          <a:rPr lang="en-US" i="1">
+                            <a:latin typeface="Cambria Math" panose="02040503050406030204" pitchFamily="18" charset="0"/>
+                          </a:rPr>
+                          <m:t>𝑛</m:t>
+                        </m:r>
+                      </m:e>
+                    </m:d>
+                    <m:r>
+                      <a:rPr lang="en-US" i="1">
+                        <a:latin typeface="Cambria Math" panose="02040503050406030204" pitchFamily="18" charset="0"/>
+                        <a:ea typeface="Cambria Math" panose="02040503050406030204" pitchFamily="18" charset="0"/>
+                      </a:rPr>
+                      <m:t>)</m:t>
+                    </m:r>
+                  </m:oMath>
+                </a14:m>
+                <a:r>
+                  <a:rPr lang="en-US" dirty="0">
+                    <a:ea typeface="Cambria Math" panose="02040503050406030204" pitchFamily="18" charset="0"/>
+                  </a:rPr>
+                  <a:t> </a:t>
+                </a:r>
+                <a14:m>
+                  <m:oMath xmlns:m="http://schemas.openxmlformats.org/officeDocument/2006/math">
+                    <m:r>
+                      <a:rPr lang="en-US" i="1" dirty="0">
+                        <a:latin typeface="Cambria Math" panose="02040503050406030204" pitchFamily="18" charset="0"/>
+                        <a:ea typeface="Cambria Math" panose="02040503050406030204" pitchFamily="18" charset="0"/>
+                      </a:rPr>
+                      <m:t>⊕</m:t>
+                    </m:r>
+                  </m:oMath>
+                </a14:m>
+                <a:r>
+                  <a:rPr lang="en-US" dirty="0"/>
+                  <a:t> D</a:t>
+                </a:r>
+              </a:p>
+              <a:p>
+                <a:r>
+                  <a:rPr lang="en-US" dirty="0"/>
+                  <a:t>M(n) is of dimension </a:t>
+                </a:r>
+                <a:r>
+                  <a:rPr lang="en-US" dirty="0" err="1"/>
+                  <a:t>KxK</a:t>
+                </a:r>
+                <a:endParaRPr lang="en-US" dirty="0"/>
+              </a:p>
+              <a:p>
+                <a:r>
+                  <a:rPr lang="en-US" dirty="0"/>
+                  <a:t>M’(n) is of dimension </a:t>
+                </a:r>
+                <a:r>
+                  <a:rPr lang="en-US" dirty="0" err="1"/>
+                  <a:t>KxK</a:t>
+                </a:r>
+                <a:endParaRPr lang="en-US" dirty="0"/>
+              </a:p>
+              <a:p>
+                <a:r>
+                  <a:rPr lang="en-US" dirty="0"/>
+                  <a:t>The concatenation that is maxed with D is dimension </a:t>
+                </a:r>
+                <a:r>
+                  <a:rPr lang="en-US" dirty="0" err="1"/>
+                  <a:t>K.w</a:t>
+                </a:r>
+                <a:r>
+                  <a:rPr lang="en-US" dirty="0"/>
+                  <a:t>* x </a:t>
+                </a:r>
+                <a:r>
+                  <a:rPr lang="en-US" dirty="0" err="1"/>
+                  <a:t>K.w</a:t>
+                </a:r>
+                <a:r>
+                  <a:rPr lang="en-US" dirty="0"/>
+                  <a:t>*</a:t>
+                </a:r>
+              </a:p>
+              <a:p>
+                <a:r>
+                  <a:rPr lang="en-US" dirty="0"/>
+                  <a:t>D is a square matrix of dimension </a:t>
+                </a:r>
+                <a:r>
+                  <a:rPr lang="en-US" dirty="0" err="1"/>
+                  <a:t>K.w</a:t>
+                </a:r>
+                <a:r>
+                  <a:rPr lang="en-US" dirty="0"/>
+                  <a:t>*</a:t>
+                </a:r>
+              </a:p>
+              <a:p>
+                <a:r>
+                  <a:rPr lang="en-US" dirty="0"/>
+                  <a:t>Z(n-1) is a of dimension </a:t>
+                </a:r>
+                <a:r>
+                  <a:rPr lang="en-US" dirty="0" err="1"/>
+                  <a:t>K.w</a:t>
+                </a:r>
+                <a:r>
+                  <a:rPr lang="en-US" dirty="0"/>
+                  <a:t>* x 1 </a:t>
+                </a:r>
+              </a:p>
+              <a:p>
+                <a:r>
+                  <a:rPr lang="en-US" dirty="0"/>
+                  <a:t>Operations will produce a column of dimension </a:t>
+                </a:r>
+                <a:r>
+                  <a:rPr lang="en-US" dirty="0" err="1"/>
+                  <a:t>K.w</a:t>
+                </a:r>
+                <a:r>
+                  <a:rPr lang="en-US" dirty="0"/>
+                  <a:t>* x 1 </a:t>
+                </a:r>
+              </a:p>
+            </p:txBody>
+          </p:sp>
+        </mc:Choice>
+        <mc:Fallback xmlns="">
+          <p:sp>
+            <p:nvSpPr>
+              <p:cNvPr id="3" name="Content Placeholder 2">
+                <a:extLst>
+                  <a:ext uri="{FF2B5EF4-FFF2-40B4-BE49-F238E27FC236}">
+                    <a16:creationId xmlns:a16="http://schemas.microsoft.com/office/drawing/2014/main" id="{E49207BA-479A-F543-9DEF-D722BC856672}"/>
+                  </a:ext>
+                </a:extLst>
+              </p:cNvPr>
+              <p:cNvSpPr>
+                <a:spLocks noGrp="1" noRot="1" noChangeAspect="1" noMove="1" noResize="1" noEditPoints="1" noAdjustHandles="1" noChangeArrowheads="1" noChangeShapeType="1" noTextEdit="1"/>
+              </p:cNvSpPr>
+              <p:nvPr>
+                <p:ph idx="1"/>
+              </p:nvPr>
+            </p:nvSpPr>
+            <p:spPr>
+              <a:xfrm>
+                <a:off x="2231136" y="2638044"/>
+                <a:ext cx="7729728" cy="4219956"/>
+              </a:xfrm>
+              <a:blipFill>
+                <a:blip r:embed="rId2"/>
+                <a:stretch>
+                  <a:fillRect l="-492" t="-300"/>
+                </a:stretch>
+              </a:blipFill>
+            </p:spPr>
+            <p:txBody>
+              <a:bodyPr/>
+              <a:lstStyle/>
+              <a:p>
+                <a:r>
+                  <a:rPr lang="en-US">
+                    <a:noFill/>
+                  </a:rPr>
+                  <a:t> </a:t>
+                </a:r>
+              </a:p>
+            </p:txBody>
+          </p:sp>
+        </mc:Fallback>
+      </mc:AlternateContent>
+    </p:spTree>
+    <p:extLst>
+      <p:ext uri="{BB962C8B-B14F-4D97-AF65-F5344CB8AC3E}">
+        <p14:creationId xmlns:p14="http://schemas.microsoft.com/office/powerpoint/2010/main" val="707431663"/>
+      </p:ext>
+    </p:extLst>
+  </p:cSld>
+  <p:clrMapOvr>
+    <a:masterClrMapping/>
+  </p:clrMapOvr>
+</p:sld>
+</file>
+
 <file path=ppt/slides/slide2.xml><?xml version="1.0" encoding="utf-8"?>
 <p:sld xmlns:a="http://schemas.openxmlformats.org/drawingml/2006/main" xmlns:r="http://schemas.openxmlformats.org/officeDocument/2006/relationships" xmlns:p="http://schemas.openxmlformats.org/presentationml/2006/main">
   <p:cSld>
@@ -3362,8 +7231,8 @@
           </a:p>
         </p:txBody>
       </p:sp>
-      <mc:AlternateContent xmlns:mc="http://schemas.openxmlformats.org/markup-compatibility/2006" xmlns:a14="http://schemas.microsoft.com/office/drawing/2010/main">
-        <mc:Choice Requires="a14">
+      <mc:AlternateContent xmlns:mc="http://schemas.openxmlformats.org/markup-compatibility/2006">
+        <mc:Choice xmlns:a14="http://schemas.microsoft.com/office/drawing/2010/main" Requires="a14">
           <p:sp>
             <p:nvSpPr>
               <p:cNvPr id="3" name="Content Placeholder 2">
@@ -3429,7 +7298,7 @@
                 <a:pPr lvl="1"/>
                 <a:r>
                   <a:rPr lang="en-US" dirty="0"/>
-                  <a:t>(R, +) is commutive with an identity element 0:</a:t>
+                  <a:t>(R, +) is commutive and associative with an identity element 0:</a:t>
                 </a:r>
               </a:p>
               <a:p>
@@ -3506,7 +7375,7 @@
             </p:txBody>
           </p:sp>
         </mc:Choice>
-        <mc:Fallback xmlns="">
+        <mc:Fallback>
           <p:sp>
             <p:nvSpPr>
               <p:cNvPr id="3" name="Content Placeholder 2">
@@ -4780,8 +8649,8 @@
           </a:p>
         </p:txBody>
       </p:sp>
-      <mc:AlternateContent xmlns:mc="http://schemas.openxmlformats.org/markup-compatibility/2006">
-        <mc:Choice xmlns:a14="http://schemas.microsoft.com/office/drawing/2010/main" Requires="a14">
+      <mc:AlternateContent xmlns:mc="http://schemas.openxmlformats.org/markup-compatibility/2006" xmlns:a14="http://schemas.microsoft.com/office/drawing/2010/main">
+        <mc:Choice Requires="a14">
           <p:sp>
             <p:nvSpPr>
               <p:cNvPr id="3" name="Content Placeholder 2">
@@ -6659,7 +10528,7 @@
             </p:txBody>
           </p:sp>
         </mc:Choice>
-        <mc:Fallback>
+        <mc:Fallback xmlns="">
           <p:sp>
             <p:nvSpPr>
               <p:cNvPr id="3" name="Content Placeholder 2">
@@ -6703,6 +10572,2867 @@
     <p:extLst>
       <p:ext uri="{BB962C8B-B14F-4D97-AF65-F5344CB8AC3E}">
         <p14:creationId xmlns:p14="http://schemas.microsoft.com/office/powerpoint/2010/main" val="1937535038"/>
+      </p:ext>
+    </p:extLst>
+  </p:cSld>
+  <p:clrMapOvr>
+    <a:masterClrMapping/>
+  </p:clrMapOvr>
+</p:sld>
+</file>
+
+<file path=ppt/slides/slide7.xml><?xml version="1.0" encoding="utf-8"?>
+<p:sld xmlns:a="http://schemas.openxmlformats.org/drawingml/2006/main" xmlns:r="http://schemas.openxmlformats.org/officeDocument/2006/relationships" xmlns:p="http://schemas.openxmlformats.org/presentationml/2006/main">
+  <p:cSld>
+    <p:spTree>
+      <p:nvGrpSpPr>
+        <p:cNvPr id="1" name=""/>
+        <p:cNvGrpSpPr/>
+        <p:nvPr/>
+      </p:nvGrpSpPr>
+      <p:grpSpPr>
+        <a:xfrm>
+          <a:off x="0" y="0"/>
+          <a:ext cx="0" cy="0"/>
+          <a:chOff x="0" y="0"/>
+          <a:chExt cx="0" cy="0"/>
+        </a:xfrm>
+      </p:grpSpPr>
+      <p:sp>
+        <p:nvSpPr>
+          <p:cNvPr id="2" name="Title 1">
+            <a:extLst>
+              <a:ext uri="{FF2B5EF4-FFF2-40B4-BE49-F238E27FC236}">
+                <a16:creationId xmlns:a16="http://schemas.microsoft.com/office/drawing/2014/main" id="{C9E0EDA6-0EE4-7D49-AD10-F16BCDCEF006}"/>
+              </a:ext>
+            </a:extLst>
+          </p:cNvPr>
+          <p:cNvSpPr>
+            <a:spLocks noGrp="1"/>
+          </p:cNvSpPr>
+          <p:nvPr>
+            <p:ph type="title"/>
+          </p:nvPr>
+        </p:nvSpPr>
+        <p:spPr>
+          <a:xfrm>
+            <a:off x="2231136" y="324208"/>
+            <a:ext cx="7729728" cy="1188720"/>
+          </a:xfrm>
+        </p:spPr>
+        <p:txBody>
+          <a:bodyPr/>
+          <a:lstStyle/>
+          <a:p>
+            <a:r>
+              <a:rPr lang="en-US" dirty="0"/>
+              <a:t>Examples</a:t>
+            </a:r>
+          </a:p>
+        </p:txBody>
+      </p:sp>
+      <p:pic>
+        <p:nvPicPr>
+          <p:cNvPr id="4" name="Picture 3" descr="Text, letter&#10;&#10;Description automatically generated">
+            <a:extLst>
+              <a:ext uri="{FF2B5EF4-FFF2-40B4-BE49-F238E27FC236}">
+                <a16:creationId xmlns:a16="http://schemas.microsoft.com/office/drawing/2014/main" id="{A560C9E7-F94A-0840-9465-02306E84B945}"/>
+              </a:ext>
+            </a:extLst>
+          </p:cNvPr>
+          <p:cNvPicPr>
+            <a:picLocks noChangeAspect="1"/>
+          </p:cNvPicPr>
+          <p:nvPr/>
+        </p:nvPicPr>
+        <p:blipFill>
+          <a:blip r:embed="rId2"/>
+          <a:stretch>
+            <a:fillRect/>
+          </a:stretch>
+        </p:blipFill>
+        <p:spPr>
+          <a:xfrm>
+            <a:off x="634402" y="2510444"/>
+            <a:ext cx="5392042" cy="2992581"/>
+          </a:xfrm>
+          <a:prstGeom prst="rect">
+            <a:avLst/>
+          </a:prstGeom>
+        </p:spPr>
+      </p:pic>
+      <p:pic>
+        <p:nvPicPr>
+          <p:cNvPr id="5" name="Picture 4" descr="A picture containing text, blackboard&#10;&#10;Description automatically generated">
+            <a:extLst>
+              <a:ext uri="{FF2B5EF4-FFF2-40B4-BE49-F238E27FC236}">
+                <a16:creationId xmlns:a16="http://schemas.microsoft.com/office/drawing/2014/main" id="{F82DB0D6-74E5-AD42-87BE-211D9212BBEC}"/>
+              </a:ext>
+            </a:extLst>
+          </p:cNvPr>
+          <p:cNvPicPr>
+            <a:picLocks noChangeAspect="1"/>
+          </p:cNvPicPr>
+          <p:nvPr/>
+        </p:nvPicPr>
+        <p:blipFill>
+          <a:blip r:embed="rId3"/>
+          <a:stretch>
+            <a:fillRect/>
+          </a:stretch>
+        </p:blipFill>
+        <p:spPr>
+          <a:xfrm>
+            <a:off x="6096000" y="3075709"/>
+            <a:ext cx="5633149" cy="2269363"/>
+          </a:xfrm>
+          <a:prstGeom prst="rect">
+            <a:avLst/>
+          </a:prstGeom>
+        </p:spPr>
+      </p:pic>
+      <p:sp>
+        <p:nvSpPr>
+          <p:cNvPr id="6" name="TextBox 5">
+            <a:extLst>
+              <a:ext uri="{FF2B5EF4-FFF2-40B4-BE49-F238E27FC236}">
+                <a16:creationId xmlns:a16="http://schemas.microsoft.com/office/drawing/2014/main" id="{A2442E9E-BF48-ED4F-A2B1-7EB602827EA7}"/>
+              </a:ext>
+            </a:extLst>
+          </p:cNvPr>
+          <p:cNvSpPr txBox="1"/>
+          <p:nvPr/>
+        </p:nvSpPr>
+        <p:spPr>
+          <a:xfrm>
+            <a:off x="8015686" y="2510444"/>
+            <a:ext cx="1945178" cy="369332"/>
+          </a:xfrm>
+          <a:prstGeom prst="rect">
+            <a:avLst/>
+          </a:prstGeom>
+          <a:noFill/>
+        </p:spPr>
+        <p:txBody>
+          <a:bodyPr wrap="square" rtlCol="0">
+            <a:spAutoFit/>
+          </a:bodyPr>
+          <a:lstStyle/>
+          <a:p>
+            <a:r>
+              <a:rPr lang="en-US" dirty="0"/>
+              <a:t>In Regular Algebra</a:t>
+            </a:r>
+          </a:p>
+        </p:txBody>
+      </p:sp>
+    </p:spTree>
+    <p:extLst>
+      <p:ext uri="{BB962C8B-B14F-4D97-AF65-F5344CB8AC3E}">
+        <p14:creationId xmlns:p14="http://schemas.microsoft.com/office/powerpoint/2010/main" val="2514667207"/>
+      </p:ext>
+    </p:extLst>
+  </p:cSld>
+  <p:clrMapOvr>
+    <a:masterClrMapping/>
+  </p:clrMapOvr>
+</p:sld>
+</file>
+
+<file path=ppt/slides/slide8.xml><?xml version="1.0" encoding="utf-8"?>
+<p:sld xmlns:a="http://schemas.openxmlformats.org/drawingml/2006/main" xmlns:r="http://schemas.openxmlformats.org/officeDocument/2006/relationships" xmlns:p="http://schemas.openxmlformats.org/presentationml/2006/main">
+  <p:cSld>
+    <p:spTree>
+      <p:nvGrpSpPr>
+        <p:cNvPr id="1" name=""/>
+        <p:cNvGrpSpPr/>
+        <p:nvPr/>
+      </p:nvGrpSpPr>
+      <p:grpSpPr>
+        <a:xfrm>
+          <a:off x="0" y="0"/>
+          <a:ext cx="0" cy="0"/>
+          <a:chOff x="0" y="0"/>
+          <a:chExt cx="0" cy="0"/>
+        </a:xfrm>
+      </p:grpSpPr>
+      <p:sp>
+        <p:nvSpPr>
+          <p:cNvPr id="2" name="Title 1">
+            <a:extLst>
+              <a:ext uri="{FF2B5EF4-FFF2-40B4-BE49-F238E27FC236}">
+                <a16:creationId xmlns:a16="http://schemas.microsoft.com/office/drawing/2014/main" id="{67FE447C-B067-A942-B596-11205D16F8DA}"/>
+              </a:ext>
+            </a:extLst>
+          </p:cNvPr>
+          <p:cNvSpPr>
+            <a:spLocks noGrp="1"/>
+          </p:cNvSpPr>
+          <p:nvPr>
+            <p:ph type="title"/>
+          </p:nvPr>
+        </p:nvSpPr>
+        <p:spPr/>
+        <p:txBody>
+          <a:bodyPr/>
+          <a:lstStyle/>
+          <a:p>
+            <a:r>
+              <a:rPr lang="en-US" dirty="0"/>
+              <a:t>Definitions	</a:t>
+            </a:r>
+          </a:p>
+        </p:txBody>
+      </p:sp>
+      <mc:AlternateContent xmlns:mc="http://schemas.openxmlformats.org/markup-compatibility/2006">
+        <mc:Choice xmlns:a14="http://schemas.microsoft.com/office/drawing/2010/main" Requires="a14">
+          <p:sp>
+            <p:nvSpPr>
+              <p:cNvPr id="3" name="Content Placeholder 2">
+                <a:extLst>
+                  <a:ext uri="{FF2B5EF4-FFF2-40B4-BE49-F238E27FC236}">
+                    <a16:creationId xmlns:a16="http://schemas.microsoft.com/office/drawing/2014/main" id="{D27A383E-8C28-F44E-A574-6438987E08B2}"/>
+                  </a:ext>
+                </a:extLst>
+              </p:cNvPr>
+              <p:cNvSpPr>
+                <a:spLocks noGrp="1"/>
+              </p:cNvSpPr>
+              <p:nvPr>
+                <p:ph idx="1"/>
+              </p:nvPr>
+            </p:nvSpPr>
+            <p:spPr>
+              <a:xfrm>
+                <a:off x="2231136" y="2226365"/>
+                <a:ext cx="7729728" cy="4422913"/>
+              </a:xfrm>
+            </p:spPr>
+            <p:txBody>
+              <a:bodyPr>
+                <a:normAutofit/>
+              </a:bodyPr>
+              <a:lstStyle/>
+              <a:p>
+                <a:r>
+                  <a:rPr lang="en-US" i="1" dirty="0">
+                    <a:latin typeface="Cambria Math" panose="02040503050406030204" pitchFamily="18" charset="0"/>
+                  </a:rPr>
+                  <a:t>n = nth packet </a:t>
+                </a:r>
+              </a:p>
+              <a:p>
+                <a:r>
+                  <a:rPr lang="en-US" i="1" dirty="0">
+                    <a:latin typeface="Cambria Math" panose="02040503050406030204" pitchFamily="18" charset="0"/>
+                  </a:rPr>
+                  <a:t>K = number of routers (FIFO Que), 0 </a:t>
+                </a:r>
+                <a14:m>
+                  <m:oMath xmlns:m="http://schemas.openxmlformats.org/officeDocument/2006/math">
+                    <m:r>
+                      <a:rPr lang="en-US" i="1" smtClean="0">
+                        <a:latin typeface="Cambria Math" panose="02040503050406030204" pitchFamily="18" charset="0"/>
+                        <a:ea typeface="Cambria Math" panose="02040503050406030204" pitchFamily="18" charset="0"/>
+                      </a:rPr>
+                      <m:t>≤</m:t>
+                    </m:r>
+                    <m:r>
+                      <a:rPr lang="en-US" b="0" i="1" smtClean="0">
+                        <a:latin typeface="Cambria Math" panose="02040503050406030204" pitchFamily="18" charset="0"/>
+                        <a:ea typeface="Cambria Math" panose="02040503050406030204" pitchFamily="18" charset="0"/>
+                      </a:rPr>
+                      <m:t>𝑖</m:t>
+                    </m:r>
+                    <m:r>
+                      <a:rPr lang="en-US" b="0" i="1" smtClean="0">
+                        <a:latin typeface="Cambria Math" panose="02040503050406030204" pitchFamily="18" charset="0"/>
+                        <a:ea typeface="Cambria Math" panose="02040503050406030204" pitchFamily="18" charset="0"/>
+                      </a:rPr>
+                      <m:t>≤</m:t>
+                    </m:r>
+                    <m:r>
+                      <a:rPr lang="en-US" b="0" i="1" smtClean="0">
+                        <a:latin typeface="Cambria Math" panose="02040503050406030204" pitchFamily="18" charset="0"/>
+                        <a:ea typeface="Cambria Math" panose="02040503050406030204" pitchFamily="18" charset="0"/>
+                      </a:rPr>
+                      <m:t>𝐾</m:t>
+                    </m:r>
+                  </m:oMath>
+                </a14:m>
+                <a:r>
+                  <a:rPr lang="en-US" i="1" dirty="0">
+                    <a:latin typeface="Cambria Math" panose="02040503050406030204" pitchFamily="18" charset="0"/>
+                  </a:rPr>
+                  <a:t>, </a:t>
+                </a:r>
+                <a14:m>
+                  <m:oMath xmlns:m="http://schemas.openxmlformats.org/officeDocument/2006/math">
+                    <m:sSup>
+                      <m:sSupPr>
+                        <m:ctrlPr>
+                          <a:rPr lang="en-US" i="1" dirty="0" smtClean="0">
+                            <a:latin typeface="Cambria Math" panose="02040503050406030204" pitchFamily="18" charset="0"/>
+                          </a:rPr>
+                        </m:ctrlPr>
+                      </m:sSupPr>
+                      <m:e>
+                        <m:r>
+                          <a:rPr lang="en-US" b="0" i="1" dirty="0" smtClean="0">
+                            <a:latin typeface="Cambria Math" panose="02040503050406030204" pitchFamily="18" charset="0"/>
+                          </a:rPr>
+                          <m:t>𝑖</m:t>
+                        </m:r>
+                      </m:e>
+                      <m:sup>
+                        <m:r>
+                          <a:rPr lang="en-US" b="0" i="1" dirty="0" smtClean="0">
+                            <a:latin typeface="Cambria Math" panose="02040503050406030204" pitchFamily="18" charset="0"/>
+                          </a:rPr>
+                          <m:t>𝑡h</m:t>
+                        </m:r>
+                      </m:sup>
+                    </m:sSup>
+                  </m:oMath>
+                </a14:m>
+                <a:r>
+                  <a:rPr lang="en-US" i="1" dirty="0">
+                    <a:latin typeface="Cambria Math" panose="02040503050406030204" pitchFamily="18" charset="0"/>
+                  </a:rPr>
+                  <a:t> router</a:t>
+                </a:r>
+              </a:p>
+              <a:p>
+                <a14:m>
+                  <m:oMath xmlns:m="http://schemas.openxmlformats.org/officeDocument/2006/math">
+                    <m:sSub>
+                      <m:sSubPr>
+                        <m:ctrlPr>
+                          <a:rPr lang="en-US" i="1" smtClean="0">
+                            <a:latin typeface="Cambria Math" panose="02040503050406030204" pitchFamily="18" charset="0"/>
+                          </a:rPr>
+                        </m:ctrlPr>
+                      </m:sSubPr>
+                      <m:e>
+                        <m:r>
+                          <a:rPr lang="en-US" i="1" smtClean="0">
+                            <a:latin typeface="Cambria Math" panose="02040503050406030204" pitchFamily="18" charset="0"/>
+                            <a:ea typeface="Cambria Math" panose="02040503050406030204" pitchFamily="18" charset="0"/>
+                          </a:rPr>
+                          <m:t>𝜎</m:t>
+                        </m:r>
+                      </m:e>
+                      <m:sub>
+                        <m:r>
+                          <a:rPr lang="en-US" b="0" i="1" smtClean="0">
+                            <a:latin typeface="Cambria Math" panose="02040503050406030204" pitchFamily="18" charset="0"/>
+                          </a:rPr>
+                          <m:t>𝑖</m:t>
+                        </m:r>
+                      </m:sub>
+                    </m:sSub>
+                    <m:d>
+                      <m:dPr>
+                        <m:ctrlPr>
+                          <a:rPr lang="en-US" b="0" i="1" smtClean="0">
+                            <a:latin typeface="Cambria Math" panose="02040503050406030204" pitchFamily="18" charset="0"/>
+                          </a:rPr>
+                        </m:ctrlPr>
+                      </m:dPr>
+                      <m:e>
+                        <m:r>
+                          <a:rPr lang="en-US" b="0" i="1" smtClean="0">
+                            <a:latin typeface="Cambria Math" panose="02040503050406030204" pitchFamily="18" charset="0"/>
+                          </a:rPr>
+                          <m:t>𝑛</m:t>
+                        </m:r>
+                      </m:e>
+                    </m:d>
+                    <m:r>
+                      <a:rPr lang="en-US" b="0" i="1" smtClean="0">
+                        <a:latin typeface="Cambria Math" panose="02040503050406030204" pitchFamily="18" charset="0"/>
+                      </a:rPr>
+                      <m:t>=</m:t>
+                    </m:r>
+                    <m:r>
+                      <a:rPr lang="en-US" b="0" i="1" smtClean="0">
+                        <a:latin typeface="Cambria Math" panose="02040503050406030204" pitchFamily="18" charset="0"/>
+                      </a:rPr>
+                      <m:t>𝑡h𝑒</m:t>
+                    </m:r>
+                    <m:r>
+                      <a:rPr lang="en-US" b="0" i="1" smtClean="0">
+                        <a:latin typeface="Cambria Math" panose="02040503050406030204" pitchFamily="18" charset="0"/>
+                      </a:rPr>
+                      <m:t> </m:t>
+                    </m:r>
+                    <m:r>
+                      <a:rPr lang="en-US" b="0" i="1" smtClean="0">
+                        <a:latin typeface="Cambria Math" panose="02040503050406030204" pitchFamily="18" charset="0"/>
+                      </a:rPr>
+                      <m:t>𝑎𝑔𝑟𝑒𝑔𝑎𝑡𝑒𝑑</m:t>
+                    </m:r>
+                    <m:r>
+                      <a:rPr lang="en-US" b="0" i="1" smtClean="0">
+                        <a:latin typeface="Cambria Math" panose="02040503050406030204" pitchFamily="18" charset="0"/>
+                      </a:rPr>
+                      <m:t> </m:t>
+                    </m:r>
+                    <m:r>
+                      <a:rPr lang="en-US" b="0" i="1" smtClean="0">
+                        <a:latin typeface="Cambria Math" panose="02040503050406030204" pitchFamily="18" charset="0"/>
+                      </a:rPr>
+                      <m:t>𝑠𝑒𝑟𝑣𝑖𝑐𝑒</m:t>
+                    </m:r>
+                    <m:r>
+                      <a:rPr lang="en-US" b="0" i="1" smtClean="0">
+                        <a:latin typeface="Cambria Math" panose="02040503050406030204" pitchFamily="18" charset="0"/>
+                      </a:rPr>
+                      <m:t> </m:t>
+                    </m:r>
+                    <m:r>
+                      <a:rPr lang="en-US" b="0" i="1" smtClean="0">
+                        <a:latin typeface="Cambria Math" panose="02040503050406030204" pitchFamily="18" charset="0"/>
+                      </a:rPr>
+                      <m:t>𝑡𝑖𝑚𝑒</m:t>
+                    </m:r>
+                    <m:r>
+                      <a:rPr lang="en-US" b="0" i="1" smtClean="0">
+                        <a:latin typeface="Cambria Math" panose="02040503050406030204" pitchFamily="18" charset="0"/>
+                      </a:rPr>
+                      <m:t> </m:t>
+                    </m:r>
+                    <m:r>
+                      <a:rPr lang="en-US" b="0" i="1" smtClean="0">
+                        <a:latin typeface="Cambria Math" panose="02040503050406030204" pitchFamily="18" charset="0"/>
+                      </a:rPr>
+                      <m:t>𝑜𝑓</m:t>
+                    </m:r>
+                    <m:r>
+                      <a:rPr lang="en-US" b="0" i="1" smtClean="0">
+                        <a:latin typeface="Cambria Math" panose="02040503050406030204" pitchFamily="18" charset="0"/>
+                      </a:rPr>
+                      <m:t> </m:t>
+                    </m:r>
+                    <m:r>
+                      <a:rPr lang="en-US" b="0" i="1" smtClean="0">
+                        <a:latin typeface="Cambria Math" panose="02040503050406030204" pitchFamily="18" charset="0"/>
+                      </a:rPr>
+                      <m:t>𝑡h𝑒</m:t>
+                    </m:r>
+                    <m:r>
+                      <a:rPr lang="en-US" b="0" i="1" smtClean="0">
+                        <a:latin typeface="Cambria Math" panose="02040503050406030204" pitchFamily="18" charset="0"/>
+                      </a:rPr>
+                      <m:t> </m:t>
+                    </m:r>
+                    <m:r>
+                      <a:rPr lang="en-US" b="0" i="1" smtClean="0">
+                        <a:latin typeface="Cambria Math" panose="02040503050406030204" pitchFamily="18" charset="0"/>
+                      </a:rPr>
+                      <m:t>𝑛𝑡h</m:t>
+                    </m:r>
+                    <m:r>
+                      <a:rPr lang="en-US" b="0" i="1" smtClean="0">
+                        <a:latin typeface="Cambria Math" panose="02040503050406030204" pitchFamily="18" charset="0"/>
+                      </a:rPr>
+                      <m:t> </m:t>
+                    </m:r>
+                    <m:r>
+                      <a:rPr lang="en-US" b="0" i="1" smtClean="0">
+                        <a:latin typeface="Cambria Math" panose="02040503050406030204" pitchFamily="18" charset="0"/>
+                      </a:rPr>
+                      <m:t>𝑝𝑎𝑐𝑘𝑒𝑡</m:t>
+                    </m:r>
+                    <m:r>
+                      <a:rPr lang="en-US" b="0" i="1" smtClean="0">
+                        <a:latin typeface="Cambria Math" panose="02040503050406030204" pitchFamily="18" charset="0"/>
+                      </a:rPr>
+                      <m:t> </m:t>
+                    </m:r>
+                    <m:r>
+                      <a:rPr lang="en-US" b="0" i="1" smtClean="0">
+                        <a:latin typeface="Cambria Math" panose="02040503050406030204" pitchFamily="18" charset="0"/>
+                      </a:rPr>
+                      <m:t>𝑎𝑟𝑟𝑖𝑣𝑖𝑛𝑔</m:t>
+                    </m:r>
+                    <m:r>
+                      <a:rPr lang="en-US" b="0" i="1" smtClean="0">
+                        <a:latin typeface="Cambria Math" panose="02040503050406030204" pitchFamily="18" charset="0"/>
+                      </a:rPr>
+                      <m:t> </m:t>
+                    </m:r>
+                    <m:r>
+                      <a:rPr lang="en-US" b="0" i="1" smtClean="0">
+                        <a:latin typeface="Cambria Math" panose="02040503050406030204" pitchFamily="18" charset="0"/>
+                      </a:rPr>
+                      <m:t>𝑎𝑡</m:t>
+                    </m:r>
+                    <m:r>
+                      <a:rPr lang="en-US" b="0" i="1" smtClean="0">
+                        <a:latin typeface="Cambria Math" panose="02040503050406030204" pitchFamily="18" charset="0"/>
+                      </a:rPr>
+                      <m:t> </m:t>
+                    </m:r>
+                    <m:r>
+                      <a:rPr lang="en-US" b="0" i="1" smtClean="0">
+                        <a:latin typeface="Cambria Math" panose="02040503050406030204" pitchFamily="18" charset="0"/>
+                      </a:rPr>
+                      <m:t>𝑞𝑢𝑒</m:t>
+                    </m:r>
+                    <m:r>
+                      <a:rPr lang="en-US" b="0" i="1" smtClean="0">
+                        <a:latin typeface="Cambria Math" panose="02040503050406030204" pitchFamily="18" charset="0"/>
+                      </a:rPr>
+                      <m:t> </m:t>
+                    </m:r>
+                    <m:r>
+                      <a:rPr lang="en-US" b="0" i="1" smtClean="0">
+                        <a:latin typeface="Cambria Math" panose="02040503050406030204" pitchFamily="18" charset="0"/>
+                      </a:rPr>
+                      <m:t>𝑖</m:t>
+                    </m:r>
+                  </m:oMath>
+                </a14:m>
+                <a:endParaRPr lang="en-US" b="0" dirty="0"/>
+              </a:p>
+              <a:p>
+                <a:pPr lvl="1"/>
+                <a:r>
+                  <a:rPr lang="en-US" i="1" dirty="0"/>
+                  <a:t>Includes both processing time and backlog of cross traffic packets interleaved between arrival time of packet n-1 and packet n in que </a:t>
+                </a:r>
+                <a:r>
+                  <a:rPr lang="en-US" i="1" dirty="0" err="1"/>
+                  <a:t>i</a:t>
+                </a:r>
+                <a:r>
+                  <a:rPr lang="en-US" i="1" dirty="0"/>
+                  <a:t>.</a:t>
+                </a:r>
+              </a:p>
+              <a:p>
+                <a14:m>
+                  <m:oMath xmlns:m="http://schemas.openxmlformats.org/officeDocument/2006/math">
+                    <m:r>
+                      <a:rPr lang="en-US" b="0" i="1" smtClean="0">
+                        <a:latin typeface="Cambria Math" panose="02040503050406030204" pitchFamily="18" charset="0"/>
+                      </a:rPr>
+                      <m:t>𝑤𝑖𝑛𝑑𝑜𝑤</m:t>
+                    </m:r>
+                    <m:r>
+                      <a:rPr lang="en-US" b="0" i="1" smtClean="0">
+                        <a:latin typeface="Cambria Math" panose="02040503050406030204" pitchFamily="18" charset="0"/>
+                      </a:rPr>
+                      <m:t> </m:t>
+                    </m:r>
+                    <m:r>
+                      <a:rPr lang="en-US" b="0" i="1" smtClean="0">
+                        <a:latin typeface="Cambria Math" panose="02040503050406030204" pitchFamily="18" charset="0"/>
+                      </a:rPr>
+                      <m:t>𝑠𝑖𝑧𝑒</m:t>
+                    </m:r>
+                    <m:r>
+                      <a:rPr lang="en-US" b="0" i="1" smtClean="0">
+                        <a:latin typeface="Cambria Math" panose="02040503050406030204" pitchFamily="18" charset="0"/>
+                      </a:rPr>
+                      <m:t> </m:t>
+                    </m:r>
+                    <m:r>
+                      <a:rPr lang="en-US" b="0" i="1" smtClean="0">
+                        <a:latin typeface="Cambria Math" panose="02040503050406030204" pitchFamily="18" charset="0"/>
+                      </a:rPr>
+                      <m:t>𝑖𝑠</m:t>
+                    </m:r>
+                    <m:r>
+                      <a:rPr lang="en-US" b="0" i="1" smtClean="0">
+                        <a:latin typeface="Cambria Math" panose="02040503050406030204" pitchFamily="18" charset="0"/>
+                      </a:rPr>
+                      <m:t> </m:t>
+                    </m:r>
+                    <m:r>
+                      <a:rPr lang="en-US" b="0" i="1" smtClean="0">
+                        <a:latin typeface="Cambria Math" panose="02040503050406030204" pitchFamily="18" charset="0"/>
+                      </a:rPr>
+                      <m:t>𝑊</m:t>
+                    </m:r>
+                    <m:d>
+                      <m:dPr>
+                        <m:ctrlPr>
+                          <a:rPr lang="en-US" b="0" i="1" smtClean="0">
+                            <a:latin typeface="Cambria Math" panose="02040503050406030204" pitchFamily="18" charset="0"/>
+                          </a:rPr>
+                        </m:ctrlPr>
+                      </m:dPr>
+                      <m:e>
+                        <m:r>
+                          <a:rPr lang="en-US" b="0" i="1" smtClean="0">
+                            <a:latin typeface="Cambria Math" panose="02040503050406030204" pitchFamily="18" charset="0"/>
+                          </a:rPr>
+                          <m:t>𝑛</m:t>
+                        </m:r>
+                      </m:e>
+                    </m:d>
+                    <m:r>
+                      <a:rPr lang="en-US" b="0" i="1" smtClean="0">
+                        <a:latin typeface="Cambria Math" panose="02040503050406030204" pitchFamily="18" charset="0"/>
+                      </a:rPr>
+                      <m:t>=</m:t>
+                    </m:r>
+                    <m:r>
+                      <a:rPr lang="en-US" b="0" i="1" smtClean="0">
+                        <a:latin typeface="Cambria Math" panose="02040503050406030204" pitchFamily="18" charset="0"/>
+                      </a:rPr>
+                      <m:t>𝐹</m:t>
+                    </m:r>
+                    <m:d>
+                      <m:dPr>
+                        <m:ctrlPr>
+                          <a:rPr lang="en-US" b="0" i="1" smtClean="0">
+                            <a:latin typeface="Cambria Math" panose="02040503050406030204" pitchFamily="18" charset="0"/>
+                          </a:rPr>
+                        </m:ctrlPr>
+                      </m:dPr>
+                      <m:e>
+                        <m:r>
+                          <a:rPr lang="en-US" b="0" i="1" smtClean="0">
+                            <a:latin typeface="Cambria Math" panose="02040503050406030204" pitchFamily="18" charset="0"/>
+                          </a:rPr>
+                          <m:t>𝑊</m:t>
+                        </m:r>
+                        <m:d>
+                          <m:dPr>
+                            <m:ctrlPr>
+                              <a:rPr lang="en-US" b="0" i="1" smtClean="0">
+                                <a:latin typeface="Cambria Math" panose="02040503050406030204" pitchFamily="18" charset="0"/>
+                              </a:rPr>
+                            </m:ctrlPr>
+                          </m:dPr>
+                          <m:e>
+                            <m:r>
+                              <a:rPr lang="en-US" b="0" i="1" smtClean="0">
+                                <a:latin typeface="Cambria Math" panose="02040503050406030204" pitchFamily="18" charset="0"/>
+                              </a:rPr>
+                              <m:t>𝑛</m:t>
+                            </m:r>
+                            <m:r>
+                              <a:rPr lang="en-US" b="0" i="1" smtClean="0">
+                                <a:latin typeface="Cambria Math" panose="02040503050406030204" pitchFamily="18" charset="0"/>
+                              </a:rPr>
+                              <m:t>−1</m:t>
+                            </m:r>
+                          </m:e>
+                        </m:d>
+                        <m:r>
+                          <a:rPr lang="en-US" b="0" i="1" smtClean="0">
+                            <a:latin typeface="Cambria Math" panose="02040503050406030204" pitchFamily="18" charset="0"/>
+                          </a:rPr>
+                          <m:t>,</m:t>
+                        </m:r>
+                        <m:r>
+                          <a:rPr lang="en-US" b="0" i="1" smtClean="0">
+                            <a:latin typeface="Cambria Math" panose="02040503050406030204" pitchFamily="18" charset="0"/>
+                          </a:rPr>
+                          <m:t>𝐴𝐶𝐾</m:t>
+                        </m:r>
+                        <m:d>
+                          <m:dPr>
+                            <m:ctrlPr>
+                              <a:rPr lang="en-US" b="0" i="1" smtClean="0">
+                                <a:latin typeface="Cambria Math" panose="02040503050406030204" pitchFamily="18" charset="0"/>
+                              </a:rPr>
+                            </m:ctrlPr>
+                          </m:dPr>
+                          <m:e>
+                            <m:r>
+                              <a:rPr lang="en-US" b="0" i="1" smtClean="0">
+                                <a:latin typeface="Cambria Math" panose="02040503050406030204" pitchFamily="18" charset="0"/>
+                              </a:rPr>
+                              <m:t>𝑛</m:t>
+                            </m:r>
+                          </m:e>
+                        </m:d>
+                      </m:e>
+                    </m:d>
+                    <m:r>
+                      <a:rPr lang="en-US" b="0" i="1" smtClean="0">
+                        <a:latin typeface="Cambria Math" panose="02040503050406030204" pitchFamily="18" charset="0"/>
+                      </a:rPr>
+                      <m:t>, </m:t>
+                    </m:r>
+                    <m:r>
+                      <a:rPr lang="en-US" b="0" i="1" smtClean="0">
+                        <a:latin typeface="Cambria Math" panose="02040503050406030204" pitchFamily="18" charset="0"/>
+                      </a:rPr>
+                      <m:t>𝑛</m:t>
+                    </m:r>
+                    <m:r>
+                      <a:rPr lang="en-US" b="0" i="1" smtClean="0">
+                        <a:latin typeface="Cambria Math" panose="02040503050406030204" pitchFamily="18" charset="0"/>
+                      </a:rPr>
+                      <m:t>&gt;0</m:t>
+                    </m:r>
+                    <m:r>
+                      <a:rPr lang="en-US" b="0" i="0" smtClean="0">
+                        <a:latin typeface="Cambria Math" panose="02040503050406030204" pitchFamily="18" charset="0"/>
+                      </a:rPr>
+                      <m:t>, </m:t>
+                    </m:r>
+                    <m:r>
+                      <m:rPr>
+                        <m:sty m:val="p"/>
+                      </m:rPr>
+                      <a:rPr lang="en-US" b="0" i="0" smtClean="0">
+                        <a:latin typeface="Cambria Math" panose="02040503050406030204" pitchFamily="18" charset="0"/>
+                      </a:rPr>
+                      <m:t>and</m:t>
+                    </m:r>
+                    <m:r>
+                      <a:rPr lang="en-US" b="0" i="0" smtClean="0">
+                        <a:latin typeface="Cambria Math" panose="02040503050406030204" pitchFamily="18" charset="0"/>
+                      </a:rPr>
+                      <m:t> </m:t>
+                    </m:r>
+                    <m:r>
+                      <m:rPr>
+                        <m:sty m:val="p"/>
+                      </m:rPr>
+                      <a:rPr lang="en-US" b="0" i="0" smtClean="0">
+                        <a:latin typeface="Cambria Math" panose="02040503050406030204" pitchFamily="18" charset="0"/>
+                      </a:rPr>
+                      <m:t>W</m:t>
+                    </m:r>
+                    <m:d>
+                      <m:dPr>
+                        <m:ctrlPr>
+                          <a:rPr lang="en-US" b="0" i="1" smtClean="0">
+                            <a:latin typeface="Cambria Math" panose="02040503050406030204" pitchFamily="18" charset="0"/>
+                          </a:rPr>
+                        </m:ctrlPr>
+                      </m:dPr>
+                      <m:e>
+                        <m:r>
+                          <a:rPr lang="en-US" b="0" i="0" smtClean="0">
+                            <a:latin typeface="Cambria Math" panose="02040503050406030204" pitchFamily="18" charset="0"/>
+                          </a:rPr>
+                          <m:t>0</m:t>
+                        </m:r>
+                      </m:e>
+                    </m:d>
+                    <m:r>
+                      <a:rPr lang="en-US" b="0" i="0" smtClean="0">
+                        <a:latin typeface="Cambria Math" panose="02040503050406030204" pitchFamily="18" charset="0"/>
+                      </a:rPr>
+                      <m:t>=1</m:t>
+                    </m:r>
+                  </m:oMath>
+                </a14:m>
+                <a:endParaRPr lang="en-US" dirty="0"/>
+              </a:p>
+              <a:p>
+                <a:pPr lvl="1"/>
+                <a:r>
+                  <a:rPr lang="en-US" sz="1800" i="1" dirty="0">
+                    <a:latin typeface="Cambria Math" panose="02040503050406030204" pitchFamily="18" charset="0"/>
+                  </a:rPr>
+                  <a:t>w* = the maximum window size element of the finite set {W(n)}</a:t>
+                </a:r>
+              </a:p>
+              <a:p>
+                <a14:m>
+                  <m:oMath xmlns:m="http://schemas.openxmlformats.org/officeDocument/2006/math">
+                    <m:sSub>
+                      <m:sSubPr>
+                        <m:ctrlPr>
+                          <a:rPr lang="en-US" i="1">
+                            <a:latin typeface="Cambria Math" panose="02040503050406030204" pitchFamily="18" charset="0"/>
+                          </a:rPr>
+                        </m:ctrlPr>
+                      </m:sSubPr>
+                      <m:e>
+                        <m:r>
+                          <a:rPr lang="en-US" i="1">
+                            <a:latin typeface="Cambria Math" panose="02040503050406030204" pitchFamily="18" charset="0"/>
+                          </a:rPr>
+                          <m:t>𝑥</m:t>
+                        </m:r>
+                      </m:e>
+                      <m:sub>
+                        <m:r>
+                          <a:rPr lang="en-US" i="1">
+                            <a:latin typeface="Cambria Math" panose="02040503050406030204" pitchFamily="18" charset="0"/>
+                          </a:rPr>
+                          <m:t>𝑖</m:t>
+                        </m:r>
+                      </m:sub>
+                    </m:sSub>
+                    <m:d>
+                      <m:dPr>
+                        <m:ctrlPr>
+                          <a:rPr lang="en-US" i="1">
+                            <a:latin typeface="Cambria Math" panose="02040503050406030204" pitchFamily="18" charset="0"/>
+                          </a:rPr>
+                        </m:ctrlPr>
+                      </m:dPr>
+                      <m:e>
+                        <m:r>
+                          <a:rPr lang="en-US" i="1">
+                            <a:latin typeface="Cambria Math" panose="02040503050406030204" pitchFamily="18" charset="0"/>
+                          </a:rPr>
+                          <m:t>𝑛</m:t>
+                        </m:r>
+                      </m:e>
+                    </m:d>
+                    <m:r>
+                      <a:rPr lang="en-US" i="1">
+                        <a:latin typeface="Cambria Math" panose="02040503050406030204" pitchFamily="18" charset="0"/>
+                      </a:rPr>
+                      <m:t>=</m:t>
+                    </m:r>
+                    <m:r>
+                      <a:rPr lang="en-US" i="1">
+                        <a:latin typeface="Cambria Math" panose="02040503050406030204" pitchFamily="18" charset="0"/>
+                      </a:rPr>
+                      <m:t>𝑡𝑖𝑚𝑒</m:t>
+                    </m:r>
+                    <m:r>
+                      <a:rPr lang="en-US" i="1">
+                        <a:latin typeface="Cambria Math" panose="02040503050406030204" pitchFamily="18" charset="0"/>
+                      </a:rPr>
+                      <m:t> </m:t>
+                    </m:r>
+                    <m:r>
+                      <a:rPr lang="en-US" i="1">
+                        <a:latin typeface="Cambria Math" panose="02040503050406030204" pitchFamily="18" charset="0"/>
+                      </a:rPr>
+                      <m:t>𝑎𝑡</m:t>
+                    </m:r>
+                    <m:r>
+                      <a:rPr lang="en-US" i="1">
+                        <a:latin typeface="Cambria Math" panose="02040503050406030204" pitchFamily="18" charset="0"/>
+                      </a:rPr>
+                      <m:t> </m:t>
+                    </m:r>
+                    <m:r>
+                      <a:rPr lang="en-US" i="1">
+                        <a:latin typeface="Cambria Math" panose="02040503050406030204" pitchFamily="18" charset="0"/>
+                      </a:rPr>
+                      <m:t>𝑤h𝑖𝑐h</m:t>
+                    </m:r>
+                    <m:r>
+                      <a:rPr lang="en-US" i="1">
+                        <a:latin typeface="Cambria Math" panose="02040503050406030204" pitchFamily="18" charset="0"/>
+                      </a:rPr>
+                      <m:t> </m:t>
+                    </m:r>
+                    <m:r>
+                      <a:rPr lang="en-US" i="1">
+                        <a:latin typeface="Cambria Math" panose="02040503050406030204" pitchFamily="18" charset="0"/>
+                      </a:rPr>
+                      <m:t>𝑝𝑎𝑐𝑘𝑒𝑡</m:t>
+                    </m:r>
+                    <m:r>
+                      <a:rPr lang="en-US" i="1">
+                        <a:latin typeface="Cambria Math" panose="02040503050406030204" pitchFamily="18" charset="0"/>
+                      </a:rPr>
+                      <m:t> </m:t>
+                    </m:r>
+                    <m:r>
+                      <a:rPr lang="en-US" i="1">
+                        <a:latin typeface="Cambria Math" panose="02040503050406030204" pitchFamily="18" charset="0"/>
+                      </a:rPr>
+                      <m:t>𝑛</m:t>
+                    </m:r>
+                    <m:r>
+                      <a:rPr lang="en-US" i="1">
+                        <a:latin typeface="Cambria Math" panose="02040503050406030204" pitchFamily="18" charset="0"/>
+                      </a:rPr>
+                      <m:t> </m:t>
+                    </m:r>
+                    <m:r>
+                      <a:rPr lang="en-US" i="1">
+                        <a:latin typeface="Cambria Math" panose="02040503050406030204" pitchFamily="18" charset="0"/>
+                      </a:rPr>
+                      <m:t>𝑠𝑡𝑎𝑟𝑡𝑠</m:t>
+                    </m:r>
+                    <m:r>
+                      <a:rPr lang="en-US" i="1">
+                        <a:latin typeface="Cambria Math" panose="02040503050406030204" pitchFamily="18" charset="0"/>
+                      </a:rPr>
+                      <m:t> </m:t>
+                    </m:r>
+                    <m:r>
+                      <a:rPr lang="en-US" i="1">
+                        <a:latin typeface="Cambria Math" panose="02040503050406030204" pitchFamily="18" charset="0"/>
+                      </a:rPr>
+                      <m:t>𝑖𝑡𝑠</m:t>
+                    </m:r>
+                    <m:r>
+                      <a:rPr lang="en-US" i="1">
+                        <a:latin typeface="Cambria Math" panose="02040503050406030204" pitchFamily="18" charset="0"/>
+                      </a:rPr>
+                      <m:t> </m:t>
+                    </m:r>
+                    <m:r>
+                      <a:rPr lang="en-US" i="1">
+                        <a:latin typeface="Cambria Math" panose="02040503050406030204" pitchFamily="18" charset="0"/>
+                      </a:rPr>
+                      <m:t>𝑠𝑒𝑟𝑣𝑖𝑐𝑒</m:t>
+                    </m:r>
+                    <m:r>
+                      <a:rPr lang="en-US" i="1">
+                        <a:latin typeface="Cambria Math" panose="02040503050406030204" pitchFamily="18" charset="0"/>
+                      </a:rPr>
+                      <m:t> </m:t>
+                    </m:r>
+                    <m:r>
+                      <a:rPr lang="en-US" i="1">
+                        <a:latin typeface="Cambria Math" panose="02040503050406030204" pitchFamily="18" charset="0"/>
+                      </a:rPr>
+                      <m:t>𝑜𝑛</m:t>
+                    </m:r>
+                    <m:r>
+                      <a:rPr lang="en-US" i="1">
+                        <a:latin typeface="Cambria Math" panose="02040503050406030204" pitchFamily="18" charset="0"/>
+                      </a:rPr>
+                      <m:t> </m:t>
+                    </m:r>
+                    <m:r>
+                      <a:rPr lang="en-US" i="1">
+                        <a:latin typeface="Cambria Math" panose="02040503050406030204" pitchFamily="18" charset="0"/>
+                      </a:rPr>
+                      <m:t>𝑟𝑜𝑢𝑡𝑒𝑟</m:t>
+                    </m:r>
+                    <m:r>
+                      <a:rPr lang="en-US" i="1">
+                        <a:latin typeface="Cambria Math" panose="02040503050406030204" pitchFamily="18" charset="0"/>
+                      </a:rPr>
+                      <m:t> </m:t>
+                    </m:r>
+                    <m:r>
+                      <a:rPr lang="en-US" i="1">
+                        <a:latin typeface="Cambria Math" panose="02040503050406030204" pitchFamily="18" charset="0"/>
+                      </a:rPr>
+                      <m:t>𝑖</m:t>
+                    </m:r>
+                  </m:oMath>
+                </a14:m>
+                <a:endParaRPr lang="en-US" i="1" dirty="0">
+                  <a:latin typeface="Cambria Math" panose="02040503050406030204" pitchFamily="18" charset="0"/>
+                </a:endParaRPr>
+              </a:p>
+              <a:p>
+                <a14:m>
+                  <m:oMath xmlns:m="http://schemas.openxmlformats.org/officeDocument/2006/math">
+                    <m:sSub>
+                      <m:sSubPr>
+                        <m:ctrlPr>
+                          <a:rPr lang="en-US" i="1">
+                            <a:latin typeface="Cambria Math" panose="02040503050406030204" pitchFamily="18" charset="0"/>
+                          </a:rPr>
+                        </m:ctrlPr>
+                      </m:sSubPr>
+                      <m:e>
+                        <m:r>
+                          <a:rPr lang="en-US" i="1">
+                            <a:latin typeface="Cambria Math" panose="02040503050406030204" pitchFamily="18" charset="0"/>
+                          </a:rPr>
+                          <m:t>𝑦</m:t>
+                        </m:r>
+                      </m:e>
+                      <m:sub>
+                        <m:r>
+                          <a:rPr lang="en-US" i="1">
+                            <a:latin typeface="Cambria Math" panose="02040503050406030204" pitchFamily="18" charset="0"/>
+                          </a:rPr>
+                          <m:t>𝑖</m:t>
+                        </m:r>
+                      </m:sub>
+                    </m:sSub>
+                    <m:d>
+                      <m:dPr>
+                        <m:ctrlPr>
+                          <a:rPr lang="en-US" i="1">
+                            <a:latin typeface="Cambria Math" panose="02040503050406030204" pitchFamily="18" charset="0"/>
+                          </a:rPr>
+                        </m:ctrlPr>
+                      </m:dPr>
+                      <m:e>
+                        <m:r>
+                          <a:rPr lang="en-US" i="1">
+                            <a:latin typeface="Cambria Math" panose="02040503050406030204" pitchFamily="18" charset="0"/>
+                          </a:rPr>
+                          <m:t>𝑛</m:t>
+                        </m:r>
+                      </m:e>
+                    </m:d>
+                    <m:r>
+                      <a:rPr lang="en-US" i="1">
+                        <a:latin typeface="Cambria Math" panose="02040503050406030204" pitchFamily="18" charset="0"/>
+                      </a:rPr>
+                      <m:t>= </m:t>
+                    </m:r>
+                    <m:sSub>
+                      <m:sSubPr>
+                        <m:ctrlPr>
+                          <a:rPr lang="en-US" i="1">
+                            <a:latin typeface="Cambria Math" panose="02040503050406030204" pitchFamily="18" charset="0"/>
+                          </a:rPr>
+                        </m:ctrlPr>
+                      </m:sSubPr>
+                      <m:e>
+                        <m:r>
+                          <a:rPr lang="en-US" i="1">
+                            <a:latin typeface="Cambria Math" panose="02040503050406030204" pitchFamily="18" charset="0"/>
+                          </a:rPr>
+                          <m:t>𝑥</m:t>
+                        </m:r>
+                      </m:e>
+                      <m:sub>
+                        <m:r>
+                          <a:rPr lang="en-US" i="1">
+                            <a:latin typeface="Cambria Math" panose="02040503050406030204" pitchFamily="18" charset="0"/>
+                          </a:rPr>
+                          <m:t>𝑖</m:t>
+                        </m:r>
+                      </m:sub>
+                    </m:sSub>
+                    <m:d>
+                      <m:dPr>
+                        <m:ctrlPr>
+                          <a:rPr lang="en-US" i="1">
+                            <a:latin typeface="Cambria Math" panose="02040503050406030204" pitchFamily="18" charset="0"/>
+                          </a:rPr>
+                        </m:ctrlPr>
+                      </m:dPr>
+                      <m:e>
+                        <m:r>
+                          <a:rPr lang="en-US" i="1">
+                            <a:latin typeface="Cambria Math" panose="02040503050406030204" pitchFamily="18" charset="0"/>
+                          </a:rPr>
+                          <m:t>𝑛</m:t>
+                        </m:r>
+                      </m:e>
+                    </m:d>
+                    <m:r>
+                      <a:rPr lang="en-US" i="1">
+                        <a:latin typeface="Cambria Math" panose="02040503050406030204" pitchFamily="18" charset="0"/>
+                      </a:rPr>
+                      <m:t>+ </m:t>
+                    </m:r>
+                    <m:sSub>
+                      <m:sSubPr>
+                        <m:ctrlPr>
+                          <a:rPr lang="en-US" i="1">
+                            <a:latin typeface="Cambria Math" panose="02040503050406030204" pitchFamily="18" charset="0"/>
+                          </a:rPr>
+                        </m:ctrlPr>
+                      </m:sSubPr>
+                      <m:e>
+                        <m:r>
+                          <a:rPr lang="en-US" i="1">
+                            <a:latin typeface="Cambria Math" panose="02040503050406030204" pitchFamily="18" charset="0"/>
+                          </a:rPr>
+                          <m:t>𝜎</m:t>
+                        </m:r>
+                      </m:e>
+                      <m:sub>
+                        <m:r>
+                          <a:rPr lang="en-US" i="1">
+                            <a:latin typeface="Cambria Math" panose="02040503050406030204" pitchFamily="18" charset="0"/>
+                          </a:rPr>
+                          <m:t>𝑖</m:t>
+                        </m:r>
+                      </m:sub>
+                    </m:sSub>
+                    <m:d>
+                      <m:dPr>
+                        <m:ctrlPr>
+                          <a:rPr lang="en-US" i="1">
+                            <a:latin typeface="Cambria Math" panose="02040503050406030204" pitchFamily="18" charset="0"/>
+                          </a:rPr>
+                        </m:ctrlPr>
+                      </m:dPr>
+                      <m:e>
+                        <m:r>
+                          <a:rPr lang="en-US" i="1">
+                            <a:latin typeface="Cambria Math" panose="02040503050406030204" pitchFamily="18" charset="0"/>
+                          </a:rPr>
+                          <m:t>𝑛</m:t>
+                        </m:r>
+                      </m:e>
+                    </m:d>
+                  </m:oMath>
+                </a14:m>
+                <a:r>
+                  <a:rPr lang="en-US" i="1" dirty="0">
+                    <a:latin typeface="Cambria Math" panose="02040503050406030204" pitchFamily="18" charset="0"/>
+                  </a:rPr>
+                  <a:t>,  time when packet n leaves router </a:t>
+                </a:r>
+                <a:r>
+                  <a:rPr lang="en-US" i="1" dirty="0" err="1">
+                    <a:latin typeface="Cambria Math" panose="02040503050406030204" pitchFamily="18" charset="0"/>
+                  </a:rPr>
+                  <a:t>i</a:t>
+                </a:r>
+                <a:r>
+                  <a:rPr lang="en-US" i="1" dirty="0">
+                    <a:latin typeface="Cambria Math" panose="02040503050406030204" pitchFamily="18" charset="0"/>
+                  </a:rPr>
+                  <a:t>, let </a:t>
+                </a:r>
+                <a14:m>
+                  <m:oMath xmlns:m="http://schemas.openxmlformats.org/officeDocument/2006/math">
+                    <m:sSub>
+                      <m:sSubPr>
+                        <m:ctrlPr>
+                          <a:rPr lang="en-US" i="1">
+                            <a:latin typeface="Cambria Math" panose="02040503050406030204" pitchFamily="18" charset="0"/>
+                          </a:rPr>
+                        </m:ctrlPr>
+                      </m:sSubPr>
+                      <m:e>
+                        <m:r>
+                          <a:rPr lang="en-US" i="1">
+                            <a:latin typeface="Cambria Math" panose="02040503050406030204" pitchFamily="18" charset="0"/>
+                          </a:rPr>
+                          <m:t>𝜎</m:t>
+                        </m:r>
+                      </m:e>
+                      <m:sub>
+                        <m:r>
+                          <a:rPr lang="en-US" i="1">
+                            <a:latin typeface="Cambria Math" panose="02040503050406030204" pitchFamily="18" charset="0"/>
+                          </a:rPr>
+                          <m:t>0</m:t>
+                        </m:r>
+                      </m:sub>
+                    </m:sSub>
+                    <m:d>
+                      <m:dPr>
+                        <m:ctrlPr>
+                          <a:rPr lang="en-US" i="1">
+                            <a:latin typeface="Cambria Math" panose="02040503050406030204" pitchFamily="18" charset="0"/>
+                          </a:rPr>
+                        </m:ctrlPr>
+                      </m:dPr>
+                      <m:e>
+                        <m:r>
+                          <a:rPr lang="en-US" i="1">
+                            <a:latin typeface="Cambria Math" panose="02040503050406030204" pitchFamily="18" charset="0"/>
+                          </a:rPr>
+                          <m:t>𝑛</m:t>
+                        </m:r>
+                      </m:e>
+                    </m:d>
+                    <m:r>
+                      <a:rPr lang="en-US" i="1">
+                        <a:latin typeface="Cambria Math" panose="02040503050406030204" pitchFamily="18" charset="0"/>
+                      </a:rPr>
+                      <m:t>=0.</m:t>
+                    </m:r>
+                  </m:oMath>
+                </a14:m>
+                <a:endParaRPr lang="en-US" i="1" dirty="0">
+                  <a:latin typeface="Cambria Math" panose="02040503050406030204" pitchFamily="18" charset="0"/>
+                </a:endParaRPr>
+              </a:p>
+              <a:p>
+                <a14:m>
+                  <m:oMath xmlns:m="http://schemas.openxmlformats.org/officeDocument/2006/math">
+                    <m:sSub>
+                      <m:sSubPr>
+                        <m:ctrlPr>
+                          <a:rPr lang="en-US" i="1" smtClean="0">
+                            <a:latin typeface="Cambria Math" panose="02040503050406030204" pitchFamily="18" charset="0"/>
+                          </a:rPr>
+                        </m:ctrlPr>
+                      </m:sSubPr>
+                      <m:e>
+                        <m:r>
+                          <a:rPr lang="en-US" b="0" i="1" smtClean="0">
+                            <a:latin typeface="Cambria Math" panose="02040503050406030204" pitchFamily="18" charset="0"/>
+                          </a:rPr>
+                          <m:t>𝑑𝑒𝑓𝑖𝑛𝑒</m:t>
+                        </m:r>
+                        <m:r>
+                          <a:rPr lang="en-US" b="0" i="1" smtClean="0">
+                            <a:latin typeface="Cambria Math" panose="02040503050406030204" pitchFamily="18" charset="0"/>
+                          </a:rPr>
+                          <m:t> </m:t>
+                        </m:r>
+                        <m:r>
+                          <a:rPr lang="en-US" b="0" i="1" smtClean="0">
+                            <a:latin typeface="Cambria Math" panose="02040503050406030204" pitchFamily="18" charset="0"/>
+                          </a:rPr>
+                          <m:t>𝑣</m:t>
+                        </m:r>
+                      </m:e>
+                      <m:sub>
+                        <m:r>
+                          <a:rPr lang="en-US" b="0" i="1" smtClean="0">
+                            <a:latin typeface="Cambria Math" panose="02040503050406030204" pitchFamily="18" charset="0"/>
+                          </a:rPr>
+                          <m:t>𝑛</m:t>
+                        </m:r>
+                      </m:sub>
+                    </m:sSub>
+                    <m:r>
+                      <a:rPr lang="en-US" b="0" i="1" smtClean="0">
+                        <a:latin typeface="Cambria Math" panose="02040503050406030204" pitchFamily="18" charset="0"/>
+                      </a:rPr>
+                      <m:t> </m:t>
+                    </m:r>
+                    <m:r>
+                      <a:rPr lang="en-US" b="0" i="1" smtClean="0">
+                        <a:latin typeface="Cambria Math" panose="02040503050406030204" pitchFamily="18" charset="0"/>
+                      </a:rPr>
+                      <m:t>𝑎𝑠</m:t>
+                    </m:r>
+                    <m:r>
+                      <a:rPr lang="en-US" b="0" i="1" smtClean="0">
+                        <a:latin typeface="Cambria Math" panose="02040503050406030204" pitchFamily="18" charset="0"/>
+                      </a:rPr>
+                      <m:t> </m:t>
+                    </m:r>
+                    <m:r>
+                      <a:rPr lang="en-US" b="0" i="1" smtClean="0">
+                        <a:latin typeface="Cambria Math" panose="02040503050406030204" pitchFamily="18" charset="0"/>
+                      </a:rPr>
+                      <m:t>𝑡h𝑒</m:t>
+                    </m:r>
+                    <m:r>
+                      <a:rPr lang="en-US" b="0" i="1" smtClean="0">
+                        <a:latin typeface="Cambria Math" panose="02040503050406030204" pitchFamily="18" charset="0"/>
+                      </a:rPr>
+                      <m:t> </m:t>
+                    </m:r>
+                    <m:r>
+                      <a:rPr lang="en-US" b="0" i="1" smtClean="0">
+                        <a:latin typeface="Cambria Math" panose="02040503050406030204" pitchFamily="18" charset="0"/>
+                      </a:rPr>
+                      <m:t>𝑤𝑖𝑛𝑑𝑜𝑤</m:t>
+                    </m:r>
+                    <m:r>
+                      <a:rPr lang="en-US" b="0" i="1" smtClean="0">
+                        <a:latin typeface="Cambria Math" panose="02040503050406030204" pitchFamily="18" charset="0"/>
+                      </a:rPr>
+                      <m:t> </m:t>
+                    </m:r>
+                    <m:r>
+                      <a:rPr lang="en-US" b="0" i="1" smtClean="0">
+                        <a:latin typeface="Cambria Math" panose="02040503050406030204" pitchFamily="18" charset="0"/>
+                      </a:rPr>
+                      <m:t>𝑠𝑖𝑧𝑒</m:t>
+                    </m:r>
+                    <m:r>
+                      <a:rPr lang="en-US" b="0" i="1" smtClean="0">
+                        <a:latin typeface="Cambria Math" panose="02040503050406030204" pitchFamily="18" charset="0"/>
+                      </a:rPr>
+                      <m:t> </m:t>
+                    </m:r>
+                    <m:r>
+                      <a:rPr lang="en-US" b="0" i="1" smtClean="0">
+                        <a:latin typeface="Cambria Math" panose="02040503050406030204" pitchFamily="18" charset="0"/>
+                      </a:rPr>
+                      <m:t>𝑒𝑥𝑝𝑒𝑟𝑖𝑒𝑛𝑐𝑒</m:t>
+                    </m:r>
+                    <m:r>
+                      <a:rPr lang="en-US" b="0" i="1" smtClean="0">
+                        <a:latin typeface="Cambria Math" panose="02040503050406030204" pitchFamily="18" charset="0"/>
+                      </a:rPr>
+                      <m:t> </m:t>
+                    </m:r>
+                    <m:r>
+                      <a:rPr lang="en-US" b="0" i="1" smtClean="0">
+                        <a:latin typeface="Cambria Math" panose="02040503050406030204" pitchFamily="18" charset="0"/>
+                      </a:rPr>
+                      <m:t>𝑏𝑦</m:t>
+                    </m:r>
+                    <m:r>
+                      <a:rPr lang="en-US" b="0" i="1" smtClean="0">
+                        <a:latin typeface="Cambria Math" panose="02040503050406030204" pitchFamily="18" charset="0"/>
+                      </a:rPr>
+                      <m:t> </m:t>
+                    </m:r>
+                    <m:r>
+                      <a:rPr lang="en-US" b="0" i="1" smtClean="0">
+                        <a:latin typeface="Cambria Math" panose="02040503050406030204" pitchFamily="18" charset="0"/>
+                      </a:rPr>
+                      <m:t>𝑝𝑎𝑐𝑘𝑒𝑡</m:t>
+                    </m:r>
+                    <m:r>
+                      <a:rPr lang="en-US" b="0" i="1" smtClean="0">
+                        <a:latin typeface="Cambria Math" panose="02040503050406030204" pitchFamily="18" charset="0"/>
+                      </a:rPr>
+                      <m:t> </m:t>
+                    </m:r>
+                    <m:r>
+                      <a:rPr lang="en-US" b="0" i="1" smtClean="0">
+                        <a:latin typeface="Cambria Math" panose="02040503050406030204" pitchFamily="18" charset="0"/>
+                      </a:rPr>
+                      <m:t>𝑛</m:t>
+                    </m:r>
+                    <m:r>
+                      <a:rPr lang="en-US" b="0" i="1" smtClean="0">
+                        <a:latin typeface="Cambria Math" panose="02040503050406030204" pitchFamily="18" charset="0"/>
+                      </a:rPr>
+                      <m:t>+1,  </m:t>
+                    </m:r>
+                    <m:sSub>
+                      <m:sSubPr>
+                        <m:ctrlPr>
+                          <a:rPr lang="en-US" i="1">
+                            <a:latin typeface="Cambria Math" panose="02040503050406030204" pitchFamily="18" charset="0"/>
+                          </a:rPr>
+                        </m:ctrlPr>
+                      </m:sSubPr>
+                      <m:e>
+                        <m:r>
+                          <a:rPr lang="en-US" i="1">
+                            <a:latin typeface="Cambria Math" panose="02040503050406030204" pitchFamily="18" charset="0"/>
+                          </a:rPr>
+                          <m:t>𝑣</m:t>
+                        </m:r>
+                      </m:e>
+                      <m:sub>
+                        <m:r>
+                          <a:rPr lang="en-US" i="1">
+                            <a:latin typeface="Cambria Math" panose="02040503050406030204" pitchFamily="18" charset="0"/>
+                          </a:rPr>
+                          <m:t>𝑛</m:t>
+                        </m:r>
+                      </m:sub>
+                    </m:sSub>
+                    <m:r>
+                      <a:rPr lang="en-US" b="0" i="1" smtClean="0">
+                        <a:latin typeface="Cambria Math" panose="02040503050406030204" pitchFamily="18" charset="0"/>
+                      </a:rPr>
+                      <m:t> </m:t>
+                    </m:r>
+                    <m:r>
+                      <a:rPr lang="en-US" b="0" i="1" smtClean="0">
+                        <a:latin typeface="Cambria Math" panose="02040503050406030204" pitchFamily="18" charset="0"/>
+                      </a:rPr>
+                      <m:t>𝑎𝑛𝑑</m:t>
+                    </m:r>
+                    <m:r>
+                      <a:rPr lang="en-US" b="0" i="1" smtClean="0">
+                        <a:latin typeface="Cambria Math" panose="02040503050406030204" pitchFamily="18" charset="0"/>
+                      </a:rPr>
+                      <m:t> </m:t>
+                    </m:r>
+                    <m:sSub>
+                      <m:sSubPr>
+                        <m:ctrlPr>
+                          <a:rPr lang="en-US" b="0" i="1" smtClean="0">
+                            <a:latin typeface="Cambria Math" panose="02040503050406030204" pitchFamily="18" charset="0"/>
+                          </a:rPr>
+                        </m:ctrlPr>
+                      </m:sSubPr>
+                      <m:e>
+                        <m:r>
+                          <a:rPr lang="en-US" b="0" i="1" smtClean="0">
+                            <a:latin typeface="Cambria Math" panose="02040503050406030204" pitchFamily="18" charset="0"/>
+                          </a:rPr>
+                          <m:t>𝑤</m:t>
+                        </m:r>
+                      </m:e>
+                      <m:sub>
+                        <m:r>
+                          <a:rPr lang="en-US" b="0" i="1" smtClean="0">
+                            <a:latin typeface="Cambria Math" panose="02040503050406030204" pitchFamily="18" charset="0"/>
+                          </a:rPr>
+                          <m:t>𝑛</m:t>
+                        </m:r>
+                      </m:sub>
+                    </m:sSub>
+                    <m:r>
+                      <a:rPr lang="en-US" b="0" i="1" smtClean="0">
+                        <a:latin typeface="Cambria Math" panose="02040503050406030204" pitchFamily="18" charset="0"/>
+                      </a:rPr>
+                      <m:t> </m:t>
+                    </m:r>
+                    <m:r>
+                      <a:rPr lang="en-US" b="0" i="1" smtClean="0">
+                        <a:latin typeface="Cambria Math" panose="02040503050406030204" pitchFamily="18" charset="0"/>
+                      </a:rPr>
+                      <m:t>𝑢𝑠𝑢𝑎𝑙𝑙𝑦</m:t>
+                    </m:r>
+                    <m:r>
+                      <a:rPr lang="en-US" b="0" i="1" smtClean="0">
+                        <a:latin typeface="Cambria Math" panose="02040503050406030204" pitchFamily="18" charset="0"/>
+                      </a:rPr>
+                      <m:t> </m:t>
+                    </m:r>
+                    <m:r>
+                      <a:rPr lang="en-US" b="0" i="1" smtClean="0">
+                        <a:latin typeface="Cambria Math" panose="02040503050406030204" pitchFamily="18" charset="0"/>
+                      </a:rPr>
+                      <m:t>𝑑𝑜</m:t>
+                    </m:r>
+                    <m:r>
+                      <a:rPr lang="en-US" b="0" i="1" smtClean="0">
+                        <a:latin typeface="Cambria Math" panose="02040503050406030204" pitchFamily="18" charset="0"/>
+                      </a:rPr>
+                      <m:t> </m:t>
+                    </m:r>
+                    <m:r>
+                      <a:rPr lang="en-US" b="0" i="1" smtClean="0">
+                        <a:latin typeface="Cambria Math" panose="02040503050406030204" pitchFamily="18" charset="0"/>
+                      </a:rPr>
+                      <m:t>𝑛𝑜𝑡</m:t>
+                    </m:r>
+                    <m:r>
+                      <a:rPr lang="en-US" b="0" i="1" smtClean="0">
+                        <a:latin typeface="Cambria Math" panose="02040503050406030204" pitchFamily="18" charset="0"/>
+                      </a:rPr>
+                      <m:t> </m:t>
+                    </m:r>
+                    <m:r>
+                      <a:rPr lang="en-US" b="0" i="1" smtClean="0">
+                        <a:latin typeface="Cambria Math" panose="02040503050406030204" pitchFamily="18" charset="0"/>
+                      </a:rPr>
+                      <m:t>𝑐𝑜𝑖𝑛𝑐𝑖𝑑𝑒</m:t>
+                    </m:r>
+                  </m:oMath>
+                </a14:m>
+                <a:endParaRPr lang="en-US" i="1" dirty="0">
+                  <a:latin typeface="Cambria Math" panose="02040503050406030204" pitchFamily="18" charset="0"/>
+                </a:endParaRPr>
+              </a:p>
+            </p:txBody>
+          </p:sp>
+        </mc:Choice>
+        <mc:Fallback>
+          <p:sp>
+            <p:nvSpPr>
+              <p:cNvPr id="3" name="Content Placeholder 2">
+                <a:extLst>
+                  <a:ext uri="{FF2B5EF4-FFF2-40B4-BE49-F238E27FC236}">
+                    <a16:creationId xmlns:a16="http://schemas.microsoft.com/office/drawing/2014/main" id="{D27A383E-8C28-F44E-A574-6438987E08B2}"/>
+                  </a:ext>
+                </a:extLst>
+              </p:cNvPr>
+              <p:cNvSpPr>
+                <a:spLocks noGrp="1" noRot="1" noChangeAspect="1" noMove="1" noResize="1" noEditPoints="1" noAdjustHandles="1" noChangeArrowheads="1" noChangeShapeType="1" noTextEdit="1"/>
+              </p:cNvSpPr>
+              <p:nvPr>
+                <p:ph idx="1"/>
+              </p:nvPr>
+            </p:nvSpPr>
+            <p:spPr>
+              <a:xfrm>
+                <a:off x="2231136" y="2226365"/>
+                <a:ext cx="7729728" cy="4422913"/>
+              </a:xfrm>
+              <a:blipFill>
+                <a:blip r:embed="rId2"/>
+                <a:stretch>
+                  <a:fillRect l="-492" t="-573"/>
+                </a:stretch>
+              </a:blipFill>
+            </p:spPr>
+            <p:txBody>
+              <a:bodyPr/>
+              <a:lstStyle/>
+              <a:p>
+                <a:r>
+                  <a:rPr lang="en-US">
+                    <a:noFill/>
+                  </a:rPr>
+                  <a:t> </a:t>
+                </a:r>
+              </a:p>
+            </p:txBody>
+          </p:sp>
+        </mc:Fallback>
+      </mc:AlternateContent>
+    </p:spTree>
+    <p:extLst>
+      <p:ext uri="{BB962C8B-B14F-4D97-AF65-F5344CB8AC3E}">
+        <p14:creationId xmlns:p14="http://schemas.microsoft.com/office/powerpoint/2010/main" val="1804348639"/>
+      </p:ext>
+    </p:extLst>
+  </p:cSld>
+  <p:clrMapOvr>
+    <a:masterClrMapping/>
+  </p:clrMapOvr>
+</p:sld>
+</file>
+
+<file path=ppt/slides/slide9.xml><?xml version="1.0" encoding="utf-8"?>
+<p:sld xmlns:a="http://schemas.openxmlformats.org/drawingml/2006/main" xmlns:r="http://schemas.openxmlformats.org/officeDocument/2006/relationships" xmlns:p="http://schemas.openxmlformats.org/presentationml/2006/main">
+  <p:cSld>
+    <p:spTree>
+      <p:nvGrpSpPr>
+        <p:cNvPr id="1" name=""/>
+        <p:cNvGrpSpPr/>
+        <p:nvPr/>
+      </p:nvGrpSpPr>
+      <p:grpSpPr>
+        <a:xfrm>
+          <a:off x="0" y="0"/>
+          <a:ext cx="0" cy="0"/>
+          <a:chOff x="0" y="0"/>
+          <a:chExt cx="0" cy="0"/>
+        </a:xfrm>
+      </p:grpSpPr>
+      <p:sp>
+        <p:nvSpPr>
+          <p:cNvPr id="2" name="Title 1">
+            <a:extLst>
+              <a:ext uri="{FF2B5EF4-FFF2-40B4-BE49-F238E27FC236}">
+                <a16:creationId xmlns:a16="http://schemas.microsoft.com/office/drawing/2014/main" id="{DD86E05A-6125-8D49-918A-3DA1CDE9D412}"/>
+              </a:ext>
+            </a:extLst>
+          </p:cNvPr>
+          <p:cNvSpPr>
+            <a:spLocks noGrp="1"/>
+          </p:cNvSpPr>
+          <p:nvPr>
+            <p:ph type="title"/>
+          </p:nvPr>
+        </p:nvSpPr>
+        <p:spPr/>
+        <p:txBody>
+          <a:bodyPr/>
+          <a:lstStyle/>
+          <a:p>
+            <a:r>
+              <a:rPr lang="en-US" dirty="0"/>
+              <a:t>Continued</a:t>
+            </a:r>
+          </a:p>
+        </p:txBody>
+      </p:sp>
+      <mc:AlternateContent xmlns:mc="http://schemas.openxmlformats.org/markup-compatibility/2006">
+        <mc:Choice xmlns:a14="http://schemas.microsoft.com/office/drawing/2010/main" Requires="a14">
+          <p:sp>
+            <p:nvSpPr>
+              <p:cNvPr id="3" name="Content Placeholder 2">
+                <a:extLst>
+                  <a:ext uri="{FF2B5EF4-FFF2-40B4-BE49-F238E27FC236}">
+                    <a16:creationId xmlns:a16="http://schemas.microsoft.com/office/drawing/2014/main" id="{B8AEB25F-8A6B-4046-B51B-266B19EA3FE4}"/>
+                  </a:ext>
+                </a:extLst>
+              </p:cNvPr>
+              <p:cNvSpPr>
+                <a:spLocks noGrp="1"/>
+              </p:cNvSpPr>
+              <p:nvPr>
+                <p:ph idx="1"/>
+              </p:nvPr>
+            </p:nvSpPr>
+            <p:spPr>
+              <a:xfrm>
+                <a:off x="2231136" y="2638044"/>
+                <a:ext cx="7729728" cy="4001295"/>
+              </a:xfrm>
+            </p:spPr>
+            <p:txBody>
+              <a:bodyPr>
+                <a:normAutofit fontScale="92500" lnSpcReduction="10000"/>
+              </a:bodyPr>
+              <a:lstStyle/>
+              <a:p>
+                <a14:m>
+                  <m:oMath xmlns:m="http://schemas.openxmlformats.org/officeDocument/2006/math">
+                    <m:sSub>
+                      <m:sSubPr>
+                        <m:ctrlPr>
+                          <a:rPr lang="en-US" i="1" smtClean="0">
+                            <a:latin typeface="Cambria Math" panose="02040503050406030204" pitchFamily="18" charset="0"/>
+                            <a:ea typeface="Cambria Math" panose="02040503050406030204" pitchFamily="18" charset="0"/>
+                          </a:rPr>
+                        </m:ctrlPr>
+                      </m:sSubPr>
+                      <m:e>
+                        <m:r>
+                          <a:rPr lang="en-US" i="1">
+                            <a:latin typeface="Cambria Math" panose="02040503050406030204" pitchFamily="18" charset="0"/>
+                            <a:ea typeface="Cambria Math" panose="02040503050406030204" pitchFamily="18" charset="0"/>
+                          </a:rPr>
+                          <m:t>𝑑</m:t>
+                        </m:r>
+                      </m:e>
+                      <m:sub>
+                        <m:r>
+                          <a:rPr lang="en-US" i="1">
+                            <a:latin typeface="Cambria Math" panose="02040503050406030204" pitchFamily="18" charset="0"/>
+                            <a:ea typeface="Cambria Math" panose="02040503050406030204" pitchFamily="18" charset="0"/>
+                          </a:rPr>
+                          <m:t>𝐾</m:t>
+                        </m:r>
+                        <m:r>
+                          <a:rPr lang="en-US" i="1">
+                            <a:latin typeface="Cambria Math" panose="02040503050406030204" pitchFamily="18" charset="0"/>
+                            <a:ea typeface="Cambria Math" panose="02040503050406030204" pitchFamily="18" charset="0"/>
+                          </a:rPr>
+                          <m:t>,0</m:t>
+                        </m:r>
+                      </m:sub>
+                    </m:sSub>
+                  </m:oMath>
+                </a14:m>
+                <a:r>
+                  <a:rPr lang="en-US" dirty="0"/>
+                  <a:t> represents the transmission delay of ACKs from the destination to the source (Kth router is destination, 0</a:t>
+                </a:r>
+                <a:r>
+                  <a:rPr lang="en-US" baseline="30000" dirty="0"/>
+                  <a:t>th</a:t>
+                </a:r>
+                <a:r>
+                  <a:rPr lang="en-US" dirty="0"/>
+                  <a:t> router is source) </a:t>
+                </a:r>
+              </a:p>
+              <a:p>
+                <a:r>
+                  <a:rPr lang="en-US" dirty="0"/>
+                  <a:t>If the sequence </a:t>
+                </a:r>
+                <a14:m>
+                  <m:oMath xmlns:m="http://schemas.openxmlformats.org/officeDocument/2006/math">
+                    <m:sSub>
+                      <m:sSubPr>
+                        <m:ctrlPr>
+                          <a:rPr lang="en-US" i="1" smtClean="0">
+                            <a:latin typeface="Cambria Math" panose="02040503050406030204" pitchFamily="18" charset="0"/>
+                          </a:rPr>
+                        </m:ctrlPr>
+                      </m:sSubPr>
+                      <m:e>
+                        <m:r>
+                          <a:rPr lang="en-US" b="0" i="1" smtClean="0">
+                            <a:latin typeface="Cambria Math" panose="02040503050406030204" pitchFamily="18" charset="0"/>
+                          </a:rPr>
+                          <m:t>{</m:t>
+                        </m:r>
+                        <m:r>
+                          <a:rPr lang="en-US" b="0" i="1" smtClean="0">
+                            <a:latin typeface="Cambria Math" panose="02040503050406030204" pitchFamily="18" charset="0"/>
+                          </a:rPr>
+                          <m:t>𝑣</m:t>
+                        </m:r>
+                      </m:e>
+                      <m:sub>
+                        <m:r>
+                          <a:rPr lang="en-US" b="0" i="1" smtClean="0">
+                            <a:latin typeface="Cambria Math" panose="02040503050406030204" pitchFamily="18" charset="0"/>
+                          </a:rPr>
+                          <m:t>𝑛</m:t>
+                        </m:r>
+                      </m:sub>
+                    </m:sSub>
+                    <m:r>
+                      <a:rPr lang="en-US" b="0" i="1" smtClean="0">
+                        <a:latin typeface="Cambria Math" panose="02040503050406030204" pitchFamily="18" charset="0"/>
+                      </a:rPr>
+                      <m:t>}</m:t>
+                    </m:r>
+                  </m:oMath>
+                </a14:m>
+                <a:r>
+                  <a:rPr lang="en-US" dirty="0"/>
+                  <a:t>(time experienced by packet n) is known, then the sequence </a:t>
+                </a:r>
+                <a14:m>
+                  <m:oMath xmlns:m="http://schemas.openxmlformats.org/officeDocument/2006/math">
+                    <m:sSub>
+                      <m:sSubPr>
+                        <m:ctrlPr>
+                          <a:rPr lang="en-US" i="1">
+                            <a:latin typeface="Cambria Math" panose="02040503050406030204" pitchFamily="18" charset="0"/>
+                          </a:rPr>
+                        </m:ctrlPr>
+                      </m:sSubPr>
+                      <m:e>
+                        <m:r>
+                          <a:rPr lang="en-US" b="0" i="1" smtClean="0">
+                            <a:latin typeface="Cambria Math" panose="02040503050406030204" pitchFamily="18" charset="0"/>
+                          </a:rPr>
+                          <m:t>{</m:t>
+                        </m:r>
+                        <m:r>
+                          <a:rPr lang="en-US" i="1">
+                            <a:latin typeface="Cambria Math" panose="02040503050406030204" pitchFamily="18" charset="0"/>
+                          </a:rPr>
+                          <m:t>𝑦</m:t>
+                        </m:r>
+                      </m:e>
+                      <m:sub>
+                        <m:r>
+                          <a:rPr lang="en-US" i="1">
+                            <a:latin typeface="Cambria Math" panose="02040503050406030204" pitchFamily="18" charset="0"/>
+                          </a:rPr>
+                          <m:t>𝑖</m:t>
+                        </m:r>
+                      </m:sub>
+                    </m:sSub>
+                    <m:d>
+                      <m:dPr>
+                        <m:ctrlPr>
+                          <a:rPr lang="en-US" i="1">
+                            <a:latin typeface="Cambria Math" panose="02040503050406030204" pitchFamily="18" charset="0"/>
+                          </a:rPr>
+                        </m:ctrlPr>
+                      </m:dPr>
+                      <m:e>
+                        <m:r>
+                          <a:rPr lang="en-US" i="1">
+                            <a:latin typeface="Cambria Math" panose="02040503050406030204" pitchFamily="18" charset="0"/>
+                          </a:rPr>
+                          <m:t>𝑛</m:t>
+                        </m:r>
+                      </m:e>
+                    </m:d>
+                    <m:r>
+                      <a:rPr lang="en-US" b="0" i="1" smtClean="0">
+                        <a:latin typeface="Cambria Math" panose="02040503050406030204" pitchFamily="18" charset="0"/>
+                      </a:rPr>
+                      <m:t>}</m:t>
+                    </m:r>
+                  </m:oMath>
+                </a14:m>
+                <a:r>
+                  <a:rPr lang="en-US" dirty="0"/>
+                  <a:t>(time packet n leaves router </a:t>
+                </a:r>
+                <a:r>
+                  <a:rPr lang="en-US" dirty="0" err="1"/>
+                  <a:t>i</a:t>
+                </a:r>
+                <a:r>
+                  <a:rPr lang="en-US" dirty="0"/>
+                  <a:t>) satisfies the following conditions (reminder </a:t>
+                </a:r>
+                <a14:m>
+                  <m:oMath xmlns:m="http://schemas.openxmlformats.org/officeDocument/2006/math">
+                    <m:r>
+                      <a:rPr lang="en-US" i="1">
+                        <a:latin typeface="Cambria Math" panose="02040503050406030204" pitchFamily="18" charset="0"/>
+                        <a:ea typeface="Cambria Math" panose="02040503050406030204" pitchFamily="18" charset="0"/>
+                      </a:rPr>
+                      <m:t>⊗</m:t>
+                    </m:r>
+                  </m:oMath>
+                </a14:m>
+                <a:r>
+                  <a:rPr lang="en-US" dirty="0"/>
+                  <a:t> is plus) :</a:t>
+                </a:r>
+              </a:p>
+              <a:p>
+                <a:pPr lvl="1"/>
+                <a14:m>
+                  <m:oMath xmlns:m="http://schemas.openxmlformats.org/officeDocument/2006/math">
+                    <m:sSub>
+                      <m:sSubPr>
+                        <m:ctrlPr>
+                          <a:rPr lang="en-US" i="1" smtClean="0">
+                            <a:latin typeface="Cambria Math" panose="02040503050406030204" pitchFamily="18" charset="0"/>
+                          </a:rPr>
+                        </m:ctrlPr>
+                      </m:sSubPr>
+                      <m:e>
+                        <m:r>
+                          <a:rPr lang="en-US" b="0" i="1" smtClean="0">
+                            <a:latin typeface="Cambria Math" panose="02040503050406030204" pitchFamily="18" charset="0"/>
+                          </a:rPr>
+                          <m:t>𝑦</m:t>
+                        </m:r>
+                      </m:e>
+                      <m:sub>
+                        <m:r>
+                          <a:rPr lang="en-US" b="0" i="1" smtClean="0">
+                            <a:latin typeface="Cambria Math" panose="02040503050406030204" pitchFamily="18" charset="0"/>
+                          </a:rPr>
+                          <m:t>0</m:t>
+                        </m:r>
+                      </m:sub>
+                    </m:sSub>
+                    <m:d>
+                      <m:dPr>
+                        <m:ctrlPr>
+                          <a:rPr lang="en-US" b="0" i="1" smtClean="0">
+                            <a:latin typeface="Cambria Math" panose="02040503050406030204" pitchFamily="18" charset="0"/>
+                          </a:rPr>
+                        </m:ctrlPr>
+                      </m:dPr>
+                      <m:e>
+                        <m:r>
+                          <a:rPr lang="en-US" b="0" i="1" smtClean="0">
+                            <a:latin typeface="Cambria Math" panose="02040503050406030204" pitchFamily="18" charset="0"/>
+                          </a:rPr>
+                          <m:t>𝑛</m:t>
+                        </m:r>
+                      </m:e>
+                    </m:d>
+                    <m:r>
+                      <a:rPr lang="en-US" b="0" i="1" smtClean="0">
+                        <a:latin typeface="Cambria Math" panose="02040503050406030204" pitchFamily="18" charset="0"/>
+                      </a:rPr>
+                      <m:t>=</m:t>
+                    </m:r>
+                    <m:sSub>
+                      <m:sSubPr>
+                        <m:ctrlPr>
+                          <a:rPr lang="en-US" i="1">
+                            <a:latin typeface="Cambria Math" panose="02040503050406030204" pitchFamily="18" charset="0"/>
+                          </a:rPr>
+                        </m:ctrlPr>
+                      </m:sSubPr>
+                      <m:e>
+                        <m:r>
+                          <a:rPr lang="en-US" i="1">
+                            <a:latin typeface="Cambria Math" panose="02040503050406030204" pitchFamily="18" charset="0"/>
+                          </a:rPr>
+                          <m:t>𝑦</m:t>
+                        </m:r>
+                      </m:e>
+                      <m:sub>
+                        <m:r>
+                          <a:rPr lang="en-US" b="0" i="1" smtClean="0">
+                            <a:latin typeface="Cambria Math" panose="02040503050406030204" pitchFamily="18" charset="0"/>
+                          </a:rPr>
+                          <m:t>𝐾</m:t>
+                        </m:r>
+                      </m:sub>
+                    </m:sSub>
+                    <m:r>
+                      <a:rPr lang="en-US" b="0" i="1" smtClean="0">
+                        <a:latin typeface="Cambria Math" panose="02040503050406030204" pitchFamily="18" charset="0"/>
+                      </a:rPr>
+                      <m:t>(</m:t>
+                    </m:r>
+                    <m:r>
+                      <a:rPr lang="en-US" b="0" i="1" smtClean="0">
+                        <a:latin typeface="Cambria Math" panose="02040503050406030204" pitchFamily="18" charset="0"/>
+                      </a:rPr>
+                      <m:t>𝑛</m:t>
+                    </m:r>
+                    <m:r>
+                      <a:rPr lang="en-US" b="0" i="1" smtClean="0">
+                        <a:latin typeface="Cambria Math" panose="02040503050406030204" pitchFamily="18" charset="0"/>
+                      </a:rPr>
+                      <m:t>−</m:t>
+                    </m:r>
+                    <m:sSub>
+                      <m:sSubPr>
+                        <m:ctrlPr>
+                          <a:rPr lang="en-US" b="0" i="1" smtClean="0">
+                            <a:latin typeface="Cambria Math" panose="02040503050406030204" pitchFamily="18" charset="0"/>
+                          </a:rPr>
+                        </m:ctrlPr>
+                      </m:sSubPr>
+                      <m:e>
+                        <m:r>
+                          <a:rPr lang="en-US" b="0" i="1" smtClean="0">
+                            <a:latin typeface="Cambria Math" panose="02040503050406030204" pitchFamily="18" charset="0"/>
+                          </a:rPr>
+                          <m:t>𝑣</m:t>
+                        </m:r>
+                      </m:e>
+                      <m:sub>
+                        <m:r>
+                          <a:rPr lang="en-US" b="0" i="1" smtClean="0">
+                            <a:latin typeface="Cambria Math" panose="02040503050406030204" pitchFamily="18" charset="0"/>
+                          </a:rPr>
+                          <m:t>𝑛</m:t>
+                        </m:r>
+                        <m:r>
+                          <a:rPr lang="en-US" b="0" i="1" smtClean="0">
+                            <a:latin typeface="Cambria Math" panose="02040503050406030204" pitchFamily="18" charset="0"/>
+                          </a:rPr>
+                          <m:t>−1</m:t>
+                        </m:r>
+                      </m:sub>
+                    </m:sSub>
+                    <m:r>
+                      <a:rPr lang="en-US" b="0" i="1" smtClean="0">
+                        <a:latin typeface="Cambria Math" panose="02040503050406030204" pitchFamily="18" charset="0"/>
+                      </a:rPr>
+                      <m:t>)</m:t>
+                    </m:r>
+                    <m:r>
+                      <a:rPr lang="en-US" b="0" i="1" smtClean="0">
+                        <a:latin typeface="Cambria Math" panose="02040503050406030204" pitchFamily="18" charset="0"/>
+                        <a:ea typeface="Cambria Math" panose="02040503050406030204" pitchFamily="18" charset="0"/>
+                      </a:rPr>
+                      <m:t>⊗</m:t>
+                    </m:r>
+                    <m:sSub>
+                      <m:sSubPr>
+                        <m:ctrlPr>
+                          <a:rPr lang="en-US" b="0" i="1" smtClean="0">
+                            <a:latin typeface="Cambria Math" panose="02040503050406030204" pitchFamily="18" charset="0"/>
+                            <a:ea typeface="Cambria Math" panose="02040503050406030204" pitchFamily="18" charset="0"/>
+                          </a:rPr>
+                        </m:ctrlPr>
+                      </m:sSubPr>
+                      <m:e>
+                        <m:r>
+                          <a:rPr lang="en-US" b="0" i="1" smtClean="0">
+                            <a:latin typeface="Cambria Math" panose="02040503050406030204" pitchFamily="18" charset="0"/>
+                            <a:ea typeface="Cambria Math" panose="02040503050406030204" pitchFamily="18" charset="0"/>
+                          </a:rPr>
+                          <m:t>𝑑</m:t>
+                        </m:r>
+                      </m:e>
+                      <m:sub>
+                        <m:r>
+                          <a:rPr lang="en-US" b="0" i="1" smtClean="0">
+                            <a:latin typeface="Cambria Math" panose="02040503050406030204" pitchFamily="18" charset="0"/>
+                            <a:ea typeface="Cambria Math" panose="02040503050406030204" pitchFamily="18" charset="0"/>
+                          </a:rPr>
+                          <m:t>𝐾</m:t>
+                        </m:r>
+                        <m:r>
+                          <a:rPr lang="en-US" b="0" i="1" smtClean="0">
+                            <a:latin typeface="Cambria Math" panose="02040503050406030204" pitchFamily="18" charset="0"/>
+                            <a:ea typeface="Cambria Math" panose="02040503050406030204" pitchFamily="18" charset="0"/>
+                          </a:rPr>
+                          <m:t>,0</m:t>
+                        </m:r>
+                      </m:sub>
+                    </m:sSub>
+                  </m:oMath>
+                </a14:m>
+                <a:endParaRPr lang="en-US" dirty="0"/>
+              </a:p>
+              <a:p>
+                <a:pPr lvl="1"/>
+                <a14:m>
+                  <m:oMath xmlns:m="http://schemas.openxmlformats.org/officeDocument/2006/math">
+                    <m:sSub>
+                      <m:sSubPr>
+                        <m:ctrlPr>
+                          <a:rPr lang="en-US" i="1">
+                            <a:latin typeface="Cambria Math" panose="02040503050406030204" pitchFamily="18" charset="0"/>
+                          </a:rPr>
+                        </m:ctrlPr>
+                      </m:sSubPr>
+                      <m:e>
+                        <m:r>
+                          <a:rPr lang="en-US" i="1">
+                            <a:latin typeface="Cambria Math" panose="02040503050406030204" pitchFamily="18" charset="0"/>
+                          </a:rPr>
+                          <m:t>𝑦</m:t>
+                        </m:r>
+                      </m:e>
+                      <m:sub>
+                        <m:r>
+                          <a:rPr lang="en-US" b="0" i="1" smtClean="0">
+                            <a:latin typeface="Cambria Math" panose="02040503050406030204" pitchFamily="18" charset="0"/>
+                          </a:rPr>
+                          <m:t>𝑖</m:t>
+                        </m:r>
+                      </m:sub>
+                    </m:sSub>
+                    <m:d>
+                      <m:dPr>
+                        <m:ctrlPr>
+                          <a:rPr lang="en-US" i="1">
+                            <a:latin typeface="Cambria Math" panose="02040503050406030204" pitchFamily="18" charset="0"/>
+                          </a:rPr>
+                        </m:ctrlPr>
+                      </m:dPr>
+                      <m:e>
+                        <m:r>
+                          <a:rPr lang="en-US" i="1">
+                            <a:latin typeface="Cambria Math" panose="02040503050406030204" pitchFamily="18" charset="0"/>
+                          </a:rPr>
+                          <m:t>𝑛</m:t>
+                        </m:r>
+                      </m:e>
+                    </m:d>
+                    <m:r>
+                      <a:rPr lang="en-US" i="1">
+                        <a:latin typeface="Cambria Math" panose="02040503050406030204" pitchFamily="18" charset="0"/>
+                      </a:rPr>
+                      <m:t>=</m:t>
+                    </m:r>
+                    <m:r>
+                      <a:rPr lang="en-US" b="0" i="1" smtClean="0">
+                        <a:latin typeface="Cambria Math" panose="02040503050406030204" pitchFamily="18" charset="0"/>
+                      </a:rPr>
+                      <m:t>[(</m:t>
+                    </m:r>
+                    <m:sSub>
+                      <m:sSubPr>
+                        <m:ctrlPr>
+                          <a:rPr lang="en-US" i="1" smtClean="0">
+                            <a:latin typeface="Cambria Math" panose="02040503050406030204" pitchFamily="18" charset="0"/>
+                          </a:rPr>
+                        </m:ctrlPr>
+                      </m:sSubPr>
+                      <m:e>
+                        <m:r>
+                          <a:rPr lang="en-US" b="0" i="1" smtClean="0">
+                            <a:latin typeface="Cambria Math" panose="02040503050406030204" pitchFamily="18" charset="0"/>
+                          </a:rPr>
+                          <m:t>𝑦</m:t>
+                        </m:r>
+                      </m:e>
+                      <m:sub>
+                        <m:r>
+                          <a:rPr lang="en-US" b="0" i="1" smtClean="0">
+                            <a:latin typeface="Cambria Math" panose="02040503050406030204" pitchFamily="18" charset="0"/>
+                          </a:rPr>
+                          <m:t>𝑖</m:t>
+                        </m:r>
+                        <m:r>
+                          <a:rPr lang="en-US" b="0" i="1" smtClean="0">
+                            <a:latin typeface="Cambria Math" panose="02040503050406030204" pitchFamily="18" charset="0"/>
+                          </a:rPr>
+                          <m:t>−1</m:t>
+                        </m:r>
+                      </m:sub>
+                    </m:sSub>
+                    <m:r>
+                      <a:rPr lang="en-US" b="0" i="1" smtClean="0">
+                        <a:latin typeface="Cambria Math" panose="02040503050406030204" pitchFamily="18" charset="0"/>
+                      </a:rPr>
+                      <m:t>(</m:t>
+                    </m:r>
+                    <m:r>
+                      <a:rPr lang="en-US" b="0" i="1" smtClean="0">
+                        <a:latin typeface="Cambria Math" panose="02040503050406030204" pitchFamily="18" charset="0"/>
+                      </a:rPr>
+                      <m:t>𝑛</m:t>
+                    </m:r>
+                    <m:r>
+                      <a:rPr lang="en-US" b="0" i="1" smtClean="0">
+                        <a:latin typeface="Cambria Math" panose="02040503050406030204" pitchFamily="18" charset="0"/>
+                      </a:rPr>
+                      <m:t>)⊗</m:t>
+                    </m:r>
+                  </m:oMath>
+                </a14:m>
+                <a:r>
+                  <a:rPr lang="en-US" dirty="0">
+                    <a:ea typeface="Cambria Math" panose="02040503050406030204" pitchFamily="18" charset="0"/>
+                  </a:rPr>
+                  <a:t> </a:t>
+                </a:r>
+                <a14:m>
+                  <m:oMath xmlns:m="http://schemas.openxmlformats.org/officeDocument/2006/math">
+                    <m:sSub>
+                      <m:sSubPr>
+                        <m:ctrlPr>
+                          <a:rPr lang="en-US" i="1">
+                            <a:latin typeface="Cambria Math" panose="02040503050406030204" pitchFamily="18" charset="0"/>
+                            <a:ea typeface="Cambria Math" panose="02040503050406030204" pitchFamily="18" charset="0"/>
+                          </a:rPr>
+                        </m:ctrlPr>
+                      </m:sSubPr>
+                      <m:e>
+                        <m:r>
+                          <a:rPr lang="en-US" i="1">
+                            <a:latin typeface="Cambria Math" panose="02040503050406030204" pitchFamily="18" charset="0"/>
+                            <a:ea typeface="Cambria Math" panose="02040503050406030204" pitchFamily="18" charset="0"/>
+                          </a:rPr>
+                          <m:t>𝑑</m:t>
+                        </m:r>
+                      </m:e>
+                      <m:sub>
+                        <m:r>
+                          <a:rPr lang="en-US" b="0" i="1" smtClean="0">
+                            <a:latin typeface="Cambria Math" panose="02040503050406030204" pitchFamily="18" charset="0"/>
+                            <a:ea typeface="Cambria Math" panose="02040503050406030204" pitchFamily="18" charset="0"/>
+                          </a:rPr>
+                          <m:t>𝑖</m:t>
+                        </m:r>
+                        <m:r>
+                          <a:rPr lang="en-US" b="0" i="1" smtClean="0">
+                            <a:latin typeface="Cambria Math" panose="02040503050406030204" pitchFamily="18" charset="0"/>
+                            <a:ea typeface="Cambria Math" panose="02040503050406030204" pitchFamily="18" charset="0"/>
+                          </a:rPr>
+                          <m:t>−1,</m:t>
+                        </m:r>
+                        <m:r>
+                          <a:rPr lang="en-US" b="0" i="1" smtClean="0">
+                            <a:latin typeface="Cambria Math" panose="02040503050406030204" pitchFamily="18" charset="0"/>
+                            <a:ea typeface="Cambria Math" panose="02040503050406030204" pitchFamily="18" charset="0"/>
+                          </a:rPr>
+                          <m:t>𝑖</m:t>
+                        </m:r>
+                      </m:sub>
+                    </m:sSub>
+                    <m:r>
+                      <a:rPr lang="en-US" b="0" i="1" smtClean="0">
+                        <a:latin typeface="Cambria Math" panose="02040503050406030204" pitchFamily="18" charset="0"/>
+                        <a:ea typeface="Cambria Math" panose="02040503050406030204" pitchFamily="18" charset="0"/>
+                      </a:rPr>
+                      <m:t>)</m:t>
+                    </m:r>
+                  </m:oMath>
+                </a14:m>
+                <a:r>
+                  <a:rPr lang="en-US" dirty="0">
+                    <a:ea typeface="Cambria Math" panose="02040503050406030204" pitchFamily="18" charset="0"/>
+                  </a:rPr>
+                  <a:t> </a:t>
+                </a:r>
+                <a14:m>
+                  <m:oMath xmlns:m="http://schemas.openxmlformats.org/officeDocument/2006/math">
+                    <m:r>
+                      <a:rPr lang="en-US" i="1" dirty="0" smtClean="0">
+                        <a:latin typeface="Cambria Math" panose="02040503050406030204" pitchFamily="18" charset="0"/>
+                        <a:ea typeface="Cambria Math" panose="02040503050406030204" pitchFamily="18" charset="0"/>
+                      </a:rPr>
+                      <m:t>⊕</m:t>
+                    </m:r>
+                  </m:oMath>
+                </a14:m>
+                <a:r>
+                  <a:rPr lang="en-US" dirty="0"/>
+                  <a:t> (</a:t>
+                </a:r>
+                <a14:m>
+                  <m:oMath xmlns:m="http://schemas.openxmlformats.org/officeDocument/2006/math">
+                    <m:sSub>
+                      <m:sSubPr>
+                        <m:ctrlPr>
+                          <a:rPr lang="en-US" i="1">
+                            <a:latin typeface="Cambria Math" panose="02040503050406030204" pitchFamily="18" charset="0"/>
+                          </a:rPr>
+                        </m:ctrlPr>
+                      </m:sSubPr>
+                      <m:e>
+                        <m:r>
+                          <a:rPr lang="en-US" i="1">
+                            <a:latin typeface="Cambria Math" panose="02040503050406030204" pitchFamily="18" charset="0"/>
+                          </a:rPr>
+                          <m:t>𝑦</m:t>
+                        </m:r>
+                      </m:e>
+                      <m:sub>
+                        <m:r>
+                          <a:rPr lang="en-US" i="1">
+                            <a:latin typeface="Cambria Math" panose="02040503050406030204" pitchFamily="18" charset="0"/>
+                          </a:rPr>
+                          <m:t>𝑖</m:t>
+                        </m:r>
+                      </m:sub>
+                    </m:sSub>
+                    <m:r>
+                      <a:rPr lang="en-US" b="0" i="1" smtClean="0">
+                        <a:latin typeface="Cambria Math" panose="02040503050406030204" pitchFamily="18" charset="0"/>
+                      </a:rPr>
+                      <m:t>(</m:t>
+                    </m:r>
+                    <m:r>
+                      <a:rPr lang="en-US" b="0" i="1" smtClean="0">
+                        <a:latin typeface="Cambria Math" panose="02040503050406030204" pitchFamily="18" charset="0"/>
+                      </a:rPr>
+                      <m:t>𝑛</m:t>
+                    </m:r>
+                    <m:r>
+                      <a:rPr lang="en-US" b="0" i="1" smtClean="0">
+                        <a:latin typeface="Cambria Math" panose="02040503050406030204" pitchFamily="18" charset="0"/>
+                      </a:rPr>
+                      <m:t>−1))]</m:t>
+                    </m:r>
+                  </m:oMath>
+                </a14:m>
+                <a:r>
+                  <a:rPr lang="en-US" dirty="0">
+                    <a:ea typeface="Cambria Math" panose="02040503050406030204" pitchFamily="18" charset="0"/>
+                  </a:rPr>
+                  <a:t> </a:t>
+                </a:r>
+                <a14:m>
+                  <m:oMath xmlns:m="http://schemas.openxmlformats.org/officeDocument/2006/math">
+                    <m:r>
+                      <a:rPr lang="en-US" i="1">
+                        <a:latin typeface="Cambria Math" panose="02040503050406030204" pitchFamily="18" charset="0"/>
+                        <a:ea typeface="Cambria Math" panose="02040503050406030204" pitchFamily="18" charset="0"/>
+                      </a:rPr>
+                      <m:t>⊗</m:t>
+                    </m:r>
+                  </m:oMath>
+                </a14:m>
+                <a:r>
+                  <a:rPr lang="en-US" dirty="0"/>
+                  <a:t> </a:t>
+                </a:r>
+                <a14:m>
+                  <m:oMath xmlns:m="http://schemas.openxmlformats.org/officeDocument/2006/math">
+                    <m:sSub>
+                      <m:sSubPr>
+                        <m:ctrlPr>
+                          <a:rPr lang="en-US" i="1">
+                            <a:latin typeface="Cambria Math" panose="02040503050406030204" pitchFamily="18" charset="0"/>
+                          </a:rPr>
+                        </m:ctrlPr>
+                      </m:sSubPr>
+                      <m:e>
+                        <m:r>
+                          <a:rPr lang="en-US" i="1">
+                            <a:latin typeface="Cambria Math" panose="02040503050406030204" pitchFamily="18" charset="0"/>
+                          </a:rPr>
+                          <m:t>𝜎</m:t>
+                        </m:r>
+                      </m:e>
+                      <m:sub>
+                        <m:r>
+                          <a:rPr lang="en-US" i="1">
+                            <a:latin typeface="Cambria Math" panose="02040503050406030204" pitchFamily="18" charset="0"/>
+                          </a:rPr>
+                          <m:t>𝑖</m:t>
+                        </m:r>
+                      </m:sub>
+                    </m:sSub>
+                    <m:d>
+                      <m:dPr>
+                        <m:ctrlPr>
+                          <a:rPr lang="en-US" i="1">
+                            <a:latin typeface="Cambria Math" panose="02040503050406030204" pitchFamily="18" charset="0"/>
+                          </a:rPr>
+                        </m:ctrlPr>
+                      </m:dPr>
+                      <m:e>
+                        <m:r>
+                          <a:rPr lang="en-US" i="1">
+                            <a:latin typeface="Cambria Math" panose="02040503050406030204" pitchFamily="18" charset="0"/>
+                          </a:rPr>
+                          <m:t>𝑛</m:t>
+                        </m:r>
+                      </m:e>
+                    </m:d>
+                  </m:oMath>
+                </a14:m>
+                <a:r>
+                  <a:rPr lang="en-US" dirty="0"/>
+                  <a:t> // </a:t>
+                </a:r>
+                <a14:m>
+                  <m:oMath xmlns:m="http://schemas.openxmlformats.org/officeDocument/2006/math">
+                    <m:sSub>
+                      <m:sSubPr>
+                        <m:ctrlPr>
+                          <a:rPr lang="en-US" i="1">
+                            <a:latin typeface="Cambria Math" panose="02040503050406030204" pitchFamily="18" charset="0"/>
+                            <a:ea typeface="Cambria Math" panose="02040503050406030204" pitchFamily="18" charset="0"/>
+                          </a:rPr>
+                        </m:ctrlPr>
+                      </m:sSubPr>
+                      <m:e>
+                        <m:r>
+                          <a:rPr lang="en-US" i="1">
+                            <a:latin typeface="Cambria Math" panose="02040503050406030204" pitchFamily="18" charset="0"/>
+                            <a:ea typeface="Cambria Math" panose="02040503050406030204" pitchFamily="18" charset="0"/>
+                          </a:rPr>
+                          <m:t>𝑑</m:t>
+                        </m:r>
+                      </m:e>
+                      <m:sub>
+                        <m:r>
+                          <a:rPr lang="en-US" i="1">
+                            <a:latin typeface="Cambria Math" panose="02040503050406030204" pitchFamily="18" charset="0"/>
+                            <a:ea typeface="Cambria Math" panose="02040503050406030204" pitchFamily="18" charset="0"/>
+                          </a:rPr>
+                          <m:t>𝑖</m:t>
+                        </m:r>
+                        <m:r>
+                          <a:rPr lang="en-US" i="1">
+                            <a:latin typeface="Cambria Math" panose="02040503050406030204" pitchFamily="18" charset="0"/>
+                            <a:ea typeface="Cambria Math" panose="02040503050406030204" pitchFamily="18" charset="0"/>
+                          </a:rPr>
+                          <m:t>−1,</m:t>
+                        </m:r>
+                        <m:r>
+                          <a:rPr lang="en-US" i="1">
+                            <a:latin typeface="Cambria Math" panose="02040503050406030204" pitchFamily="18" charset="0"/>
+                            <a:ea typeface="Cambria Math" panose="02040503050406030204" pitchFamily="18" charset="0"/>
+                          </a:rPr>
+                          <m:t>𝑖</m:t>
+                        </m:r>
+                      </m:sub>
+                    </m:sSub>
+                  </m:oMath>
+                </a14:m>
+                <a:r>
+                  <a:rPr lang="en-US" dirty="0"/>
+                  <a:t> is not the same as the ACK</a:t>
+                </a:r>
+              </a:p>
+              <a:p>
+                <a:r>
+                  <a:rPr lang="en-US" dirty="0"/>
+                  <a:t>Takeaways:</a:t>
+                </a:r>
+              </a:p>
+              <a:p>
+                <a:pPr lvl="1"/>
+                <a14:m>
+                  <m:oMath xmlns:m="http://schemas.openxmlformats.org/officeDocument/2006/math">
+                    <m:sSub>
+                      <m:sSubPr>
+                        <m:ctrlPr>
+                          <a:rPr lang="en-US" i="1">
+                            <a:latin typeface="Cambria Math" panose="02040503050406030204" pitchFamily="18" charset="0"/>
+                          </a:rPr>
+                        </m:ctrlPr>
+                      </m:sSubPr>
+                      <m:e>
+                        <m:r>
+                          <a:rPr lang="en-US" i="1">
+                            <a:latin typeface="Cambria Math" panose="02040503050406030204" pitchFamily="18" charset="0"/>
+                          </a:rPr>
+                          <m:t>𝑥</m:t>
+                        </m:r>
+                      </m:e>
+                      <m:sub>
+                        <m:r>
+                          <a:rPr lang="en-US" i="1">
+                            <a:latin typeface="Cambria Math" panose="02040503050406030204" pitchFamily="18" charset="0"/>
+                          </a:rPr>
+                          <m:t>𝑖</m:t>
+                        </m:r>
+                      </m:sub>
+                    </m:sSub>
+                    <m:d>
+                      <m:dPr>
+                        <m:ctrlPr>
+                          <a:rPr lang="en-US" i="1">
+                            <a:latin typeface="Cambria Math" panose="02040503050406030204" pitchFamily="18" charset="0"/>
+                          </a:rPr>
+                        </m:ctrlPr>
+                      </m:dPr>
+                      <m:e>
+                        <m:r>
+                          <a:rPr lang="en-US" i="1">
+                            <a:latin typeface="Cambria Math" panose="02040503050406030204" pitchFamily="18" charset="0"/>
+                          </a:rPr>
+                          <m:t>𝑛</m:t>
+                        </m:r>
+                      </m:e>
+                    </m:d>
+                    <m:d>
+                      <m:dPr>
+                        <m:ctrlPr>
+                          <a:rPr lang="en-US" b="0" i="1" smtClean="0">
+                            <a:latin typeface="Cambria Math" panose="02040503050406030204" pitchFamily="18" charset="0"/>
+                          </a:rPr>
+                        </m:ctrlPr>
+                      </m:dPr>
+                      <m:e>
+                        <m:r>
+                          <a:rPr lang="en-US" b="0" i="1" smtClean="0">
+                            <a:latin typeface="Cambria Math" panose="02040503050406030204" pitchFamily="18" charset="0"/>
+                          </a:rPr>
+                          <m:t>𝑡𝑖𝑚𝑒</m:t>
+                        </m:r>
+                        <m:r>
+                          <a:rPr lang="en-US" b="0" i="1" smtClean="0">
+                            <a:latin typeface="Cambria Math" panose="02040503050406030204" pitchFamily="18" charset="0"/>
+                          </a:rPr>
+                          <m:t> </m:t>
+                        </m:r>
+                        <m:r>
+                          <a:rPr lang="en-US" b="0" i="1" smtClean="0">
+                            <a:latin typeface="Cambria Math" panose="02040503050406030204" pitchFamily="18" charset="0"/>
+                          </a:rPr>
+                          <m:t>𝑎𝑡</m:t>
+                        </m:r>
+                        <m:r>
+                          <a:rPr lang="en-US" b="0" i="1" smtClean="0">
+                            <a:latin typeface="Cambria Math" panose="02040503050406030204" pitchFamily="18" charset="0"/>
+                          </a:rPr>
+                          <m:t> </m:t>
+                        </m:r>
+                        <m:r>
+                          <a:rPr lang="en-US" b="0" i="1" smtClean="0">
+                            <a:latin typeface="Cambria Math" panose="02040503050406030204" pitchFamily="18" charset="0"/>
+                          </a:rPr>
+                          <m:t>𝑤h𝑖𝑐h</m:t>
+                        </m:r>
+                        <m:r>
+                          <a:rPr lang="en-US" b="0" i="1" smtClean="0">
+                            <a:latin typeface="Cambria Math" panose="02040503050406030204" pitchFamily="18" charset="0"/>
+                          </a:rPr>
+                          <m:t> </m:t>
+                        </m:r>
+                        <m:r>
+                          <a:rPr lang="en-US" b="0" i="1" smtClean="0">
+                            <a:latin typeface="Cambria Math" panose="02040503050406030204" pitchFamily="18" charset="0"/>
+                          </a:rPr>
+                          <m:t>𝑝𝑎𝑐𝑘𝑒𝑡</m:t>
+                        </m:r>
+                        <m:r>
+                          <a:rPr lang="en-US" b="0" i="1" smtClean="0">
+                            <a:latin typeface="Cambria Math" panose="02040503050406030204" pitchFamily="18" charset="0"/>
+                          </a:rPr>
+                          <m:t> </m:t>
+                        </m:r>
+                        <m:r>
+                          <a:rPr lang="en-US" b="0" i="1" smtClean="0">
+                            <a:latin typeface="Cambria Math" panose="02040503050406030204" pitchFamily="18" charset="0"/>
+                          </a:rPr>
+                          <m:t>𝑛</m:t>
+                        </m:r>
+                        <m:r>
+                          <a:rPr lang="en-US" b="0" i="1" smtClean="0">
+                            <a:latin typeface="Cambria Math" panose="02040503050406030204" pitchFamily="18" charset="0"/>
+                          </a:rPr>
+                          <m:t> </m:t>
+                        </m:r>
+                        <m:r>
+                          <a:rPr lang="en-US" b="0" i="1" smtClean="0">
+                            <a:latin typeface="Cambria Math" panose="02040503050406030204" pitchFamily="18" charset="0"/>
+                          </a:rPr>
+                          <m:t>𝑠𝑡𝑎𝑟𝑡</m:t>
+                        </m:r>
+                        <m:r>
+                          <a:rPr lang="en-US" b="0" i="1" smtClean="0">
+                            <a:latin typeface="Cambria Math" panose="02040503050406030204" pitchFamily="18" charset="0"/>
+                          </a:rPr>
+                          <m:t> </m:t>
+                        </m:r>
+                        <m:r>
+                          <a:rPr lang="en-US" b="0" i="1" smtClean="0">
+                            <a:latin typeface="Cambria Math" panose="02040503050406030204" pitchFamily="18" charset="0"/>
+                          </a:rPr>
+                          <m:t>𝑠𝑒𝑟𝑣𝑖𝑐𝑒</m:t>
+                        </m:r>
+                        <m:r>
+                          <a:rPr lang="en-US" b="0" i="1" smtClean="0">
+                            <a:latin typeface="Cambria Math" panose="02040503050406030204" pitchFamily="18" charset="0"/>
+                          </a:rPr>
+                          <m:t> </m:t>
+                        </m:r>
+                        <m:r>
+                          <a:rPr lang="en-US" b="0" i="1" smtClean="0">
+                            <a:latin typeface="Cambria Math" panose="02040503050406030204" pitchFamily="18" charset="0"/>
+                          </a:rPr>
+                          <m:t>𝑡𝑖𝑚𝑒</m:t>
+                        </m:r>
+                        <m:r>
+                          <a:rPr lang="en-US" b="0" i="1" smtClean="0">
+                            <a:latin typeface="Cambria Math" panose="02040503050406030204" pitchFamily="18" charset="0"/>
+                          </a:rPr>
+                          <m:t> </m:t>
+                        </m:r>
+                        <m:r>
+                          <a:rPr lang="en-US" b="0" i="1" smtClean="0">
+                            <a:latin typeface="Cambria Math" panose="02040503050406030204" pitchFamily="18" charset="0"/>
+                          </a:rPr>
+                          <m:t>𝑜𝑛</m:t>
+                        </m:r>
+                        <m:r>
+                          <a:rPr lang="en-US" b="0" i="1" smtClean="0">
+                            <a:latin typeface="Cambria Math" panose="02040503050406030204" pitchFamily="18" charset="0"/>
+                          </a:rPr>
+                          <m:t> </m:t>
+                        </m:r>
+                        <m:r>
+                          <a:rPr lang="en-US" b="0" i="1" smtClean="0">
+                            <a:latin typeface="Cambria Math" panose="02040503050406030204" pitchFamily="18" charset="0"/>
+                          </a:rPr>
+                          <m:t>𝑟𝑜𝑢𝑡𝑒𝑟</m:t>
+                        </m:r>
+                        <m:r>
+                          <a:rPr lang="en-US" b="0" i="1" smtClean="0">
+                            <a:latin typeface="Cambria Math" panose="02040503050406030204" pitchFamily="18" charset="0"/>
+                          </a:rPr>
+                          <m:t> </m:t>
+                        </m:r>
+                        <m:r>
+                          <a:rPr lang="en-US" b="0" i="1" smtClean="0">
+                            <a:latin typeface="Cambria Math" panose="02040503050406030204" pitchFamily="18" charset="0"/>
+                          </a:rPr>
+                          <m:t>𝑖</m:t>
+                        </m:r>
+                      </m:e>
+                    </m:d>
+                    <m:r>
+                      <a:rPr lang="en-US" b="0" i="1" smtClean="0">
+                        <a:latin typeface="Cambria Math" panose="02040503050406030204" pitchFamily="18" charset="0"/>
+                      </a:rPr>
+                      <m:t>𝑖𝑠</m:t>
+                    </m:r>
+                    <m:r>
+                      <a:rPr lang="en-US" b="0" i="1" smtClean="0">
+                        <a:latin typeface="Cambria Math" panose="02040503050406030204" pitchFamily="18" charset="0"/>
+                      </a:rPr>
+                      <m:t> </m:t>
+                    </m:r>
+                    <m:r>
+                      <a:rPr lang="en-US" b="0" i="1" smtClean="0">
+                        <a:latin typeface="Cambria Math" panose="02040503050406030204" pitchFamily="18" charset="0"/>
+                      </a:rPr>
+                      <m:t>𝑚𝑜𝑑𝑒𝑙𝑒𝑑</m:t>
+                    </m:r>
+                    <m:r>
+                      <a:rPr lang="en-US" b="0" i="1" smtClean="0">
+                        <a:latin typeface="Cambria Math" panose="02040503050406030204" pitchFamily="18" charset="0"/>
+                      </a:rPr>
+                      <m:t> </m:t>
+                    </m:r>
+                    <m:r>
+                      <a:rPr lang="en-US" b="0" i="1" smtClean="0">
+                        <a:latin typeface="Cambria Math" panose="02040503050406030204" pitchFamily="18" charset="0"/>
+                      </a:rPr>
+                      <m:t>𝑜𝑛</m:t>
+                    </m:r>
+                    <m:r>
+                      <a:rPr lang="en-US" b="0" i="1" smtClean="0">
+                        <a:latin typeface="Cambria Math" panose="02040503050406030204" pitchFamily="18" charset="0"/>
+                      </a:rPr>
+                      <m:t> </m:t>
+                    </m:r>
+                    <m:sSub>
+                      <m:sSubPr>
+                        <m:ctrlPr>
+                          <a:rPr lang="en-US" i="1">
+                            <a:latin typeface="Cambria Math" panose="02040503050406030204" pitchFamily="18" charset="0"/>
+                          </a:rPr>
+                        </m:ctrlPr>
+                      </m:sSubPr>
+                      <m:e>
+                        <m:r>
+                          <a:rPr lang="en-US" i="1">
+                            <a:latin typeface="Cambria Math" panose="02040503050406030204" pitchFamily="18" charset="0"/>
+                          </a:rPr>
+                          <m:t>{</m:t>
+                        </m:r>
+                        <m:r>
+                          <a:rPr lang="en-US" i="1">
+                            <a:latin typeface="Cambria Math" panose="02040503050406030204" pitchFamily="18" charset="0"/>
+                          </a:rPr>
+                          <m:t>𝑣</m:t>
+                        </m:r>
+                      </m:e>
+                      <m:sub>
+                        <m:r>
+                          <a:rPr lang="en-US" i="1">
+                            <a:latin typeface="Cambria Math" panose="02040503050406030204" pitchFamily="18" charset="0"/>
+                          </a:rPr>
+                          <m:t>𝑛</m:t>
+                        </m:r>
+                      </m:sub>
+                    </m:sSub>
+                    <m:r>
+                      <a:rPr lang="en-US" i="1">
+                        <a:latin typeface="Cambria Math" panose="02040503050406030204" pitchFamily="18" charset="0"/>
+                      </a:rPr>
+                      <m:t>}</m:t>
+                    </m:r>
+                  </m:oMath>
+                </a14:m>
+                <a:r>
+                  <a:rPr lang="en-US" dirty="0"/>
+                  <a:t> </a:t>
+                </a:r>
+              </a:p>
+              <a:p>
+                <a:r>
+                  <a:rPr lang="en-US" dirty="0"/>
+                  <a:t>Representing the route backwards as a sequence of routers</a:t>
+                </a:r>
+              </a:p>
+              <a:p>
+                <a:pPr lvl="1"/>
+                <a14:m>
+                  <m:oMath xmlns:m="http://schemas.openxmlformats.org/officeDocument/2006/math">
+                    <m:r>
+                      <a:rPr lang="en-US" b="0" i="1" smtClean="0">
+                        <a:latin typeface="Cambria Math" panose="02040503050406030204" pitchFamily="18" charset="0"/>
+                      </a:rPr>
+                      <m:t>𝑌</m:t>
+                    </m:r>
+                    <m:d>
+                      <m:dPr>
+                        <m:ctrlPr>
+                          <a:rPr lang="en-US" b="0" i="1" smtClean="0">
+                            <a:latin typeface="Cambria Math" panose="02040503050406030204" pitchFamily="18" charset="0"/>
+                          </a:rPr>
+                        </m:ctrlPr>
+                      </m:dPr>
+                      <m:e>
+                        <m:r>
+                          <a:rPr lang="en-US" b="0" i="1" smtClean="0">
+                            <a:latin typeface="Cambria Math" panose="02040503050406030204" pitchFamily="18" charset="0"/>
+                          </a:rPr>
+                          <m:t>𝑛</m:t>
+                        </m:r>
+                      </m:e>
+                    </m:d>
+                    <m:r>
+                      <a:rPr lang="en-US" b="0" i="1" smtClean="0">
+                        <a:latin typeface="Cambria Math" panose="02040503050406030204" pitchFamily="18" charset="0"/>
+                      </a:rPr>
+                      <m:t>=(</m:t>
+                    </m:r>
+                    <m:sSub>
+                      <m:sSubPr>
+                        <m:ctrlPr>
+                          <a:rPr lang="en-US" i="1">
+                            <a:latin typeface="Cambria Math" panose="02040503050406030204" pitchFamily="18" charset="0"/>
+                          </a:rPr>
+                        </m:ctrlPr>
+                      </m:sSubPr>
+                      <m:e>
+                        <m:r>
+                          <a:rPr lang="en-US" i="1">
+                            <a:latin typeface="Cambria Math" panose="02040503050406030204" pitchFamily="18" charset="0"/>
+                          </a:rPr>
+                          <m:t>𝑦</m:t>
+                        </m:r>
+                      </m:e>
+                      <m:sub>
+                        <m:r>
+                          <a:rPr lang="en-US" b="0" i="1" smtClean="0">
+                            <a:latin typeface="Cambria Math" panose="02040503050406030204" pitchFamily="18" charset="0"/>
+                          </a:rPr>
+                          <m:t>1</m:t>
+                        </m:r>
+                      </m:sub>
+                    </m:sSub>
+                    <m:d>
+                      <m:dPr>
+                        <m:ctrlPr>
+                          <a:rPr lang="en-US" i="1">
+                            <a:latin typeface="Cambria Math" panose="02040503050406030204" pitchFamily="18" charset="0"/>
+                          </a:rPr>
+                        </m:ctrlPr>
+                      </m:dPr>
+                      <m:e>
+                        <m:r>
+                          <a:rPr lang="en-US" i="1">
+                            <a:latin typeface="Cambria Math" panose="02040503050406030204" pitchFamily="18" charset="0"/>
+                          </a:rPr>
+                          <m:t>𝑛</m:t>
+                        </m:r>
+                      </m:e>
+                    </m:d>
+                    <m:r>
+                      <a:rPr lang="en-US" b="0" i="1" smtClean="0">
+                        <a:latin typeface="Cambria Math" panose="02040503050406030204" pitchFamily="18" charset="0"/>
+                      </a:rPr>
+                      <m:t>,</m:t>
+                    </m:r>
+                    <m:sSub>
+                      <m:sSubPr>
+                        <m:ctrlPr>
+                          <a:rPr lang="en-US" i="1">
+                            <a:latin typeface="Cambria Math" panose="02040503050406030204" pitchFamily="18" charset="0"/>
+                          </a:rPr>
+                        </m:ctrlPr>
+                      </m:sSubPr>
+                      <m:e>
+                        <m:r>
+                          <a:rPr lang="en-US" i="1">
+                            <a:latin typeface="Cambria Math" panose="02040503050406030204" pitchFamily="18" charset="0"/>
+                          </a:rPr>
+                          <m:t>𝑦</m:t>
+                        </m:r>
+                      </m:e>
+                      <m:sub>
+                        <m:r>
+                          <a:rPr lang="en-US" b="0" i="1" smtClean="0">
+                            <a:latin typeface="Cambria Math" panose="02040503050406030204" pitchFamily="18" charset="0"/>
+                          </a:rPr>
+                          <m:t>2</m:t>
+                        </m:r>
+                      </m:sub>
+                    </m:sSub>
+                    <m:d>
+                      <m:dPr>
+                        <m:ctrlPr>
+                          <a:rPr lang="en-US" i="1">
+                            <a:latin typeface="Cambria Math" panose="02040503050406030204" pitchFamily="18" charset="0"/>
+                          </a:rPr>
+                        </m:ctrlPr>
+                      </m:dPr>
+                      <m:e>
+                        <m:r>
+                          <a:rPr lang="en-US" i="1">
+                            <a:latin typeface="Cambria Math" panose="02040503050406030204" pitchFamily="18" charset="0"/>
+                          </a:rPr>
+                          <m:t>𝑛</m:t>
+                        </m:r>
+                      </m:e>
+                    </m:d>
+                    <m:r>
+                      <a:rPr lang="en-US" b="0" i="1" smtClean="0">
+                        <a:latin typeface="Cambria Math" panose="02040503050406030204" pitchFamily="18" charset="0"/>
+                      </a:rPr>
+                      <m:t>,…,</m:t>
+                    </m:r>
+                    <m:sSub>
+                      <m:sSubPr>
+                        <m:ctrlPr>
+                          <a:rPr lang="en-US" i="1">
+                            <a:latin typeface="Cambria Math" panose="02040503050406030204" pitchFamily="18" charset="0"/>
+                          </a:rPr>
+                        </m:ctrlPr>
+                      </m:sSubPr>
+                      <m:e>
+                        <m:r>
+                          <a:rPr lang="en-US" i="1">
+                            <a:latin typeface="Cambria Math" panose="02040503050406030204" pitchFamily="18" charset="0"/>
+                          </a:rPr>
+                          <m:t>𝑦</m:t>
+                        </m:r>
+                      </m:e>
+                      <m:sub>
+                        <m:r>
+                          <a:rPr lang="en-US" b="0" i="1" smtClean="0">
+                            <a:latin typeface="Cambria Math" panose="02040503050406030204" pitchFamily="18" charset="0"/>
+                          </a:rPr>
+                          <m:t>𝐾</m:t>
+                        </m:r>
+                      </m:sub>
+                    </m:sSub>
+                    <m:d>
+                      <m:dPr>
+                        <m:ctrlPr>
+                          <a:rPr lang="en-US" i="1">
+                            <a:latin typeface="Cambria Math" panose="02040503050406030204" pitchFamily="18" charset="0"/>
+                          </a:rPr>
+                        </m:ctrlPr>
+                      </m:dPr>
+                      <m:e>
+                        <m:r>
+                          <a:rPr lang="en-US" i="1">
+                            <a:latin typeface="Cambria Math" panose="02040503050406030204" pitchFamily="18" charset="0"/>
+                          </a:rPr>
+                          <m:t>𝑛</m:t>
+                        </m:r>
+                      </m:e>
+                    </m:d>
+                    <m:r>
+                      <a:rPr lang="en-US" b="0" i="1" smtClean="0">
+                        <a:latin typeface="Cambria Math" panose="02040503050406030204" pitchFamily="18" charset="0"/>
+                      </a:rPr>
+                      <m:t>)</m:t>
+                    </m:r>
+                    <m:r>
+                      <a:rPr lang="en-US" b="0" i="1" smtClean="0">
+                        <a:latin typeface="Cambria Math" panose="02040503050406030204" pitchFamily="18" charset="0"/>
+                        <a:ea typeface="Cambria Math" panose="02040503050406030204" pitchFamily="18" charset="0"/>
+                      </a:rPr>
+                      <m:t>𝜖</m:t>
+                    </m:r>
+                    <m:sSubSup>
+                      <m:sSubSupPr>
+                        <m:ctrlPr>
+                          <a:rPr lang="en-US" b="0" i="1" smtClean="0">
+                            <a:latin typeface="Cambria Math" panose="02040503050406030204" pitchFamily="18" charset="0"/>
+                            <a:ea typeface="Cambria Math" panose="02040503050406030204" pitchFamily="18" charset="0"/>
+                          </a:rPr>
+                        </m:ctrlPr>
+                      </m:sSubSupPr>
+                      <m:e>
+                        <m:r>
+                          <a:rPr lang="en-US" i="1">
+                            <a:latin typeface="Cambria Math" panose="02040503050406030204" pitchFamily="18" charset="0"/>
+                            <a:ea typeface="Cambria Math" panose="02040503050406030204" pitchFamily="18" charset="0"/>
+                          </a:rPr>
+                          <m:t>ℝ</m:t>
+                        </m:r>
+                      </m:e>
+                      <m:sub>
+                        <m:r>
+                          <a:rPr lang="en-US" b="0" i="1" smtClean="0">
+                            <a:latin typeface="Cambria Math" panose="02040503050406030204" pitchFamily="18" charset="0"/>
+                            <a:ea typeface="Cambria Math" panose="02040503050406030204" pitchFamily="18" charset="0"/>
+                          </a:rPr>
+                          <m:t>𝑚𝑎𝑥</m:t>
+                        </m:r>
+                      </m:sub>
+                      <m:sup>
+                        <m:r>
+                          <a:rPr lang="en-US" b="0" i="1" smtClean="0">
+                            <a:latin typeface="Cambria Math" panose="02040503050406030204" pitchFamily="18" charset="0"/>
+                            <a:ea typeface="Cambria Math" panose="02040503050406030204" pitchFamily="18" charset="0"/>
+                          </a:rPr>
+                          <m:t>1,</m:t>
+                        </m:r>
+                        <m:r>
+                          <a:rPr lang="en-US" b="0" i="1" smtClean="0">
+                            <a:latin typeface="Cambria Math" panose="02040503050406030204" pitchFamily="18" charset="0"/>
+                            <a:ea typeface="Cambria Math" panose="02040503050406030204" pitchFamily="18" charset="0"/>
+                          </a:rPr>
+                          <m:t>𝐾</m:t>
+                        </m:r>
+                      </m:sup>
+                    </m:sSubSup>
+                  </m:oMath>
+                </a14:m>
+                <a:r>
+                  <a:rPr lang="en-US" dirty="0"/>
+                  <a:t>  sequence of times packet n leaves each router</a:t>
+                </a:r>
+              </a:p>
+              <a:p>
+                <a:pPr lvl="1"/>
+                <a:r>
+                  <a:rPr lang="en-US" dirty="0"/>
+                  <a:t>This is a 1x K matrix</a:t>
+                </a:r>
+              </a:p>
+              <a:p>
+                <a:pPr lvl="1"/>
+                <a:endParaRPr lang="en-US" dirty="0"/>
+              </a:p>
+            </p:txBody>
+          </p:sp>
+        </mc:Choice>
+        <mc:Fallback>
+          <p:sp>
+            <p:nvSpPr>
+              <p:cNvPr id="3" name="Content Placeholder 2">
+                <a:extLst>
+                  <a:ext uri="{FF2B5EF4-FFF2-40B4-BE49-F238E27FC236}">
+                    <a16:creationId xmlns:a16="http://schemas.microsoft.com/office/drawing/2014/main" id="{B8AEB25F-8A6B-4046-B51B-266B19EA3FE4}"/>
+                  </a:ext>
+                </a:extLst>
+              </p:cNvPr>
+              <p:cNvSpPr>
+                <a:spLocks noGrp="1" noRot="1" noChangeAspect="1" noMove="1" noResize="1" noEditPoints="1" noAdjustHandles="1" noChangeArrowheads="1" noChangeShapeType="1" noTextEdit="1"/>
+              </p:cNvSpPr>
+              <p:nvPr>
+                <p:ph idx="1"/>
+              </p:nvPr>
+            </p:nvSpPr>
+            <p:spPr>
+              <a:xfrm>
+                <a:off x="2231136" y="2638044"/>
+                <a:ext cx="7729728" cy="4001295"/>
+              </a:xfrm>
+              <a:blipFill>
+                <a:blip r:embed="rId2"/>
+                <a:stretch>
+                  <a:fillRect l="-328" t="-949"/>
+                </a:stretch>
+              </a:blipFill>
+            </p:spPr>
+            <p:txBody>
+              <a:bodyPr/>
+              <a:lstStyle/>
+              <a:p>
+                <a:r>
+                  <a:rPr lang="en-US">
+                    <a:noFill/>
+                  </a:rPr>
+                  <a:t> </a:t>
+                </a:r>
+              </a:p>
+            </p:txBody>
+          </p:sp>
+        </mc:Fallback>
+      </mc:AlternateContent>
+    </p:spTree>
+    <p:extLst>
+      <p:ext uri="{BB962C8B-B14F-4D97-AF65-F5344CB8AC3E}">
+        <p14:creationId xmlns:p14="http://schemas.microsoft.com/office/powerpoint/2010/main" val="4060171518"/>
       </p:ext>
     </p:extLst>
   </p:cSld>

--- a/Papers/Novel/Sumarry of Max Plus.pptx
+++ b/Papers/Novel/Sumarry of Max Plus.pptx
@@ -5,18 +5,21 @@
     <p:sldMasterId id="2147483696" r:id="rId1"/>
   </p:sldMasterIdLst>
   <p:sldIdLst>
-    <p:sldId id="256" r:id="rId2"/>
-    <p:sldId id="258" r:id="rId3"/>
-    <p:sldId id="259" r:id="rId4"/>
-    <p:sldId id="260" r:id="rId5"/>
-    <p:sldId id="257" r:id="rId6"/>
-    <p:sldId id="261" r:id="rId7"/>
-    <p:sldId id="267" r:id="rId8"/>
-    <p:sldId id="262" r:id="rId9"/>
-    <p:sldId id="263" r:id="rId10"/>
-    <p:sldId id="264" r:id="rId11"/>
-    <p:sldId id="265" r:id="rId12"/>
-    <p:sldId id="266" r:id="rId13"/>
+    <p:sldId id="268" r:id="rId2"/>
+    <p:sldId id="256" r:id="rId3"/>
+    <p:sldId id="258" r:id="rId4"/>
+    <p:sldId id="259" r:id="rId5"/>
+    <p:sldId id="260" r:id="rId6"/>
+    <p:sldId id="257" r:id="rId7"/>
+    <p:sldId id="261" r:id="rId8"/>
+    <p:sldId id="267" r:id="rId9"/>
+    <p:sldId id="262" r:id="rId10"/>
+    <p:sldId id="263" r:id="rId11"/>
+    <p:sldId id="264" r:id="rId12"/>
+    <p:sldId id="265" r:id="rId13"/>
+    <p:sldId id="266" r:id="rId14"/>
+    <p:sldId id="269" r:id="rId15"/>
+    <p:sldId id="270" r:id="rId16"/>
   </p:sldIdLst>
   <p:sldSz cx="12192000" cy="6858000"/>
   <p:notesSz cx="6858000" cy="9144000"/>
@@ -286,7 +289,7 @@
           <a:p>
             <a:fld id="{1160EA64-D806-43AC-9DF2-F8C432F32B4C}" type="datetimeFigureOut">
               <a:rPr lang="en-US" dirty="0"/>
-              <a:t>12/6/21</a:t>
+              <a:t>12/7/21</a:t>
             </a:fld>
             <a:endParaRPr lang="en-US" dirty="0"/>
           </a:p>
@@ -452,7 +455,7 @@
           <a:p>
             <a:fld id="{E9F9C37B-1D36-470B-8223-D6C91242EC14}" type="datetimeFigureOut">
               <a:rPr lang="en-US" dirty="0"/>
-              <a:t>12/6/21</a:t>
+              <a:t>12/7/21</a:t>
             </a:fld>
             <a:endParaRPr lang="en-US" dirty="0"/>
           </a:p>
@@ -627,7 +630,7 @@
           <a:p>
             <a:fld id="{67C6F52A-A82B-47A2-A83A-8C4C91F2D59F}" type="datetimeFigureOut">
               <a:rPr lang="en-US" dirty="0"/>
-              <a:t>12/6/21</a:t>
+              <a:t>12/7/21</a:t>
             </a:fld>
             <a:endParaRPr lang="en-US" dirty="0"/>
           </a:p>
@@ -792,7 +795,7 @@
           <a:p>
             <a:fld id="{F070A7B3-6521-4DCA-87E5-044747A908C1}" type="datetimeFigureOut">
               <a:rPr lang="en-US" dirty="0"/>
-              <a:t>12/6/21</a:t>
+              <a:t>12/7/21</a:t>
             </a:fld>
             <a:endParaRPr lang="en-US" dirty="0"/>
           </a:p>
@@ -1056,7 +1059,7 @@
           <a:p>
             <a:fld id="{1160EA64-D806-43AC-9DF2-F8C432F32B4C}" type="datetimeFigureOut">
               <a:rPr lang="en-US" dirty="0"/>
-              <a:t>12/6/21</a:t>
+              <a:t>12/7/21</a:t>
             </a:fld>
             <a:endParaRPr lang="en-US" dirty="0"/>
           </a:p>
@@ -1284,7 +1287,7 @@
           <a:p>
             <a:fld id="{AB134690-1557-4C89-A502-4959FE7FAD70}" type="datetimeFigureOut">
               <a:rPr lang="en-US" dirty="0"/>
-              <a:t>12/6/21</a:t>
+              <a:t>12/7/21</a:t>
             </a:fld>
             <a:endParaRPr lang="en-US" dirty="0"/>
           </a:p>
@@ -1638,7 +1641,7 @@
           <a:p>
             <a:fld id="{4F7D4976-E339-4826-83B7-FBD03F55ECF8}" type="datetimeFigureOut">
               <a:rPr lang="en-US" dirty="0"/>
-              <a:t>12/6/21</a:t>
+              <a:t>12/7/21</a:t>
             </a:fld>
             <a:endParaRPr lang="en-US" dirty="0"/>
           </a:p>
@@ -1774,7 +1777,7 @@
           <a:p>
             <a:fld id="{E1037C31-9E7A-4F99-8774-A0E530DE1A42}" type="datetimeFigureOut">
               <a:rPr lang="en-US" dirty="0"/>
-              <a:t>12/6/21</a:t>
+              <a:t>12/7/21</a:t>
             </a:fld>
             <a:endParaRPr lang="en-US" dirty="0"/>
           </a:p>
@@ -1864,7 +1867,7 @@
           <a:p>
             <a:fld id="{C278504F-A551-4DE0-9316-4DCD1D8CC752}" type="datetimeFigureOut">
               <a:rPr lang="en-US" dirty="0"/>
-              <a:t>12/6/21</a:t>
+              <a:t>12/7/21</a:t>
             </a:fld>
             <a:endParaRPr lang="en-US" dirty="0"/>
           </a:p>
@@ -2216,7 +2219,7 @@
           <a:p>
             <a:fld id="{D1BE4249-C0D0-4B06-8692-E8BB871AF643}" type="datetimeFigureOut">
               <a:rPr lang="en-US" dirty="0"/>
-              <a:t>12/6/21</a:t>
+              <a:t>12/7/21</a:t>
             </a:fld>
             <a:endParaRPr lang="en-US" dirty="0"/>
           </a:p>
@@ -2568,7 +2571,7 @@
           <a:p>
             <a:fld id="{042B0DB6-F5C7-45FB-8CF3-31B45F9C2DAC}" type="datetimeFigureOut">
               <a:rPr lang="en-US" dirty="0"/>
-              <a:t>12/6/21</a:t>
+              <a:t>12/7/21</a:t>
             </a:fld>
             <a:endParaRPr lang="en-US" dirty="0"/>
           </a:p>
@@ -2805,7 +2808,7 @@
           <a:p>
             <a:fld id="{1160EA64-D806-43AC-9DF2-F8C432F32B4C}" type="datetimeFigureOut">
               <a:rPr lang="en-US" dirty="0"/>
-              <a:t>12/6/21</a:t>
+              <a:t>12/7/21</a:t>
             </a:fld>
             <a:endParaRPr lang="en-US" dirty="0"/>
           </a:p>
@@ -3259,7 +3262,7 @@
           <p:cNvPr id="2" name="Title 1">
             <a:extLst>
               <a:ext uri="{FF2B5EF4-FFF2-40B4-BE49-F238E27FC236}">
-                <a16:creationId xmlns:a16="http://schemas.microsoft.com/office/drawing/2014/main" id="{9BF81DAD-8B1C-B540-A90D-033846304F94}"/>
+                <a16:creationId xmlns:a16="http://schemas.microsoft.com/office/drawing/2014/main" id="{6FC74882-AB7A-0949-8FBD-BCEE6A61D1F8}"/>
               </a:ext>
             </a:extLst>
           </p:cNvPr>
@@ -3267,27 +3270,32 @@
             <a:spLocks noGrp="1"/>
           </p:cNvSpPr>
           <p:nvPr>
-            <p:ph type="ctrTitle"/>
+            <p:ph type="title"/>
           </p:nvPr>
         </p:nvSpPr>
-        <p:spPr/>
+        <p:spPr>
+          <a:xfrm>
+            <a:off x="2231136" y="1988422"/>
+            <a:ext cx="7729728" cy="1188720"/>
+          </a:xfrm>
+        </p:spPr>
         <p:txBody>
           <a:bodyPr/>
           <a:lstStyle/>
           <a:p>
             <a:r>
               <a:rPr lang="en-US" dirty="0"/>
-              <a:t>MAX Plus Algebra</a:t>
+              <a:t>Network Simulation With Max plus Algebra</a:t>
             </a:r>
           </a:p>
         </p:txBody>
       </p:sp>
       <p:sp>
         <p:nvSpPr>
-          <p:cNvPr id="3" name="Subtitle 2">
+          <p:cNvPr id="3" name="Content Placeholder 2">
             <a:extLst>
               <a:ext uri="{FF2B5EF4-FFF2-40B4-BE49-F238E27FC236}">
-                <a16:creationId xmlns:a16="http://schemas.microsoft.com/office/drawing/2014/main" id="{24453E7F-1F26-F44D-8189-5E722BEC044F}"/>
+                <a16:creationId xmlns:a16="http://schemas.microsoft.com/office/drawing/2014/main" id="{0DDBA8CD-0BB3-A542-AF23-4A5CC88D377A}"/>
               </a:ext>
             </a:extLst>
           </p:cNvPr>
@@ -3295,14 +3303,22 @@
             <a:spLocks noGrp="1"/>
           </p:cNvSpPr>
           <p:nvPr>
-            <p:ph type="subTitle" idx="1"/>
+            <p:ph idx="1"/>
           </p:nvPr>
         </p:nvSpPr>
-        <p:spPr/>
+        <p:spPr>
+          <a:xfrm>
+            <a:off x="2231136" y="4099097"/>
+            <a:ext cx="7729728" cy="443085"/>
+          </a:xfrm>
+        </p:spPr>
         <p:txBody>
           <a:bodyPr/>
           <a:lstStyle/>
           <a:p>
+            <a:pPr marL="0" indent="0" algn="ctr">
+              <a:buNone/>
+            </a:pPr>
             <a:r>
               <a:rPr lang="en-US" dirty="0"/>
               <a:t>Waylon Jepsen</a:t>
@@ -3313,7 +3329,7 @@
     </p:spTree>
     <p:extLst>
       <p:ext uri="{BB962C8B-B14F-4D97-AF65-F5344CB8AC3E}">
-        <p14:creationId xmlns:p14="http://schemas.microsoft.com/office/powerpoint/2010/main" val="3179023014"/>
+        <p14:creationId xmlns:p14="http://schemas.microsoft.com/office/powerpoint/2010/main" val="1135546600"/>
       </p:ext>
     </p:extLst>
   </p:cSld>
@@ -3324,6 +3340,1386 @@
 </file>
 
 <file path=ppt/slides/slide10.xml><?xml version="1.0" encoding="utf-8"?>
+<p:sld xmlns:a="http://schemas.openxmlformats.org/drawingml/2006/main" xmlns:r="http://schemas.openxmlformats.org/officeDocument/2006/relationships" xmlns:p="http://schemas.openxmlformats.org/presentationml/2006/main">
+  <p:cSld>
+    <p:spTree>
+      <p:nvGrpSpPr>
+        <p:cNvPr id="1" name=""/>
+        <p:cNvGrpSpPr/>
+        <p:nvPr/>
+      </p:nvGrpSpPr>
+      <p:grpSpPr>
+        <a:xfrm>
+          <a:off x="0" y="0"/>
+          <a:ext cx="0" cy="0"/>
+          <a:chOff x="0" y="0"/>
+          <a:chExt cx="0" cy="0"/>
+        </a:xfrm>
+      </p:grpSpPr>
+      <p:sp>
+        <p:nvSpPr>
+          <p:cNvPr id="2" name="Title 1">
+            <a:extLst>
+              <a:ext uri="{FF2B5EF4-FFF2-40B4-BE49-F238E27FC236}">
+                <a16:creationId xmlns:a16="http://schemas.microsoft.com/office/drawing/2014/main" id="{DD86E05A-6125-8D49-918A-3DA1CDE9D412}"/>
+              </a:ext>
+            </a:extLst>
+          </p:cNvPr>
+          <p:cNvSpPr>
+            <a:spLocks noGrp="1"/>
+          </p:cNvSpPr>
+          <p:nvPr>
+            <p:ph type="title"/>
+          </p:nvPr>
+        </p:nvSpPr>
+        <p:spPr/>
+        <p:txBody>
+          <a:bodyPr/>
+          <a:lstStyle/>
+          <a:p>
+            <a:r>
+              <a:rPr lang="en-US" dirty="0"/>
+              <a:t>Continued</a:t>
+            </a:r>
+          </a:p>
+        </p:txBody>
+      </p:sp>
+      <mc:AlternateContent xmlns:mc="http://schemas.openxmlformats.org/markup-compatibility/2006" xmlns:a14="http://schemas.microsoft.com/office/drawing/2010/main">
+        <mc:Choice Requires="a14">
+          <p:sp>
+            <p:nvSpPr>
+              <p:cNvPr id="3" name="Content Placeholder 2">
+                <a:extLst>
+                  <a:ext uri="{FF2B5EF4-FFF2-40B4-BE49-F238E27FC236}">
+                    <a16:creationId xmlns:a16="http://schemas.microsoft.com/office/drawing/2014/main" id="{B8AEB25F-8A6B-4046-B51B-266B19EA3FE4}"/>
+                  </a:ext>
+                </a:extLst>
+              </p:cNvPr>
+              <p:cNvSpPr>
+                <a:spLocks noGrp="1"/>
+              </p:cNvSpPr>
+              <p:nvPr>
+                <p:ph idx="1"/>
+              </p:nvPr>
+            </p:nvSpPr>
+            <p:spPr>
+              <a:xfrm>
+                <a:off x="2231136" y="2638044"/>
+                <a:ext cx="7729728" cy="4001295"/>
+              </a:xfrm>
+            </p:spPr>
+            <p:txBody>
+              <a:bodyPr>
+                <a:normAutofit fontScale="92500" lnSpcReduction="10000"/>
+              </a:bodyPr>
+              <a:lstStyle/>
+              <a:p>
+                <a14:m>
+                  <m:oMath xmlns:m="http://schemas.openxmlformats.org/officeDocument/2006/math">
+                    <m:sSub>
+                      <m:sSubPr>
+                        <m:ctrlPr>
+                          <a:rPr lang="en-US" i="1" smtClean="0">
+                            <a:latin typeface="Cambria Math" panose="02040503050406030204" pitchFamily="18" charset="0"/>
+                            <a:ea typeface="Cambria Math" panose="02040503050406030204" pitchFamily="18" charset="0"/>
+                          </a:rPr>
+                        </m:ctrlPr>
+                      </m:sSubPr>
+                      <m:e>
+                        <m:r>
+                          <a:rPr lang="en-US" i="1">
+                            <a:latin typeface="Cambria Math" panose="02040503050406030204" pitchFamily="18" charset="0"/>
+                            <a:ea typeface="Cambria Math" panose="02040503050406030204" pitchFamily="18" charset="0"/>
+                          </a:rPr>
+                          <m:t>𝑑</m:t>
+                        </m:r>
+                      </m:e>
+                      <m:sub>
+                        <m:r>
+                          <a:rPr lang="en-US" i="1">
+                            <a:latin typeface="Cambria Math" panose="02040503050406030204" pitchFamily="18" charset="0"/>
+                            <a:ea typeface="Cambria Math" panose="02040503050406030204" pitchFamily="18" charset="0"/>
+                          </a:rPr>
+                          <m:t>𝐾</m:t>
+                        </m:r>
+                        <m:r>
+                          <a:rPr lang="en-US" i="1">
+                            <a:latin typeface="Cambria Math" panose="02040503050406030204" pitchFamily="18" charset="0"/>
+                            <a:ea typeface="Cambria Math" panose="02040503050406030204" pitchFamily="18" charset="0"/>
+                          </a:rPr>
+                          <m:t>,0</m:t>
+                        </m:r>
+                      </m:sub>
+                    </m:sSub>
+                  </m:oMath>
+                </a14:m>
+                <a:r>
+                  <a:rPr lang="en-US" dirty="0"/>
+                  <a:t> represents the transmission delay of ACKs from the destination to the source (Kth router is destination, 0</a:t>
+                </a:r>
+                <a:r>
+                  <a:rPr lang="en-US" baseline="30000" dirty="0"/>
+                  <a:t>th</a:t>
+                </a:r>
+                <a:r>
+                  <a:rPr lang="en-US" dirty="0"/>
+                  <a:t> router is source) </a:t>
+                </a:r>
+              </a:p>
+              <a:p>
+                <a:r>
+                  <a:rPr lang="en-US" dirty="0"/>
+                  <a:t>If the sequence </a:t>
+                </a:r>
+                <a14:m>
+                  <m:oMath xmlns:m="http://schemas.openxmlformats.org/officeDocument/2006/math">
+                    <m:sSub>
+                      <m:sSubPr>
+                        <m:ctrlPr>
+                          <a:rPr lang="en-US" i="1" smtClean="0">
+                            <a:latin typeface="Cambria Math" panose="02040503050406030204" pitchFamily="18" charset="0"/>
+                          </a:rPr>
+                        </m:ctrlPr>
+                      </m:sSubPr>
+                      <m:e>
+                        <m:r>
+                          <a:rPr lang="en-US" b="0" i="1" smtClean="0">
+                            <a:latin typeface="Cambria Math" panose="02040503050406030204" pitchFamily="18" charset="0"/>
+                          </a:rPr>
+                          <m:t>{</m:t>
+                        </m:r>
+                        <m:r>
+                          <a:rPr lang="en-US" b="0" i="1" smtClean="0">
+                            <a:latin typeface="Cambria Math" panose="02040503050406030204" pitchFamily="18" charset="0"/>
+                          </a:rPr>
+                          <m:t>𝑣</m:t>
+                        </m:r>
+                      </m:e>
+                      <m:sub>
+                        <m:r>
+                          <a:rPr lang="en-US" b="0" i="1" smtClean="0">
+                            <a:latin typeface="Cambria Math" panose="02040503050406030204" pitchFamily="18" charset="0"/>
+                          </a:rPr>
+                          <m:t>𝑛</m:t>
+                        </m:r>
+                      </m:sub>
+                    </m:sSub>
+                    <m:r>
+                      <a:rPr lang="en-US" b="0" i="1" smtClean="0">
+                        <a:latin typeface="Cambria Math" panose="02040503050406030204" pitchFamily="18" charset="0"/>
+                      </a:rPr>
+                      <m:t>}</m:t>
+                    </m:r>
+                  </m:oMath>
+                </a14:m>
+                <a:r>
+                  <a:rPr lang="en-US" dirty="0"/>
+                  <a:t>(time experienced by packet n) is known, then the sequence </a:t>
+                </a:r>
+                <a14:m>
+                  <m:oMath xmlns:m="http://schemas.openxmlformats.org/officeDocument/2006/math">
+                    <m:sSub>
+                      <m:sSubPr>
+                        <m:ctrlPr>
+                          <a:rPr lang="en-US" i="1">
+                            <a:latin typeface="Cambria Math" panose="02040503050406030204" pitchFamily="18" charset="0"/>
+                          </a:rPr>
+                        </m:ctrlPr>
+                      </m:sSubPr>
+                      <m:e>
+                        <m:r>
+                          <a:rPr lang="en-US" b="0" i="1" smtClean="0">
+                            <a:latin typeface="Cambria Math" panose="02040503050406030204" pitchFamily="18" charset="0"/>
+                          </a:rPr>
+                          <m:t>{</m:t>
+                        </m:r>
+                        <m:r>
+                          <a:rPr lang="en-US" i="1">
+                            <a:latin typeface="Cambria Math" panose="02040503050406030204" pitchFamily="18" charset="0"/>
+                          </a:rPr>
+                          <m:t>𝑦</m:t>
+                        </m:r>
+                      </m:e>
+                      <m:sub>
+                        <m:r>
+                          <a:rPr lang="en-US" i="1">
+                            <a:latin typeface="Cambria Math" panose="02040503050406030204" pitchFamily="18" charset="0"/>
+                          </a:rPr>
+                          <m:t>𝑖</m:t>
+                        </m:r>
+                      </m:sub>
+                    </m:sSub>
+                    <m:d>
+                      <m:dPr>
+                        <m:ctrlPr>
+                          <a:rPr lang="en-US" i="1">
+                            <a:latin typeface="Cambria Math" panose="02040503050406030204" pitchFamily="18" charset="0"/>
+                          </a:rPr>
+                        </m:ctrlPr>
+                      </m:dPr>
+                      <m:e>
+                        <m:r>
+                          <a:rPr lang="en-US" i="1">
+                            <a:latin typeface="Cambria Math" panose="02040503050406030204" pitchFamily="18" charset="0"/>
+                          </a:rPr>
+                          <m:t>𝑛</m:t>
+                        </m:r>
+                      </m:e>
+                    </m:d>
+                    <m:r>
+                      <a:rPr lang="en-US" b="0" i="1" smtClean="0">
+                        <a:latin typeface="Cambria Math" panose="02040503050406030204" pitchFamily="18" charset="0"/>
+                      </a:rPr>
+                      <m:t>}</m:t>
+                    </m:r>
+                  </m:oMath>
+                </a14:m>
+                <a:r>
+                  <a:rPr lang="en-US" dirty="0"/>
+                  <a:t>(time packet n leaves router </a:t>
+                </a:r>
+                <a:r>
+                  <a:rPr lang="en-US" dirty="0" err="1"/>
+                  <a:t>i</a:t>
+                </a:r>
+                <a:r>
+                  <a:rPr lang="en-US" dirty="0"/>
+                  <a:t>) satisfies the following conditions (reminder </a:t>
+                </a:r>
+                <a14:m>
+                  <m:oMath xmlns:m="http://schemas.openxmlformats.org/officeDocument/2006/math">
+                    <m:r>
+                      <a:rPr lang="en-US" i="1">
+                        <a:latin typeface="Cambria Math" panose="02040503050406030204" pitchFamily="18" charset="0"/>
+                        <a:ea typeface="Cambria Math" panose="02040503050406030204" pitchFamily="18" charset="0"/>
+                      </a:rPr>
+                      <m:t>⊗</m:t>
+                    </m:r>
+                  </m:oMath>
+                </a14:m>
+                <a:r>
+                  <a:rPr lang="en-US" dirty="0"/>
+                  <a:t> is plus) :</a:t>
+                </a:r>
+              </a:p>
+              <a:p>
+                <a:pPr lvl="1"/>
+                <a14:m>
+                  <m:oMath xmlns:m="http://schemas.openxmlformats.org/officeDocument/2006/math">
+                    <m:sSub>
+                      <m:sSubPr>
+                        <m:ctrlPr>
+                          <a:rPr lang="en-US" i="1" smtClean="0">
+                            <a:latin typeface="Cambria Math" panose="02040503050406030204" pitchFamily="18" charset="0"/>
+                          </a:rPr>
+                        </m:ctrlPr>
+                      </m:sSubPr>
+                      <m:e>
+                        <m:r>
+                          <a:rPr lang="en-US" b="0" i="1" smtClean="0">
+                            <a:latin typeface="Cambria Math" panose="02040503050406030204" pitchFamily="18" charset="0"/>
+                          </a:rPr>
+                          <m:t>𝑦</m:t>
+                        </m:r>
+                      </m:e>
+                      <m:sub>
+                        <m:r>
+                          <a:rPr lang="en-US" b="0" i="1" smtClean="0">
+                            <a:latin typeface="Cambria Math" panose="02040503050406030204" pitchFamily="18" charset="0"/>
+                          </a:rPr>
+                          <m:t>0</m:t>
+                        </m:r>
+                      </m:sub>
+                    </m:sSub>
+                    <m:d>
+                      <m:dPr>
+                        <m:ctrlPr>
+                          <a:rPr lang="en-US" b="0" i="1" smtClean="0">
+                            <a:latin typeface="Cambria Math" panose="02040503050406030204" pitchFamily="18" charset="0"/>
+                          </a:rPr>
+                        </m:ctrlPr>
+                      </m:dPr>
+                      <m:e>
+                        <m:r>
+                          <a:rPr lang="en-US" b="0" i="1" smtClean="0">
+                            <a:latin typeface="Cambria Math" panose="02040503050406030204" pitchFamily="18" charset="0"/>
+                          </a:rPr>
+                          <m:t>𝑛</m:t>
+                        </m:r>
+                      </m:e>
+                    </m:d>
+                    <m:r>
+                      <a:rPr lang="en-US" b="0" i="1" smtClean="0">
+                        <a:latin typeface="Cambria Math" panose="02040503050406030204" pitchFamily="18" charset="0"/>
+                      </a:rPr>
+                      <m:t>=</m:t>
+                    </m:r>
+                    <m:sSub>
+                      <m:sSubPr>
+                        <m:ctrlPr>
+                          <a:rPr lang="en-US" i="1">
+                            <a:latin typeface="Cambria Math" panose="02040503050406030204" pitchFamily="18" charset="0"/>
+                          </a:rPr>
+                        </m:ctrlPr>
+                      </m:sSubPr>
+                      <m:e>
+                        <m:r>
+                          <a:rPr lang="en-US" i="1">
+                            <a:latin typeface="Cambria Math" panose="02040503050406030204" pitchFamily="18" charset="0"/>
+                          </a:rPr>
+                          <m:t>𝑦</m:t>
+                        </m:r>
+                      </m:e>
+                      <m:sub>
+                        <m:r>
+                          <a:rPr lang="en-US" b="0" i="1" smtClean="0">
+                            <a:latin typeface="Cambria Math" panose="02040503050406030204" pitchFamily="18" charset="0"/>
+                          </a:rPr>
+                          <m:t>𝐾</m:t>
+                        </m:r>
+                      </m:sub>
+                    </m:sSub>
+                    <m:r>
+                      <a:rPr lang="en-US" b="0" i="1" smtClean="0">
+                        <a:latin typeface="Cambria Math" panose="02040503050406030204" pitchFamily="18" charset="0"/>
+                      </a:rPr>
+                      <m:t>(</m:t>
+                    </m:r>
+                    <m:r>
+                      <a:rPr lang="en-US" b="0" i="1" smtClean="0">
+                        <a:latin typeface="Cambria Math" panose="02040503050406030204" pitchFamily="18" charset="0"/>
+                      </a:rPr>
+                      <m:t>𝑛</m:t>
+                    </m:r>
+                    <m:r>
+                      <a:rPr lang="en-US" b="0" i="1" smtClean="0">
+                        <a:latin typeface="Cambria Math" panose="02040503050406030204" pitchFamily="18" charset="0"/>
+                      </a:rPr>
+                      <m:t>−</m:t>
+                    </m:r>
+                    <m:sSub>
+                      <m:sSubPr>
+                        <m:ctrlPr>
+                          <a:rPr lang="en-US" b="0" i="1" smtClean="0">
+                            <a:latin typeface="Cambria Math" panose="02040503050406030204" pitchFamily="18" charset="0"/>
+                          </a:rPr>
+                        </m:ctrlPr>
+                      </m:sSubPr>
+                      <m:e>
+                        <m:r>
+                          <a:rPr lang="en-US" b="0" i="1" smtClean="0">
+                            <a:latin typeface="Cambria Math" panose="02040503050406030204" pitchFamily="18" charset="0"/>
+                          </a:rPr>
+                          <m:t>𝑣</m:t>
+                        </m:r>
+                      </m:e>
+                      <m:sub>
+                        <m:r>
+                          <a:rPr lang="en-US" b="0" i="1" smtClean="0">
+                            <a:latin typeface="Cambria Math" panose="02040503050406030204" pitchFamily="18" charset="0"/>
+                          </a:rPr>
+                          <m:t>𝑛</m:t>
+                        </m:r>
+                        <m:r>
+                          <a:rPr lang="en-US" b="0" i="1" smtClean="0">
+                            <a:latin typeface="Cambria Math" panose="02040503050406030204" pitchFamily="18" charset="0"/>
+                          </a:rPr>
+                          <m:t>−1</m:t>
+                        </m:r>
+                      </m:sub>
+                    </m:sSub>
+                    <m:r>
+                      <a:rPr lang="en-US" b="0" i="1" smtClean="0">
+                        <a:latin typeface="Cambria Math" panose="02040503050406030204" pitchFamily="18" charset="0"/>
+                      </a:rPr>
+                      <m:t>)</m:t>
+                    </m:r>
+                    <m:r>
+                      <a:rPr lang="en-US" b="0" i="1" smtClean="0">
+                        <a:latin typeface="Cambria Math" panose="02040503050406030204" pitchFamily="18" charset="0"/>
+                        <a:ea typeface="Cambria Math" panose="02040503050406030204" pitchFamily="18" charset="0"/>
+                      </a:rPr>
+                      <m:t>⊗</m:t>
+                    </m:r>
+                    <m:sSub>
+                      <m:sSubPr>
+                        <m:ctrlPr>
+                          <a:rPr lang="en-US" b="0" i="1" smtClean="0">
+                            <a:latin typeface="Cambria Math" panose="02040503050406030204" pitchFamily="18" charset="0"/>
+                            <a:ea typeface="Cambria Math" panose="02040503050406030204" pitchFamily="18" charset="0"/>
+                          </a:rPr>
+                        </m:ctrlPr>
+                      </m:sSubPr>
+                      <m:e>
+                        <m:r>
+                          <a:rPr lang="en-US" b="0" i="1" smtClean="0">
+                            <a:latin typeface="Cambria Math" panose="02040503050406030204" pitchFamily="18" charset="0"/>
+                            <a:ea typeface="Cambria Math" panose="02040503050406030204" pitchFamily="18" charset="0"/>
+                          </a:rPr>
+                          <m:t>𝑑</m:t>
+                        </m:r>
+                      </m:e>
+                      <m:sub>
+                        <m:r>
+                          <a:rPr lang="en-US" b="0" i="1" smtClean="0">
+                            <a:latin typeface="Cambria Math" panose="02040503050406030204" pitchFamily="18" charset="0"/>
+                            <a:ea typeface="Cambria Math" panose="02040503050406030204" pitchFamily="18" charset="0"/>
+                          </a:rPr>
+                          <m:t>𝐾</m:t>
+                        </m:r>
+                        <m:r>
+                          <a:rPr lang="en-US" b="0" i="1" smtClean="0">
+                            <a:latin typeface="Cambria Math" panose="02040503050406030204" pitchFamily="18" charset="0"/>
+                            <a:ea typeface="Cambria Math" panose="02040503050406030204" pitchFamily="18" charset="0"/>
+                          </a:rPr>
+                          <m:t>,0</m:t>
+                        </m:r>
+                      </m:sub>
+                    </m:sSub>
+                  </m:oMath>
+                </a14:m>
+                <a:endParaRPr lang="en-US" dirty="0"/>
+              </a:p>
+              <a:p>
+                <a:pPr lvl="1"/>
+                <a14:m>
+                  <m:oMath xmlns:m="http://schemas.openxmlformats.org/officeDocument/2006/math">
+                    <m:sSub>
+                      <m:sSubPr>
+                        <m:ctrlPr>
+                          <a:rPr lang="en-US" i="1">
+                            <a:latin typeface="Cambria Math" panose="02040503050406030204" pitchFamily="18" charset="0"/>
+                          </a:rPr>
+                        </m:ctrlPr>
+                      </m:sSubPr>
+                      <m:e>
+                        <m:r>
+                          <a:rPr lang="en-US" i="1">
+                            <a:latin typeface="Cambria Math" panose="02040503050406030204" pitchFamily="18" charset="0"/>
+                          </a:rPr>
+                          <m:t>𝑦</m:t>
+                        </m:r>
+                      </m:e>
+                      <m:sub>
+                        <m:r>
+                          <a:rPr lang="en-US" b="0" i="1" smtClean="0">
+                            <a:latin typeface="Cambria Math" panose="02040503050406030204" pitchFamily="18" charset="0"/>
+                          </a:rPr>
+                          <m:t>𝑖</m:t>
+                        </m:r>
+                      </m:sub>
+                    </m:sSub>
+                    <m:d>
+                      <m:dPr>
+                        <m:ctrlPr>
+                          <a:rPr lang="en-US" i="1">
+                            <a:latin typeface="Cambria Math" panose="02040503050406030204" pitchFamily="18" charset="0"/>
+                          </a:rPr>
+                        </m:ctrlPr>
+                      </m:dPr>
+                      <m:e>
+                        <m:r>
+                          <a:rPr lang="en-US" i="1">
+                            <a:latin typeface="Cambria Math" panose="02040503050406030204" pitchFamily="18" charset="0"/>
+                          </a:rPr>
+                          <m:t>𝑛</m:t>
+                        </m:r>
+                      </m:e>
+                    </m:d>
+                    <m:r>
+                      <a:rPr lang="en-US" i="1">
+                        <a:latin typeface="Cambria Math" panose="02040503050406030204" pitchFamily="18" charset="0"/>
+                      </a:rPr>
+                      <m:t>=</m:t>
+                    </m:r>
+                    <m:r>
+                      <a:rPr lang="en-US" b="0" i="1" smtClean="0">
+                        <a:latin typeface="Cambria Math" panose="02040503050406030204" pitchFamily="18" charset="0"/>
+                      </a:rPr>
+                      <m:t>[(</m:t>
+                    </m:r>
+                    <m:sSub>
+                      <m:sSubPr>
+                        <m:ctrlPr>
+                          <a:rPr lang="en-US" i="1" smtClean="0">
+                            <a:latin typeface="Cambria Math" panose="02040503050406030204" pitchFamily="18" charset="0"/>
+                          </a:rPr>
+                        </m:ctrlPr>
+                      </m:sSubPr>
+                      <m:e>
+                        <m:r>
+                          <a:rPr lang="en-US" b="0" i="1" smtClean="0">
+                            <a:latin typeface="Cambria Math" panose="02040503050406030204" pitchFamily="18" charset="0"/>
+                          </a:rPr>
+                          <m:t>𝑦</m:t>
+                        </m:r>
+                      </m:e>
+                      <m:sub>
+                        <m:r>
+                          <a:rPr lang="en-US" b="0" i="1" smtClean="0">
+                            <a:latin typeface="Cambria Math" panose="02040503050406030204" pitchFamily="18" charset="0"/>
+                          </a:rPr>
+                          <m:t>𝑖</m:t>
+                        </m:r>
+                        <m:r>
+                          <a:rPr lang="en-US" b="0" i="1" smtClean="0">
+                            <a:latin typeface="Cambria Math" panose="02040503050406030204" pitchFamily="18" charset="0"/>
+                          </a:rPr>
+                          <m:t>−1</m:t>
+                        </m:r>
+                      </m:sub>
+                    </m:sSub>
+                    <m:r>
+                      <a:rPr lang="en-US" b="0" i="1" smtClean="0">
+                        <a:latin typeface="Cambria Math" panose="02040503050406030204" pitchFamily="18" charset="0"/>
+                      </a:rPr>
+                      <m:t>(</m:t>
+                    </m:r>
+                    <m:r>
+                      <a:rPr lang="en-US" b="0" i="1" smtClean="0">
+                        <a:latin typeface="Cambria Math" panose="02040503050406030204" pitchFamily="18" charset="0"/>
+                      </a:rPr>
+                      <m:t>𝑛</m:t>
+                    </m:r>
+                    <m:r>
+                      <a:rPr lang="en-US" b="0" i="1" smtClean="0">
+                        <a:latin typeface="Cambria Math" panose="02040503050406030204" pitchFamily="18" charset="0"/>
+                      </a:rPr>
+                      <m:t>)⊗</m:t>
+                    </m:r>
+                  </m:oMath>
+                </a14:m>
+                <a:r>
+                  <a:rPr lang="en-US" dirty="0">
+                    <a:ea typeface="Cambria Math" panose="02040503050406030204" pitchFamily="18" charset="0"/>
+                  </a:rPr>
+                  <a:t> </a:t>
+                </a:r>
+                <a14:m>
+                  <m:oMath xmlns:m="http://schemas.openxmlformats.org/officeDocument/2006/math">
+                    <m:sSub>
+                      <m:sSubPr>
+                        <m:ctrlPr>
+                          <a:rPr lang="en-US" i="1">
+                            <a:latin typeface="Cambria Math" panose="02040503050406030204" pitchFamily="18" charset="0"/>
+                            <a:ea typeface="Cambria Math" panose="02040503050406030204" pitchFamily="18" charset="0"/>
+                          </a:rPr>
+                        </m:ctrlPr>
+                      </m:sSubPr>
+                      <m:e>
+                        <m:r>
+                          <a:rPr lang="en-US" i="1">
+                            <a:latin typeface="Cambria Math" panose="02040503050406030204" pitchFamily="18" charset="0"/>
+                            <a:ea typeface="Cambria Math" panose="02040503050406030204" pitchFamily="18" charset="0"/>
+                          </a:rPr>
+                          <m:t>𝑑</m:t>
+                        </m:r>
+                      </m:e>
+                      <m:sub>
+                        <m:r>
+                          <a:rPr lang="en-US" b="0" i="1" smtClean="0">
+                            <a:latin typeface="Cambria Math" panose="02040503050406030204" pitchFamily="18" charset="0"/>
+                            <a:ea typeface="Cambria Math" panose="02040503050406030204" pitchFamily="18" charset="0"/>
+                          </a:rPr>
+                          <m:t>𝑖</m:t>
+                        </m:r>
+                        <m:r>
+                          <a:rPr lang="en-US" b="0" i="1" smtClean="0">
+                            <a:latin typeface="Cambria Math" panose="02040503050406030204" pitchFamily="18" charset="0"/>
+                            <a:ea typeface="Cambria Math" panose="02040503050406030204" pitchFamily="18" charset="0"/>
+                          </a:rPr>
+                          <m:t>−1,</m:t>
+                        </m:r>
+                        <m:r>
+                          <a:rPr lang="en-US" b="0" i="1" smtClean="0">
+                            <a:latin typeface="Cambria Math" panose="02040503050406030204" pitchFamily="18" charset="0"/>
+                            <a:ea typeface="Cambria Math" panose="02040503050406030204" pitchFamily="18" charset="0"/>
+                          </a:rPr>
+                          <m:t>𝑖</m:t>
+                        </m:r>
+                      </m:sub>
+                    </m:sSub>
+                    <m:r>
+                      <a:rPr lang="en-US" b="0" i="1" smtClean="0">
+                        <a:latin typeface="Cambria Math" panose="02040503050406030204" pitchFamily="18" charset="0"/>
+                        <a:ea typeface="Cambria Math" panose="02040503050406030204" pitchFamily="18" charset="0"/>
+                      </a:rPr>
+                      <m:t>)</m:t>
+                    </m:r>
+                  </m:oMath>
+                </a14:m>
+                <a:r>
+                  <a:rPr lang="en-US" dirty="0">
+                    <a:ea typeface="Cambria Math" panose="02040503050406030204" pitchFamily="18" charset="0"/>
+                  </a:rPr>
+                  <a:t> </a:t>
+                </a:r>
+                <a14:m>
+                  <m:oMath xmlns:m="http://schemas.openxmlformats.org/officeDocument/2006/math">
+                    <m:r>
+                      <a:rPr lang="en-US" i="1" dirty="0" smtClean="0">
+                        <a:latin typeface="Cambria Math" panose="02040503050406030204" pitchFamily="18" charset="0"/>
+                        <a:ea typeface="Cambria Math" panose="02040503050406030204" pitchFamily="18" charset="0"/>
+                      </a:rPr>
+                      <m:t>⊕</m:t>
+                    </m:r>
+                  </m:oMath>
+                </a14:m>
+                <a:r>
+                  <a:rPr lang="en-US" dirty="0"/>
+                  <a:t> (</a:t>
+                </a:r>
+                <a14:m>
+                  <m:oMath xmlns:m="http://schemas.openxmlformats.org/officeDocument/2006/math">
+                    <m:sSub>
+                      <m:sSubPr>
+                        <m:ctrlPr>
+                          <a:rPr lang="en-US" i="1">
+                            <a:latin typeface="Cambria Math" panose="02040503050406030204" pitchFamily="18" charset="0"/>
+                          </a:rPr>
+                        </m:ctrlPr>
+                      </m:sSubPr>
+                      <m:e>
+                        <m:r>
+                          <a:rPr lang="en-US" i="1">
+                            <a:latin typeface="Cambria Math" panose="02040503050406030204" pitchFamily="18" charset="0"/>
+                          </a:rPr>
+                          <m:t>𝑦</m:t>
+                        </m:r>
+                      </m:e>
+                      <m:sub>
+                        <m:r>
+                          <a:rPr lang="en-US" i="1">
+                            <a:latin typeface="Cambria Math" panose="02040503050406030204" pitchFamily="18" charset="0"/>
+                          </a:rPr>
+                          <m:t>𝑖</m:t>
+                        </m:r>
+                      </m:sub>
+                    </m:sSub>
+                    <m:r>
+                      <a:rPr lang="en-US" b="0" i="1" smtClean="0">
+                        <a:latin typeface="Cambria Math" panose="02040503050406030204" pitchFamily="18" charset="0"/>
+                      </a:rPr>
+                      <m:t>(</m:t>
+                    </m:r>
+                    <m:r>
+                      <a:rPr lang="en-US" b="0" i="1" smtClean="0">
+                        <a:latin typeface="Cambria Math" panose="02040503050406030204" pitchFamily="18" charset="0"/>
+                      </a:rPr>
+                      <m:t>𝑛</m:t>
+                    </m:r>
+                    <m:r>
+                      <a:rPr lang="en-US" b="0" i="1" smtClean="0">
+                        <a:latin typeface="Cambria Math" panose="02040503050406030204" pitchFamily="18" charset="0"/>
+                      </a:rPr>
+                      <m:t>−1))]</m:t>
+                    </m:r>
+                  </m:oMath>
+                </a14:m>
+                <a:r>
+                  <a:rPr lang="en-US" dirty="0">
+                    <a:ea typeface="Cambria Math" panose="02040503050406030204" pitchFamily="18" charset="0"/>
+                  </a:rPr>
+                  <a:t> </a:t>
+                </a:r>
+                <a14:m>
+                  <m:oMath xmlns:m="http://schemas.openxmlformats.org/officeDocument/2006/math">
+                    <m:r>
+                      <a:rPr lang="en-US" i="1">
+                        <a:latin typeface="Cambria Math" panose="02040503050406030204" pitchFamily="18" charset="0"/>
+                        <a:ea typeface="Cambria Math" panose="02040503050406030204" pitchFamily="18" charset="0"/>
+                      </a:rPr>
+                      <m:t>⊗</m:t>
+                    </m:r>
+                  </m:oMath>
+                </a14:m>
+                <a:r>
+                  <a:rPr lang="en-US" dirty="0"/>
+                  <a:t> </a:t>
+                </a:r>
+                <a14:m>
+                  <m:oMath xmlns:m="http://schemas.openxmlformats.org/officeDocument/2006/math">
+                    <m:sSub>
+                      <m:sSubPr>
+                        <m:ctrlPr>
+                          <a:rPr lang="en-US" i="1">
+                            <a:latin typeface="Cambria Math" panose="02040503050406030204" pitchFamily="18" charset="0"/>
+                          </a:rPr>
+                        </m:ctrlPr>
+                      </m:sSubPr>
+                      <m:e>
+                        <m:r>
+                          <a:rPr lang="en-US" i="1">
+                            <a:latin typeface="Cambria Math" panose="02040503050406030204" pitchFamily="18" charset="0"/>
+                          </a:rPr>
+                          <m:t>𝜎</m:t>
+                        </m:r>
+                      </m:e>
+                      <m:sub>
+                        <m:r>
+                          <a:rPr lang="en-US" i="1">
+                            <a:latin typeface="Cambria Math" panose="02040503050406030204" pitchFamily="18" charset="0"/>
+                          </a:rPr>
+                          <m:t>𝑖</m:t>
+                        </m:r>
+                      </m:sub>
+                    </m:sSub>
+                    <m:d>
+                      <m:dPr>
+                        <m:ctrlPr>
+                          <a:rPr lang="en-US" i="1">
+                            <a:latin typeface="Cambria Math" panose="02040503050406030204" pitchFamily="18" charset="0"/>
+                          </a:rPr>
+                        </m:ctrlPr>
+                      </m:dPr>
+                      <m:e>
+                        <m:r>
+                          <a:rPr lang="en-US" i="1">
+                            <a:latin typeface="Cambria Math" panose="02040503050406030204" pitchFamily="18" charset="0"/>
+                          </a:rPr>
+                          <m:t>𝑛</m:t>
+                        </m:r>
+                      </m:e>
+                    </m:d>
+                  </m:oMath>
+                </a14:m>
+                <a:r>
+                  <a:rPr lang="en-US" dirty="0"/>
+                  <a:t> // </a:t>
+                </a:r>
+                <a14:m>
+                  <m:oMath xmlns:m="http://schemas.openxmlformats.org/officeDocument/2006/math">
+                    <m:sSub>
+                      <m:sSubPr>
+                        <m:ctrlPr>
+                          <a:rPr lang="en-US" i="1">
+                            <a:latin typeface="Cambria Math" panose="02040503050406030204" pitchFamily="18" charset="0"/>
+                            <a:ea typeface="Cambria Math" panose="02040503050406030204" pitchFamily="18" charset="0"/>
+                          </a:rPr>
+                        </m:ctrlPr>
+                      </m:sSubPr>
+                      <m:e>
+                        <m:r>
+                          <a:rPr lang="en-US" i="1">
+                            <a:latin typeface="Cambria Math" panose="02040503050406030204" pitchFamily="18" charset="0"/>
+                            <a:ea typeface="Cambria Math" panose="02040503050406030204" pitchFamily="18" charset="0"/>
+                          </a:rPr>
+                          <m:t>𝑑</m:t>
+                        </m:r>
+                      </m:e>
+                      <m:sub>
+                        <m:r>
+                          <a:rPr lang="en-US" i="1">
+                            <a:latin typeface="Cambria Math" panose="02040503050406030204" pitchFamily="18" charset="0"/>
+                            <a:ea typeface="Cambria Math" panose="02040503050406030204" pitchFamily="18" charset="0"/>
+                          </a:rPr>
+                          <m:t>𝑖</m:t>
+                        </m:r>
+                        <m:r>
+                          <a:rPr lang="en-US" i="1">
+                            <a:latin typeface="Cambria Math" panose="02040503050406030204" pitchFamily="18" charset="0"/>
+                            <a:ea typeface="Cambria Math" panose="02040503050406030204" pitchFamily="18" charset="0"/>
+                          </a:rPr>
+                          <m:t>−1,</m:t>
+                        </m:r>
+                        <m:r>
+                          <a:rPr lang="en-US" i="1">
+                            <a:latin typeface="Cambria Math" panose="02040503050406030204" pitchFamily="18" charset="0"/>
+                            <a:ea typeface="Cambria Math" panose="02040503050406030204" pitchFamily="18" charset="0"/>
+                          </a:rPr>
+                          <m:t>𝑖</m:t>
+                        </m:r>
+                      </m:sub>
+                    </m:sSub>
+                  </m:oMath>
+                </a14:m>
+                <a:r>
+                  <a:rPr lang="en-US" dirty="0"/>
+                  <a:t> is not the same as the ACK</a:t>
+                </a:r>
+              </a:p>
+              <a:p>
+                <a:r>
+                  <a:rPr lang="en-US" dirty="0"/>
+                  <a:t>Takeaways:</a:t>
+                </a:r>
+              </a:p>
+              <a:p>
+                <a:pPr lvl="1"/>
+                <a14:m>
+                  <m:oMath xmlns:m="http://schemas.openxmlformats.org/officeDocument/2006/math">
+                    <m:sSub>
+                      <m:sSubPr>
+                        <m:ctrlPr>
+                          <a:rPr lang="en-US" i="1">
+                            <a:latin typeface="Cambria Math" panose="02040503050406030204" pitchFamily="18" charset="0"/>
+                          </a:rPr>
+                        </m:ctrlPr>
+                      </m:sSubPr>
+                      <m:e>
+                        <m:r>
+                          <a:rPr lang="en-US" i="1">
+                            <a:latin typeface="Cambria Math" panose="02040503050406030204" pitchFamily="18" charset="0"/>
+                          </a:rPr>
+                          <m:t>𝑥</m:t>
+                        </m:r>
+                      </m:e>
+                      <m:sub>
+                        <m:r>
+                          <a:rPr lang="en-US" i="1">
+                            <a:latin typeface="Cambria Math" panose="02040503050406030204" pitchFamily="18" charset="0"/>
+                          </a:rPr>
+                          <m:t>𝑖</m:t>
+                        </m:r>
+                      </m:sub>
+                    </m:sSub>
+                    <m:d>
+                      <m:dPr>
+                        <m:ctrlPr>
+                          <a:rPr lang="en-US" i="1">
+                            <a:latin typeface="Cambria Math" panose="02040503050406030204" pitchFamily="18" charset="0"/>
+                          </a:rPr>
+                        </m:ctrlPr>
+                      </m:dPr>
+                      <m:e>
+                        <m:r>
+                          <a:rPr lang="en-US" i="1">
+                            <a:latin typeface="Cambria Math" panose="02040503050406030204" pitchFamily="18" charset="0"/>
+                          </a:rPr>
+                          <m:t>𝑛</m:t>
+                        </m:r>
+                      </m:e>
+                    </m:d>
+                    <m:d>
+                      <m:dPr>
+                        <m:ctrlPr>
+                          <a:rPr lang="en-US" b="0" i="1" smtClean="0">
+                            <a:latin typeface="Cambria Math" panose="02040503050406030204" pitchFamily="18" charset="0"/>
+                          </a:rPr>
+                        </m:ctrlPr>
+                      </m:dPr>
+                      <m:e>
+                        <m:r>
+                          <a:rPr lang="en-US" b="0" i="1" smtClean="0">
+                            <a:latin typeface="Cambria Math" panose="02040503050406030204" pitchFamily="18" charset="0"/>
+                          </a:rPr>
+                          <m:t>𝑡𝑖𝑚𝑒</m:t>
+                        </m:r>
+                        <m:r>
+                          <a:rPr lang="en-US" b="0" i="1" smtClean="0">
+                            <a:latin typeface="Cambria Math" panose="02040503050406030204" pitchFamily="18" charset="0"/>
+                          </a:rPr>
+                          <m:t> </m:t>
+                        </m:r>
+                        <m:r>
+                          <a:rPr lang="en-US" b="0" i="1" smtClean="0">
+                            <a:latin typeface="Cambria Math" panose="02040503050406030204" pitchFamily="18" charset="0"/>
+                          </a:rPr>
+                          <m:t>𝑎𝑡</m:t>
+                        </m:r>
+                        <m:r>
+                          <a:rPr lang="en-US" b="0" i="1" smtClean="0">
+                            <a:latin typeface="Cambria Math" panose="02040503050406030204" pitchFamily="18" charset="0"/>
+                          </a:rPr>
+                          <m:t> </m:t>
+                        </m:r>
+                        <m:r>
+                          <a:rPr lang="en-US" b="0" i="1" smtClean="0">
+                            <a:latin typeface="Cambria Math" panose="02040503050406030204" pitchFamily="18" charset="0"/>
+                          </a:rPr>
+                          <m:t>𝑤h𝑖𝑐h</m:t>
+                        </m:r>
+                        <m:r>
+                          <a:rPr lang="en-US" b="0" i="1" smtClean="0">
+                            <a:latin typeface="Cambria Math" panose="02040503050406030204" pitchFamily="18" charset="0"/>
+                          </a:rPr>
+                          <m:t> </m:t>
+                        </m:r>
+                        <m:r>
+                          <a:rPr lang="en-US" b="0" i="1" smtClean="0">
+                            <a:latin typeface="Cambria Math" panose="02040503050406030204" pitchFamily="18" charset="0"/>
+                          </a:rPr>
+                          <m:t>𝑝𝑎𝑐𝑘𝑒𝑡</m:t>
+                        </m:r>
+                        <m:r>
+                          <a:rPr lang="en-US" b="0" i="1" smtClean="0">
+                            <a:latin typeface="Cambria Math" panose="02040503050406030204" pitchFamily="18" charset="0"/>
+                          </a:rPr>
+                          <m:t> </m:t>
+                        </m:r>
+                        <m:r>
+                          <a:rPr lang="en-US" b="0" i="1" smtClean="0">
+                            <a:latin typeface="Cambria Math" panose="02040503050406030204" pitchFamily="18" charset="0"/>
+                          </a:rPr>
+                          <m:t>𝑛</m:t>
+                        </m:r>
+                        <m:r>
+                          <a:rPr lang="en-US" b="0" i="1" smtClean="0">
+                            <a:latin typeface="Cambria Math" panose="02040503050406030204" pitchFamily="18" charset="0"/>
+                          </a:rPr>
+                          <m:t> </m:t>
+                        </m:r>
+                        <m:r>
+                          <a:rPr lang="en-US" b="0" i="1" smtClean="0">
+                            <a:latin typeface="Cambria Math" panose="02040503050406030204" pitchFamily="18" charset="0"/>
+                          </a:rPr>
+                          <m:t>𝑠𝑡𝑎𝑟𝑡</m:t>
+                        </m:r>
+                        <m:r>
+                          <a:rPr lang="en-US" b="0" i="1" smtClean="0">
+                            <a:latin typeface="Cambria Math" panose="02040503050406030204" pitchFamily="18" charset="0"/>
+                          </a:rPr>
+                          <m:t> </m:t>
+                        </m:r>
+                        <m:r>
+                          <a:rPr lang="en-US" b="0" i="1" smtClean="0">
+                            <a:latin typeface="Cambria Math" panose="02040503050406030204" pitchFamily="18" charset="0"/>
+                          </a:rPr>
+                          <m:t>𝑠𝑒𝑟𝑣𝑖𝑐𝑒</m:t>
+                        </m:r>
+                        <m:r>
+                          <a:rPr lang="en-US" b="0" i="1" smtClean="0">
+                            <a:latin typeface="Cambria Math" panose="02040503050406030204" pitchFamily="18" charset="0"/>
+                          </a:rPr>
+                          <m:t> </m:t>
+                        </m:r>
+                        <m:r>
+                          <a:rPr lang="en-US" b="0" i="1" smtClean="0">
+                            <a:latin typeface="Cambria Math" panose="02040503050406030204" pitchFamily="18" charset="0"/>
+                          </a:rPr>
+                          <m:t>𝑡𝑖𝑚𝑒</m:t>
+                        </m:r>
+                        <m:r>
+                          <a:rPr lang="en-US" b="0" i="1" smtClean="0">
+                            <a:latin typeface="Cambria Math" panose="02040503050406030204" pitchFamily="18" charset="0"/>
+                          </a:rPr>
+                          <m:t> </m:t>
+                        </m:r>
+                        <m:r>
+                          <a:rPr lang="en-US" b="0" i="1" smtClean="0">
+                            <a:latin typeface="Cambria Math" panose="02040503050406030204" pitchFamily="18" charset="0"/>
+                          </a:rPr>
+                          <m:t>𝑜𝑛</m:t>
+                        </m:r>
+                        <m:r>
+                          <a:rPr lang="en-US" b="0" i="1" smtClean="0">
+                            <a:latin typeface="Cambria Math" panose="02040503050406030204" pitchFamily="18" charset="0"/>
+                          </a:rPr>
+                          <m:t> </m:t>
+                        </m:r>
+                        <m:r>
+                          <a:rPr lang="en-US" b="0" i="1" smtClean="0">
+                            <a:latin typeface="Cambria Math" panose="02040503050406030204" pitchFamily="18" charset="0"/>
+                          </a:rPr>
+                          <m:t>𝑟𝑜𝑢𝑡𝑒𝑟</m:t>
+                        </m:r>
+                        <m:r>
+                          <a:rPr lang="en-US" b="0" i="1" smtClean="0">
+                            <a:latin typeface="Cambria Math" panose="02040503050406030204" pitchFamily="18" charset="0"/>
+                          </a:rPr>
+                          <m:t> </m:t>
+                        </m:r>
+                        <m:r>
+                          <a:rPr lang="en-US" b="0" i="1" smtClean="0">
+                            <a:latin typeface="Cambria Math" panose="02040503050406030204" pitchFamily="18" charset="0"/>
+                          </a:rPr>
+                          <m:t>𝑖</m:t>
+                        </m:r>
+                      </m:e>
+                    </m:d>
+                    <m:r>
+                      <a:rPr lang="en-US" b="0" i="1" smtClean="0">
+                        <a:latin typeface="Cambria Math" panose="02040503050406030204" pitchFamily="18" charset="0"/>
+                      </a:rPr>
+                      <m:t>𝑖𝑠</m:t>
+                    </m:r>
+                    <m:r>
+                      <a:rPr lang="en-US" b="0" i="1" smtClean="0">
+                        <a:latin typeface="Cambria Math" panose="02040503050406030204" pitchFamily="18" charset="0"/>
+                      </a:rPr>
+                      <m:t> </m:t>
+                    </m:r>
+                    <m:r>
+                      <a:rPr lang="en-US" b="0" i="1" smtClean="0">
+                        <a:latin typeface="Cambria Math" panose="02040503050406030204" pitchFamily="18" charset="0"/>
+                      </a:rPr>
+                      <m:t>𝑚𝑜𝑑𝑒𝑙𝑒𝑑</m:t>
+                    </m:r>
+                    <m:r>
+                      <a:rPr lang="en-US" b="0" i="1" smtClean="0">
+                        <a:latin typeface="Cambria Math" panose="02040503050406030204" pitchFamily="18" charset="0"/>
+                      </a:rPr>
+                      <m:t> </m:t>
+                    </m:r>
+                    <m:r>
+                      <a:rPr lang="en-US" b="0" i="1" smtClean="0">
+                        <a:latin typeface="Cambria Math" panose="02040503050406030204" pitchFamily="18" charset="0"/>
+                      </a:rPr>
+                      <m:t>𝑜𝑛</m:t>
+                    </m:r>
+                    <m:r>
+                      <a:rPr lang="en-US" b="0" i="1" smtClean="0">
+                        <a:latin typeface="Cambria Math" panose="02040503050406030204" pitchFamily="18" charset="0"/>
+                      </a:rPr>
+                      <m:t> </m:t>
+                    </m:r>
+                    <m:sSub>
+                      <m:sSubPr>
+                        <m:ctrlPr>
+                          <a:rPr lang="en-US" i="1">
+                            <a:latin typeface="Cambria Math" panose="02040503050406030204" pitchFamily="18" charset="0"/>
+                          </a:rPr>
+                        </m:ctrlPr>
+                      </m:sSubPr>
+                      <m:e>
+                        <m:r>
+                          <a:rPr lang="en-US" i="1">
+                            <a:latin typeface="Cambria Math" panose="02040503050406030204" pitchFamily="18" charset="0"/>
+                          </a:rPr>
+                          <m:t>{</m:t>
+                        </m:r>
+                        <m:r>
+                          <a:rPr lang="en-US" i="1">
+                            <a:latin typeface="Cambria Math" panose="02040503050406030204" pitchFamily="18" charset="0"/>
+                          </a:rPr>
+                          <m:t>𝑣</m:t>
+                        </m:r>
+                      </m:e>
+                      <m:sub>
+                        <m:r>
+                          <a:rPr lang="en-US" i="1">
+                            <a:latin typeface="Cambria Math" panose="02040503050406030204" pitchFamily="18" charset="0"/>
+                          </a:rPr>
+                          <m:t>𝑛</m:t>
+                        </m:r>
+                      </m:sub>
+                    </m:sSub>
+                    <m:r>
+                      <a:rPr lang="en-US" i="1">
+                        <a:latin typeface="Cambria Math" panose="02040503050406030204" pitchFamily="18" charset="0"/>
+                      </a:rPr>
+                      <m:t>}</m:t>
+                    </m:r>
+                  </m:oMath>
+                </a14:m>
+                <a:r>
+                  <a:rPr lang="en-US" dirty="0"/>
+                  <a:t> </a:t>
+                </a:r>
+              </a:p>
+              <a:p>
+                <a:r>
+                  <a:rPr lang="en-US" dirty="0"/>
+                  <a:t>Representing the route backwards as a sequence of routers</a:t>
+                </a:r>
+              </a:p>
+              <a:p>
+                <a:pPr lvl="1"/>
+                <a14:m>
+                  <m:oMath xmlns:m="http://schemas.openxmlformats.org/officeDocument/2006/math">
+                    <m:r>
+                      <a:rPr lang="en-US" b="0" i="1" smtClean="0">
+                        <a:latin typeface="Cambria Math" panose="02040503050406030204" pitchFamily="18" charset="0"/>
+                      </a:rPr>
+                      <m:t>𝑌</m:t>
+                    </m:r>
+                    <m:d>
+                      <m:dPr>
+                        <m:ctrlPr>
+                          <a:rPr lang="en-US" b="0" i="1" smtClean="0">
+                            <a:latin typeface="Cambria Math" panose="02040503050406030204" pitchFamily="18" charset="0"/>
+                          </a:rPr>
+                        </m:ctrlPr>
+                      </m:dPr>
+                      <m:e>
+                        <m:r>
+                          <a:rPr lang="en-US" b="0" i="1" smtClean="0">
+                            <a:latin typeface="Cambria Math" panose="02040503050406030204" pitchFamily="18" charset="0"/>
+                          </a:rPr>
+                          <m:t>𝑛</m:t>
+                        </m:r>
+                      </m:e>
+                    </m:d>
+                    <m:r>
+                      <a:rPr lang="en-US" b="0" i="1" smtClean="0">
+                        <a:latin typeface="Cambria Math" panose="02040503050406030204" pitchFamily="18" charset="0"/>
+                      </a:rPr>
+                      <m:t>=(</m:t>
+                    </m:r>
+                    <m:sSub>
+                      <m:sSubPr>
+                        <m:ctrlPr>
+                          <a:rPr lang="en-US" i="1">
+                            <a:latin typeface="Cambria Math" panose="02040503050406030204" pitchFamily="18" charset="0"/>
+                          </a:rPr>
+                        </m:ctrlPr>
+                      </m:sSubPr>
+                      <m:e>
+                        <m:r>
+                          <a:rPr lang="en-US" i="1">
+                            <a:latin typeface="Cambria Math" panose="02040503050406030204" pitchFamily="18" charset="0"/>
+                          </a:rPr>
+                          <m:t>𝑦</m:t>
+                        </m:r>
+                      </m:e>
+                      <m:sub>
+                        <m:r>
+                          <a:rPr lang="en-US" b="0" i="1" smtClean="0">
+                            <a:latin typeface="Cambria Math" panose="02040503050406030204" pitchFamily="18" charset="0"/>
+                          </a:rPr>
+                          <m:t>1</m:t>
+                        </m:r>
+                      </m:sub>
+                    </m:sSub>
+                    <m:d>
+                      <m:dPr>
+                        <m:ctrlPr>
+                          <a:rPr lang="en-US" i="1">
+                            <a:latin typeface="Cambria Math" panose="02040503050406030204" pitchFamily="18" charset="0"/>
+                          </a:rPr>
+                        </m:ctrlPr>
+                      </m:dPr>
+                      <m:e>
+                        <m:r>
+                          <a:rPr lang="en-US" i="1">
+                            <a:latin typeface="Cambria Math" panose="02040503050406030204" pitchFamily="18" charset="0"/>
+                          </a:rPr>
+                          <m:t>𝑛</m:t>
+                        </m:r>
+                      </m:e>
+                    </m:d>
+                    <m:r>
+                      <a:rPr lang="en-US" b="0" i="1" smtClean="0">
+                        <a:latin typeface="Cambria Math" panose="02040503050406030204" pitchFamily="18" charset="0"/>
+                      </a:rPr>
+                      <m:t>,</m:t>
+                    </m:r>
+                    <m:sSub>
+                      <m:sSubPr>
+                        <m:ctrlPr>
+                          <a:rPr lang="en-US" i="1">
+                            <a:latin typeface="Cambria Math" panose="02040503050406030204" pitchFamily="18" charset="0"/>
+                          </a:rPr>
+                        </m:ctrlPr>
+                      </m:sSubPr>
+                      <m:e>
+                        <m:r>
+                          <a:rPr lang="en-US" i="1">
+                            <a:latin typeface="Cambria Math" panose="02040503050406030204" pitchFamily="18" charset="0"/>
+                          </a:rPr>
+                          <m:t>𝑦</m:t>
+                        </m:r>
+                      </m:e>
+                      <m:sub>
+                        <m:r>
+                          <a:rPr lang="en-US" b="0" i="1" smtClean="0">
+                            <a:latin typeface="Cambria Math" panose="02040503050406030204" pitchFamily="18" charset="0"/>
+                          </a:rPr>
+                          <m:t>2</m:t>
+                        </m:r>
+                      </m:sub>
+                    </m:sSub>
+                    <m:d>
+                      <m:dPr>
+                        <m:ctrlPr>
+                          <a:rPr lang="en-US" i="1">
+                            <a:latin typeface="Cambria Math" panose="02040503050406030204" pitchFamily="18" charset="0"/>
+                          </a:rPr>
+                        </m:ctrlPr>
+                      </m:dPr>
+                      <m:e>
+                        <m:r>
+                          <a:rPr lang="en-US" i="1">
+                            <a:latin typeface="Cambria Math" panose="02040503050406030204" pitchFamily="18" charset="0"/>
+                          </a:rPr>
+                          <m:t>𝑛</m:t>
+                        </m:r>
+                      </m:e>
+                    </m:d>
+                    <m:r>
+                      <a:rPr lang="en-US" b="0" i="1" smtClean="0">
+                        <a:latin typeface="Cambria Math" panose="02040503050406030204" pitchFamily="18" charset="0"/>
+                      </a:rPr>
+                      <m:t>,…,</m:t>
+                    </m:r>
+                    <m:sSub>
+                      <m:sSubPr>
+                        <m:ctrlPr>
+                          <a:rPr lang="en-US" i="1">
+                            <a:latin typeface="Cambria Math" panose="02040503050406030204" pitchFamily="18" charset="0"/>
+                          </a:rPr>
+                        </m:ctrlPr>
+                      </m:sSubPr>
+                      <m:e>
+                        <m:r>
+                          <a:rPr lang="en-US" i="1">
+                            <a:latin typeface="Cambria Math" panose="02040503050406030204" pitchFamily="18" charset="0"/>
+                          </a:rPr>
+                          <m:t>𝑦</m:t>
+                        </m:r>
+                      </m:e>
+                      <m:sub>
+                        <m:r>
+                          <a:rPr lang="en-US" b="0" i="1" smtClean="0">
+                            <a:latin typeface="Cambria Math" panose="02040503050406030204" pitchFamily="18" charset="0"/>
+                          </a:rPr>
+                          <m:t>𝐾</m:t>
+                        </m:r>
+                      </m:sub>
+                    </m:sSub>
+                    <m:d>
+                      <m:dPr>
+                        <m:ctrlPr>
+                          <a:rPr lang="en-US" i="1">
+                            <a:latin typeface="Cambria Math" panose="02040503050406030204" pitchFamily="18" charset="0"/>
+                          </a:rPr>
+                        </m:ctrlPr>
+                      </m:dPr>
+                      <m:e>
+                        <m:r>
+                          <a:rPr lang="en-US" i="1">
+                            <a:latin typeface="Cambria Math" panose="02040503050406030204" pitchFamily="18" charset="0"/>
+                          </a:rPr>
+                          <m:t>𝑛</m:t>
+                        </m:r>
+                      </m:e>
+                    </m:d>
+                    <m:r>
+                      <a:rPr lang="en-US" b="0" i="1" smtClean="0">
+                        <a:latin typeface="Cambria Math" panose="02040503050406030204" pitchFamily="18" charset="0"/>
+                      </a:rPr>
+                      <m:t>)</m:t>
+                    </m:r>
+                    <m:r>
+                      <a:rPr lang="en-US" b="0" i="1" smtClean="0">
+                        <a:latin typeface="Cambria Math" panose="02040503050406030204" pitchFamily="18" charset="0"/>
+                        <a:ea typeface="Cambria Math" panose="02040503050406030204" pitchFamily="18" charset="0"/>
+                      </a:rPr>
+                      <m:t>𝜖</m:t>
+                    </m:r>
+                    <m:sSubSup>
+                      <m:sSubSupPr>
+                        <m:ctrlPr>
+                          <a:rPr lang="en-US" b="0" i="1" smtClean="0">
+                            <a:latin typeface="Cambria Math" panose="02040503050406030204" pitchFamily="18" charset="0"/>
+                            <a:ea typeface="Cambria Math" panose="02040503050406030204" pitchFamily="18" charset="0"/>
+                          </a:rPr>
+                        </m:ctrlPr>
+                      </m:sSubSupPr>
+                      <m:e>
+                        <m:r>
+                          <a:rPr lang="en-US" i="1">
+                            <a:latin typeface="Cambria Math" panose="02040503050406030204" pitchFamily="18" charset="0"/>
+                            <a:ea typeface="Cambria Math" panose="02040503050406030204" pitchFamily="18" charset="0"/>
+                          </a:rPr>
+                          <m:t>ℝ</m:t>
+                        </m:r>
+                      </m:e>
+                      <m:sub>
+                        <m:r>
+                          <a:rPr lang="en-US" b="0" i="1" smtClean="0">
+                            <a:latin typeface="Cambria Math" panose="02040503050406030204" pitchFamily="18" charset="0"/>
+                            <a:ea typeface="Cambria Math" panose="02040503050406030204" pitchFamily="18" charset="0"/>
+                          </a:rPr>
+                          <m:t>𝑚𝑎𝑥</m:t>
+                        </m:r>
+                      </m:sub>
+                      <m:sup>
+                        <m:r>
+                          <a:rPr lang="en-US" b="0" i="1" smtClean="0">
+                            <a:latin typeface="Cambria Math" panose="02040503050406030204" pitchFamily="18" charset="0"/>
+                            <a:ea typeface="Cambria Math" panose="02040503050406030204" pitchFamily="18" charset="0"/>
+                          </a:rPr>
+                          <m:t>1,</m:t>
+                        </m:r>
+                        <m:r>
+                          <a:rPr lang="en-US" b="0" i="1" smtClean="0">
+                            <a:latin typeface="Cambria Math" panose="02040503050406030204" pitchFamily="18" charset="0"/>
+                            <a:ea typeface="Cambria Math" panose="02040503050406030204" pitchFamily="18" charset="0"/>
+                          </a:rPr>
+                          <m:t>𝐾</m:t>
+                        </m:r>
+                      </m:sup>
+                    </m:sSubSup>
+                  </m:oMath>
+                </a14:m>
+                <a:r>
+                  <a:rPr lang="en-US" dirty="0"/>
+                  <a:t>  sequence of times packet n leaves each router</a:t>
+                </a:r>
+              </a:p>
+              <a:p>
+                <a:pPr lvl="1"/>
+                <a:r>
+                  <a:rPr lang="en-US" dirty="0"/>
+                  <a:t>This is a 1x K matrix</a:t>
+                </a:r>
+              </a:p>
+              <a:p>
+                <a:pPr lvl="1"/>
+                <a:endParaRPr lang="en-US" dirty="0"/>
+              </a:p>
+            </p:txBody>
+          </p:sp>
+        </mc:Choice>
+        <mc:Fallback xmlns="">
+          <p:sp>
+            <p:nvSpPr>
+              <p:cNvPr id="3" name="Content Placeholder 2">
+                <a:extLst>
+                  <a:ext uri="{FF2B5EF4-FFF2-40B4-BE49-F238E27FC236}">
+                    <a16:creationId xmlns:a16="http://schemas.microsoft.com/office/drawing/2014/main" id="{B8AEB25F-8A6B-4046-B51B-266B19EA3FE4}"/>
+                  </a:ext>
+                </a:extLst>
+              </p:cNvPr>
+              <p:cNvSpPr>
+                <a:spLocks noGrp="1" noRot="1" noChangeAspect="1" noMove="1" noResize="1" noEditPoints="1" noAdjustHandles="1" noChangeArrowheads="1" noChangeShapeType="1" noTextEdit="1"/>
+              </p:cNvSpPr>
+              <p:nvPr>
+                <p:ph idx="1"/>
+              </p:nvPr>
+            </p:nvSpPr>
+            <p:spPr>
+              <a:xfrm>
+                <a:off x="2231136" y="2638044"/>
+                <a:ext cx="7729728" cy="4001295"/>
+              </a:xfrm>
+              <a:blipFill>
+                <a:blip r:embed="rId2"/>
+                <a:stretch>
+                  <a:fillRect l="-328" t="-949"/>
+                </a:stretch>
+              </a:blipFill>
+            </p:spPr>
+            <p:txBody>
+              <a:bodyPr/>
+              <a:lstStyle/>
+              <a:p>
+                <a:r>
+                  <a:rPr lang="en-US">
+                    <a:noFill/>
+                  </a:rPr>
+                  <a:t> </a:t>
+                </a:r>
+              </a:p>
+            </p:txBody>
+          </p:sp>
+        </mc:Fallback>
+      </mc:AlternateContent>
+    </p:spTree>
+    <p:extLst>
+      <p:ext uri="{BB962C8B-B14F-4D97-AF65-F5344CB8AC3E}">
+        <p14:creationId xmlns:p14="http://schemas.microsoft.com/office/powerpoint/2010/main" val="4060171518"/>
+      </p:ext>
+    </p:extLst>
+  </p:cSld>
+  <p:clrMapOvr>
+    <a:masterClrMapping/>
+  </p:clrMapOvr>
+</p:sld>
+</file>
+
+<file path=ppt/slides/slide11.xml><?xml version="1.0" encoding="utf-8"?>
 <p:sld xmlns:a="http://schemas.openxmlformats.org/drawingml/2006/main" xmlns:r="http://schemas.openxmlformats.org/officeDocument/2006/relationships" xmlns:p="http://schemas.openxmlformats.org/presentationml/2006/main">
   <p:cSld>
     <p:spTree>
@@ -5037,7 +6433,7 @@
 </p:sld>
 </file>
 
-<file path=ppt/slides/slide11.xml><?xml version="1.0" encoding="utf-8"?>
+<file path=ppt/slides/slide12.xml><?xml version="1.0" encoding="utf-8"?>
 <p:sld xmlns:a="http://schemas.openxmlformats.org/drawingml/2006/main" xmlns:r="http://schemas.openxmlformats.org/officeDocument/2006/relationships" xmlns:p="http://schemas.openxmlformats.org/presentationml/2006/main">
   <p:cSld>
     <p:spTree>
@@ -6088,7 +7484,7 @@
 </p:sld>
 </file>
 
-<file path=ppt/slides/slide12.xml><?xml version="1.0" encoding="utf-8"?>
+<file path=ppt/slides/slide13.xml><?xml version="1.0" encoding="utf-8"?>
 <p:sld xmlns:a="http://schemas.openxmlformats.org/drawingml/2006/main" xmlns:r="http://schemas.openxmlformats.org/officeDocument/2006/relationships" xmlns:p="http://schemas.openxmlformats.org/presentationml/2006/main">
   <p:cSld>
     <p:spTree>
@@ -7186,7 +8582,344 @@
 </p:sld>
 </file>
 
+<file path=ppt/slides/slide14.xml><?xml version="1.0" encoding="utf-8"?>
+<p:sld xmlns:a="http://schemas.openxmlformats.org/drawingml/2006/main" xmlns:r="http://schemas.openxmlformats.org/officeDocument/2006/relationships" xmlns:p="http://schemas.openxmlformats.org/presentationml/2006/main">
+  <p:cSld>
+    <p:spTree>
+      <p:nvGrpSpPr>
+        <p:cNvPr id="1" name=""/>
+        <p:cNvGrpSpPr/>
+        <p:nvPr/>
+      </p:nvGrpSpPr>
+      <p:grpSpPr>
+        <a:xfrm>
+          <a:off x="0" y="0"/>
+          <a:ext cx="0" cy="0"/>
+          <a:chOff x="0" y="0"/>
+          <a:chExt cx="0" cy="0"/>
+        </a:xfrm>
+      </p:grpSpPr>
+      <p:sp>
+        <p:nvSpPr>
+          <p:cNvPr id="2" name="Title 1">
+            <a:extLst>
+              <a:ext uri="{FF2B5EF4-FFF2-40B4-BE49-F238E27FC236}">
+                <a16:creationId xmlns:a16="http://schemas.microsoft.com/office/drawing/2014/main" id="{CF7F9FAF-ABD2-7943-B728-33E3EEB658AC}"/>
+              </a:ext>
+            </a:extLst>
+          </p:cNvPr>
+          <p:cNvSpPr>
+            <a:spLocks noGrp="1"/>
+          </p:cNvSpPr>
+          <p:nvPr>
+            <p:ph type="title"/>
+          </p:nvPr>
+        </p:nvSpPr>
+        <p:spPr/>
+        <p:txBody>
+          <a:bodyPr/>
+          <a:lstStyle/>
+          <a:p>
+            <a:r>
+              <a:rPr lang="en-US" dirty="0"/>
+              <a:t>Discrete event simulators</a:t>
+            </a:r>
+          </a:p>
+        </p:txBody>
+      </p:sp>
+      <p:sp>
+        <p:nvSpPr>
+          <p:cNvPr id="3" name="Content Placeholder 2">
+            <a:extLst>
+              <a:ext uri="{FF2B5EF4-FFF2-40B4-BE49-F238E27FC236}">
+                <a16:creationId xmlns:a16="http://schemas.microsoft.com/office/drawing/2014/main" id="{5861C461-F116-0940-924F-E11CCB68ECF7}"/>
+              </a:ext>
+            </a:extLst>
+          </p:cNvPr>
+          <p:cNvSpPr>
+            <a:spLocks noGrp="1"/>
+          </p:cNvSpPr>
+          <p:nvPr>
+            <p:ph idx="1"/>
+          </p:nvPr>
+        </p:nvSpPr>
+        <p:spPr>
+          <a:xfrm>
+            <a:off x="2231136" y="2638045"/>
+            <a:ext cx="7729728" cy="2301703"/>
+          </a:xfrm>
+        </p:spPr>
+        <p:txBody>
+          <a:bodyPr/>
+          <a:lstStyle/>
+          <a:p>
+            <a:pPr>
+              <a:lnSpc>
+                <a:spcPct val="200000"/>
+              </a:lnSpc>
+            </a:pPr>
+            <a:r>
+              <a:rPr lang="en-US" dirty="0"/>
+              <a:t>Each event happens at a particular time</a:t>
+            </a:r>
+          </a:p>
+          <a:p>
+            <a:pPr>
+              <a:lnSpc>
+                <a:spcPct val="200000"/>
+              </a:lnSpc>
+            </a:pPr>
+            <a:r>
+              <a:rPr lang="en-US" dirty="0"/>
+              <a:t>Events mark a change in state of the system</a:t>
+            </a:r>
+          </a:p>
+          <a:p>
+            <a:pPr>
+              <a:lnSpc>
+                <a:spcPct val="200000"/>
+              </a:lnSpc>
+            </a:pPr>
+            <a:r>
+              <a:rPr lang="en-US" dirty="0"/>
+              <a:t>Used to model real world processes, like customer experiences, </a:t>
+            </a:r>
+            <a:r>
+              <a:rPr lang="en-US" dirty="0" err="1"/>
+              <a:t>NoC</a:t>
+            </a:r>
+            <a:r>
+              <a:rPr lang="en-US" dirty="0"/>
+              <a:t>, </a:t>
+            </a:r>
+            <a:r>
+              <a:rPr lang="en-US" dirty="0" err="1"/>
+              <a:t>etc</a:t>
+            </a:r>
+            <a:endParaRPr lang="en-US" dirty="0"/>
+          </a:p>
+          <a:p>
+            <a:pPr marL="0" indent="0">
+              <a:buNone/>
+            </a:pPr>
+            <a:endParaRPr lang="en-US" dirty="0"/>
+          </a:p>
+        </p:txBody>
+      </p:sp>
+    </p:spTree>
+    <p:extLst>
+      <p:ext uri="{BB962C8B-B14F-4D97-AF65-F5344CB8AC3E}">
+        <p14:creationId xmlns:p14="http://schemas.microsoft.com/office/powerpoint/2010/main" val="872989461"/>
+      </p:ext>
+    </p:extLst>
+  </p:cSld>
+  <p:clrMapOvr>
+    <a:masterClrMapping/>
+  </p:clrMapOvr>
+</p:sld>
+</file>
+
+<file path=ppt/slides/slide15.xml><?xml version="1.0" encoding="utf-8"?>
+<p:sld xmlns:a="http://schemas.openxmlformats.org/drawingml/2006/main" xmlns:r="http://schemas.openxmlformats.org/officeDocument/2006/relationships" xmlns:p="http://schemas.openxmlformats.org/presentationml/2006/main">
+  <p:cSld>
+    <p:spTree>
+      <p:nvGrpSpPr>
+        <p:cNvPr id="1" name=""/>
+        <p:cNvGrpSpPr/>
+        <p:nvPr/>
+      </p:nvGrpSpPr>
+      <p:grpSpPr>
+        <a:xfrm>
+          <a:off x="0" y="0"/>
+          <a:ext cx="0" cy="0"/>
+          <a:chOff x="0" y="0"/>
+          <a:chExt cx="0" cy="0"/>
+        </a:xfrm>
+      </p:grpSpPr>
+      <p:sp>
+        <p:nvSpPr>
+          <p:cNvPr id="2" name="Title 1">
+            <a:extLst>
+              <a:ext uri="{FF2B5EF4-FFF2-40B4-BE49-F238E27FC236}">
+                <a16:creationId xmlns:a16="http://schemas.microsoft.com/office/drawing/2014/main" id="{FA4D37E8-4A52-AB4F-8095-F1079D4DB1F4}"/>
+              </a:ext>
+            </a:extLst>
+          </p:cNvPr>
+          <p:cNvSpPr>
+            <a:spLocks noGrp="1"/>
+          </p:cNvSpPr>
+          <p:nvPr>
+            <p:ph type="title"/>
+          </p:nvPr>
+        </p:nvSpPr>
+        <p:spPr/>
+        <p:txBody>
+          <a:bodyPr/>
+          <a:lstStyle/>
+          <a:p>
+            <a:r>
+              <a:rPr lang="en-US" dirty="0" err="1"/>
+              <a:t>Simpy</a:t>
+            </a:r>
+            <a:endParaRPr lang="en-US" dirty="0"/>
+          </a:p>
+        </p:txBody>
+      </p:sp>
+      <p:sp>
+        <p:nvSpPr>
+          <p:cNvPr id="3" name="Content Placeholder 2">
+            <a:extLst>
+              <a:ext uri="{FF2B5EF4-FFF2-40B4-BE49-F238E27FC236}">
+                <a16:creationId xmlns:a16="http://schemas.microsoft.com/office/drawing/2014/main" id="{7F49EE12-982B-744E-B226-B5A0DE621610}"/>
+              </a:ext>
+            </a:extLst>
+          </p:cNvPr>
+          <p:cNvSpPr>
+            <a:spLocks noGrp="1"/>
+          </p:cNvSpPr>
+          <p:nvPr>
+            <p:ph idx="1"/>
+          </p:nvPr>
+        </p:nvSpPr>
+        <p:spPr>
+          <a:xfrm>
+            <a:off x="2231136" y="2638045"/>
+            <a:ext cx="7729728" cy="2301704"/>
+          </a:xfrm>
+        </p:spPr>
+        <p:txBody>
+          <a:bodyPr/>
+          <a:lstStyle/>
+          <a:p>
+            <a:r>
+              <a:rPr lang="en-US" dirty="0"/>
+              <a:t>Discrete event simulator library</a:t>
+            </a:r>
+          </a:p>
+          <a:p>
+            <a:endParaRPr lang="en-US" dirty="0"/>
+          </a:p>
+          <a:p>
+            <a:r>
+              <a:rPr lang="en-US" dirty="0" err="1"/>
+              <a:t>Goto</a:t>
+            </a:r>
+            <a:r>
+              <a:rPr lang="en-US" dirty="0"/>
+              <a:t> networking components </a:t>
+            </a:r>
+          </a:p>
+          <a:p>
+            <a:endParaRPr lang="en-US" dirty="0"/>
+          </a:p>
+          <a:p>
+            <a:r>
+              <a:rPr lang="en-US" dirty="0"/>
+              <a:t>Mac plus algebra class</a:t>
+            </a:r>
+          </a:p>
+        </p:txBody>
+      </p:sp>
+    </p:spTree>
+    <p:extLst>
+      <p:ext uri="{BB962C8B-B14F-4D97-AF65-F5344CB8AC3E}">
+        <p14:creationId xmlns:p14="http://schemas.microsoft.com/office/powerpoint/2010/main" val="2856491344"/>
+      </p:ext>
+    </p:extLst>
+  </p:cSld>
+  <p:clrMapOvr>
+    <a:masterClrMapping/>
+  </p:clrMapOvr>
+</p:sld>
+</file>
+
 <file path=ppt/slides/slide2.xml><?xml version="1.0" encoding="utf-8"?>
+<p:sld xmlns:a="http://schemas.openxmlformats.org/drawingml/2006/main" xmlns:r="http://schemas.openxmlformats.org/officeDocument/2006/relationships" xmlns:p="http://schemas.openxmlformats.org/presentationml/2006/main">
+  <p:cSld>
+    <p:spTree>
+      <p:nvGrpSpPr>
+        <p:cNvPr id="1" name=""/>
+        <p:cNvGrpSpPr/>
+        <p:nvPr/>
+      </p:nvGrpSpPr>
+      <p:grpSpPr>
+        <a:xfrm>
+          <a:off x="0" y="0"/>
+          <a:ext cx="0" cy="0"/>
+          <a:chOff x="0" y="0"/>
+          <a:chExt cx="0" cy="0"/>
+        </a:xfrm>
+      </p:grpSpPr>
+      <p:sp>
+        <p:nvSpPr>
+          <p:cNvPr id="2" name="Title 1">
+            <a:extLst>
+              <a:ext uri="{FF2B5EF4-FFF2-40B4-BE49-F238E27FC236}">
+                <a16:creationId xmlns:a16="http://schemas.microsoft.com/office/drawing/2014/main" id="{9BF81DAD-8B1C-B540-A90D-033846304F94}"/>
+              </a:ext>
+            </a:extLst>
+          </p:cNvPr>
+          <p:cNvSpPr>
+            <a:spLocks noGrp="1"/>
+          </p:cNvSpPr>
+          <p:nvPr>
+            <p:ph type="ctrTitle"/>
+          </p:nvPr>
+        </p:nvSpPr>
+        <p:spPr/>
+        <p:txBody>
+          <a:bodyPr/>
+          <a:lstStyle/>
+          <a:p>
+            <a:r>
+              <a:rPr lang="en-US" dirty="0"/>
+              <a:t>MAX Plus Algebra</a:t>
+            </a:r>
+          </a:p>
+        </p:txBody>
+      </p:sp>
+      <p:sp>
+        <p:nvSpPr>
+          <p:cNvPr id="3" name="Subtitle 2">
+            <a:extLst>
+              <a:ext uri="{FF2B5EF4-FFF2-40B4-BE49-F238E27FC236}">
+                <a16:creationId xmlns:a16="http://schemas.microsoft.com/office/drawing/2014/main" id="{24453E7F-1F26-F44D-8189-5E722BEC044F}"/>
+              </a:ext>
+            </a:extLst>
+          </p:cNvPr>
+          <p:cNvSpPr>
+            <a:spLocks noGrp="1"/>
+          </p:cNvSpPr>
+          <p:nvPr>
+            <p:ph type="subTitle" idx="1"/>
+          </p:nvPr>
+        </p:nvSpPr>
+        <p:spPr/>
+        <p:txBody>
+          <a:bodyPr/>
+          <a:lstStyle/>
+          <a:p>
+            <a:r>
+              <a:rPr lang="en-US" dirty="0"/>
+              <a:t>Waylon Jepsen</a:t>
+            </a:r>
+          </a:p>
+        </p:txBody>
+      </p:sp>
+    </p:spTree>
+    <p:extLst>
+      <p:ext uri="{BB962C8B-B14F-4D97-AF65-F5344CB8AC3E}">
+        <p14:creationId xmlns:p14="http://schemas.microsoft.com/office/powerpoint/2010/main" val="3179023014"/>
+      </p:ext>
+    </p:extLst>
+  </p:cSld>
+  <p:clrMapOvr>
+    <a:masterClrMapping/>
+  </p:clrMapOvr>
+</p:sld>
+</file>
+
+<file path=ppt/slides/slide3.xml><?xml version="1.0" encoding="utf-8"?>
 <p:sld xmlns:a="http://schemas.openxmlformats.org/drawingml/2006/main" xmlns:r="http://schemas.openxmlformats.org/officeDocument/2006/relationships" xmlns:p="http://schemas.openxmlformats.org/presentationml/2006/main">
   <p:cSld>
     <p:spTree>
@@ -7231,8 +8964,8 @@
           </a:p>
         </p:txBody>
       </p:sp>
-      <mc:AlternateContent xmlns:mc="http://schemas.openxmlformats.org/markup-compatibility/2006">
-        <mc:Choice xmlns:a14="http://schemas.microsoft.com/office/drawing/2010/main" Requires="a14">
+      <mc:AlternateContent xmlns:mc="http://schemas.openxmlformats.org/markup-compatibility/2006" xmlns:a14="http://schemas.microsoft.com/office/drawing/2010/main">
+        <mc:Choice Requires="a14">
           <p:sp>
             <p:nvSpPr>
               <p:cNvPr id="3" name="Content Placeholder 2">
@@ -7375,7 +9108,7 @@
             </p:txBody>
           </p:sp>
         </mc:Choice>
-        <mc:Fallback>
+        <mc:Fallback xmlns="">
           <p:sp>
             <p:nvSpPr>
               <p:cNvPr id="3" name="Content Placeholder 2">
@@ -7432,7 +9165,7 @@
 </p:sld>
 </file>
 
-<file path=ppt/slides/slide3.xml><?xml version="1.0" encoding="utf-8"?>
+<file path=ppt/slides/slide4.xml><?xml version="1.0" encoding="utf-8"?>
 <p:sld xmlns:a="http://schemas.openxmlformats.org/drawingml/2006/main" xmlns:r="http://schemas.openxmlformats.org/officeDocument/2006/relationships" xmlns:p="http://schemas.openxmlformats.org/presentationml/2006/main">
   <p:cSld>
     <p:spTree>
@@ -7578,7 +9311,7 @@
 </p:sld>
 </file>
 
-<file path=ppt/slides/slide4.xml><?xml version="1.0" encoding="utf-8"?>
+<file path=ppt/slides/slide5.xml><?xml version="1.0" encoding="utf-8"?>
 <p:sld xmlns:a="http://schemas.openxmlformats.org/drawingml/2006/main" xmlns:r="http://schemas.openxmlformats.org/officeDocument/2006/relationships" xmlns:p="http://schemas.openxmlformats.org/presentationml/2006/main">
   <p:cSld>
     <p:spTree>
@@ -7705,7 +9438,7 @@
 </p:sld>
 </file>
 
-<file path=ppt/slides/slide5.xml><?xml version="1.0" encoding="utf-8"?>
+<file path=ppt/slides/slide6.xml><?xml version="1.0" encoding="utf-8"?>
 <p:sld xmlns:a="http://schemas.openxmlformats.org/drawingml/2006/main" xmlns:r="http://schemas.openxmlformats.org/officeDocument/2006/relationships" xmlns:p="http://schemas.openxmlformats.org/presentationml/2006/main">
   <p:cSld>
     <p:spTree>
@@ -8604,7 +10337,7 @@
 </p:sld>
 </file>
 
-<file path=ppt/slides/slide6.xml><?xml version="1.0" encoding="utf-8"?>
+<file path=ppt/slides/slide7.xml><?xml version="1.0" encoding="utf-8"?>
 <p:sld xmlns:a="http://schemas.openxmlformats.org/drawingml/2006/main" xmlns:r="http://schemas.openxmlformats.org/officeDocument/2006/relationships" xmlns:p="http://schemas.openxmlformats.org/presentationml/2006/main">
   <p:cSld>
     <p:spTree>
@@ -10581,7 +12314,7 @@
 </p:sld>
 </file>
 
-<file path=ppt/slides/slide7.xml><?xml version="1.0" encoding="utf-8"?>
+<file path=ppt/slides/slide8.xml><?xml version="1.0" encoding="utf-8"?>
 <p:sld xmlns:a="http://schemas.openxmlformats.org/drawingml/2006/main" xmlns:r="http://schemas.openxmlformats.org/officeDocument/2006/relationships" xmlns:p="http://schemas.openxmlformats.org/presentationml/2006/main">
   <p:cSld>
     <p:spTree>
@@ -10739,7 +12472,7 @@
 </p:sld>
 </file>
 
-<file path=ppt/slides/slide8.xml><?xml version="1.0" encoding="utf-8"?>
+<file path=ppt/slides/slide9.xml><?xml version="1.0" encoding="utf-8"?>
 <p:sld xmlns:a="http://schemas.openxmlformats.org/drawingml/2006/main" xmlns:r="http://schemas.openxmlformats.org/officeDocument/2006/relationships" xmlns:p="http://schemas.openxmlformats.org/presentationml/2006/main">
   <p:cSld>
     <p:spTree>
@@ -10784,8 +12517,8 @@
           </a:p>
         </p:txBody>
       </p:sp>
-      <mc:AlternateContent xmlns:mc="http://schemas.openxmlformats.org/markup-compatibility/2006">
-        <mc:Choice xmlns:a14="http://schemas.microsoft.com/office/drawing/2010/main" Requires="a14">
+      <mc:AlternateContent xmlns:mc="http://schemas.openxmlformats.org/markup-compatibility/2006" xmlns:a14="http://schemas.microsoft.com/office/drawing/2010/main">
+        <mc:Choice Requires="a14">
           <p:sp>
             <p:nvSpPr>
               <p:cNvPr id="3" name="Content Placeholder 2">
@@ -12005,7 +13738,7 @@
             </p:txBody>
           </p:sp>
         </mc:Choice>
-        <mc:Fallback>
+        <mc:Fallback xmlns="">
           <p:sp>
             <p:nvSpPr>
               <p:cNvPr id="3" name="Content Placeholder 2">
@@ -12053,1386 +13786,6 @@
     <p:extLst>
       <p:ext uri="{BB962C8B-B14F-4D97-AF65-F5344CB8AC3E}">
         <p14:creationId xmlns:p14="http://schemas.microsoft.com/office/powerpoint/2010/main" val="1804348639"/>
-      </p:ext>
-    </p:extLst>
-  </p:cSld>
-  <p:clrMapOvr>
-    <a:masterClrMapping/>
-  </p:clrMapOvr>
-</p:sld>
-</file>
-
-<file path=ppt/slides/slide9.xml><?xml version="1.0" encoding="utf-8"?>
-<p:sld xmlns:a="http://schemas.openxmlformats.org/drawingml/2006/main" xmlns:r="http://schemas.openxmlformats.org/officeDocument/2006/relationships" xmlns:p="http://schemas.openxmlformats.org/presentationml/2006/main">
-  <p:cSld>
-    <p:spTree>
-      <p:nvGrpSpPr>
-        <p:cNvPr id="1" name=""/>
-        <p:cNvGrpSpPr/>
-        <p:nvPr/>
-      </p:nvGrpSpPr>
-      <p:grpSpPr>
-        <a:xfrm>
-          <a:off x="0" y="0"/>
-          <a:ext cx="0" cy="0"/>
-          <a:chOff x="0" y="0"/>
-          <a:chExt cx="0" cy="0"/>
-        </a:xfrm>
-      </p:grpSpPr>
-      <p:sp>
-        <p:nvSpPr>
-          <p:cNvPr id="2" name="Title 1">
-            <a:extLst>
-              <a:ext uri="{FF2B5EF4-FFF2-40B4-BE49-F238E27FC236}">
-                <a16:creationId xmlns:a16="http://schemas.microsoft.com/office/drawing/2014/main" id="{DD86E05A-6125-8D49-918A-3DA1CDE9D412}"/>
-              </a:ext>
-            </a:extLst>
-          </p:cNvPr>
-          <p:cNvSpPr>
-            <a:spLocks noGrp="1"/>
-          </p:cNvSpPr>
-          <p:nvPr>
-            <p:ph type="title"/>
-          </p:nvPr>
-        </p:nvSpPr>
-        <p:spPr/>
-        <p:txBody>
-          <a:bodyPr/>
-          <a:lstStyle/>
-          <a:p>
-            <a:r>
-              <a:rPr lang="en-US" dirty="0"/>
-              <a:t>Continued</a:t>
-            </a:r>
-          </a:p>
-        </p:txBody>
-      </p:sp>
-      <mc:AlternateContent xmlns:mc="http://schemas.openxmlformats.org/markup-compatibility/2006">
-        <mc:Choice xmlns:a14="http://schemas.microsoft.com/office/drawing/2010/main" Requires="a14">
-          <p:sp>
-            <p:nvSpPr>
-              <p:cNvPr id="3" name="Content Placeholder 2">
-                <a:extLst>
-                  <a:ext uri="{FF2B5EF4-FFF2-40B4-BE49-F238E27FC236}">
-                    <a16:creationId xmlns:a16="http://schemas.microsoft.com/office/drawing/2014/main" id="{B8AEB25F-8A6B-4046-B51B-266B19EA3FE4}"/>
-                  </a:ext>
-                </a:extLst>
-              </p:cNvPr>
-              <p:cNvSpPr>
-                <a:spLocks noGrp="1"/>
-              </p:cNvSpPr>
-              <p:nvPr>
-                <p:ph idx="1"/>
-              </p:nvPr>
-            </p:nvSpPr>
-            <p:spPr>
-              <a:xfrm>
-                <a:off x="2231136" y="2638044"/>
-                <a:ext cx="7729728" cy="4001295"/>
-              </a:xfrm>
-            </p:spPr>
-            <p:txBody>
-              <a:bodyPr>
-                <a:normAutofit fontScale="92500" lnSpcReduction="10000"/>
-              </a:bodyPr>
-              <a:lstStyle/>
-              <a:p>
-                <a14:m>
-                  <m:oMath xmlns:m="http://schemas.openxmlformats.org/officeDocument/2006/math">
-                    <m:sSub>
-                      <m:sSubPr>
-                        <m:ctrlPr>
-                          <a:rPr lang="en-US" i="1" smtClean="0">
-                            <a:latin typeface="Cambria Math" panose="02040503050406030204" pitchFamily="18" charset="0"/>
-                            <a:ea typeface="Cambria Math" panose="02040503050406030204" pitchFamily="18" charset="0"/>
-                          </a:rPr>
-                        </m:ctrlPr>
-                      </m:sSubPr>
-                      <m:e>
-                        <m:r>
-                          <a:rPr lang="en-US" i="1">
-                            <a:latin typeface="Cambria Math" panose="02040503050406030204" pitchFamily="18" charset="0"/>
-                            <a:ea typeface="Cambria Math" panose="02040503050406030204" pitchFamily="18" charset="0"/>
-                          </a:rPr>
-                          <m:t>𝑑</m:t>
-                        </m:r>
-                      </m:e>
-                      <m:sub>
-                        <m:r>
-                          <a:rPr lang="en-US" i="1">
-                            <a:latin typeface="Cambria Math" panose="02040503050406030204" pitchFamily="18" charset="0"/>
-                            <a:ea typeface="Cambria Math" panose="02040503050406030204" pitchFamily="18" charset="0"/>
-                          </a:rPr>
-                          <m:t>𝐾</m:t>
-                        </m:r>
-                        <m:r>
-                          <a:rPr lang="en-US" i="1">
-                            <a:latin typeface="Cambria Math" panose="02040503050406030204" pitchFamily="18" charset="0"/>
-                            <a:ea typeface="Cambria Math" panose="02040503050406030204" pitchFamily="18" charset="0"/>
-                          </a:rPr>
-                          <m:t>,0</m:t>
-                        </m:r>
-                      </m:sub>
-                    </m:sSub>
-                  </m:oMath>
-                </a14:m>
-                <a:r>
-                  <a:rPr lang="en-US" dirty="0"/>
-                  <a:t> represents the transmission delay of ACKs from the destination to the source (Kth router is destination, 0</a:t>
-                </a:r>
-                <a:r>
-                  <a:rPr lang="en-US" baseline="30000" dirty="0"/>
-                  <a:t>th</a:t>
-                </a:r>
-                <a:r>
-                  <a:rPr lang="en-US" dirty="0"/>
-                  <a:t> router is source) </a:t>
-                </a:r>
-              </a:p>
-              <a:p>
-                <a:r>
-                  <a:rPr lang="en-US" dirty="0"/>
-                  <a:t>If the sequence </a:t>
-                </a:r>
-                <a14:m>
-                  <m:oMath xmlns:m="http://schemas.openxmlformats.org/officeDocument/2006/math">
-                    <m:sSub>
-                      <m:sSubPr>
-                        <m:ctrlPr>
-                          <a:rPr lang="en-US" i="1" smtClean="0">
-                            <a:latin typeface="Cambria Math" panose="02040503050406030204" pitchFamily="18" charset="0"/>
-                          </a:rPr>
-                        </m:ctrlPr>
-                      </m:sSubPr>
-                      <m:e>
-                        <m:r>
-                          <a:rPr lang="en-US" b="0" i="1" smtClean="0">
-                            <a:latin typeface="Cambria Math" panose="02040503050406030204" pitchFamily="18" charset="0"/>
-                          </a:rPr>
-                          <m:t>{</m:t>
-                        </m:r>
-                        <m:r>
-                          <a:rPr lang="en-US" b="0" i="1" smtClean="0">
-                            <a:latin typeface="Cambria Math" panose="02040503050406030204" pitchFamily="18" charset="0"/>
-                          </a:rPr>
-                          <m:t>𝑣</m:t>
-                        </m:r>
-                      </m:e>
-                      <m:sub>
-                        <m:r>
-                          <a:rPr lang="en-US" b="0" i="1" smtClean="0">
-                            <a:latin typeface="Cambria Math" panose="02040503050406030204" pitchFamily="18" charset="0"/>
-                          </a:rPr>
-                          <m:t>𝑛</m:t>
-                        </m:r>
-                      </m:sub>
-                    </m:sSub>
-                    <m:r>
-                      <a:rPr lang="en-US" b="0" i="1" smtClean="0">
-                        <a:latin typeface="Cambria Math" panose="02040503050406030204" pitchFamily="18" charset="0"/>
-                      </a:rPr>
-                      <m:t>}</m:t>
-                    </m:r>
-                  </m:oMath>
-                </a14:m>
-                <a:r>
-                  <a:rPr lang="en-US" dirty="0"/>
-                  <a:t>(time experienced by packet n) is known, then the sequence </a:t>
-                </a:r>
-                <a14:m>
-                  <m:oMath xmlns:m="http://schemas.openxmlformats.org/officeDocument/2006/math">
-                    <m:sSub>
-                      <m:sSubPr>
-                        <m:ctrlPr>
-                          <a:rPr lang="en-US" i="1">
-                            <a:latin typeface="Cambria Math" panose="02040503050406030204" pitchFamily="18" charset="0"/>
-                          </a:rPr>
-                        </m:ctrlPr>
-                      </m:sSubPr>
-                      <m:e>
-                        <m:r>
-                          <a:rPr lang="en-US" b="0" i="1" smtClean="0">
-                            <a:latin typeface="Cambria Math" panose="02040503050406030204" pitchFamily="18" charset="0"/>
-                          </a:rPr>
-                          <m:t>{</m:t>
-                        </m:r>
-                        <m:r>
-                          <a:rPr lang="en-US" i="1">
-                            <a:latin typeface="Cambria Math" panose="02040503050406030204" pitchFamily="18" charset="0"/>
-                          </a:rPr>
-                          <m:t>𝑦</m:t>
-                        </m:r>
-                      </m:e>
-                      <m:sub>
-                        <m:r>
-                          <a:rPr lang="en-US" i="1">
-                            <a:latin typeface="Cambria Math" panose="02040503050406030204" pitchFamily="18" charset="0"/>
-                          </a:rPr>
-                          <m:t>𝑖</m:t>
-                        </m:r>
-                      </m:sub>
-                    </m:sSub>
-                    <m:d>
-                      <m:dPr>
-                        <m:ctrlPr>
-                          <a:rPr lang="en-US" i="1">
-                            <a:latin typeface="Cambria Math" panose="02040503050406030204" pitchFamily="18" charset="0"/>
-                          </a:rPr>
-                        </m:ctrlPr>
-                      </m:dPr>
-                      <m:e>
-                        <m:r>
-                          <a:rPr lang="en-US" i="1">
-                            <a:latin typeface="Cambria Math" panose="02040503050406030204" pitchFamily="18" charset="0"/>
-                          </a:rPr>
-                          <m:t>𝑛</m:t>
-                        </m:r>
-                      </m:e>
-                    </m:d>
-                    <m:r>
-                      <a:rPr lang="en-US" b="0" i="1" smtClean="0">
-                        <a:latin typeface="Cambria Math" panose="02040503050406030204" pitchFamily="18" charset="0"/>
-                      </a:rPr>
-                      <m:t>}</m:t>
-                    </m:r>
-                  </m:oMath>
-                </a14:m>
-                <a:r>
-                  <a:rPr lang="en-US" dirty="0"/>
-                  <a:t>(time packet n leaves router </a:t>
-                </a:r>
-                <a:r>
-                  <a:rPr lang="en-US" dirty="0" err="1"/>
-                  <a:t>i</a:t>
-                </a:r>
-                <a:r>
-                  <a:rPr lang="en-US" dirty="0"/>
-                  <a:t>) satisfies the following conditions (reminder </a:t>
-                </a:r>
-                <a14:m>
-                  <m:oMath xmlns:m="http://schemas.openxmlformats.org/officeDocument/2006/math">
-                    <m:r>
-                      <a:rPr lang="en-US" i="1">
-                        <a:latin typeface="Cambria Math" panose="02040503050406030204" pitchFamily="18" charset="0"/>
-                        <a:ea typeface="Cambria Math" panose="02040503050406030204" pitchFamily="18" charset="0"/>
-                      </a:rPr>
-                      <m:t>⊗</m:t>
-                    </m:r>
-                  </m:oMath>
-                </a14:m>
-                <a:r>
-                  <a:rPr lang="en-US" dirty="0"/>
-                  <a:t> is plus) :</a:t>
-                </a:r>
-              </a:p>
-              <a:p>
-                <a:pPr lvl="1"/>
-                <a14:m>
-                  <m:oMath xmlns:m="http://schemas.openxmlformats.org/officeDocument/2006/math">
-                    <m:sSub>
-                      <m:sSubPr>
-                        <m:ctrlPr>
-                          <a:rPr lang="en-US" i="1" smtClean="0">
-                            <a:latin typeface="Cambria Math" panose="02040503050406030204" pitchFamily="18" charset="0"/>
-                          </a:rPr>
-                        </m:ctrlPr>
-                      </m:sSubPr>
-                      <m:e>
-                        <m:r>
-                          <a:rPr lang="en-US" b="0" i="1" smtClean="0">
-                            <a:latin typeface="Cambria Math" panose="02040503050406030204" pitchFamily="18" charset="0"/>
-                          </a:rPr>
-                          <m:t>𝑦</m:t>
-                        </m:r>
-                      </m:e>
-                      <m:sub>
-                        <m:r>
-                          <a:rPr lang="en-US" b="0" i="1" smtClean="0">
-                            <a:latin typeface="Cambria Math" panose="02040503050406030204" pitchFamily="18" charset="0"/>
-                          </a:rPr>
-                          <m:t>0</m:t>
-                        </m:r>
-                      </m:sub>
-                    </m:sSub>
-                    <m:d>
-                      <m:dPr>
-                        <m:ctrlPr>
-                          <a:rPr lang="en-US" b="0" i="1" smtClean="0">
-                            <a:latin typeface="Cambria Math" panose="02040503050406030204" pitchFamily="18" charset="0"/>
-                          </a:rPr>
-                        </m:ctrlPr>
-                      </m:dPr>
-                      <m:e>
-                        <m:r>
-                          <a:rPr lang="en-US" b="0" i="1" smtClean="0">
-                            <a:latin typeface="Cambria Math" panose="02040503050406030204" pitchFamily="18" charset="0"/>
-                          </a:rPr>
-                          <m:t>𝑛</m:t>
-                        </m:r>
-                      </m:e>
-                    </m:d>
-                    <m:r>
-                      <a:rPr lang="en-US" b="0" i="1" smtClean="0">
-                        <a:latin typeface="Cambria Math" panose="02040503050406030204" pitchFamily="18" charset="0"/>
-                      </a:rPr>
-                      <m:t>=</m:t>
-                    </m:r>
-                    <m:sSub>
-                      <m:sSubPr>
-                        <m:ctrlPr>
-                          <a:rPr lang="en-US" i="1">
-                            <a:latin typeface="Cambria Math" panose="02040503050406030204" pitchFamily="18" charset="0"/>
-                          </a:rPr>
-                        </m:ctrlPr>
-                      </m:sSubPr>
-                      <m:e>
-                        <m:r>
-                          <a:rPr lang="en-US" i="1">
-                            <a:latin typeface="Cambria Math" panose="02040503050406030204" pitchFamily="18" charset="0"/>
-                          </a:rPr>
-                          <m:t>𝑦</m:t>
-                        </m:r>
-                      </m:e>
-                      <m:sub>
-                        <m:r>
-                          <a:rPr lang="en-US" b="0" i="1" smtClean="0">
-                            <a:latin typeface="Cambria Math" panose="02040503050406030204" pitchFamily="18" charset="0"/>
-                          </a:rPr>
-                          <m:t>𝐾</m:t>
-                        </m:r>
-                      </m:sub>
-                    </m:sSub>
-                    <m:r>
-                      <a:rPr lang="en-US" b="0" i="1" smtClean="0">
-                        <a:latin typeface="Cambria Math" panose="02040503050406030204" pitchFamily="18" charset="0"/>
-                      </a:rPr>
-                      <m:t>(</m:t>
-                    </m:r>
-                    <m:r>
-                      <a:rPr lang="en-US" b="0" i="1" smtClean="0">
-                        <a:latin typeface="Cambria Math" panose="02040503050406030204" pitchFamily="18" charset="0"/>
-                      </a:rPr>
-                      <m:t>𝑛</m:t>
-                    </m:r>
-                    <m:r>
-                      <a:rPr lang="en-US" b="0" i="1" smtClean="0">
-                        <a:latin typeface="Cambria Math" panose="02040503050406030204" pitchFamily="18" charset="0"/>
-                      </a:rPr>
-                      <m:t>−</m:t>
-                    </m:r>
-                    <m:sSub>
-                      <m:sSubPr>
-                        <m:ctrlPr>
-                          <a:rPr lang="en-US" b="0" i="1" smtClean="0">
-                            <a:latin typeface="Cambria Math" panose="02040503050406030204" pitchFamily="18" charset="0"/>
-                          </a:rPr>
-                        </m:ctrlPr>
-                      </m:sSubPr>
-                      <m:e>
-                        <m:r>
-                          <a:rPr lang="en-US" b="0" i="1" smtClean="0">
-                            <a:latin typeface="Cambria Math" panose="02040503050406030204" pitchFamily="18" charset="0"/>
-                          </a:rPr>
-                          <m:t>𝑣</m:t>
-                        </m:r>
-                      </m:e>
-                      <m:sub>
-                        <m:r>
-                          <a:rPr lang="en-US" b="0" i="1" smtClean="0">
-                            <a:latin typeface="Cambria Math" panose="02040503050406030204" pitchFamily="18" charset="0"/>
-                          </a:rPr>
-                          <m:t>𝑛</m:t>
-                        </m:r>
-                        <m:r>
-                          <a:rPr lang="en-US" b="0" i="1" smtClean="0">
-                            <a:latin typeface="Cambria Math" panose="02040503050406030204" pitchFamily="18" charset="0"/>
-                          </a:rPr>
-                          <m:t>−1</m:t>
-                        </m:r>
-                      </m:sub>
-                    </m:sSub>
-                    <m:r>
-                      <a:rPr lang="en-US" b="0" i="1" smtClean="0">
-                        <a:latin typeface="Cambria Math" panose="02040503050406030204" pitchFamily="18" charset="0"/>
-                      </a:rPr>
-                      <m:t>)</m:t>
-                    </m:r>
-                    <m:r>
-                      <a:rPr lang="en-US" b="0" i="1" smtClean="0">
-                        <a:latin typeface="Cambria Math" panose="02040503050406030204" pitchFamily="18" charset="0"/>
-                        <a:ea typeface="Cambria Math" panose="02040503050406030204" pitchFamily="18" charset="0"/>
-                      </a:rPr>
-                      <m:t>⊗</m:t>
-                    </m:r>
-                    <m:sSub>
-                      <m:sSubPr>
-                        <m:ctrlPr>
-                          <a:rPr lang="en-US" b="0" i="1" smtClean="0">
-                            <a:latin typeface="Cambria Math" panose="02040503050406030204" pitchFamily="18" charset="0"/>
-                            <a:ea typeface="Cambria Math" panose="02040503050406030204" pitchFamily="18" charset="0"/>
-                          </a:rPr>
-                        </m:ctrlPr>
-                      </m:sSubPr>
-                      <m:e>
-                        <m:r>
-                          <a:rPr lang="en-US" b="0" i="1" smtClean="0">
-                            <a:latin typeface="Cambria Math" panose="02040503050406030204" pitchFamily="18" charset="0"/>
-                            <a:ea typeface="Cambria Math" panose="02040503050406030204" pitchFamily="18" charset="0"/>
-                          </a:rPr>
-                          <m:t>𝑑</m:t>
-                        </m:r>
-                      </m:e>
-                      <m:sub>
-                        <m:r>
-                          <a:rPr lang="en-US" b="0" i="1" smtClean="0">
-                            <a:latin typeface="Cambria Math" panose="02040503050406030204" pitchFamily="18" charset="0"/>
-                            <a:ea typeface="Cambria Math" panose="02040503050406030204" pitchFamily="18" charset="0"/>
-                          </a:rPr>
-                          <m:t>𝐾</m:t>
-                        </m:r>
-                        <m:r>
-                          <a:rPr lang="en-US" b="0" i="1" smtClean="0">
-                            <a:latin typeface="Cambria Math" panose="02040503050406030204" pitchFamily="18" charset="0"/>
-                            <a:ea typeface="Cambria Math" panose="02040503050406030204" pitchFamily="18" charset="0"/>
-                          </a:rPr>
-                          <m:t>,0</m:t>
-                        </m:r>
-                      </m:sub>
-                    </m:sSub>
-                  </m:oMath>
-                </a14:m>
-                <a:endParaRPr lang="en-US" dirty="0"/>
-              </a:p>
-              <a:p>
-                <a:pPr lvl="1"/>
-                <a14:m>
-                  <m:oMath xmlns:m="http://schemas.openxmlformats.org/officeDocument/2006/math">
-                    <m:sSub>
-                      <m:sSubPr>
-                        <m:ctrlPr>
-                          <a:rPr lang="en-US" i="1">
-                            <a:latin typeface="Cambria Math" panose="02040503050406030204" pitchFamily="18" charset="0"/>
-                          </a:rPr>
-                        </m:ctrlPr>
-                      </m:sSubPr>
-                      <m:e>
-                        <m:r>
-                          <a:rPr lang="en-US" i="1">
-                            <a:latin typeface="Cambria Math" panose="02040503050406030204" pitchFamily="18" charset="0"/>
-                          </a:rPr>
-                          <m:t>𝑦</m:t>
-                        </m:r>
-                      </m:e>
-                      <m:sub>
-                        <m:r>
-                          <a:rPr lang="en-US" b="0" i="1" smtClean="0">
-                            <a:latin typeface="Cambria Math" panose="02040503050406030204" pitchFamily="18" charset="0"/>
-                          </a:rPr>
-                          <m:t>𝑖</m:t>
-                        </m:r>
-                      </m:sub>
-                    </m:sSub>
-                    <m:d>
-                      <m:dPr>
-                        <m:ctrlPr>
-                          <a:rPr lang="en-US" i="1">
-                            <a:latin typeface="Cambria Math" panose="02040503050406030204" pitchFamily="18" charset="0"/>
-                          </a:rPr>
-                        </m:ctrlPr>
-                      </m:dPr>
-                      <m:e>
-                        <m:r>
-                          <a:rPr lang="en-US" i="1">
-                            <a:latin typeface="Cambria Math" panose="02040503050406030204" pitchFamily="18" charset="0"/>
-                          </a:rPr>
-                          <m:t>𝑛</m:t>
-                        </m:r>
-                      </m:e>
-                    </m:d>
-                    <m:r>
-                      <a:rPr lang="en-US" i="1">
-                        <a:latin typeface="Cambria Math" panose="02040503050406030204" pitchFamily="18" charset="0"/>
-                      </a:rPr>
-                      <m:t>=</m:t>
-                    </m:r>
-                    <m:r>
-                      <a:rPr lang="en-US" b="0" i="1" smtClean="0">
-                        <a:latin typeface="Cambria Math" panose="02040503050406030204" pitchFamily="18" charset="0"/>
-                      </a:rPr>
-                      <m:t>[(</m:t>
-                    </m:r>
-                    <m:sSub>
-                      <m:sSubPr>
-                        <m:ctrlPr>
-                          <a:rPr lang="en-US" i="1" smtClean="0">
-                            <a:latin typeface="Cambria Math" panose="02040503050406030204" pitchFamily="18" charset="0"/>
-                          </a:rPr>
-                        </m:ctrlPr>
-                      </m:sSubPr>
-                      <m:e>
-                        <m:r>
-                          <a:rPr lang="en-US" b="0" i="1" smtClean="0">
-                            <a:latin typeface="Cambria Math" panose="02040503050406030204" pitchFamily="18" charset="0"/>
-                          </a:rPr>
-                          <m:t>𝑦</m:t>
-                        </m:r>
-                      </m:e>
-                      <m:sub>
-                        <m:r>
-                          <a:rPr lang="en-US" b="0" i="1" smtClean="0">
-                            <a:latin typeface="Cambria Math" panose="02040503050406030204" pitchFamily="18" charset="0"/>
-                          </a:rPr>
-                          <m:t>𝑖</m:t>
-                        </m:r>
-                        <m:r>
-                          <a:rPr lang="en-US" b="0" i="1" smtClean="0">
-                            <a:latin typeface="Cambria Math" panose="02040503050406030204" pitchFamily="18" charset="0"/>
-                          </a:rPr>
-                          <m:t>−1</m:t>
-                        </m:r>
-                      </m:sub>
-                    </m:sSub>
-                    <m:r>
-                      <a:rPr lang="en-US" b="0" i="1" smtClean="0">
-                        <a:latin typeface="Cambria Math" panose="02040503050406030204" pitchFamily="18" charset="0"/>
-                      </a:rPr>
-                      <m:t>(</m:t>
-                    </m:r>
-                    <m:r>
-                      <a:rPr lang="en-US" b="0" i="1" smtClean="0">
-                        <a:latin typeface="Cambria Math" panose="02040503050406030204" pitchFamily="18" charset="0"/>
-                      </a:rPr>
-                      <m:t>𝑛</m:t>
-                    </m:r>
-                    <m:r>
-                      <a:rPr lang="en-US" b="0" i="1" smtClean="0">
-                        <a:latin typeface="Cambria Math" panose="02040503050406030204" pitchFamily="18" charset="0"/>
-                      </a:rPr>
-                      <m:t>)⊗</m:t>
-                    </m:r>
-                  </m:oMath>
-                </a14:m>
-                <a:r>
-                  <a:rPr lang="en-US" dirty="0">
-                    <a:ea typeface="Cambria Math" panose="02040503050406030204" pitchFamily="18" charset="0"/>
-                  </a:rPr>
-                  <a:t> </a:t>
-                </a:r>
-                <a14:m>
-                  <m:oMath xmlns:m="http://schemas.openxmlformats.org/officeDocument/2006/math">
-                    <m:sSub>
-                      <m:sSubPr>
-                        <m:ctrlPr>
-                          <a:rPr lang="en-US" i="1">
-                            <a:latin typeface="Cambria Math" panose="02040503050406030204" pitchFamily="18" charset="0"/>
-                            <a:ea typeface="Cambria Math" panose="02040503050406030204" pitchFamily="18" charset="0"/>
-                          </a:rPr>
-                        </m:ctrlPr>
-                      </m:sSubPr>
-                      <m:e>
-                        <m:r>
-                          <a:rPr lang="en-US" i="1">
-                            <a:latin typeface="Cambria Math" panose="02040503050406030204" pitchFamily="18" charset="0"/>
-                            <a:ea typeface="Cambria Math" panose="02040503050406030204" pitchFamily="18" charset="0"/>
-                          </a:rPr>
-                          <m:t>𝑑</m:t>
-                        </m:r>
-                      </m:e>
-                      <m:sub>
-                        <m:r>
-                          <a:rPr lang="en-US" b="0" i="1" smtClean="0">
-                            <a:latin typeface="Cambria Math" panose="02040503050406030204" pitchFamily="18" charset="0"/>
-                            <a:ea typeface="Cambria Math" panose="02040503050406030204" pitchFamily="18" charset="0"/>
-                          </a:rPr>
-                          <m:t>𝑖</m:t>
-                        </m:r>
-                        <m:r>
-                          <a:rPr lang="en-US" b="0" i="1" smtClean="0">
-                            <a:latin typeface="Cambria Math" panose="02040503050406030204" pitchFamily="18" charset="0"/>
-                            <a:ea typeface="Cambria Math" panose="02040503050406030204" pitchFamily="18" charset="0"/>
-                          </a:rPr>
-                          <m:t>−1,</m:t>
-                        </m:r>
-                        <m:r>
-                          <a:rPr lang="en-US" b="0" i="1" smtClean="0">
-                            <a:latin typeface="Cambria Math" panose="02040503050406030204" pitchFamily="18" charset="0"/>
-                            <a:ea typeface="Cambria Math" panose="02040503050406030204" pitchFamily="18" charset="0"/>
-                          </a:rPr>
-                          <m:t>𝑖</m:t>
-                        </m:r>
-                      </m:sub>
-                    </m:sSub>
-                    <m:r>
-                      <a:rPr lang="en-US" b="0" i="1" smtClean="0">
-                        <a:latin typeface="Cambria Math" panose="02040503050406030204" pitchFamily="18" charset="0"/>
-                        <a:ea typeface="Cambria Math" panose="02040503050406030204" pitchFamily="18" charset="0"/>
-                      </a:rPr>
-                      <m:t>)</m:t>
-                    </m:r>
-                  </m:oMath>
-                </a14:m>
-                <a:r>
-                  <a:rPr lang="en-US" dirty="0">
-                    <a:ea typeface="Cambria Math" panose="02040503050406030204" pitchFamily="18" charset="0"/>
-                  </a:rPr>
-                  <a:t> </a:t>
-                </a:r>
-                <a14:m>
-                  <m:oMath xmlns:m="http://schemas.openxmlformats.org/officeDocument/2006/math">
-                    <m:r>
-                      <a:rPr lang="en-US" i="1" dirty="0" smtClean="0">
-                        <a:latin typeface="Cambria Math" panose="02040503050406030204" pitchFamily="18" charset="0"/>
-                        <a:ea typeface="Cambria Math" panose="02040503050406030204" pitchFamily="18" charset="0"/>
-                      </a:rPr>
-                      <m:t>⊕</m:t>
-                    </m:r>
-                  </m:oMath>
-                </a14:m>
-                <a:r>
-                  <a:rPr lang="en-US" dirty="0"/>
-                  <a:t> (</a:t>
-                </a:r>
-                <a14:m>
-                  <m:oMath xmlns:m="http://schemas.openxmlformats.org/officeDocument/2006/math">
-                    <m:sSub>
-                      <m:sSubPr>
-                        <m:ctrlPr>
-                          <a:rPr lang="en-US" i="1">
-                            <a:latin typeface="Cambria Math" panose="02040503050406030204" pitchFamily="18" charset="0"/>
-                          </a:rPr>
-                        </m:ctrlPr>
-                      </m:sSubPr>
-                      <m:e>
-                        <m:r>
-                          <a:rPr lang="en-US" i="1">
-                            <a:latin typeface="Cambria Math" panose="02040503050406030204" pitchFamily="18" charset="0"/>
-                          </a:rPr>
-                          <m:t>𝑦</m:t>
-                        </m:r>
-                      </m:e>
-                      <m:sub>
-                        <m:r>
-                          <a:rPr lang="en-US" i="1">
-                            <a:latin typeface="Cambria Math" panose="02040503050406030204" pitchFamily="18" charset="0"/>
-                          </a:rPr>
-                          <m:t>𝑖</m:t>
-                        </m:r>
-                      </m:sub>
-                    </m:sSub>
-                    <m:r>
-                      <a:rPr lang="en-US" b="0" i="1" smtClean="0">
-                        <a:latin typeface="Cambria Math" panose="02040503050406030204" pitchFamily="18" charset="0"/>
-                      </a:rPr>
-                      <m:t>(</m:t>
-                    </m:r>
-                    <m:r>
-                      <a:rPr lang="en-US" b="0" i="1" smtClean="0">
-                        <a:latin typeface="Cambria Math" panose="02040503050406030204" pitchFamily="18" charset="0"/>
-                      </a:rPr>
-                      <m:t>𝑛</m:t>
-                    </m:r>
-                    <m:r>
-                      <a:rPr lang="en-US" b="0" i="1" smtClean="0">
-                        <a:latin typeface="Cambria Math" panose="02040503050406030204" pitchFamily="18" charset="0"/>
-                      </a:rPr>
-                      <m:t>−1))]</m:t>
-                    </m:r>
-                  </m:oMath>
-                </a14:m>
-                <a:r>
-                  <a:rPr lang="en-US" dirty="0">
-                    <a:ea typeface="Cambria Math" panose="02040503050406030204" pitchFamily="18" charset="0"/>
-                  </a:rPr>
-                  <a:t> </a:t>
-                </a:r>
-                <a14:m>
-                  <m:oMath xmlns:m="http://schemas.openxmlformats.org/officeDocument/2006/math">
-                    <m:r>
-                      <a:rPr lang="en-US" i="1">
-                        <a:latin typeface="Cambria Math" panose="02040503050406030204" pitchFamily="18" charset="0"/>
-                        <a:ea typeface="Cambria Math" panose="02040503050406030204" pitchFamily="18" charset="0"/>
-                      </a:rPr>
-                      <m:t>⊗</m:t>
-                    </m:r>
-                  </m:oMath>
-                </a14:m>
-                <a:r>
-                  <a:rPr lang="en-US" dirty="0"/>
-                  <a:t> </a:t>
-                </a:r>
-                <a14:m>
-                  <m:oMath xmlns:m="http://schemas.openxmlformats.org/officeDocument/2006/math">
-                    <m:sSub>
-                      <m:sSubPr>
-                        <m:ctrlPr>
-                          <a:rPr lang="en-US" i="1">
-                            <a:latin typeface="Cambria Math" panose="02040503050406030204" pitchFamily="18" charset="0"/>
-                          </a:rPr>
-                        </m:ctrlPr>
-                      </m:sSubPr>
-                      <m:e>
-                        <m:r>
-                          <a:rPr lang="en-US" i="1">
-                            <a:latin typeface="Cambria Math" panose="02040503050406030204" pitchFamily="18" charset="0"/>
-                          </a:rPr>
-                          <m:t>𝜎</m:t>
-                        </m:r>
-                      </m:e>
-                      <m:sub>
-                        <m:r>
-                          <a:rPr lang="en-US" i="1">
-                            <a:latin typeface="Cambria Math" panose="02040503050406030204" pitchFamily="18" charset="0"/>
-                          </a:rPr>
-                          <m:t>𝑖</m:t>
-                        </m:r>
-                      </m:sub>
-                    </m:sSub>
-                    <m:d>
-                      <m:dPr>
-                        <m:ctrlPr>
-                          <a:rPr lang="en-US" i="1">
-                            <a:latin typeface="Cambria Math" panose="02040503050406030204" pitchFamily="18" charset="0"/>
-                          </a:rPr>
-                        </m:ctrlPr>
-                      </m:dPr>
-                      <m:e>
-                        <m:r>
-                          <a:rPr lang="en-US" i="1">
-                            <a:latin typeface="Cambria Math" panose="02040503050406030204" pitchFamily="18" charset="0"/>
-                          </a:rPr>
-                          <m:t>𝑛</m:t>
-                        </m:r>
-                      </m:e>
-                    </m:d>
-                  </m:oMath>
-                </a14:m>
-                <a:r>
-                  <a:rPr lang="en-US" dirty="0"/>
-                  <a:t> // </a:t>
-                </a:r>
-                <a14:m>
-                  <m:oMath xmlns:m="http://schemas.openxmlformats.org/officeDocument/2006/math">
-                    <m:sSub>
-                      <m:sSubPr>
-                        <m:ctrlPr>
-                          <a:rPr lang="en-US" i="1">
-                            <a:latin typeface="Cambria Math" panose="02040503050406030204" pitchFamily="18" charset="0"/>
-                            <a:ea typeface="Cambria Math" panose="02040503050406030204" pitchFamily="18" charset="0"/>
-                          </a:rPr>
-                        </m:ctrlPr>
-                      </m:sSubPr>
-                      <m:e>
-                        <m:r>
-                          <a:rPr lang="en-US" i="1">
-                            <a:latin typeface="Cambria Math" panose="02040503050406030204" pitchFamily="18" charset="0"/>
-                            <a:ea typeface="Cambria Math" panose="02040503050406030204" pitchFamily="18" charset="0"/>
-                          </a:rPr>
-                          <m:t>𝑑</m:t>
-                        </m:r>
-                      </m:e>
-                      <m:sub>
-                        <m:r>
-                          <a:rPr lang="en-US" i="1">
-                            <a:latin typeface="Cambria Math" panose="02040503050406030204" pitchFamily="18" charset="0"/>
-                            <a:ea typeface="Cambria Math" panose="02040503050406030204" pitchFamily="18" charset="0"/>
-                          </a:rPr>
-                          <m:t>𝑖</m:t>
-                        </m:r>
-                        <m:r>
-                          <a:rPr lang="en-US" i="1">
-                            <a:latin typeface="Cambria Math" panose="02040503050406030204" pitchFamily="18" charset="0"/>
-                            <a:ea typeface="Cambria Math" panose="02040503050406030204" pitchFamily="18" charset="0"/>
-                          </a:rPr>
-                          <m:t>−1,</m:t>
-                        </m:r>
-                        <m:r>
-                          <a:rPr lang="en-US" i="1">
-                            <a:latin typeface="Cambria Math" panose="02040503050406030204" pitchFamily="18" charset="0"/>
-                            <a:ea typeface="Cambria Math" panose="02040503050406030204" pitchFamily="18" charset="0"/>
-                          </a:rPr>
-                          <m:t>𝑖</m:t>
-                        </m:r>
-                      </m:sub>
-                    </m:sSub>
-                  </m:oMath>
-                </a14:m>
-                <a:r>
-                  <a:rPr lang="en-US" dirty="0"/>
-                  <a:t> is not the same as the ACK</a:t>
-                </a:r>
-              </a:p>
-              <a:p>
-                <a:r>
-                  <a:rPr lang="en-US" dirty="0"/>
-                  <a:t>Takeaways:</a:t>
-                </a:r>
-              </a:p>
-              <a:p>
-                <a:pPr lvl="1"/>
-                <a14:m>
-                  <m:oMath xmlns:m="http://schemas.openxmlformats.org/officeDocument/2006/math">
-                    <m:sSub>
-                      <m:sSubPr>
-                        <m:ctrlPr>
-                          <a:rPr lang="en-US" i="1">
-                            <a:latin typeface="Cambria Math" panose="02040503050406030204" pitchFamily="18" charset="0"/>
-                          </a:rPr>
-                        </m:ctrlPr>
-                      </m:sSubPr>
-                      <m:e>
-                        <m:r>
-                          <a:rPr lang="en-US" i="1">
-                            <a:latin typeface="Cambria Math" panose="02040503050406030204" pitchFamily="18" charset="0"/>
-                          </a:rPr>
-                          <m:t>𝑥</m:t>
-                        </m:r>
-                      </m:e>
-                      <m:sub>
-                        <m:r>
-                          <a:rPr lang="en-US" i="1">
-                            <a:latin typeface="Cambria Math" panose="02040503050406030204" pitchFamily="18" charset="0"/>
-                          </a:rPr>
-                          <m:t>𝑖</m:t>
-                        </m:r>
-                      </m:sub>
-                    </m:sSub>
-                    <m:d>
-                      <m:dPr>
-                        <m:ctrlPr>
-                          <a:rPr lang="en-US" i="1">
-                            <a:latin typeface="Cambria Math" panose="02040503050406030204" pitchFamily="18" charset="0"/>
-                          </a:rPr>
-                        </m:ctrlPr>
-                      </m:dPr>
-                      <m:e>
-                        <m:r>
-                          <a:rPr lang="en-US" i="1">
-                            <a:latin typeface="Cambria Math" panose="02040503050406030204" pitchFamily="18" charset="0"/>
-                          </a:rPr>
-                          <m:t>𝑛</m:t>
-                        </m:r>
-                      </m:e>
-                    </m:d>
-                    <m:d>
-                      <m:dPr>
-                        <m:ctrlPr>
-                          <a:rPr lang="en-US" b="0" i="1" smtClean="0">
-                            <a:latin typeface="Cambria Math" panose="02040503050406030204" pitchFamily="18" charset="0"/>
-                          </a:rPr>
-                        </m:ctrlPr>
-                      </m:dPr>
-                      <m:e>
-                        <m:r>
-                          <a:rPr lang="en-US" b="0" i="1" smtClean="0">
-                            <a:latin typeface="Cambria Math" panose="02040503050406030204" pitchFamily="18" charset="0"/>
-                          </a:rPr>
-                          <m:t>𝑡𝑖𝑚𝑒</m:t>
-                        </m:r>
-                        <m:r>
-                          <a:rPr lang="en-US" b="0" i="1" smtClean="0">
-                            <a:latin typeface="Cambria Math" panose="02040503050406030204" pitchFamily="18" charset="0"/>
-                          </a:rPr>
-                          <m:t> </m:t>
-                        </m:r>
-                        <m:r>
-                          <a:rPr lang="en-US" b="0" i="1" smtClean="0">
-                            <a:latin typeface="Cambria Math" panose="02040503050406030204" pitchFamily="18" charset="0"/>
-                          </a:rPr>
-                          <m:t>𝑎𝑡</m:t>
-                        </m:r>
-                        <m:r>
-                          <a:rPr lang="en-US" b="0" i="1" smtClean="0">
-                            <a:latin typeface="Cambria Math" panose="02040503050406030204" pitchFamily="18" charset="0"/>
-                          </a:rPr>
-                          <m:t> </m:t>
-                        </m:r>
-                        <m:r>
-                          <a:rPr lang="en-US" b="0" i="1" smtClean="0">
-                            <a:latin typeface="Cambria Math" panose="02040503050406030204" pitchFamily="18" charset="0"/>
-                          </a:rPr>
-                          <m:t>𝑤h𝑖𝑐h</m:t>
-                        </m:r>
-                        <m:r>
-                          <a:rPr lang="en-US" b="0" i="1" smtClean="0">
-                            <a:latin typeface="Cambria Math" panose="02040503050406030204" pitchFamily="18" charset="0"/>
-                          </a:rPr>
-                          <m:t> </m:t>
-                        </m:r>
-                        <m:r>
-                          <a:rPr lang="en-US" b="0" i="1" smtClean="0">
-                            <a:latin typeface="Cambria Math" panose="02040503050406030204" pitchFamily="18" charset="0"/>
-                          </a:rPr>
-                          <m:t>𝑝𝑎𝑐𝑘𝑒𝑡</m:t>
-                        </m:r>
-                        <m:r>
-                          <a:rPr lang="en-US" b="0" i="1" smtClean="0">
-                            <a:latin typeface="Cambria Math" panose="02040503050406030204" pitchFamily="18" charset="0"/>
-                          </a:rPr>
-                          <m:t> </m:t>
-                        </m:r>
-                        <m:r>
-                          <a:rPr lang="en-US" b="0" i="1" smtClean="0">
-                            <a:latin typeface="Cambria Math" panose="02040503050406030204" pitchFamily="18" charset="0"/>
-                          </a:rPr>
-                          <m:t>𝑛</m:t>
-                        </m:r>
-                        <m:r>
-                          <a:rPr lang="en-US" b="0" i="1" smtClean="0">
-                            <a:latin typeface="Cambria Math" panose="02040503050406030204" pitchFamily="18" charset="0"/>
-                          </a:rPr>
-                          <m:t> </m:t>
-                        </m:r>
-                        <m:r>
-                          <a:rPr lang="en-US" b="0" i="1" smtClean="0">
-                            <a:latin typeface="Cambria Math" panose="02040503050406030204" pitchFamily="18" charset="0"/>
-                          </a:rPr>
-                          <m:t>𝑠𝑡𝑎𝑟𝑡</m:t>
-                        </m:r>
-                        <m:r>
-                          <a:rPr lang="en-US" b="0" i="1" smtClean="0">
-                            <a:latin typeface="Cambria Math" panose="02040503050406030204" pitchFamily="18" charset="0"/>
-                          </a:rPr>
-                          <m:t> </m:t>
-                        </m:r>
-                        <m:r>
-                          <a:rPr lang="en-US" b="0" i="1" smtClean="0">
-                            <a:latin typeface="Cambria Math" panose="02040503050406030204" pitchFamily="18" charset="0"/>
-                          </a:rPr>
-                          <m:t>𝑠𝑒𝑟𝑣𝑖𝑐𝑒</m:t>
-                        </m:r>
-                        <m:r>
-                          <a:rPr lang="en-US" b="0" i="1" smtClean="0">
-                            <a:latin typeface="Cambria Math" panose="02040503050406030204" pitchFamily="18" charset="0"/>
-                          </a:rPr>
-                          <m:t> </m:t>
-                        </m:r>
-                        <m:r>
-                          <a:rPr lang="en-US" b="0" i="1" smtClean="0">
-                            <a:latin typeface="Cambria Math" panose="02040503050406030204" pitchFamily="18" charset="0"/>
-                          </a:rPr>
-                          <m:t>𝑡𝑖𝑚𝑒</m:t>
-                        </m:r>
-                        <m:r>
-                          <a:rPr lang="en-US" b="0" i="1" smtClean="0">
-                            <a:latin typeface="Cambria Math" panose="02040503050406030204" pitchFamily="18" charset="0"/>
-                          </a:rPr>
-                          <m:t> </m:t>
-                        </m:r>
-                        <m:r>
-                          <a:rPr lang="en-US" b="0" i="1" smtClean="0">
-                            <a:latin typeface="Cambria Math" panose="02040503050406030204" pitchFamily="18" charset="0"/>
-                          </a:rPr>
-                          <m:t>𝑜𝑛</m:t>
-                        </m:r>
-                        <m:r>
-                          <a:rPr lang="en-US" b="0" i="1" smtClean="0">
-                            <a:latin typeface="Cambria Math" panose="02040503050406030204" pitchFamily="18" charset="0"/>
-                          </a:rPr>
-                          <m:t> </m:t>
-                        </m:r>
-                        <m:r>
-                          <a:rPr lang="en-US" b="0" i="1" smtClean="0">
-                            <a:latin typeface="Cambria Math" panose="02040503050406030204" pitchFamily="18" charset="0"/>
-                          </a:rPr>
-                          <m:t>𝑟𝑜𝑢𝑡𝑒𝑟</m:t>
-                        </m:r>
-                        <m:r>
-                          <a:rPr lang="en-US" b="0" i="1" smtClean="0">
-                            <a:latin typeface="Cambria Math" panose="02040503050406030204" pitchFamily="18" charset="0"/>
-                          </a:rPr>
-                          <m:t> </m:t>
-                        </m:r>
-                        <m:r>
-                          <a:rPr lang="en-US" b="0" i="1" smtClean="0">
-                            <a:latin typeface="Cambria Math" panose="02040503050406030204" pitchFamily="18" charset="0"/>
-                          </a:rPr>
-                          <m:t>𝑖</m:t>
-                        </m:r>
-                      </m:e>
-                    </m:d>
-                    <m:r>
-                      <a:rPr lang="en-US" b="0" i="1" smtClean="0">
-                        <a:latin typeface="Cambria Math" panose="02040503050406030204" pitchFamily="18" charset="0"/>
-                      </a:rPr>
-                      <m:t>𝑖𝑠</m:t>
-                    </m:r>
-                    <m:r>
-                      <a:rPr lang="en-US" b="0" i="1" smtClean="0">
-                        <a:latin typeface="Cambria Math" panose="02040503050406030204" pitchFamily="18" charset="0"/>
-                      </a:rPr>
-                      <m:t> </m:t>
-                    </m:r>
-                    <m:r>
-                      <a:rPr lang="en-US" b="0" i="1" smtClean="0">
-                        <a:latin typeface="Cambria Math" panose="02040503050406030204" pitchFamily="18" charset="0"/>
-                      </a:rPr>
-                      <m:t>𝑚𝑜𝑑𝑒𝑙𝑒𝑑</m:t>
-                    </m:r>
-                    <m:r>
-                      <a:rPr lang="en-US" b="0" i="1" smtClean="0">
-                        <a:latin typeface="Cambria Math" panose="02040503050406030204" pitchFamily="18" charset="0"/>
-                      </a:rPr>
-                      <m:t> </m:t>
-                    </m:r>
-                    <m:r>
-                      <a:rPr lang="en-US" b="0" i="1" smtClean="0">
-                        <a:latin typeface="Cambria Math" panose="02040503050406030204" pitchFamily="18" charset="0"/>
-                      </a:rPr>
-                      <m:t>𝑜𝑛</m:t>
-                    </m:r>
-                    <m:r>
-                      <a:rPr lang="en-US" b="0" i="1" smtClean="0">
-                        <a:latin typeface="Cambria Math" panose="02040503050406030204" pitchFamily="18" charset="0"/>
-                      </a:rPr>
-                      <m:t> </m:t>
-                    </m:r>
-                    <m:sSub>
-                      <m:sSubPr>
-                        <m:ctrlPr>
-                          <a:rPr lang="en-US" i="1">
-                            <a:latin typeface="Cambria Math" panose="02040503050406030204" pitchFamily="18" charset="0"/>
-                          </a:rPr>
-                        </m:ctrlPr>
-                      </m:sSubPr>
-                      <m:e>
-                        <m:r>
-                          <a:rPr lang="en-US" i="1">
-                            <a:latin typeface="Cambria Math" panose="02040503050406030204" pitchFamily="18" charset="0"/>
-                          </a:rPr>
-                          <m:t>{</m:t>
-                        </m:r>
-                        <m:r>
-                          <a:rPr lang="en-US" i="1">
-                            <a:latin typeface="Cambria Math" panose="02040503050406030204" pitchFamily="18" charset="0"/>
-                          </a:rPr>
-                          <m:t>𝑣</m:t>
-                        </m:r>
-                      </m:e>
-                      <m:sub>
-                        <m:r>
-                          <a:rPr lang="en-US" i="1">
-                            <a:latin typeface="Cambria Math" panose="02040503050406030204" pitchFamily="18" charset="0"/>
-                          </a:rPr>
-                          <m:t>𝑛</m:t>
-                        </m:r>
-                      </m:sub>
-                    </m:sSub>
-                    <m:r>
-                      <a:rPr lang="en-US" i="1">
-                        <a:latin typeface="Cambria Math" panose="02040503050406030204" pitchFamily="18" charset="0"/>
-                      </a:rPr>
-                      <m:t>}</m:t>
-                    </m:r>
-                  </m:oMath>
-                </a14:m>
-                <a:r>
-                  <a:rPr lang="en-US" dirty="0"/>
-                  <a:t> </a:t>
-                </a:r>
-              </a:p>
-              <a:p>
-                <a:r>
-                  <a:rPr lang="en-US" dirty="0"/>
-                  <a:t>Representing the route backwards as a sequence of routers</a:t>
-                </a:r>
-              </a:p>
-              <a:p>
-                <a:pPr lvl="1"/>
-                <a14:m>
-                  <m:oMath xmlns:m="http://schemas.openxmlformats.org/officeDocument/2006/math">
-                    <m:r>
-                      <a:rPr lang="en-US" b="0" i="1" smtClean="0">
-                        <a:latin typeface="Cambria Math" panose="02040503050406030204" pitchFamily="18" charset="0"/>
-                      </a:rPr>
-                      <m:t>𝑌</m:t>
-                    </m:r>
-                    <m:d>
-                      <m:dPr>
-                        <m:ctrlPr>
-                          <a:rPr lang="en-US" b="0" i="1" smtClean="0">
-                            <a:latin typeface="Cambria Math" panose="02040503050406030204" pitchFamily="18" charset="0"/>
-                          </a:rPr>
-                        </m:ctrlPr>
-                      </m:dPr>
-                      <m:e>
-                        <m:r>
-                          <a:rPr lang="en-US" b="0" i="1" smtClean="0">
-                            <a:latin typeface="Cambria Math" panose="02040503050406030204" pitchFamily="18" charset="0"/>
-                          </a:rPr>
-                          <m:t>𝑛</m:t>
-                        </m:r>
-                      </m:e>
-                    </m:d>
-                    <m:r>
-                      <a:rPr lang="en-US" b="0" i="1" smtClean="0">
-                        <a:latin typeface="Cambria Math" panose="02040503050406030204" pitchFamily="18" charset="0"/>
-                      </a:rPr>
-                      <m:t>=(</m:t>
-                    </m:r>
-                    <m:sSub>
-                      <m:sSubPr>
-                        <m:ctrlPr>
-                          <a:rPr lang="en-US" i="1">
-                            <a:latin typeface="Cambria Math" panose="02040503050406030204" pitchFamily="18" charset="0"/>
-                          </a:rPr>
-                        </m:ctrlPr>
-                      </m:sSubPr>
-                      <m:e>
-                        <m:r>
-                          <a:rPr lang="en-US" i="1">
-                            <a:latin typeface="Cambria Math" panose="02040503050406030204" pitchFamily="18" charset="0"/>
-                          </a:rPr>
-                          <m:t>𝑦</m:t>
-                        </m:r>
-                      </m:e>
-                      <m:sub>
-                        <m:r>
-                          <a:rPr lang="en-US" b="0" i="1" smtClean="0">
-                            <a:latin typeface="Cambria Math" panose="02040503050406030204" pitchFamily="18" charset="0"/>
-                          </a:rPr>
-                          <m:t>1</m:t>
-                        </m:r>
-                      </m:sub>
-                    </m:sSub>
-                    <m:d>
-                      <m:dPr>
-                        <m:ctrlPr>
-                          <a:rPr lang="en-US" i="1">
-                            <a:latin typeface="Cambria Math" panose="02040503050406030204" pitchFamily="18" charset="0"/>
-                          </a:rPr>
-                        </m:ctrlPr>
-                      </m:dPr>
-                      <m:e>
-                        <m:r>
-                          <a:rPr lang="en-US" i="1">
-                            <a:latin typeface="Cambria Math" panose="02040503050406030204" pitchFamily="18" charset="0"/>
-                          </a:rPr>
-                          <m:t>𝑛</m:t>
-                        </m:r>
-                      </m:e>
-                    </m:d>
-                    <m:r>
-                      <a:rPr lang="en-US" b="0" i="1" smtClean="0">
-                        <a:latin typeface="Cambria Math" panose="02040503050406030204" pitchFamily="18" charset="0"/>
-                      </a:rPr>
-                      <m:t>,</m:t>
-                    </m:r>
-                    <m:sSub>
-                      <m:sSubPr>
-                        <m:ctrlPr>
-                          <a:rPr lang="en-US" i="1">
-                            <a:latin typeface="Cambria Math" panose="02040503050406030204" pitchFamily="18" charset="0"/>
-                          </a:rPr>
-                        </m:ctrlPr>
-                      </m:sSubPr>
-                      <m:e>
-                        <m:r>
-                          <a:rPr lang="en-US" i="1">
-                            <a:latin typeface="Cambria Math" panose="02040503050406030204" pitchFamily="18" charset="0"/>
-                          </a:rPr>
-                          <m:t>𝑦</m:t>
-                        </m:r>
-                      </m:e>
-                      <m:sub>
-                        <m:r>
-                          <a:rPr lang="en-US" b="0" i="1" smtClean="0">
-                            <a:latin typeface="Cambria Math" panose="02040503050406030204" pitchFamily="18" charset="0"/>
-                          </a:rPr>
-                          <m:t>2</m:t>
-                        </m:r>
-                      </m:sub>
-                    </m:sSub>
-                    <m:d>
-                      <m:dPr>
-                        <m:ctrlPr>
-                          <a:rPr lang="en-US" i="1">
-                            <a:latin typeface="Cambria Math" panose="02040503050406030204" pitchFamily="18" charset="0"/>
-                          </a:rPr>
-                        </m:ctrlPr>
-                      </m:dPr>
-                      <m:e>
-                        <m:r>
-                          <a:rPr lang="en-US" i="1">
-                            <a:latin typeface="Cambria Math" panose="02040503050406030204" pitchFamily="18" charset="0"/>
-                          </a:rPr>
-                          <m:t>𝑛</m:t>
-                        </m:r>
-                      </m:e>
-                    </m:d>
-                    <m:r>
-                      <a:rPr lang="en-US" b="0" i="1" smtClean="0">
-                        <a:latin typeface="Cambria Math" panose="02040503050406030204" pitchFamily="18" charset="0"/>
-                      </a:rPr>
-                      <m:t>,…,</m:t>
-                    </m:r>
-                    <m:sSub>
-                      <m:sSubPr>
-                        <m:ctrlPr>
-                          <a:rPr lang="en-US" i="1">
-                            <a:latin typeface="Cambria Math" panose="02040503050406030204" pitchFamily="18" charset="0"/>
-                          </a:rPr>
-                        </m:ctrlPr>
-                      </m:sSubPr>
-                      <m:e>
-                        <m:r>
-                          <a:rPr lang="en-US" i="1">
-                            <a:latin typeface="Cambria Math" panose="02040503050406030204" pitchFamily="18" charset="0"/>
-                          </a:rPr>
-                          <m:t>𝑦</m:t>
-                        </m:r>
-                      </m:e>
-                      <m:sub>
-                        <m:r>
-                          <a:rPr lang="en-US" b="0" i="1" smtClean="0">
-                            <a:latin typeface="Cambria Math" panose="02040503050406030204" pitchFamily="18" charset="0"/>
-                          </a:rPr>
-                          <m:t>𝐾</m:t>
-                        </m:r>
-                      </m:sub>
-                    </m:sSub>
-                    <m:d>
-                      <m:dPr>
-                        <m:ctrlPr>
-                          <a:rPr lang="en-US" i="1">
-                            <a:latin typeface="Cambria Math" panose="02040503050406030204" pitchFamily="18" charset="0"/>
-                          </a:rPr>
-                        </m:ctrlPr>
-                      </m:dPr>
-                      <m:e>
-                        <m:r>
-                          <a:rPr lang="en-US" i="1">
-                            <a:latin typeface="Cambria Math" panose="02040503050406030204" pitchFamily="18" charset="0"/>
-                          </a:rPr>
-                          <m:t>𝑛</m:t>
-                        </m:r>
-                      </m:e>
-                    </m:d>
-                    <m:r>
-                      <a:rPr lang="en-US" b="0" i="1" smtClean="0">
-                        <a:latin typeface="Cambria Math" panose="02040503050406030204" pitchFamily="18" charset="0"/>
-                      </a:rPr>
-                      <m:t>)</m:t>
-                    </m:r>
-                    <m:r>
-                      <a:rPr lang="en-US" b="0" i="1" smtClean="0">
-                        <a:latin typeface="Cambria Math" panose="02040503050406030204" pitchFamily="18" charset="0"/>
-                        <a:ea typeface="Cambria Math" panose="02040503050406030204" pitchFamily="18" charset="0"/>
-                      </a:rPr>
-                      <m:t>𝜖</m:t>
-                    </m:r>
-                    <m:sSubSup>
-                      <m:sSubSupPr>
-                        <m:ctrlPr>
-                          <a:rPr lang="en-US" b="0" i="1" smtClean="0">
-                            <a:latin typeface="Cambria Math" panose="02040503050406030204" pitchFamily="18" charset="0"/>
-                            <a:ea typeface="Cambria Math" panose="02040503050406030204" pitchFamily="18" charset="0"/>
-                          </a:rPr>
-                        </m:ctrlPr>
-                      </m:sSubSupPr>
-                      <m:e>
-                        <m:r>
-                          <a:rPr lang="en-US" i="1">
-                            <a:latin typeface="Cambria Math" panose="02040503050406030204" pitchFamily="18" charset="0"/>
-                            <a:ea typeface="Cambria Math" panose="02040503050406030204" pitchFamily="18" charset="0"/>
-                          </a:rPr>
-                          <m:t>ℝ</m:t>
-                        </m:r>
-                      </m:e>
-                      <m:sub>
-                        <m:r>
-                          <a:rPr lang="en-US" b="0" i="1" smtClean="0">
-                            <a:latin typeface="Cambria Math" panose="02040503050406030204" pitchFamily="18" charset="0"/>
-                            <a:ea typeface="Cambria Math" panose="02040503050406030204" pitchFamily="18" charset="0"/>
-                          </a:rPr>
-                          <m:t>𝑚𝑎𝑥</m:t>
-                        </m:r>
-                      </m:sub>
-                      <m:sup>
-                        <m:r>
-                          <a:rPr lang="en-US" b="0" i="1" smtClean="0">
-                            <a:latin typeface="Cambria Math" panose="02040503050406030204" pitchFamily="18" charset="0"/>
-                            <a:ea typeface="Cambria Math" panose="02040503050406030204" pitchFamily="18" charset="0"/>
-                          </a:rPr>
-                          <m:t>1,</m:t>
-                        </m:r>
-                        <m:r>
-                          <a:rPr lang="en-US" b="0" i="1" smtClean="0">
-                            <a:latin typeface="Cambria Math" panose="02040503050406030204" pitchFamily="18" charset="0"/>
-                            <a:ea typeface="Cambria Math" panose="02040503050406030204" pitchFamily="18" charset="0"/>
-                          </a:rPr>
-                          <m:t>𝐾</m:t>
-                        </m:r>
-                      </m:sup>
-                    </m:sSubSup>
-                  </m:oMath>
-                </a14:m>
-                <a:r>
-                  <a:rPr lang="en-US" dirty="0"/>
-                  <a:t>  sequence of times packet n leaves each router</a:t>
-                </a:r>
-              </a:p>
-              <a:p>
-                <a:pPr lvl="1"/>
-                <a:r>
-                  <a:rPr lang="en-US" dirty="0"/>
-                  <a:t>This is a 1x K matrix</a:t>
-                </a:r>
-              </a:p>
-              <a:p>
-                <a:pPr lvl="1"/>
-                <a:endParaRPr lang="en-US" dirty="0"/>
-              </a:p>
-            </p:txBody>
-          </p:sp>
-        </mc:Choice>
-        <mc:Fallback>
-          <p:sp>
-            <p:nvSpPr>
-              <p:cNvPr id="3" name="Content Placeholder 2">
-                <a:extLst>
-                  <a:ext uri="{FF2B5EF4-FFF2-40B4-BE49-F238E27FC236}">
-                    <a16:creationId xmlns:a16="http://schemas.microsoft.com/office/drawing/2014/main" id="{B8AEB25F-8A6B-4046-B51B-266B19EA3FE4}"/>
-                  </a:ext>
-                </a:extLst>
-              </p:cNvPr>
-              <p:cNvSpPr>
-                <a:spLocks noGrp="1" noRot="1" noChangeAspect="1" noMove="1" noResize="1" noEditPoints="1" noAdjustHandles="1" noChangeArrowheads="1" noChangeShapeType="1" noTextEdit="1"/>
-              </p:cNvSpPr>
-              <p:nvPr>
-                <p:ph idx="1"/>
-              </p:nvPr>
-            </p:nvSpPr>
-            <p:spPr>
-              <a:xfrm>
-                <a:off x="2231136" y="2638044"/>
-                <a:ext cx="7729728" cy="4001295"/>
-              </a:xfrm>
-              <a:blipFill>
-                <a:blip r:embed="rId2"/>
-                <a:stretch>
-                  <a:fillRect l="-328" t="-949"/>
-                </a:stretch>
-              </a:blipFill>
-            </p:spPr>
-            <p:txBody>
-              <a:bodyPr/>
-              <a:lstStyle/>
-              <a:p>
-                <a:r>
-                  <a:rPr lang="en-US">
-                    <a:noFill/>
-                  </a:rPr>
-                  <a:t> </a:t>
-                </a:r>
-              </a:p>
-            </p:txBody>
-          </p:sp>
-        </mc:Fallback>
-      </mc:AlternateContent>
-    </p:spTree>
-    <p:extLst>
-      <p:ext uri="{BB962C8B-B14F-4D97-AF65-F5344CB8AC3E}">
-        <p14:creationId xmlns:p14="http://schemas.microsoft.com/office/powerpoint/2010/main" val="4060171518"/>
       </p:ext>
     </p:extLst>
   </p:cSld>
